--- a/batch1/ppt/TRANSPORT MANAGEMENT SYSTEM-1.pptx
+++ b/batch1/ppt/TRANSPORT MANAGEMENT SYSTEM-1.pptx
@@ -1,43 +1,43 @@
 
 <file path=ppt/presentation.xml><?xml version="1.0" encoding="utf-8"?>
-<p:presentation xmlns:p="http://schemas.openxmlformats.org/presentationml/2006/main" xmlns:r="http://schemas.openxmlformats.org/officeDocument/2006/relationships" xmlns:a="http://schemas.openxmlformats.org/drawingml/2006/main">
+<p:presentation xmlns:a="http://schemas.openxmlformats.org/drawingml/2006/main" xmlns:r="http://schemas.openxmlformats.org/officeDocument/2006/relationships" xmlns:p="http://schemas.openxmlformats.org/presentationml/2006/main">
   <p:sldMasterIdLst>
     <p:sldMasterId id="2147483648" r:id="rId1"/>
   </p:sldMasterIdLst>
   <p:notesMasterIdLst>
-    <p:notesMasterId r:id="rId2"/>
+    <p:notesMasterId r:id="rId24"/>
   </p:notesMasterIdLst>
   <p:sldIdLst>
-    <p:sldId id="257" r:id="rId3"/>
-    <p:sldId id="258" r:id="rId4"/>
-    <p:sldId id="259" r:id="rId5"/>
-    <p:sldId id="260" r:id="rId6"/>
-    <p:sldId id="261" r:id="rId7"/>
-    <p:sldId id="262" r:id="rId8"/>
-    <p:sldId id="263" r:id="rId9"/>
-    <p:sldId id="264" r:id="rId10"/>
-    <p:sldId id="265" r:id="rId11"/>
-    <p:sldId id="266" r:id="rId12"/>
-    <p:sldId id="267" r:id="rId13"/>
-    <p:sldId id="268" r:id="rId14"/>
-    <p:sldId id="269" r:id="rId15"/>
-    <p:sldId id="270" r:id="rId16"/>
-    <p:sldId id="271" r:id="rId17"/>
-    <p:sldId id="272" r:id="rId18"/>
-    <p:sldId id="273" r:id="rId19"/>
-    <p:sldId id="274" r:id="rId20"/>
-    <p:sldId id="275" r:id="rId21"/>
-    <p:sldId id="276" r:id="rId22"/>
-    <p:sldId id="277" r:id="rId23"/>
-    <p:sldId id="278" r:id="rId24"/>
+    <p:sldId id="257" r:id="rId2"/>
+    <p:sldId id="258" r:id="rId3"/>
+    <p:sldId id="259" r:id="rId4"/>
+    <p:sldId id="260" r:id="rId5"/>
+    <p:sldId id="261" r:id="rId6"/>
+    <p:sldId id="262" r:id="rId7"/>
+    <p:sldId id="263" r:id="rId8"/>
+    <p:sldId id="264" r:id="rId9"/>
+    <p:sldId id="265" r:id="rId10"/>
+    <p:sldId id="266" r:id="rId11"/>
+    <p:sldId id="267" r:id="rId12"/>
+    <p:sldId id="268" r:id="rId13"/>
+    <p:sldId id="269" r:id="rId14"/>
+    <p:sldId id="270" r:id="rId15"/>
+    <p:sldId id="271" r:id="rId16"/>
+    <p:sldId id="272" r:id="rId17"/>
+    <p:sldId id="273" r:id="rId18"/>
+    <p:sldId id="274" r:id="rId19"/>
+    <p:sldId id="275" r:id="rId20"/>
+    <p:sldId id="276" r:id="rId21"/>
+    <p:sldId id="277" r:id="rId22"/>
+    <p:sldId id="278" r:id="rId23"/>
   </p:sldIdLst>
-  <p:sldSz type="screen16x9" cy="6858000" cx="12192000"/>
+  <p:sldSz cx="12192000" cy="6858000"/>
   <p:notesSz cx="6858000" cy="9144000"/>
   <p:defaultTextStyle>
     <a:defPPr>
       <a:defRPr lang="en-US"/>
     </a:defPPr>
-    <a:lvl1pPr algn="l" defTabSz="457200" eaLnBrk="1" hangingPunct="1" latinLnBrk="0" marL="0" rtl="0">
+    <a:lvl1pPr marL="0" algn="l" defTabSz="457200" rtl="0" eaLnBrk="1" latinLnBrk="0" hangingPunct="1">
       <a:defRPr sz="1800" kern="1200">
         <a:solidFill>
           <a:schemeClr val="tx1"/>
@@ -47,7 +47,7 @@
         <a:cs typeface="+mn-cs"/>
       </a:defRPr>
     </a:lvl1pPr>
-    <a:lvl2pPr algn="l" defTabSz="457200" eaLnBrk="1" hangingPunct="1" latinLnBrk="0" marL="457200" rtl="0">
+    <a:lvl2pPr marL="457200" algn="l" defTabSz="457200" rtl="0" eaLnBrk="1" latinLnBrk="0" hangingPunct="1">
       <a:defRPr sz="1800" kern="1200">
         <a:solidFill>
           <a:schemeClr val="tx1"/>
@@ -57,7 +57,7 @@
         <a:cs typeface="+mn-cs"/>
       </a:defRPr>
     </a:lvl2pPr>
-    <a:lvl3pPr algn="l" defTabSz="457200" eaLnBrk="1" hangingPunct="1" latinLnBrk="0" marL="914400" rtl="0">
+    <a:lvl3pPr marL="914400" algn="l" defTabSz="457200" rtl="0" eaLnBrk="1" latinLnBrk="0" hangingPunct="1">
       <a:defRPr sz="1800" kern="1200">
         <a:solidFill>
           <a:schemeClr val="tx1"/>
@@ -67,7 +67,7 @@
         <a:cs typeface="+mn-cs"/>
       </a:defRPr>
     </a:lvl3pPr>
-    <a:lvl4pPr algn="l" defTabSz="457200" eaLnBrk="1" hangingPunct="1" latinLnBrk="0" marL="1371600" rtl="0">
+    <a:lvl4pPr marL="1371600" algn="l" defTabSz="457200" rtl="0" eaLnBrk="1" latinLnBrk="0" hangingPunct="1">
       <a:defRPr sz="1800" kern="1200">
         <a:solidFill>
           <a:schemeClr val="tx1"/>
@@ -77,7 +77,7 @@
         <a:cs typeface="+mn-cs"/>
       </a:defRPr>
     </a:lvl4pPr>
-    <a:lvl5pPr algn="l" defTabSz="457200" eaLnBrk="1" hangingPunct="1" latinLnBrk="0" marL="1828800" rtl="0">
+    <a:lvl5pPr marL="1828800" algn="l" defTabSz="457200" rtl="0" eaLnBrk="1" latinLnBrk="0" hangingPunct="1">
       <a:defRPr sz="1800" kern="1200">
         <a:solidFill>
           <a:schemeClr val="tx1"/>
@@ -87,7 +87,7 @@
         <a:cs typeface="+mn-cs"/>
       </a:defRPr>
     </a:lvl5pPr>
-    <a:lvl6pPr algn="l" defTabSz="457200" eaLnBrk="1" hangingPunct="1" latinLnBrk="0" marL="2286000" rtl="0">
+    <a:lvl6pPr marL="2286000" algn="l" defTabSz="457200" rtl="0" eaLnBrk="1" latinLnBrk="0" hangingPunct="1">
       <a:defRPr sz="1800" kern="1200">
         <a:solidFill>
           <a:schemeClr val="tx1"/>
@@ -97,7 +97,7 @@
         <a:cs typeface="+mn-cs"/>
       </a:defRPr>
     </a:lvl6pPr>
-    <a:lvl7pPr algn="l" defTabSz="457200" eaLnBrk="1" hangingPunct="1" latinLnBrk="0" marL="2743200" rtl="0">
+    <a:lvl7pPr marL="2743200" algn="l" defTabSz="457200" rtl="0" eaLnBrk="1" latinLnBrk="0" hangingPunct="1">
       <a:defRPr sz="1800" kern="1200">
         <a:solidFill>
           <a:schemeClr val="tx1"/>
@@ -107,7 +107,7 @@
         <a:cs typeface="+mn-cs"/>
       </a:defRPr>
     </a:lvl7pPr>
-    <a:lvl8pPr algn="l" defTabSz="457200" eaLnBrk="1" hangingPunct="1" latinLnBrk="0" marL="3200400" rtl="0">
+    <a:lvl8pPr marL="3200400" algn="l" defTabSz="457200" rtl="0" eaLnBrk="1" latinLnBrk="0" hangingPunct="1">
       <a:defRPr sz="1800" kern="1200">
         <a:solidFill>
           <a:schemeClr val="tx1"/>
@@ -117,7 +117,7 @@
         <a:cs typeface="+mn-cs"/>
       </a:defRPr>
     </a:lvl8pPr>
-    <a:lvl9pPr algn="l" defTabSz="457200" eaLnBrk="1" hangingPunct="1" latinLnBrk="0" marL="3657600" rtl="0">
+    <a:lvl9pPr marL="3657600" algn="l" defTabSz="457200" rtl="0" eaLnBrk="1" latinLnBrk="0" hangingPunct="1">
       <a:defRPr sz="1800" kern="1200">
         <a:solidFill>
           <a:schemeClr val="tx1"/>
@@ -144,7 +144,7 @@
     </p:bg>
     <p:spTree>
       <p:nvGrpSpPr>
-        <p:cNvPr id="83" name=""/>
+        <p:cNvPr id="1" name=""/>
         <p:cNvGrpSpPr/>
         <p:nvPr/>
       </p:nvGrpSpPr>
@@ -171,7 +171,9 @@
             <a:off x="2" y="1"/>
             <a:ext cx="3076575" cy="512763"/>
           </a:xfrm>
-          <a:prstGeom prst="rect"/>
+          <a:prstGeom prst="rect">
+            <a:avLst/>
+          </a:prstGeom>
           <a:noFill/>
           <a:ln w="9525">
             <a:noFill/>
@@ -182,8 +184,10 @@
           <a:effectLst/>
         </p:spPr>
         <p:txBody>
-          <a:bodyPr anchor="t" anchorCtr="0" bIns="45745" compatLnSpc="1" lIns="91492" numCol="1" rIns="91492" tIns="45745" vert="horz" wrap="square">
-            <a:prstTxWarp prst="textNoShape"/>
+          <a:bodyPr vert="horz" wrap="square" lIns="91492" tIns="45745" rIns="91492" bIns="45745" numCol="1" anchor="t" anchorCtr="0" compatLnSpc="1">
+            <a:prstTxWarp prst="textNoShape">
+              <a:avLst/>
+            </a:prstTxWarp>
           </a:bodyPr>
           <a:lstStyle>
             <a:lvl1pPr algn="l">
@@ -210,7 +214,9 @@
             <a:off x="4021139" y="1"/>
             <a:ext cx="3076575" cy="512763"/>
           </a:xfrm>
-          <a:prstGeom prst="rect"/>
+          <a:prstGeom prst="rect">
+            <a:avLst/>
+          </a:prstGeom>
           <a:noFill/>
           <a:ln w="9525">
             <a:noFill/>
@@ -221,8 +227,10 @@
           <a:effectLst/>
         </p:spPr>
         <p:txBody>
-          <a:bodyPr anchor="t" anchorCtr="0" bIns="45745" compatLnSpc="1" lIns="91492" numCol="1" rIns="91492" tIns="45745" vert="horz" wrap="square">
-            <a:prstTxWarp prst="textNoShape"/>
+          <a:bodyPr vert="horz" wrap="square" lIns="91492" tIns="45745" rIns="91492" bIns="45745" numCol="1" anchor="t" anchorCtr="0" compatLnSpc="1">
+            <a:prstTxWarp prst="textNoShape">
+              <a:avLst/>
+            </a:prstTxWarp>
           </a:bodyPr>
           <a:lstStyle>
             <a:lvl1pPr algn="r">
@@ -238,7 +246,7 @@
         <p:nvSpPr>
           <p:cNvPr id="1048708" name="Rectangle 4"/>
           <p:cNvSpPr>
-            <a:spLocks noChangeAspect="1" noRot="1" noGrp="1" noChangeArrowheads="1" noTextEdit="1"/>
+            <a:spLocks noGrp="1" noRot="1" noChangeAspect="1" noChangeArrowheads="1" noTextEdit="1"/>
           </p:cNvSpPr>
           <p:nvPr>
             <p:ph type="sldImg" idx="2"/>
@@ -249,7 +257,9 @@
             <a:off x="990600" y="766763"/>
             <a:ext cx="5118100" cy="3838575"/>
           </a:xfrm>
-          <a:prstGeom prst="rect"/>
+          <a:prstGeom prst="rect">
+            <a:avLst/>
+          </a:prstGeom>
           <a:noFill/>
           <a:ln w="9525">
             <a:solidFill>
@@ -277,7 +287,9 @@
             <a:off x="709614" y="4862514"/>
             <a:ext cx="5680075" cy="4605337"/>
           </a:xfrm>
-          <a:prstGeom prst="rect"/>
+          <a:prstGeom prst="rect">
+            <a:avLst/>
+          </a:prstGeom>
           <a:noFill/>
           <a:ln w="9525">
             <a:noFill/>
@@ -288,9 +300,12 @@
           <a:effectLst/>
         </p:spPr>
         <p:txBody>
-          <a:bodyPr anchor="t" anchorCtr="0" bIns="45745" compatLnSpc="1" lIns="91492" numCol="1" rIns="91492" tIns="45745" vert="horz" wrap="square">
-            <a:prstTxWarp prst="textNoShape"/>
+          <a:bodyPr vert="horz" wrap="square" lIns="91492" tIns="45745" rIns="91492" bIns="45745" numCol="1" anchor="t" anchorCtr="0" compatLnSpc="1">
+            <a:prstTxWarp prst="textNoShape">
+              <a:avLst/>
+            </a:prstTxWarp>
           </a:bodyPr>
+          <a:lstStyle/>
           <a:p>
             <a:pPr lvl="0"/>
             <a:r>
@@ -343,7 +358,9 @@
             <a:off x="2" y="9720264"/>
             <a:ext cx="3076575" cy="512762"/>
           </a:xfrm>
-          <a:prstGeom prst="rect"/>
+          <a:prstGeom prst="rect">
+            <a:avLst/>
+          </a:prstGeom>
           <a:noFill/>
           <a:ln w="9525">
             <a:noFill/>
@@ -354,8 +371,10 @@
           <a:effectLst/>
         </p:spPr>
         <p:txBody>
-          <a:bodyPr anchor="b" anchorCtr="0" bIns="45745" compatLnSpc="1" lIns="91492" numCol="1" rIns="91492" tIns="45745" vert="horz" wrap="square">
-            <a:prstTxWarp prst="textNoShape"/>
+          <a:bodyPr vert="horz" wrap="square" lIns="91492" tIns="45745" rIns="91492" bIns="45745" numCol="1" anchor="b" anchorCtr="0" compatLnSpc="1">
+            <a:prstTxWarp prst="textNoShape">
+              <a:avLst/>
+            </a:prstTxWarp>
           </a:bodyPr>
           <a:lstStyle>
             <a:lvl1pPr algn="l">
@@ -382,7 +401,9 @@
             <a:off x="4021139" y="9720264"/>
             <a:ext cx="3076575" cy="512762"/>
           </a:xfrm>
-          <a:prstGeom prst="rect"/>
+          <a:prstGeom prst="rect">
+            <a:avLst/>
+          </a:prstGeom>
           <a:noFill/>
           <a:ln w="9525">
             <a:noFill/>
@@ -393,8 +414,10 @@
           <a:effectLst/>
         </p:spPr>
         <p:txBody>
-          <a:bodyPr anchor="b" anchorCtr="0" bIns="45745" compatLnSpc="1" lIns="91492" numCol="1" rIns="91492" tIns="45745" vert="horz" wrap="square">
-            <a:prstTxWarp prst="textNoShape"/>
+          <a:bodyPr vert="horz" wrap="square" lIns="91492" tIns="45745" rIns="91492" bIns="45745" numCol="1" anchor="b" anchorCtr="0" compatLnSpc="1">
+            <a:prstTxWarp prst="textNoShape">
+              <a:avLst/>
+            </a:prstTxWarp>
           </a:bodyPr>
           <a:lstStyle>
             <a:lvl1pPr algn="r">
@@ -411,10 +434,15 @@
         </p:txBody>
       </p:sp>
     </p:spTree>
+    <p:extLst>
+      <p:ext uri="{BB962C8B-B14F-4D97-AF65-F5344CB8AC3E}">
+        <p14:creationId xmlns:p14="http://schemas.microsoft.com/office/powerpoint/2010/main" val="3738869815"/>
+      </p:ext>
+    </p:extLst>
   </p:cSld>
-  <p:clrMap accent1="accent1" accent2="accent2" accent3="accent3" accent4="accent4" accent5="accent5" accent6="accent6" bg1="lt1" bg2="lt2" tx1="dk1" tx2="dk2" hlink="hlink" folHlink="folHlink"/>
+  <p:clrMap bg1="lt1" tx1="dk1" bg2="lt2" tx2="dk2" accent1="accent1" accent2="accent2" accent3="accent3" accent4="accent4" accent5="accent5" accent6="accent6" hlink="hlink" folHlink="folHlink"/>
   <p:notesStyle>
-    <a:lvl1pPr algn="l" fontAlgn="base" rtl="0">
+    <a:lvl1pPr algn="l" rtl="0" fontAlgn="base">
       <a:spcBef>
         <a:spcPct val="30000"/>
       </a:spcBef>
@@ -430,7 +458,7 @@
         <a:cs typeface="+mn-cs"/>
       </a:defRPr>
     </a:lvl1pPr>
-    <a:lvl2pPr algn="l" fontAlgn="base" marL="457200" rtl="0">
+    <a:lvl2pPr marL="457200" algn="l" rtl="0" fontAlgn="base">
       <a:spcBef>
         <a:spcPct val="30000"/>
       </a:spcBef>
@@ -446,7 +474,7 @@
         <a:cs typeface="+mn-cs"/>
       </a:defRPr>
     </a:lvl2pPr>
-    <a:lvl3pPr algn="l" fontAlgn="base" marL="914400" rtl="0">
+    <a:lvl3pPr marL="914400" algn="l" rtl="0" fontAlgn="base">
       <a:spcBef>
         <a:spcPct val="30000"/>
       </a:spcBef>
@@ -462,7 +490,7 @@
         <a:cs typeface="+mn-cs"/>
       </a:defRPr>
     </a:lvl3pPr>
-    <a:lvl4pPr algn="l" fontAlgn="base" marL="1371600" rtl="0">
+    <a:lvl4pPr marL="1371600" algn="l" rtl="0" fontAlgn="base">
       <a:spcBef>
         <a:spcPct val="30000"/>
       </a:spcBef>
@@ -478,7 +506,7 @@
         <a:cs typeface="+mn-cs"/>
       </a:defRPr>
     </a:lvl4pPr>
-    <a:lvl5pPr algn="l" fontAlgn="base" marL="1828800" rtl="0">
+    <a:lvl5pPr marL="1828800" algn="l" rtl="0" fontAlgn="base">
       <a:spcBef>
         <a:spcPct val="30000"/>
       </a:spcBef>
@@ -494,7 +522,7 @@
         <a:cs typeface="+mn-cs"/>
       </a:defRPr>
     </a:lvl5pPr>
-    <a:lvl6pPr algn="l" defTabSz="914400" eaLnBrk="1" hangingPunct="1" latinLnBrk="0" marL="2286000" rtl="0">
+    <a:lvl6pPr marL="2286000" algn="l" defTabSz="914400" rtl="0" eaLnBrk="1" latinLnBrk="0" hangingPunct="1">
       <a:defRPr sz="1200" kern="1200">
         <a:solidFill>
           <a:schemeClr val="tx1"/>
@@ -504,7 +532,7 @@
         <a:cs typeface="+mn-cs"/>
       </a:defRPr>
     </a:lvl6pPr>
-    <a:lvl7pPr algn="l" defTabSz="914400" eaLnBrk="1" hangingPunct="1" latinLnBrk="0" marL="2743200" rtl="0">
+    <a:lvl7pPr marL="2743200" algn="l" defTabSz="914400" rtl="0" eaLnBrk="1" latinLnBrk="0" hangingPunct="1">
       <a:defRPr sz="1200" kern="1200">
         <a:solidFill>
           <a:schemeClr val="tx1"/>
@@ -514,7 +542,7 @@
         <a:cs typeface="+mn-cs"/>
       </a:defRPr>
     </a:lvl7pPr>
-    <a:lvl8pPr algn="l" defTabSz="914400" eaLnBrk="1" hangingPunct="1" latinLnBrk="0" marL="3200400" rtl="0">
+    <a:lvl8pPr marL="3200400" algn="l" defTabSz="914400" rtl="0" eaLnBrk="1" latinLnBrk="0" hangingPunct="1">
       <a:defRPr sz="1200" kern="1200">
         <a:solidFill>
           <a:schemeClr val="tx1"/>
@@ -524,7 +552,7 @@
         <a:cs typeface="+mn-cs"/>
       </a:defRPr>
     </a:lvl8pPr>
-    <a:lvl9pPr algn="l" defTabSz="914400" eaLnBrk="1" hangingPunct="1" latinLnBrk="0" marL="3657600" rtl="0">
+    <a:lvl9pPr marL="3657600" algn="l" defTabSz="914400" rtl="0" eaLnBrk="1" latinLnBrk="0" hangingPunct="1">
       <a:defRPr sz="1200" kern="1200">
         <a:solidFill>
           <a:schemeClr val="tx1"/>
@@ -539,11 +567,11 @@
 </file>
 
 <file path=ppt/slideLayouts/slideLayout1.xml><?xml version="1.0" encoding="utf-8"?>
-<p:sldLayout xmlns:a="http://schemas.openxmlformats.org/drawingml/2006/main" xmlns:r="http://schemas.openxmlformats.org/officeDocument/2006/relationships" xmlns:p="http://schemas.openxmlformats.org/presentationml/2006/main" preserve="1" showMasterSp="0" type="title">
+<p:sldLayout xmlns:a="http://schemas.openxmlformats.org/drawingml/2006/main" xmlns:r="http://schemas.openxmlformats.org/officeDocument/2006/relationships" xmlns:p="http://schemas.openxmlformats.org/presentationml/2006/main" showMasterSp="0" type="title" preserve="1">
   <p:cSld name="Title Slide">
     <p:spTree>
       <p:nvGrpSpPr>
-        <p:cNvPr id="49" name=""/>
+        <p:cNvPr id="1" name=""/>
         <p:cNvGrpSpPr/>
         <p:nvPr/>
       </p:nvGrpSpPr>
@@ -578,7 +606,7 @@
             <p:nvPr/>
           </p:nvPicPr>
           <p:blipFill>
-            <a:blip xmlns:r="http://schemas.openxmlformats.org/officeDocument/2006/relationships" r:embed="rId1"/>
+            <a:blip r:embed="rId2"/>
             <a:stretch>
               <a:fillRect/>
             </a:stretch>
@@ -588,7 +616,9 @@
               <a:off x="0" y="0"/>
               <a:ext cx="12188825" cy="6856214"/>
             </a:xfrm>
-            <a:prstGeom prst="rect"/>
+            <a:prstGeom prst="rect">
+              <a:avLst/>
+            </a:prstGeom>
           </p:spPr>
         </p:pic>
         <p:sp>
@@ -602,7 +632,9 @@
               <a:off x="2328332" y="1540931"/>
               <a:ext cx="7543802" cy="3835401"/>
             </a:xfrm>
-            <a:prstGeom prst="rect"/>
+            <a:prstGeom prst="rect">
+              <a:avLst/>
+            </a:prstGeom>
             <a:noFill/>
             <a:ln w="15875">
               <a:miter lim="800000"/>
@@ -632,7 +664,7 @@
             <p:nvPr/>
           </p:nvPicPr>
           <p:blipFill rotWithShape="1">
-            <a:blip xmlns:r="http://schemas.openxmlformats.org/officeDocument/2006/relationships" r:embed="rId2"/>
+            <a:blip r:embed="rId3"/>
             <a:srcRect/>
             <a:stretch>
               <a:fillRect/>
@@ -643,7 +675,9 @@
               <a:off x="-16934" y="3147609"/>
               <a:ext cx="2478024" cy="612648"/>
             </a:xfrm>
-            <a:prstGeom prst="rect"/>
+            <a:prstGeom prst="rect">
+              <a:avLst/>
+            </a:prstGeom>
           </p:spPr>
         </p:pic>
         <p:pic>
@@ -655,7 +689,7 @@
             <p:nvPr/>
           </p:nvPicPr>
           <p:blipFill rotWithShape="1">
-            <a:blip xmlns:r="http://schemas.openxmlformats.org/officeDocument/2006/relationships" r:embed="rId2"/>
+            <a:blip r:embed="rId3"/>
             <a:srcRect/>
             <a:stretch>
               <a:fillRect/>
@@ -666,7 +700,9 @@
               <a:off x="9736202" y="3147609"/>
               <a:ext cx="2478024" cy="612648"/>
             </a:xfrm>
-            <a:prstGeom prst="rect"/>
+            <a:prstGeom prst="rect">
+              <a:avLst/>
+            </a:prstGeom>
           </p:spPr>
         </p:pic>
       </p:grpSp>
@@ -702,7 +738,7 @@
               <a:rPr lang="en-US"/>
               <a:t>Click to edit Master title style</a:t>
             </a:r>
-            <a:endParaRPr dirty="0" lang="en-US"/>
+            <a:endParaRPr lang="en-US" dirty="0"/>
           </a:p>
         </p:txBody>
       </p:sp>
@@ -727,7 +763,7 @@
             <a:normAutofit/>
           </a:bodyPr>
           <a:lstStyle>
-            <a:lvl1pPr algn="ctr" indent="0" marL="0">
+            <a:lvl1pPr marL="0" indent="0" algn="ctr">
               <a:buNone/>
               <a:defRPr sz="2100">
                 <a:solidFill>
@@ -735,7 +771,7 @@
                 </a:solidFill>
               </a:defRPr>
             </a:lvl1pPr>
-            <a:lvl2pPr algn="ctr" indent="0" marL="457200">
+            <a:lvl2pPr marL="457200" indent="0" algn="ctr">
               <a:buNone/>
               <a:defRPr>
                 <a:solidFill>
@@ -745,7 +781,7 @@
                 </a:solidFill>
               </a:defRPr>
             </a:lvl2pPr>
-            <a:lvl3pPr algn="ctr" indent="0" marL="914400">
+            <a:lvl3pPr marL="914400" indent="0" algn="ctr">
               <a:buNone/>
               <a:defRPr>
                 <a:solidFill>
@@ -755,7 +791,7 @@
                 </a:solidFill>
               </a:defRPr>
             </a:lvl3pPr>
-            <a:lvl4pPr algn="ctr" indent="0" marL="1371600">
+            <a:lvl4pPr marL="1371600" indent="0" algn="ctr">
               <a:buNone/>
               <a:defRPr>
                 <a:solidFill>
@@ -765,7 +801,7 @@
                 </a:solidFill>
               </a:defRPr>
             </a:lvl4pPr>
-            <a:lvl5pPr algn="ctr" indent="0" marL="1828800">
+            <a:lvl5pPr marL="1828800" indent="0" algn="ctr">
               <a:buNone/>
               <a:defRPr>
                 <a:solidFill>
@@ -775,7 +811,7 @@
                 </a:solidFill>
               </a:defRPr>
             </a:lvl5pPr>
-            <a:lvl6pPr algn="ctr" indent="0" marL="2286000">
+            <a:lvl6pPr marL="2286000" indent="0" algn="ctr">
               <a:buNone/>
               <a:defRPr>
                 <a:solidFill>
@@ -785,7 +821,7 @@
                 </a:solidFill>
               </a:defRPr>
             </a:lvl6pPr>
-            <a:lvl7pPr algn="ctr" indent="0" marL="2743200">
+            <a:lvl7pPr marL="2743200" indent="0" algn="ctr">
               <a:buNone/>
               <a:defRPr>
                 <a:solidFill>
@@ -795,7 +831,7 @@
                 </a:solidFill>
               </a:defRPr>
             </a:lvl7pPr>
-            <a:lvl8pPr algn="ctr" indent="0" marL="3200400">
+            <a:lvl8pPr marL="3200400" indent="0" algn="ctr">
               <a:buNone/>
               <a:defRPr>
                 <a:solidFill>
@@ -805,7 +841,7 @@
                 </a:solidFill>
               </a:defRPr>
             </a:lvl8pPr>
-            <a:lvl9pPr algn="ctr" indent="0" marL="3657600">
+            <a:lvl9pPr marL="3657600" indent="0" algn="ctr">
               <a:buNone/>
               <a:defRPr>
                 <a:solidFill>
@@ -821,7 +857,7 @@
               <a:rPr lang="en-US"/>
               <a:t>Click to edit Master subtitle style</a:t>
             </a:r>
-            <a:endParaRPr dirty="0" lang="en-US"/>
+            <a:endParaRPr lang="en-US" dirty="0"/>
           </a:p>
         </p:txBody>
       </p:sp>
@@ -843,9 +879,11 @@
         </p:spPr>
         <p:txBody>
           <a:bodyPr/>
+          <a:lstStyle/>
           <a:p>
             <a:fld id="{1C6E12D2-DA3A-480B-BCDF-BFB6C7EBE402}" type="datetimeFigureOut">
               <a:rPr lang="en-US" smtClean="0"/>
+              <a:t>3/27/2023</a:t>
             </a:fld>
             <a:endParaRPr lang="en-US"/>
           </a:p>
@@ -869,6 +907,7 @@
         </p:spPr>
         <p:txBody>
           <a:bodyPr/>
+          <a:lstStyle/>
           <a:p>
             <a:endParaRPr lang="en-US"/>
           </a:p>
@@ -892,9 +931,11 @@
         </p:spPr>
         <p:txBody>
           <a:bodyPr/>
+          <a:lstStyle/>
           <a:p>
             <a:fld id="{F1BBC3DF-4D3E-4D62-AC24-223E50BCC8DF}" type="slidenum">
               <a:rPr lang="en-US" smtClean="0"/>
+              <a:t>‹#›</a:t>
             </a:fld>
             <a:endParaRPr lang="en-US"/>
           </a:p>
@@ -913,7 +954,9 @@
             <a:off x="2692399" y="3522131"/>
             <a:ext cx="6815668" cy="0"/>
           </a:xfrm>
-          <a:prstGeom prst="line"/>
+          <a:prstGeom prst="line">
+            <a:avLst/>
+          </a:prstGeom>
         </p:spPr>
         <p:style>
           <a:lnRef idx="2">
@@ -943,7 +986,7 @@
   <p:cSld name="Panoramic Picture with Caption">
     <p:spTree>
       <p:nvGrpSpPr>
-        <p:cNvPr id="78" name=""/>
+        <p:cNvPr id="1" name=""/>
         <p:cNvGrpSpPr/>
         <p:nvPr/>
       </p:nvGrpSpPr>
@@ -977,7 +1020,7 @@
           </a:bodyPr>
           <a:lstStyle>
             <a:lvl1pPr algn="ctr">
-              <a:defRPr b="0" sz="2400"/>
+              <a:defRPr sz="2400" b="0"/>
             </a:lvl1pPr>
           </a:lstStyle>
           <a:p>
@@ -985,7 +1028,7 @@
               <a:rPr lang="en-US"/>
               <a:t>Click to edit Master title style</a:t>
             </a:r>
-            <a:endParaRPr dirty="0" lang="en-US"/>
+            <a:endParaRPr lang="en-US" dirty="0"/>
           </a:p>
         </p:txBody>
       </p:sp>
@@ -993,7 +1036,7 @@
         <p:nvSpPr>
           <p:cNvPr id="1048676" name="Picture Placeholder 2"/>
           <p:cNvSpPr>
-            <a:spLocks noChangeAspect="1" noGrp="1"/>
+            <a:spLocks noGrp="1" noChangeAspect="1"/>
           </p:cNvSpPr>
           <p:nvPr>
             <p:ph type="pic" idx="1"/>
@@ -1019,7 +1062,7 @@
             <a:miter lim="800000"/>
           </a:ln>
           <a:effectLst>
-            <a:innerShdw blurRad="57150" dir="14460000" dist="38100">
+            <a:innerShdw blurRad="57150" dist="38100" dir="14460000">
               <a:srgbClr val="000000">
                 <a:alpha val="70000"/>
               </a:srgbClr>
@@ -1031,39 +1074,39 @@
             <a:normAutofit/>
           </a:bodyPr>
           <a:lstStyle>
-            <a:lvl1pPr algn="ctr" indent="0" marL="0">
+            <a:lvl1pPr marL="0" indent="0" algn="ctr">
               <a:buNone/>
               <a:defRPr sz="1600"/>
             </a:lvl1pPr>
-            <a:lvl2pPr indent="0" marL="457200">
+            <a:lvl2pPr marL="457200" indent="0">
               <a:buNone/>
               <a:defRPr sz="1600"/>
             </a:lvl2pPr>
-            <a:lvl3pPr indent="0" marL="914400">
+            <a:lvl3pPr marL="914400" indent="0">
               <a:buNone/>
               <a:defRPr sz="1600"/>
             </a:lvl3pPr>
-            <a:lvl4pPr indent="0" marL="1371600">
+            <a:lvl4pPr marL="1371600" indent="0">
               <a:buNone/>
               <a:defRPr sz="1600"/>
             </a:lvl4pPr>
-            <a:lvl5pPr indent="0" marL="1828800">
+            <a:lvl5pPr marL="1828800" indent="0">
               <a:buNone/>
               <a:defRPr sz="1600"/>
             </a:lvl5pPr>
-            <a:lvl6pPr indent="0" marL="2286000">
+            <a:lvl6pPr marL="2286000" indent="0">
               <a:buNone/>
               <a:defRPr sz="1600"/>
             </a:lvl6pPr>
-            <a:lvl7pPr indent="0" marL="2743200">
+            <a:lvl7pPr marL="2743200" indent="0">
               <a:buNone/>
               <a:defRPr sz="1600"/>
             </a:lvl7pPr>
-            <a:lvl8pPr indent="0" marL="3200400">
+            <a:lvl8pPr marL="3200400" indent="0">
               <a:buNone/>
               <a:defRPr sz="1600"/>
             </a:lvl8pPr>
-            <a:lvl9pPr indent="0" marL="3657600">
+            <a:lvl9pPr marL="3657600" indent="0">
               <a:buNone/>
               <a:defRPr sz="1600"/>
             </a:lvl9pPr>
@@ -1073,7 +1116,7 @@
               <a:rPr lang="en-US"/>
               <a:t>Click icon to add picture</a:t>
             </a:r>
-            <a:endParaRPr dirty="0" lang="en-US"/>
+            <a:endParaRPr lang="en-US" dirty="0"/>
           </a:p>
         </p:txBody>
       </p:sp>
@@ -1098,39 +1141,39 @@
             <a:normAutofit/>
           </a:bodyPr>
           <a:lstStyle>
-            <a:lvl1pPr algn="ctr" indent="0" marL="0">
+            <a:lvl1pPr marL="0" indent="0" algn="ctr">
               <a:buNone/>
               <a:defRPr sz="1400"/>
             </a:lvl1pPr>
-            <a:lvl2pPr indent="0" marL="457200">
+            <a:lvl2pPr marL="457200" indent="0">
               <a:buNone/>
               <a:defRPr sz="1200"/>
             </a:lvl2pPr>
-            <a:lvl3pPr indent="0" marL="914400">
+            <a:lvl3pPr marL="914400" indent="0">
               <a:buNone/>
               <a:defRPr sz="1000"/>
             </a:lvl3pPr>
-            <a:lvl4pPr indent="0" marL="1371600">
+            <a:lvl4pPr marL="1371600" indent="0">
               <a:buNone/>
               <a:defRPr sz="900"/>
             </a:lvl4pPr>
-            <a:lvl5pPr indent="0" marL="1828800">
+            <a:lvl5pPr marL="1828800" indent="0">
               <a:buNone/>
               <a:defRPr sz="900"/>
             </a:lvl5pPr>
-            <a:lvl6pPr indent="0" marL="2286000">
+            <a:lvl6pPr marL="2286000" indent="0">
               <a:buNone/>
               <a:defRPr sz="900"/>
             </a:lvl6pPr>
-            <a:lvl7pPr indent="0" marL="2743200">
+            <a:lvl7pPr marL="2743200" indent="0">
               <a:buNone/>
               <a:defRPr sz="900"/>
             </a:lvl7pPr>
-            <a:lvl8pPr indent="0" marL="3200400">
+            <a:lvl8pPr marL="3200400" indent="0">
               <a:buNone/>
               <a:defRPr sz="900"/>
             </a:lvl8pPr>
-            <a:lvl9pPr indent="0" marL="3657600">
+            <a:lvl9pPr marL="3657600" indent="0">
               <a:buNone/>
               <a:defRPr sz="900"/>
             </a:lvl9pPr>
@@ -1141,7 +1184,6 @@
               <a:rPr lang="en-US"/>
               <a:t>Click to edit Master text styles</a:t>
             </a:r>
-            <a:endParaRPr lang="en-US"/>
           </a:p>
         </p:txBody>
       </p:sp>
@@ -1158,9 +1200,11 @@
         <p:spPr/>
         <p:txBody>
           <a:bodyPr/>
+          <a:lstStyle/>
           <a:p>
             <a:fld id="{1C6E12D2-DA3A-480B-BCDF-BFB6C7EBE402}" type="datetimeFigureOut">
               <a:rPr lang="en-US" smtClean="0"/>
+              <a:t>3/27/2023</a:t>
             </a:fld>
             <a:endParaRPr lang="en-US"/>
           </a:p>
@@ -1179,6 +1223,7 @@
         <p:spPr/>
         <p:txBody>
           <a:bodyPr/>
+          <a:lstStyle/>
           <a:p>
             <a:endParaRPr lang="en-US"/>
           </a:p>
@@ -1197,9 +1242,11 @@
         <p:spPr/>
         <p:txBody>
           <a:bodyPr/>
+          <a:lstStyle/>
           <a:p>
             <a:fld id="{F1BBC3DF-4D3E-4D62-AC24-223E50BCC8DF}" type="slidenum">
               <a:rPr lang="en-US" smtClean="0"/>
+              <a:t>‹#›</a:t>
             </a:fld>
             <a:endParaRPr lang="en-US"/>
           </a:p>
@@ -1218,7 +1265,7 @@
   <p:cSld name="Title and Caption">
     <p:spTree>
       <p:nvGrpSpPr>
-        <p:cNvPr id="71" name=""/>
+        <p:cNvPr id="1" name=""/>
         <p:cNvGrpSpPr/>
         <p:nvPr/>
       </p:nvGrpSpPr>
@@ -1252,7 +1299,7 @@
           </a:bodyPr>
           <a:lstStyle>
             <a:lvl1pPr algn="ctr">
-              <a:defRPr b="0" cap="none" sz="3200"/>
+              <a:defRPr sz="3200" b="0" cap="none"/>
             </a:lvl1pPr>
           </a:lstStyle>
           <a:p>
@@ -1260,7 +1307,7 @@
               <a:rPr lang="en-US"/>
               <a:t>Click to edit Master title style</a:t>
             </a:r>
-            <a:endParaRPr dirty="0" lang="en-US"/>
+            <a:endParaRPr lang="en-US" dirty="0"/>
           </a:p>
         </p:txBody>
       </p:sp>
@@ -1285,7 +1332,7 @@
             <a:normAutofit/>
           </a:bodyPr>
           <a:lstStyle>
-            <a:lvl1pPr algn="ctr" indent="0" marL="0">
+            <a:lvl1pPr marL="0" indent="0" algn="ctr">
               <a:buNone/>
               <a:defRPr sz="2000">
                 <a:solidFill>
@@ -1293,7 +1340,7 @@
                 </a:solidFill>
               </a:defRPr>
             </a:lvl1pPr>
-            <a:lvl2pPr indent="0" marL="457200">
+            <a:lvl2pPr marL="457200" indent="0">
               <a:buNone/>
               <a:defRPr sz="1800">
                 <a:solidFill>
@@ -1303,7 +1350,7 @@
                 </a:solidFill>
               </a:defRPr>
             </a:lvl2pPr>
-            <a:lvl3pPr indent="0" marL="914400">
+            <a:lvl3pPr marL="914400" indent="0">
               <a:buNone/>
               <a:defRPr sz="1600">
                 <a:solidFill>
@@ -1313,7 +1360,7 @@
                 </a:solidFill>
               </a:defRPr>
             </a:lvl3pPr>
-            <a:lvl4pPr indent="0" marL="1371600">
+            <a:lvl4pPr marL="1371600" indent="0">
               <a:buNone/>
               <a:defRPr sz="1400">
                 <a:solidFill>
@@ -1323,7 +1370,7 @@
                 </a:solidFill>
               </a:defRPr>
             </a:lvl4pPr>
-            <a:lvl5pPr indent="0" marL="1828800">
+            <a:lvl5pPr marL="1828800" indent="0">
               <a:buNone/>
               <a:defRPr sz="1400">
                 <a:solidFill>
@@ -1333,7 +1380,7 @@
                 </a:solidFill>
               </a:defRPr>
             </a:lvl5pPr>
-            <a:lvl6pPr indent="0" marL="2286000">
+            <a:lvl6pPr marL="2286000" indent="0">
               <a:buNone/>
               <a:defRPr sz="1400">
                 <a:solidFill>
@@ -1343,7 +1390,7 @@
                 </a:solidFill>
               </a:defRPr>
             </a:lvl6pPr>
-            <a:lvl7pPr indent="0" marL="2743200">
+            <a:lvl7pPr marL="2743200" indent="0">
               <a:buNone/>
               <a:defRPr sz="1400">
                 <a:solidFill>
@@ -1353,7 +1400,7 @@
                 </a:solidFill>
               </a:defRPr>
             </a:lvl7pPr>
-            <a:lvl8pPr indent="0" marL="3200400">
+            <a:lvl8pPr marL="3200400" indent="0">
               <a:buNone/>
               <a:defRPr sz="1400">
                 <a:solidFill>
@@ -1363,7 +1410,7 @@
                 </a:solidFill>
               </a:defRPr>
             </a:lvl8pPr>
-            <a:lvl9pPr indent="0" marL="3657600">
+            <a:lvl9pPr marL="3657600" indent="0">
               <a:buNone/>
               <a:defRPr sz="1400">
                 <a:solidFill>
@@ -1380,7 +1427,6 @@
               <a:rPr lang="en-US"/>
               <a:t>Click to edit Master text styles</a:t>
             </a:r>
-            <a:endParaRPr lang="en-US"/>
           </a:p>
         </p:txBody>
       </p:sp>
@@ -1397,9 +1443,11 @@
         <p:spPr/>
         <p:txBody>
           <a:bodyPr/>
+          <a:lstStyle/>
           <a:p>
             <a:fld id="{1C6E12D2-DA3A-480B-BCDF-BFB6C7EBE402}" type="datetimeFigureOut">
               <a:rPr lang="en-US" smtClean="0"/>
+              <a:t>3/27/2023</a:t>
             </a:fld>
             <a:endParaRPr lang="en-US"/>
           </a:p>
@@ -1418,6 +1466,7 @@
         <p:spPr/>
         <p:txBody>
           <a:bodyPr/>
+          <a:lstStyle/>
           <a:p>
             <a:endParaRPr lang="en-US"/>
           </a:p>
@@ -1436,9 +1485,11 @@
         <p:spPr/>
         <p:txBody>
           <a:bodyPr/>
+          <a:lstStyle/>
           <a:p>
             <a:fld id="{F1BBC3DF-4D3E-4D62-AC24-223E50BCC8DF}" type="slidenum">
               <a:rPr lang="en-US" smtClean="0"/>
+              <a:t>‹#›</a:t>
             </a:fld>
             <a:endParaRPr lang="en-US"/>
           </a:p>
@@ -1457,7 +1508,9 @@
             <a:off x="1396169" y="4140199"/>
             <a:ext cx="9407298" cy="0"/>
           </a:xfrm>
-          <a:prstGeom prst="line"/>
+          <a:prstGeom prst="line">
+            <a:avLst/>
+          </a:prstGeom>
           <a:ln w="15875"/>
         </p:spPr>
         <p:style>
@@ -1488,7 +1541,7 @@
   <p:cSld name="Quote with Caption">
     <p:spTree>
       <p:nvGrpSpPr>
-        <p:cNvPr id="77" name=""/>
+        <p:cNvPr id="1" name=""/>
         <p:cNvGrpSpPr/>
         <p:nvPr/>
       </p:nvGrpSpPr>
@@ -1522,7 +1575,7 @@
           </a:bodyPr>
           <a:lstStyle>
             <a:lvl1pPr algn="ctr">
-              <a:defRPr b="0" cap="none" sz="3200">
+              <a:defRPr sz="3200" b="0" cap="none">
                 <a:solidFill>
                   <a:schemeClr val="tx1"/>
                 </a:solidFill>
@@ -1534,7 +1587,7 @@
               <a:rPr lang="en-US"/>
               <a:t>Click to edit Master title style</a:t>
             </a:r>
-            <a:endParaRPr dirty="0" lang="en-US"/>
+            <a:endParaRPr lang="en-US" dirty="0"/>
           </a:p>
         </p:txBody>
       </p:sp>
@@ -1559,24 +1612,24 @@
             <a:normAutofit/>
           </a:bodyPr>
           <a:lstStyle>
-            <a:lvl1pPr algn="r" indent="0" marL="0">
+            <a:lvl1pPr marL="0" indent="0" algn="r">
               <a:buFontTx/>
               <a:buNone/>
               <a:defRPr sz="2000"/>
             </a:lvl1pPr>
-            <a:lvl2pPr indent="0" marL="457200">
+            <a:lvl2pPr marL="457200" indent="0">
               <a:buFontTx/>
               <a:buNone/>
             </a:lvl2pPr>
-            <a:lvl3pPr indent="0" marL="914400">
+            <a:lvl3pPr marL="914400" indent="0">
               <a:buFontTx/>
               <a:buNone/>
             </a:lvl3pPr>
-            <a:lvl4pPr indent="0" marL="1371600">
+            <a:lvl4pPr marL="1371600" indent="0">
               <a:buFontTx/>
               <a:buNone/>
             </a:lvl4pPr>
-            <a:lvl5pPr indent="0" marL="1828800">
+            <a:lvl5pPr marL="1828800" indent="0">
               <a:buFontTx/>
               <a:buNone/>
             </a:lvl5pPr>
@@ -1587,7 +1640,6 @@
               <a:rPr lang="en-US"/>
               <a:t>Click to edit Master text styles</a:t>
             </a:r>
-            <a:endParaRPr lang="en-US"/>
           </a:p>
         </p:txBody>
       </p:sp>
@@ -1612,7 +1664,7 @@
             <a:normAutofit/>
           </a:bodyPr>
           <a:lstStyle>
-            <a:lvl1pPr algn="ctr" indent="0" marL="0">
+            <a:lvl1pPr marL="0" indent="0" algn="ctr">
               <a:buNone/>
               <a:defRPr sz="2000">
                 <a:solidFill>
@@ -1620,7 +1672,7 @@
                 </a:solidFill>
               </a:defRPr>
             </a:lvl1pPr>
-            <a:lvl2pPr indent="0" marL="457200">
+            <a:lvl2pPr marL="457200" indent="0">
               <a:buNone/>
               <a:defRPr sz="1800">
                 <a:solidFill>
@@ -1630,7 +1682,7 @@
                 </a:solidFill>
               </a:defRPr>
             </a:lvl2pPr>
-            <a:lvl3pPr indent="0" marL="914400">
+            <a:lvl3pPr marL="914400" indent="0">
               <a:buNone/>
               <a:defRPr sz="1600">
                 <a:solidFill>
@@ -1640,7 +1692,7 @@
                 </a:solidFill>
               </a:defRPr>
             </a:lvl3pPr>
-            <a:lvl4pPr indent="0" marL="1371600">
+            <a:lvl4pPr marL="1371600" indent="0">
               <a:buNone/>
               <a:defRPr sz="1400">
                 <a:solidFill>
@@ -1650,7 +1702,7 @@
                 </a:solidFill>
               </a:defRPr>
             </a:lvl4pPr>
-            <a:lvl5pPr indent="0" marL="1828800">
+            <a:lvl5pPr marL="1828800" indent="0">
               <a:buNone/>
               <a:defRPr sz="1400">
                 <a:solidFill>
@@ -1660,7 +1712,7 @@
                 </a:solidFill>
               </a:defRPr>
             </a:lvl5pPr>
-            <a:lvl6pPr indent="0" marL="2286000">
+            <a:lvl6pPr marL="2286000" indent="0">
               <a:buNone/>
               <a:defRPr sz="1400">
                 <a:solidFill>
@@ -1670,7 +1722,7 @@
                 </a:solidFill>
               </a:defRPr>
             </a:lvl6pPr>
-            <a:lvl7pPr indent="0" marL="2743200">
+            <a:lvl7pPr marL="2743200" indent="0">
               <a:buNone/>
               <a:defRPr sz="1400">
                 <a:solidFill>
@@ -1680,7 +1732,7 @@
                 </a:solidFill>
               </a:defRPr>
             </a:lvl7pPr>
-            <a:lvl8pPr indent="0" marL="3200400">
+            <a:lvl8pPr marL="3200400" indent="0">
               <a:buNone/>
               <a:defRPr sz="1400">
                 <a:solidFill>
@@ -1690,7 +1742,7 @@
                 </a:solidFill>
               </a:defRPr>
             </a:lvl8pPr>
-            <a:lvl9pPr indent="0" marL="3657600">
+            <a:lvl9pPr marL="3657600" indent="0">
               <a:buNone/>
               <a:defRPr sz="1400">
                 <a:solidFill>
@@ -1707,7 +1759,6 @@
               <a:rPr lang="en-US"/>
               <a:t>Click to edit Master text styles</a:t>
             </a:r>
-            <a:endParaRPr lang="en-US"/>
           </a:p>
         </p:txBody>
       </p:sp>
@@ -1724,9 +1775,11 @@
         <p:spPr/>
         <p:txBody>
           <a:bodyPr/>
+          <a:lstStyle/>
           <a:p>
             <a:fld id="{1C6E12D2-DA3A-480B-BCDF-BFB6C7EBE402}" type="datetimeFigureOut">
               <a:rPr lang="en-US" smtClean="0"/>
+              <a:t>3/27/2023</a:t>
             </a:fld>
             <a:endParaRPr lang="en-US"/>
           </a:p>
@@ -1745,6 +1798,7 @@
         <p:spPr/>
         <p:txBody>
           <a:bodyPr/>
+          <a:lstStyle/>
           <a:p>
             <a:endParaRPr lang="en-US"/>
           </a:p>
@@ -1763,9 +1817,11 @@
         <p:spPr/>
         <p:txBody>
           <a:bodyPr/>
+          <a:lstStyle/>
           <a:p>
             <a:fld id="{F1BBC3DF-4D3E-4D62-AC24-223E50BCC8DF}" type="slidenum">
               <a:rPr lang="en-US" smtClean="0"/>
+              <a:t>‹#›</a:t>
             </a:fld>
             <a:endParaRPr lang="en-US"/>
           </a:p>
@@ -1782,16 +1838,19 @@
             <a:off x="862013" y="879961"/>
             <a:ext cx="609600" cy="584776"/>
           </a:xfrm>
-          <a:prstGeom prst="rect"/>
+          <a:prstGeom prst="rect">
+            <a:avLst/>
+          </a:prstGeom>
         </p:spPr>
         <p:txBody>
-          <a:bodyPr anchor="ctr" bIns="45720" lIns="91440" rIns="91440" rtlCol="0" tIns="45720" vert="horz">
+          <a:bodyPr vert="horz" lIns="91440" tIns="45720" rIns="91440" bIns="45720" rtlCol="0" anchor="ctr">
             <a:noAutofit/>
           </a:bodyPr>
+          <a:lstStyle/>
           <a:p>
             <a:pPr lvl="0"/>
             <a:r>
-              <a:rPr dirty="0" sz="8000" lang="en-US">
+              <a:rPr lang="en-US" sz="8000" dirty="0">
                 <a:solidFill>
                   <a:schemeClr val="tx1"/>
                 </a:solidFill>
@@ -1799,12 +1858,6 @@
               </a:rPr>
               <a:t>“</a:t>
             </a:r>
-            <a:endParaRPr dirty="0" sz="8000" lang="en-US">
-              <a:solidFill>
-                <a:schemeClr val="tx1"/>
-              </a:solidFill>
-              <a:effectLst/>
-            </a:endParaRPr>
           </a:p>
         </p:txBody>
       </p:sp>
@@ -1819,16 +1872,19 @@
             <a:off x="10600267" y="2827870"/>
             <a:ext cx="609600" cy="584776"/>
           </a:xfrm>
-          <a:prstGeom prst="rect"/>
+          <a:prstGeom prst="rect">
+            <a:avLst/>
+          </a:prstGeom>
         </p:spPr>
         <p:txBody>
-          <a:bodyPr anchor="ctr" bIns="45720" lIns="91440" rIns="91440" rtlCol="0" tIns="45720" vert="horz">
+          <a:bodyPr vert="horz" lIns="91440" tIns="45720" rIns="91440" bIns="45720" rtlCol="0" anchor="ctr">
             <a:noAutofit/>
           </a:bodyPr>
-          <a:p>
-            <a:pPr algn="r" lvl="0"/>
-            <a:r>
-              <a:rPr dirty="0" sz="8000" lang="en-US">
+          <a:lstStyle/>
+          <a:p>
+            <a:pPr lvl="0" algn="r"/>
+            <a:r>
+              <a:rPr lang="en-US" sz="8000" dirty="0">
                 <a:solidFill>
                   <a:schemeClr val="tx1"/>
                 </a:solidFill>
@@ -1836,12 +1892,6 @@
               </a:rPr>
               <a:t>”</a:t>
             </a:r>
-            <a:endParaRPr dirty="0" sz="8000" lang="en-US">
-              <a:solidFill>
-                <a:schemeClr val="tx1"/>
-              </a:solidFill>
-              <a:effectLst/>
-            </a:endParaRPr>
           </a:p>
         </p:txBody>
       </p:sp>
@@ -1858,7 +1908,9 @@
             <a:off x="1396169" y="4140199"/>
             <a:ext cx="9407298" cy="0"/>
           </a:xfrm>
-          <a:prstGeom prst="line"/>
+          <a:prstGeom prst="line">
+            <a:avLst/>
+          </a:prstGeom>
           <a:ln w="15875"/>
         </p:spPr>
         <p:style>
@@ -1889,7 +1941,7 @@
   <p:cSld name="Name Card">
     <p:spTree>
       <p:nvGrpSpPr>
-        <p:cNvPr id="70" name=""/>
+        <p:cNvPr id="1" name=""/>
         <p:cNvGrpSpPr/>
         <p:nvPr/>
       </p:nvGrpSpPr>
@@ -1923,7 +1975,7 @@
           </a:bodyPr>
           <a:lstStyle>
             <a:lvl1pPr algn="l">
-              <a:defRPr b="0" cap="none" sz="3200"/>
+              <a:defRPr sz="3200" b="0" cap="none"/>
             </a:lvl1pPr>
           </a:lstStyle>
           <a:p>
@@ -1931,7 +1983,7 @@
               <a:rPr lang="en-US"/>
               <a:t>Click to edit Master title style</a:t>
             </a:r>
-            <a:endParaRPr dirty="0" lang="en-US"/>
+            <a:endParaRPr lang="en-US" dirty="0"/>
           </a:p>
         </p:txBody>
       </p:sp>
@@ -1956,7 +2008,7 @@
             <a:normAutofit/>
           </a:bodyPr>
           <a:lstStyle>
-            <a:lvl1pPr algn="l" indent="0" marL="0">
+            <a:lvl1pPr marL="0" indent="0" algn="l">
               <a:buNone/>
               <a:defRPr sz="2000">
                 <a:solidFill>
@@ -1964,7 +2016,7 @@
                 </a:solidFill>
               </a:defRPr>
             </a:lvl1pPr>
-            <a:lvl2pPr indent="0" marL="457200">
+            <a:lvl2pPr marL="457200" indent="0">
               <a:buNone/>
               <a:defRPr sz="1800">
                 <a:solidFill>
@@ -1974,7 +2026,7 @@
                 </a:solidFill>
               </a:defRPr>
             </a:lvl2pPr>
-            <a:lvl3pPr indent="0" marL="914400">
+            <a:lvl3pPr marL="914400" indent="0">
               <a:buNone/>
               <a:defRPr sz="1600">
                 <a:solidFill>
@@ -1984,7 +2036,7 @@
                 </a:solidFill>
               </a:defRPr>
             </a:lvl3pPr>
-            <a:lvl4pPr indent="0" marL="1371600">
+            <a:lvl4pPr marL="1371600" indent="0">
               <a:buNone/>
               <a:defRPr sz="1400">
                 <a:solidFill>
@@ -1994,7 +2046,7 @@
                 </a:solidFill>
               </a:defRPr>
             </a:lvl4pPr>
-            <a:lvl5pPr indent="0" marL="1828800">
+            <a:lvl5pPr marL="1828800" indent="0">
               <a:buNone/>
               <a:defRPr sz="1400">
                 <a:solidFill>
@@ -2004,7 +2056,7 @@
                 </a:solidFill>
               </a:defRPr>
             </a:lvl5pPr>
-            <a:lvl6pPr indent="0" marL="2286000">
+            <a:lvl6pPr marL="2286000" indent="0">
               <a:buNone/>
               <a:defRPr sz="1400">
                 <a:solidFill>
@@ -2014,7 +2066,7 @@
                 </a:solidFill>
               </a:defRPr>
             </a:lvl6pPr>
-            <a:lvl7pPr indent="0" marL="2743200">
+            <a:lvl7pPr marL="2743200" indent="0">
               <a:buNone/>
               <a:defRPr sz="1400">
                 <a:solidFill>
@@ -2024,7 +2076,7 @@
                 </a:solidFill>
               </a:defRPr>
             </a:lvl7pPr>
-            <a:lvl8pPr indent="0" marL="3200400">
+            <a:lvl8pPr marL="3200400" indent="0">
               <a:buNone/>
               <a:defRPr sz="1400">
                 <a:solidFill>
@@ -2034,7 +2086,7 @@
                 </a:solidFill>
               </a:defRPr>
             </a:lvl8pPr>
-            <a:lvl9pPr indent="0" marL="3657600">
+            <a:lvl9pPr marL="3657600" indent="0">
               <a:buNone/>
               <a:defRPr sz="1400">
                 <a:solidFill>
@@ -2051,7 +2103,6 @@
               <a:rPr lang="en-US"/>
               <a:t>Click to edit Master text styles</a:t>
             </a:r>
-            <a:endParaRPr lang="en-US"/>
           </a:p>
         </p:txBody>
       </p:sp>
@@ -2068,9 +2119,11 @@
         <p:spPr/>
         <p:txBody>
           <a:bodyPr/>
+          <a:lstStyle/>
           <a:p>
             <a:fld id="{1C6E12D2-DA3A-480B-BCDF-BFB6C7EBE402}" type="datetimeFigureOut">
               <a:rPr lang="en-US" smtClean="0"/>
+              <a:t>3/27/2023</a:t>
             </a:fld>
             <a:endParaRPr lang="en-US"/>
           </a:p>
@@ -2089,6 +2142,7 @@
         <p:spPr/>
         <p:txBody>
           <a:bodyPr/>
+          <a:lstStyle/>
           <a:p>
             <a:endParaRPr lang="en-US"/>
           </a:p>
@@ -2107,9 +2161,11 @@
         <p:spPr/>
         <p:txBody>
           <a:bodyPr/>
+          <a:lstStyle/>
           <a:p>
             <a:fld id="{F1BBC3DF-4D3E-4D62-AC24-223E50BCC8DF}" type="slidenum">
               <a:rPr lang="en-US" smtClean="0"/>
+              <a:t>‹#›</a:t>
             </a:fld>
             <a:endParaRPr lang="en-US"/>
           </a:p>
@@ -2128,7 +2184,7 @@
   <p:cSld name="Quote Name Card">
     <p:spTree>
       <p:nvGrpSpPr>
-        <p:cNvPr id="80" name=""/>
+        <p:cNvPr id="1" name=""/>
         <p:cNvGrpSpPr/>
         <p:nvPr/>
       </p:nvGrpSpPr>
@@ -2162,7 +2218,7 @@
           </a:bodyPr>
           <a:lstStyle>
             <a:lvl1pPr algn="ctr">
-              <a:defRPr b="0" cap="none" sz="3200">
+              <a:defRPr sz="3200" b="0" cap="none">
                 <a:solidFill>
                   <a:schemeClr val="tx1"/>
                 </a:solidFill>
@@ -2174,7 +2230,7 @@
               <a:rPr lang="en-US"/>
               <a:t>Click to edit Master title style</a:t>
             </a:r>
-            <a:endParaRPr dirty="0" lang="en-US"/>
+            <a:endParaRPr lang="en-US" dirty="0"/>
           </a:p>
         </p:txBody>
       </p:sp>
@@ -2199,7 +2255,7 @@
             <a:normAutofit/>
           </a:bodyPr>
           <a:lstStyle>
-            <a:lvl1pPr algn="l" indent="0" marL="0">
+            <a:lvl1pPr marL="0" indent="0" algn="l">
               <a:spcBef>
                 <a:spcPts val="0"/>
               </a:spcBef>
@@ -2210,7 +2266,7 @@
                 </a:solidFill>
               </a:defRPr>
             </a:lvl1pPr>
-            <a:lvl2pPr indent="0" marL="457200">
+            <a:lvl2pPr marL="457200" indent="0">
               <a:buNone/>
               <a:defRPr sz="1800">
                 <a:solidFill>
@@ -2220,7 +2276,7 @@
                 </a:solidFill>
               </a:defRPr>
             </a:lvl2pPr>
-            <a:lvl3pPr indent="0" marL="914400">
+            <a:lvl3pPr marL="914400" indent="0">
               <a:buNone/>
               <a:defRPr sz="1600">
                 <a:solidFill>
@@ -2230,7 +2286,7 @@
                 </a:solidFill>
               </a:defRPr>
             </a:lvl3pPr>
-            <a:lvl4pPr indent="0" marL="1371600">
+            <a:lvl4pPr marL="1371600" indent="0">
               <a:buNone/>
               <a:defRPr sz="1400">
                 <a:solidFill>
@@ -2240,7 +2296,7 @@
                 </a:solidFill>
               </a:defRPr>
             </a:lvl4pPr>
-            <a:lvl5pPr indent="0" marL="1828800">
+            <a:lvl5pPr marL="1828800" indent="0">
               <a:buNone/>
               <a:defRPr sz="1400">
                 <a:solidFill>
@@ -2250,7 +2306,7 @@
                 </a:solidFill>
               </a:defRPr>
             </a:lvl5pPr>
-            <a:lvl6pPr indent="0" marL="2286000">
+            <a:lvl6pPr marL="2286000" indent="0">
               <a:buNone/>
               <a:defRPr sz="1400">
                 <a:solidFill>
@@ -2260,7 +2316,7 @@
                 </a:solidFill>
               </a:defRPr>
             </a:lvl6pPr>
-            <a:lvl7pPr indent="0" marL="2743200">
+            <a:lvl7pPr marL="2743200" indent="0">
               <a:buNone/>
               <a:defRPr sz="1400">
                 <a:solidFill>
@@ -2270,7 +2326,7 @@
                 </a:solidFill>
               </a:defRPr>
             </a:lvl7pPr>
-            <a:lvl8pPr indent="0" marL="3200400">
+            <a:lvl8pPr marL="3200400" indent="0">
               <a:buNone/>
               <a:defRPr sz="1400">
                 <a:solidFill>
@@ -2280,7 +2336,7 @@
                 </a:solidFill>
               </a:defRPr>
             </a:lvl8pPr>
-            <a:lvl9pPr indent="0" marL="3657600">
+            <a:lvl9pPr marL="3657600" indent="0">
               <a:buNone/>
               <a:defRPr sz="1400">
                 <a:solidFill>
@@ -2297,7 +2353,6 @@
               <a:rPr lang="en-US"/>
               <a:t>Click to edit Master text styles</a:t>
             </a:r>
-            <a:endParaRPr lang="en-US"/>
           </a:p>
         </p:txBody>
       </p:sp>
@@ -2322,7 +2377,7 @@
             <a:normAutofit/>
           </a:bodyPr>
           <a:lstStyle>
-            <a:lvl1pPr algn="l" indent="0" marL="0">
+            <a:lvl1pPr marL="0" indent="0" algn="l">
               <a:buNone/>
               <a:defRPr sz="1800">
                 <a:solidFill>
@@ -2330,7 +2385,7 @@
                 </a:solidFill>
               </a:defRPr>
             </a:lvl1pPr>
-            <a:lvl2pPr indent="0" marL="457200">
+            <a:lvl2pPr marL="457200" indent="0">
               <a:buNone/>
               <a:defRPr sz="1800">
                 <a:solidFill>
@@ -2340,7 +2395,7 @@
                 </a:solidFill>
               </a:defRPr>
             </a:lvl2pPr>
-            <a:lvl3pPr indent="0" marL="914400">
+            <a:lvl3pPr marL="914400" indent="0">
               <a:buNone/>
               <a:defRPr sz="1600">
                 <a:solidFill>
@@ -2350,7 +2405,7 @@
                 </a:solidFill>
               </a:defRPr>
             </a:lvl3pPr>
-            <a:lvl4pPr indent="0" marL="1371600">
+            <a:lvl4pPr marL="1371600" indent="0">
               <a:buNone/>
               <a:defRPr sz="1400">
                 <a:solidFill>
@@ -2360,7 +2415,7 @@
                 </a:solidFill>
               </a:defRPr>
             </a:lvl4pPr>
-            <a:lvl5pPr indent="0" marL="1828800">
+            <a:lvl5pPr marL="1828800" indent="0">
               <a:buNone/>
               <a:defRPr sz="1400">
                 <a:solidFill>
@@ -2370,7 +2425,7 @@
                 </a:solidFill>
               </a:defRPr>
             </a:lvl5pPr>
-            <a:lvl6pPr indent="0" marL="2286000">
+            <a:lvl6pPr marL="2286000" indent="0">
               <a:buNone/>
               <a:defRPr sz="1400">
                 <a:solidFill>
@@ -2380,7 +2435,7 @@
                 </a:solidFill>
               </a:defRPr>
             </a:lvl6pPr>
-            <a:lvl7pPr indent="0" marL="2743200">
+            <a:lvl7pPr marL="2743200" indent="0">
               <a:buNone/>
               <a:defRPr sz="1400">
                 <a:solidFill>
@@ -2390,7 +2445,7 @@
                 </a:solidFill>
               </a:defRPr>
             </a:lvl7pPr>
-            <a:lvl8pPr indent="0" marL="3200400">
+            <a:lvl8pPr marL="3200400" indent="0">
               <a:buNone/>
               <a:defRPr sz="1400">
                 <a:solidFill>
@@ -2400,7 +2455,7 @@
                 </a:solidFill>
               </a:defRPr>
             </a:lvl8pPr>
-            <a:lvl9pPr indent="0" marL="3657600">
+            <a:lvl9pPr marL="3657600" indent="0">
               <a:buNone/>
               <a:defRPr sz="1400">
                 <a:solidFill>
@@ -2417,7 +2472,6 @@
               <a:rPr lang="en-US"/>
               <a:t>Click to edit Master text styles</a:t>
             </a:r>
-            <a:endParaRPr lang="en-US"/>
           </a:p>
         </p:txBody>
       </p:sp>
@@ -2434,9 +2488,11 @@
         <p:spPr/>
         <p:txBody>
           <a:bodyPr/>
+          <a:lstStyle/>
           <a:p>
             <a:fld id="{1C6E12D2-DA3A-480B-BCDF-BFB6C7EBE402}" type="datetimeFigureOut">
               <a:rPr lang="en-US" smtClean="0"/>
+              <a:t>3/27/2023</a:t>
             </a:fld>
             <a:endParaRPr lang="en-US"/>
           </a:p>
@@ -2455,6 +2511,7 @@
         <p:spPr/>
         <p:txBody>
           <a:bodyPr/>
+          <a:lstStyle/>
           <a:p>
             <a:endParaRPr lang="en-US"/>
           </a:p>
@@ -2473,9 +2530,11 @@
         <p:spPr/>
         <p:txBody>
           <a:bodyPr/>
+          <a:lstStyle/>
           <a:p>
             <a:fld id="{F1BBC3DF-4D3E-4D62-AC24-223E50BCC8DF}" type="slidenum">
               <a:rPr lang="en-US" smtClean="0"/>
+              <a:t>‹#›</a:t>
             </a:fld>
             <a:endParaRPr lang="en-US"/>
           </a:p>
@@ -2492,16 +2551,19 @@
             <a:off x="862013" y="879961"/>
             <a:ext cx="609600" cy="584776"/>
           </a:xfrm>
-          <a:prstGeom prst="rect"/>
+          <a:prstGeom prst="rect">
+            <a:avLst/>
+          </a:prstGeom>
         </p:spPr>
         <p:txBody>
-          <a:bodyPr anchor="ctr" bIns="45720" lIns="91440" rIns="91440" rtlCol="0" tIns="45720" vert="horz">
+          <a:bodyPr vert="horz" lIns="91440" tIns="45720" rIns="91440" bIns="45720" rtlCol="0" anchor="ctr">
             <a:noAutofit/>
           </a:bodyPr>
+          <a:lstStyle/>
           <a:p>
             <a:pPr lvl="0"/>
             <a:r>
-              <a:rPr dirty="0" sz="8000" lang="en-US">
+              <a:rPr lang="en-US" sz="8000" dirty="0">
                 <a:solidFill>
                   <a:schemeClr val="tx1"/>
                 </a:solidFill>
@@ -2509,12 +2571,6 @@
               </a:rPr>
               <a:t>“</a:t>
             </a:r>
-            <a:endParaRPr dirty="0" sz="8000" lang="en-US">
-              <a:solidFill>
-                <a:schemeClr val="tx1"/>
-              </a:solidFill>
-              <a:effectLst/>
-            </a:endParaRPr>
           </a:p>
         </p:txBody>
       </p:sp>
@@ -2529,16 +2585,19 @@
             <a:off x="10600267" y="2599261"/>
             <a:ext cx="609600" cy="584776"/>
           </a:xfrm>
-          <a:prstGeom prst="rect"/>
+          <a:prstGeom prst="rect">
+            <a:avLst/>
+          </a:prstGeom>
         </p:spPr>
         <p:txBody>
-          <a:bodyPr anchor="ctr" bIns="45720" lIns="91440" rIns="91440" rtlCol="0" tIns="45720" vert="horz">
+          <a:bodyPr vert="horz" lIns="91440" tIns="45720" rIns="91440" bIns="45720" rtlCol="0" anchor="ctr">
             <a:noAutofit/>
           </a:bodyPr>
-          <a:p>
-            <a:pPr algn="r" lvl="0"/>
-            <a:r>
-              <a:rPr dirty="0" sz="8000" lang="en-US">
+          <a:lstStyle/>
+          <a:p>
+            <a:pPr lvl="0" algn="r"/>
+            <a:r>
+              <a:rPr lang="en-US" sz="8000" dirty="0">
                 <a:solidFill>
                   <a:schemeClr val="tx1"/>
                 </a:solidFill>
@@ -2546,12 +2605,6 @@
               </a:rPr>
               <a:t>”</a:t>
             </a:r>
-            <a:endParaRPr dirty="0" sz="8000" lang="en-US">
-              <a:solidFill>
-                <a:schemeClr val="tx1"/>
-              </a:solidFill>
-              <a:effectLst/>
-            </a:endParaRPr>
           </a:p>
         </p:txBody>
       </p:sp>
@@ -2568,7 +2621,9 @@
             <a:off x="1396169" y="3429000"/>
             <a:ext cx="9407298" cy="0"/>
           </a:xfrm>
-          <a:prstGeom prst="line"/>
+          <a:prstGeom prst="line">
+            <a:avLst/>
+          </a:prstGeom>
           <a:ln w="15875"/>
         </p:spPr>
         <p:style>
@@ -2599,7 +2654,7 @@
   <p:cSld name="True or False">
     <p:spTree>
       <p:nvGrpSpPr>
-        <p:cNvPr id="73" name=""/>
+        <p:cNvPr id="1" name=""/>
         <p:cNvGrpSpPr/>
         <p:nvPr/>
       </p:nvGrpSpPr>
@@ -2628,21 +2683,21 @@
           </a:xfrm>
         </p:spPr>
         <p:txBody>
-          <a:bodyPr anchor="ctr" bIns="45720" lIns="91440" rIns="91440" rtlCol="0" tIns="45720" vert="horz">
+          <a:bodyPr vert="horz" lIns="91440" tIns="45720" rIns="91440" bIns="45720" rtlCol="0" anchor="ctr">
             <a:normAutofit/>
           </a:bodyPr>
           <a:lstStyle>
             <a:lvl1pPr>
-              <a:defRPr b="0" dirty="0" lang="en-US"/>
+              <a:defRPr lang="en-US" b="0" dirty="0"/>
             </a:lvl1pPr>
           </a:lstStyle>
           <a:p>
-            <a:pPr lvl="0" marL="0"/>
+            <a:pPr marL="0" lvl="0"/>
             <a:r>
               <a:rPr lang="en-US"/>
               <a:t>Click to edit Master title style</a:t>
             </a:r>
-            <a:endParaRPr dirty="0" lang="en-US"/>
+            <a:endParaRPr lang="en-US" dirty="0"/>
           </a:p>
         </p:txBody>
       </p:sp>
@@ -2667,7 +2722,7 @@
             <a:normAutofit/>
           </a:bodyPr>
           <a:lstStyle>
-            <a:lvl1pPr algn="l" indent="0" marL="0">
+            <a:lvl1pPr marL="0" indent="0" algn="l">
               <a:spcBef>
                 <a:spcPts val="0"/>
               </a:spcBef>
@@ -2678,7 +2733,7 @@
                 </a:solidFill>
               </a:defRPr>
             </a:lvl1pPr>
-            <a:lvl2pPr indent="0" marL="457200">
+            <a:lvl2pPr marL="457200" indent="0">
               <a:buNone/>
               <a:defRPr sz="1800">
                 <a:solidFill>
@@ -2688,7 +2743,7 @@
                 </a:solidFill>
               </a:defRPr>
             </a:lvl2pPr>
-            <a:lvl3pPr indent="0" marL="914400">
+            <a:lvl3pPr marL="914400" indent="0">
               <a:buNone/>
               <a:defRPr sz="1600">
                 <a:solidFill>
@@ -2698,7 +2753,7 @@
                 </a:solidFill>
               </a:defRPr>
             </a:lvl3pPr>
-            <a:lvl4pPr indent="0" marL="1371600">
+            <a:lvl4pPr marL="1371600" indent="0">
               <a:buNone/>
               <a:defRPr sz="1400">
                 <a:solidFill>
@@ -2708,7 +2763,7 @@
                 </a:solidFill>
               </a:defRPr>
             </a:lvl4pPr>
-            <a:lvl5pPr indent="0" marL="1828800">
+            <a:lvl5pPr marL="1828800" indent="0">
               <a:buNone/>
               <a:defRPr sz="1400">
                 <a:solidFill>
@@ -2718,7 +2773,7 @@
                 </a:solidFill>
               </a:defRPr>
             </a:lvl5pPr>
-            <a:lvl6pPr indent="0" marL="2286000">
+            <a:lvl6pPr marL="2286000" indent="0">
               <a:buNone/>
               <a:defRPr sz="1400">
                 <a:solidFill>
@@ -2728,7 +2783,7 @@
                 </a:solidFill>
               </a:defRPr>
             </a:lvl6pPr>
-            <a:lvl7pPr indent="0" marL="2743200">
+            <a:lvl7pPr marL="2743200" indent="0">
               <a:buNone/>
               <a:defRPr sz="1400">
                 <a:solidFill>
@@ -2738,7 +2793,7 @@
                 </a:solidFill>
               </a:defRPr>
             </a:lvl7pPr>
-            <a:lvl8pPr indent="0" marL="3200400">
+            <a:lvl8pPr marL="3200400" indent="0">
               <a:buNone/>
               <a:defRPr sz="1400">
                 <a:solidFill>
@@ -2748,7 +2803,7 @@
                 </a:solidFill>
               </a:defRPr>
             </a:lvl8pPr>
-            <a:lvl9pPr indent="0" marL="3657600">
+            <a:lvl9pPr marL="3657600" indent="0">
               <a:buNone/>
               <a:defRPr sz="1400">
                 <a:solidFill>
@@ -2765,7 +2820,6 @@
               <a:rPr lang="en-US"/>
               <a:t>Click to edit Master text styles</a:t>
             </a:r>
-            <a:endParaRPr lang="en-US"/>
           </a:p>
         </p:txBody>
       </p:sp>
@@ -2790,7 +2844,7 @@
             <a:normAutofit/>
           </a:bodyPr>
           <a:lstStyle>
-            <a:lvl1pPr algn="l" indent="0" marL="0">
+            <a:lvl1pPr marL="0" indent="0" algn="l">
               <a:buNone/>
               <a:defRPr sz="1800">
                 <a:solidFill>
@@ -2798,7 +2852,7 @@
                 </a:solidFill>
               </a:defRPr>
             </a:lvl1pPr>
-            <a:lvl2pPr indent="0" marL="457200">
+            <a:lvl2pPr marL="457200" indent="0">
               <a:buNone/>
               <a:defRPr sz="1800">
                 <a:solidFill>
@@ -2808,7 +2862,7 @@
                 </a:solidFill>
               </a:defRPr>
             </a:lvl2pPr>
-            <a:lvl3pPr indent="0" marL="914400">
+            <a:lvl3pPr marL="914400" indent="0">
               <a:buNone/>
               <a:defRPr sz="1600">
                 <a:solidFill>
@@ -2818,7 +2872,7 @@
                 </a:solidFill>
               </a:defRPr>
             </a:lvl3pPr>
-            <a:lvl4pPr indent="0" marL="1371600">
+            <a:lvl4pPr marL="1371600" indent="0">
               <a:buNone/>
               <a:defRPr sz="1400">
                 <a:solidFill>
@@ -2828,7 +2882,7 @@
                 </a:solidFill>
               </a:defRPr>
             </a:lvl4pPr>
-            <a:lvl5pPr indent="0" marL="1828800">
+            <a:lvl5pPr marL="1828800" indent="0">
               <a:buNone/>
               <a:defRPr sz="1400">
                 <a:solidFill>
@@ -2838,7 +2892,7 @@
                 </a:solidFill>
               </a:defRPr>
             </a:lvl5pPr>
-            <a:lvl6pPr indent="0" marL="2286000">
+            <a:lvl6pPr marL="2286000" indent="0">
               <a:buNone/>
               <a:defRPr sz="1400">
                 <a:solidFill>
@@ -2848,7 +2902,7 @@
                 </a:solidFill>
               </a:defRPr>
             </a:lvl6pPr>
-            <a:lvl7pPr indent="0" marL="2743200">
+            <a:lvl7pPr marL="2743200" indent="0">
               <a:buNone/>
               <a:defRPr sz="1400">
                 <a:solidFill>
@@ -2858,7 +2912,7 @@
                 </a:solidFill>
               </a:defRPr>
             </a:lvl7pPr>
-            <a:lvl8pPr indent="0" marL="3200400">
+            <a:lvl8pPr marL="3200400" indent="0">
               <a:buNone/>
               <a:defRPr sz="1400">
                 <a:solidFill>
@@ -2868,7 +2922,7 @@
                 </a:solidFill>
               </a:defRPr>
             </a:lvl8pPr>
-            <a:lvl9pPr indent="0" marL="3657600">
+            <a:lvl9pPr marL="3657600" indent="0">
               <a:buNone/>
               <a:defRPr sz="1400">
                 <a:solidFill>
@@ -2885,7 +2939,6 @@
               <a:rPr lang="en-US"/>
               <a:t>Click to edit Master text styles</a:t>
             </a:r>
-            <a:endParaRPr lang="en-US"/>
           </a:p>
         </p:txBody>
       </p:sp>
@@ -2902,9 +2955,11 @@
         <p:spPr/>
         <p:txBody>
           <a:bodyPr/>
+          <a:lstStyle/>
           <a:p>
             <a:fld id="{1C6E12D2-DA3A-480B-BCDF-BFB6C7EBE402}" type="datetimeFigureOut">
               <a:rPr lang="en-US" smtClean="0"/>
+              <a:t>3/27/2023</a:t>
             </a:fld>
             <a:endParaRPr lang="en-US"/>
           </a:p>
@@ -2923,6 +2978,7 @@
         <p:spPr/>
         <p:txBody>
           <a:bodyPr/>
+          <a:lstStyle/>
           <a:p>
             <a:endParaRPr lang="en-US"/>
           </a:p>
@@ -2941,9 +2997,11 @@
         <p:spPr/>
         <p:txBody>
           <a:bodyPr/>
+          <a:lstStyle/>
           <a:p>
             <a:fld id="{F1BBC3DF-4D3E-4D62-AC24-223E50BCC8DF}" type="slidenum">
               <a:rPr lang="en-US" smtClean="0"/>
+              <a:t>‹#›</a:t>
             </a:fld>
             <a:endParaRPr lang="en-US"/>
           </a:p>
@@ -2962,7 +3020,9 @@
             <a:off x="1396169" y="3429000"/>
             <a:ext cx="9407298" cy="0"/>
           </a:xfrm>
-          <a:prstGeom prst="line"/>
+          <a:prstGeom prst="line">
+            <a:avLst/>
+          </a:prstGeom>
           <a:ln w="15875"/>
         </p:spPr>
         <p:style>
@@ -2989,11 +3049,11 @@
 </file>
 
 <file path=ppt/slideLayouts/slideLayout16.xml><?xml version="1.0" encoding="utf-8"?>
-<p:sldLayout xmlns:a="http://schemas.openxmlformats.org/drawingml/2006/main" xmlns:r="http://schemas.openxmlformats.org/officeDocument/2006/relationships" xmlns:p="http://schemas.openxmlformats.org/presentationml/2006/main" preserve="1" type="vertTx">
+<p:sldLayout xmlns:a="http://schemas.openxmlformats.org/drawingml/2006/main" xmlns:r="http://schemas.openxmlformats.org/officeDocument/2006/relationships" xmlns:p="http://schemas.openxmlformats.org/presentationml/2006/main" type="vertTx" preserve="1">
   <p:cSld name="Title and Vertical Text">
     <p:spTree>
       <p:nvGrpSpPr>
-        <p:cNvPr id="82" name=""/>
+        <p:cNvPr id="1" name=""/>
         <p:cNvGrpSpPr/>
         <p:nvPr/>
       </p:nvGrpSpPr>
@@ -3026,7 +3086,7 @@
               <a:rPr lang="en-US"/>
               <a:t>Click to edit Master title style</a:t>
             </a:r>
-            <a:endParaRPr dirty="0" lang="en-US"/>
+            <a:endParaRPr lang="en-US" dirty="0"/>
           </a:p>
         </p:txBody>
       </p:sp>
@@ -3042,14 +3102,14 @@
         </p:nvSpPr>
         <p:spPr/>
         <p:txBody>
-          <a:bodyPr anchor="t" vert="eaVert"/>
+          <a:bodyPr vert="eaVert" anchor="t"/>
+          <a:lstStyle/>
           <a:p>
             <a:pPr lvl="0"/>
             <a:r>
               <a:rPr lang="en-US"/>
               <a:t>Click to edit Master text styles</a:t>
             </a:r>
-            <a:endParaRPr lang="en-US"/>
           </a:p>
           <a:p>
             <a:pPr lvl="1"/>
@@ -3057,7 +3117,6 @@
               <a:rPr lang="en-US"/>
               <a:t>Second level</a:t>
             </a:r>
-            <a:endParaRPr lang="en-US"/>
           </a:p>
           <a:p>
             <a:pPr lvl="2"/>
@@ -3065,7 +3124,6 @@
               <a:rPr lang="en-US"/>
               <a:t>Third level</a:t>
             </a:r>
-            <a:endParaRPr lang="en-US"/>
           </a:p>
           <a:p>
             <a:pPr lvl="3"/>
@@ -3073,7 +3131,6 @@
               <a:rPr lang="en-US"/>
               <a:t>Fourth level</a:t>
             </a:r>
-            <a:endParaRPr lang="en-US"/>
           </a:p>
           <a:p>
             <a:pPr lvl="4"/>
@@ -3081,7 +3138,7 @@
               <a:rPr lang="en-US"/>
               <a:t>Fifth level</a:t>
             </a:r>
-            <a:endParaRPr dirty="0" lang="en-US"/>
+            <a:endParaRPr lang="en-US" dirty="0"/>
           </a:p>
         </p:txBody>
       </p:sp>
@@ -3098,9 +3155,11 @@
         <p:spPr/>
         <p:txBody>
           <a:bodyPr/>
+          <a:lstStyle/>
           <a:p>
             <a:fld id="{1C6E12D2-DA3A-480B-BCDF-BFB6C7EBE402}" type="datetimeFigureOut">
               <a:rPr lang="en-US" smtClean="0"/>
+              <a:t>3/27/2023</a:t>
             </a:fld>
             <a:endParaRPr lang="en-US"/>
           </a:p>
@@ -3119,6 +3178,7 @@
         <p:spPr/>
         <p:txBody>
           <a:bodyPr/>
+          <a:lstStyle/>
           <a:p>
             <a:endParaRPr lang="en-US"/>
           </a:p>
@@ -3137,9 +3197,11 @@
         <p:spPr/>
         <p:txBody>
           <a:bodyPr/>
+          <a:lstStyle/>
           <a:p>
             <a:fld id="{F1BBC3DF-4D3E-4D62-AC24-223E50BCC8DF}" type="slidenum">
               <a:rPr lang="en-US" smtClean="0"/>
+              <a:t>‹#›</a:t>
             </a:fld>
             <a:endParaRPr lang="en-US"/>
           </a:p>
@@ -3158,7 +3220,9 @@
             <a:off x="1396169" y="2421466"/>
             <a:ext cx="9407298" cy="0"/>
           </a:xfrm>
-          <a:prstGeom prst="line"/>
+          <a:prstGeom prst="line">
+            <a:avLst/>
+          </a:prstGeom>
           <a:ln w="15875"/>
         </p:spPr>
         <p:style>
@@ -3185,11 +3249,11 @@
 </file>
 
 <file path=ppt/slideLayouts/slideLayout17.xml><?xml version="1.0" encoding="utf-8"?>
-<p:sldLayout xmlns:a="http://schemas.openxmlformats.org/drawingml/2006/main" xmlns:r="http://schemas.openxmlformats.org/officeDocument/2006/relationships" xmlns:p="http://schemas.openxmlformats.org/presentationml/2006/main" preserve="1" type="vertTitleAndTx">
+<p:sldLayout xmlns:a="http://schemas.openxmlformats.org/drawingml/2006/main" xmlns:r="http://schemas.openxmlformats.org/officeDocument/2006/relationships" xmlns:p="http://schemas.openxmlformats.org/presentationml/2006/main" type="vertTitleAndTx" preserve="1">
   <p:cSld name="Vertical Title and Text">
     <p:spTree>
       <p:nvGrpSpPr>
-        <p:cNvPr id="76" name=""/>
+        <p:cNvPr id="1" name=""/>
         <p:cNvGrpSpPr/>
         <p:nvPr/>
       </p:nvGrpSpPr>
@@ -3219,12 +3283,13 @@
         </p:spPr>
         <p:txBody>
           <a:bodyPr vert="eaVert"/>
+          <a:lstStyle/>
           <a:p>
             <a:r>
               <a:rPr lang="en-US"/>
               <a:t>Click to edit Master title style</a:t>
             </a:r>
-            <a:endParaRPr dirty="0" lang="en-US"/>
+            <a:endParaRPr lang="en-US" dirty="0"/>
           </a:p>
         </p:txBody>
       </p:sp>
@@ -3245,14 +3310,14 @@
           </a:xfrm>
         </p:spPr>
         <p:txBody>
-          <a:bodyPr anchor="t" vert="eaVert"/>
+          <a:bodyPr vert="eaVert" anchor="t"/>
+          <a:lstStyle/>
           <a:p>
             <a:pPr lvl="0"/>
             <a:r>
               <a:rPr lang="en-US"/>
               <a:t>Click to edit Master text styles</a:t>
             </a:r>
-            <a:endParaRPr lang="en-US"/>
           </a:p>
           <a:p>
             <a:pPr lvl="1"/>
@@ -3260,7 +3325,6 @@
               <a:rPr lang="en-US"/>
               <a:t>Second level</a:t>
             </a:r>
-            <a:endParaRPr lang="en-US"/>
           </a:p>
           <a:p>
             <a:pPr lvl="2"/>
@@ -3268,7 +3332,6 @@
               <a:rPr lang="en-US"/>
               <a:t>Third level</a:t>
             </a:r>
-            <a:endParaRPr lang="en-US"/>
           </a:p>
           <a:p>
             <a:pPr lvl="3"/>
@@ -3276,7 +3339,6 @@
               <a:rPr lang="en-US"/>
               <a:t>Fourth level</a:t>
             </a:r>
-            <a:endParaRPr lang="en-US"/>
           </a:p>
           <a:p>
             <a:pPr lvl="4"/>
@@ -3284,7 +3346,7 @@
               <a:rPr lang="en-US"/>
               <a:t>Fifth level</a:t>
             </a:r>
-            <a:endParaRPr dirty="0" lang="en-US"/>
+            <a:endParaRPr lang="en-US" dirty="0"/>
           </a:p>
         </p:txBody>
       </p:sp>
@@ -3301,9 +3363,11 @@
         <p:spPr/>
         <p:txBody>
           <a:bodyPr/>
+          <a:lstStyle/>
           <a:p>
             <a:fld id="{1C6E12D2-DA3A-480B-BCDF-BFB6C7EBE402}" type="datetimeFigureOut">
               <a:rPr lang="en-US" smtClean="0"/>
+              <a:t>3/27/2023</a:t>
             </a:fld>
             <a:endParaRPr lang="en-US"/>
           </a:p>
@@ -3322,6 +3386,7 @@
         <p:spPr/>
         <p:txBody>
           <a:bodyPr/>
+          <a:lstStyle/>
           <a:p>
             <a:endParaRPr lang="en-US"/>
           </a:p>
@@ -3340,9 +3405,11 @@
         <p:spPr/>
         <p:txBody>
           <a:bodyPr/>
+          <a:lstStyle/>
           <a:p>
             <a:fld id="{F1BBC3DF-4D3E-4D62-AC24-223E50BCC8DF}" type="slidenum">
               <a:rPr lang="en-US" smtClean="0"/>
+              <a:t>‹#›</a:t>
             </a:fld>
             <a:endParaRPr lang="en-US"/>
           </a:p>
@@ -3361,7 +3428,9 @@
             <a:off x="8863890" y="990600"/>
             <a:ext cx="0" cy="4876800"/>
           </a:xfrm>
-          <a:prstGeom prst="line"/>
+          <a:prstGeom prst="line">
+            <a:avLst/>
+          </a:prstGeom>
           <a:ln w="15875"/>
         </p:spPr>
         <p:style>
@@ -3388,11 +3457,11 @@
 </file>
 
 <file path=ppt/slideLayouts/slideLayout2.xml><?xml version="1.0" encoding="utf-8"?>
-<p:sldLayout xmlns:a="http://schemas.openxmlformats.org/drawingml/2006/main" xmlns:r="http://schemas.openxmlformats.org/officeDocument/2006/relationships" xmlns:p="http://schemas.openxmlformats.org/presentationml/2006/main" preserve="1" type="obj">
+<p:sldLayout xmlns:a="http://schemas.openxmlformats.org/drawingml/2006/main" xmlns:r="http://schemas.openxmlformats.org/officeDocument/2006/relationships" xmlns:p="http://schemas.openxmlformats.org/presentationml/2006/main" type="obj" preserve="1">
   <p:cSld name="Title and Content">
     <p:spTree>
       <p:nvGrpSpPr>
-        <p:cNvPr id="43" name=""/>
+        <p:cNvPr id="1" name=""/>
         <p:cNvGrpSpPr/>
         <p:nvPr/>
       </p:nvGrpSpPr>
@@ -3417,7 +3486,9 @@
             <a:off x="1396169" y="2421466"/>
             <a:ext cx="9407298" cy="0"/>
           </a:xfrm>
-          <a:prstGeom prst="line"/>
+          <a:prstGeom prst="line">
+            <a:avLst/>
+          </a:prstGeom>
           <a:ln w="15875"/>
         </p:spPr>
         <p:style>
@@ -3448,12 +3519,13 @@
         <p:spPr/>
         <p:txBody>
           <a:bodyPr/>
+          <a:lstStyle/>
           <a:p>
             <a:r>
               <a:rPr lang="en-US"/>
               <a:t>Click to edit Master title style</a:t>
             </a:r>
-            <a:endParaRPr dirty="0" lang="en-US"/>
+            <a:endParaRPr lang="en-US" dirty="0"/>
           </a:p>
         </p:txBody>
       </p:sp>
@@ -3470,13 +3542,13 @@
         <p:spPr/>
         <p:txBody>
           <a:bodyPr/>
+          <a:lstStyle/>
           <a:p>
             <a:pPr lvl="0"/>
             <a:r>
               <a:rPr lang="en-US"/>
               <a:t>Click to edit Master text styles</a:t>
             </a:r>
-            <a:endParaRPr lang="en-US"/>
           </a:p>
           <a:p>
             <a:pPr lvl="1"/>
@@ -3484,7 +3556,6 @@
               <a:rPr lang="en-US"/>
               <a:t>Second level</a:t>
             </a:r>
-            <a:endParaRPr lang="en-US"/>
           </a:p>
           <a:p>
             <a:pPr lvl="2"/>
@@ -3492,7 +3563,6 @@
               <a:rPr lang="en-US"/>
               <a:t>Third level</a:t>
             </a:r>
-            <a:endParaRPr lang="en-US"/>
           </a:p>
           <a:p>
             <a:pPr lvl="3"/>
@@ -3500,7 +3570,6 @@
               <a:rPr lang="en-US"/>
               <a:t>Fourth level</a:t>
             </a:r>
-            <a:endParaRPr lang="en-US"/>
           </a:p>
           <a:p>
             <a:pPr lvl="4"/>
@@ -3508,7 +3577,7 @@
               <a:rPr lang="en-US"/>
               <a:t>Fifth level</a:t>
             </a:r>
-            <a:endParaRPr dirty="0" lang="en-US"/>
+            <a:endParaRPr lang="en-US" dirty="0"/>
           </a:p>
         </p:txBody>
       </p:sp>
@@ -3525,9 +3594,11 @@
         <p:spPr/>
         <p:txBody>
           <a:bodyPr/>
+          <a:lstStyle/>
           <a:p>
             <a:fld id="{1C6E12D2-DA3A-480B-BCDF-BFB6C7EBE402}" type="datetimeFigureOut">
               <a:rPr lang="en-US" smtClean="0"/>
+              <a:t>3/27/2023</a:t>
             </a:fld>
             <a:endParaRPr lang="en-US"/>
           </a:p>
@@ -3546,6 +3617,7 @@
         <p:spPr/>
         <p:txBody>
           <a:bodyPr/>
+          <a:lstStyle/>
           <a:p>
             <a:endParaRPr lang="en-US"/>
           </a:p>
@@ -3564,9 +3636,11 @@
         <p:spPr/>
         <p:txBody>
           <a:bodyPr/>
+          <a:lstStyle/>
           <a:p>
             <a:fld id="{F1BBC3DF-4D3E-4D62-AC24-223E50BCC8DF}" type="slidenum">
               <a:rPr lang="en-US" smtClean="0"/>
+              <a:t>‹#›</a:t>
             </a:fld>
             <a:endParaRPr lang="en-US"/>
           </a:p>
@@ -3581,11 +3655,11 @@
 </file>
 
 <file path=ppt/slideLayouts/slideLayout3.xml><?xml version="1.0" encoding="utf-8"?>
-<p:sldLayout xmlns:a="http://schemas.openxmlformats.org/drawingml/2006/main" xmlns:r="http://schemas.openxmlformats.org/officeDocument/2006/relationships" xmlns:p="http://schemas.openxmlformats.org/presentationml/2006/main" preserve="1" type="secHead">
+<p:sldLayout xmlns:a="http://schemas.openxmlformats.org/drawingml/2006/main" xmlns:r="http://schemas.openxmlformats.org/officeDocument/2006/relationships" xmlns:p="http://schemas.openxmlformats.org/presentationml/2006/main" type="secHead" preserve="1">
   <p:cSld name="Section Header">
     <p:spTree>
       <p:nvGrpSpPr>
-        <p:cNvPr id="74" name=""/>
+        <p:cNvPr id="1" name=""/>
         <p:cNvGrpSpPr/>
         <p:nvPr/>
       </p:nvGrpSpPr>
@@ -3619,7 +3693,7 @@
           </a:bodyPr>
           <a:lstStyle>
             <a:lvl1pPr algn="ctr">
-              <a:defRPr b="0" cap="none" sz="4400"/>
+              <a:defRPr sz="4400" b="0" cap="none"/>
             </a:lvl1pPr>
           </a:lstStyle>
           <a:p>
@@ -3627,7 +3701,7 @@
               <a:rPr lang="en-US"/>
               <a:t>Click to edit Master title style</a:t>
             </a:r>
-            <a:endParaRPr dirty="0" lang="en-US"/>
+            <a:endParaRPr lang="en-US" dirty="0"/>
           </a:p>
         </p:txBody>
       </p:sp>
@@ -3652,7 +3726,7 @@
             <a:normAutofit/>
           </a:bodyPr>
           <a:lstStyle>
-            <a:lvl1pPr algn="ctr" indent="0" marL="0">
+            <a:lvl1pPr marL="0" indent="0" algn="ctr">
               <a:buNone/>
               <a:defRPr sz="2400">
                 <a:solidFill>
@@ -3660,7 +3734,7 @@
                 </a:solidFill>
               </a:defRPr>
             </a:lvl1pPr>
-            <a:lvl2pPr indent="0" marL="457200">
+            <a:lvl2pPr marL="457200" indent="0">
               <a:buNone/>
               <a:defRPr sz="1800">
                 <a:solidFill>
@@ -3670,7 +3744,7 @@
                 </a:solidFill>
               </a:defRPr>
             </a:lvl2pPr>
-            <a:lvl3pPr indent="0" marL="914400">
+            <a:lvl3pPr marL="914400" indent="0">
               <a:buNone/>
               <a:defRPr sz="1600">
                 <a:solidFill>
@@ -3680,7 +3754,7 @@
                 </a:solidFill>
               </a:defRPr>
             </a:lvl3pPr>
-            <a:lvl4pPr indent="0" marL="1371600">
+            <a:lvl4pPr marL="1371600" indent="0">
               <a:buNone/>
               <a:defRPr sz="1400">
                 <a:solidFill>
@@ -3690,7 +3764,7 @@
                 </a:solidFill>
               </a:defRPr>
             </a:lvl4pPr>
-            <a:lvl5pPr indent="0" marL="1828800">
+            <a:lvl5pPr marL="1828800" indent="0">
               <a:buNone/>
               <a:defRPr sz="1400">
                 <a:solidFill>
@@ -3700,7 +3774,7 @@
                 </a:solidFill>
               </a:defRPr>
             </a:lvl5pPr>
-            <a:lvl6pPr indent="0" marL="2286000">
+            <a:lvl6pPr marL="2286000" indent="0">
               <a:buNone/>
               <a:defRPr sz="1400">
                 <a:solidFill>
@@ -3710,7 +3784,7 @@
                 </a:solidFill>
               </a:defRPr>
             </a:lvl6pPr>
-            <a:lvl7pPr indent="0" marL="2743200">
+            <a:lvl7pPr marL="2743200" indent="0">
               <a:buNone/>
               <a:defRPr sz="1400">
                 <a:solidFill>
@@ -3720,7 +3794,7 @@
                 </a:solidFill>
               </a:defRPr>
             </a:lvl7pPr>
-            <a:lvl8pPr indent="0" marL="3200400">
+            <a:lvl8pPr marL="3200400" indent="0">
               <a:buNone/>
               <a:defRPr sz="1400">
                 <a:solidFill>
@@ -3730,7 +3804,7 @@
                 </a:solidFill>
               </a:defRPr>
             </a:lvl8pPr>
-            <a:lvl9pPr indent="0" marL="3657600">
+            <a:lvl9pPr marL="3657600" indent="0">
               <a:buNone/>
               <a:defRPr sz="1400">
                 <a:solidFill>
@@ -3747,7 +3821,6 @@
               <a:rPr lang="en-US"/>
               <a:t>Click to edit Master text styles</a:t>
             </a:r>
-            <a:endParaRPr lang="en-US"/>
           </a:p>
         </p:txBody>
       </p:sp>
@@ -3764,9 +3837,11 @@
         <p:spPr/>
         <p:txBody>
           <a:bodyPr/>
+          <a:lstStyle/>
           <a:p>
             <a:fld id="{1C6E12D2-DA3A-480B-BCDF-BFB6C7EBE402}" type="datetimeFigureOut">
               <a:rPr lang="en-US" smtClean="0"/>
+              <a:t>3/27/2023</a:t>
             </a:fld>
             <a:endParaRPr lang="en-US"/>
           </a:p>
@@ -3785,6 +3860,7 @@
         <p:spPr/>
         <p:txBody>
           <a:bodyPr/>
+          <a:lstStyle/>
           <a:p>
             <a:endParaRPr lang="en-US"/>
           </a:p>
@@ -3803,9 +3879,11 @@
         <p:spPr/>
         <p:txBody>
           <a:bodyPr/>
+          <a:lstStyle/>
           <a:p>
             <a:fld id="{F1BBC3DF-4D3E-4D62-AC24-223E50BCC8DF}" type="slidenum">
               <a:rPr lang="en-US" smtClean="0"/>
+              <a:t>‹#›</a:t>
             </a:fld>
             <a:endParaRPr lang="en-US"/>
           </a:p>
@@ -3824,7 +3902,9 @@
             <a:off x="2012723" y="3710585"/>
             <a:ext cx="8163380" cy="0"/>
           </a:xfrm>
-          <a:prstGeom prst="line"/>
+          <a:prstGeom prst="line">
+            <a:avLst/>
+          </a:prstGeom>
           <a:ln w="15875"/>
         </p:spPr>
         <p:style>
@@ -3851,11 +3931,11 @@
 </file>
 
 <file path=ppt/slideLayouts/slideLayout4.xml><?xml version="1.0" encoding="utf-8"?>
-<p:sldLayout xmlns:a="http://schemas.openxmlformats.org/drawingml/2006/main" xmlns:r="http://schemas.openxmlformats.org/officeDocument/2006/relationships" xmlns:p="http://schemas.openxmlformats.org/presentationml/2006/main" preserve="1" type="twoObj">
+<p:sldLayout xmlns:a="http://schemas.openxmlformats.org/drawingml/2006/main" xmlns:r="http://schemas.openxmlformats.org/officeDocument/2006/relationships" xmlns:p="http://schemas.openxmlformats.org/presentationml/2006/main" type="twoObj" preserve="1">
   <p:cSld name="Two Content">
     <p:spTree>
       <p:nvGrpSpPr>
-        <p:cNvPr id="79" name=""/>
+        <p:cNvPr id="1" name=""/>
         <p:cNvGrpSpPr/>
         <p:nvPr/>
       </p:nvGrpSpPr>
@@ -3880,7 +3960,9 @@
             <a:off x="1396169" y="2421466"/>
             <a:ext cx="9407298" cy="0"/>
           </a:xfrm>
-          <a:prstGeom prst="line"/>
+          <a:prstGeom prst="line">
+            <a:avLst/>
+          </a:prstGeom>
           <a:ln w="15875"/>
         </p:spPr>
         <p:style>
@@ -3911,12 +3993,13 @@
         <p:spPr/>
         <p:txBody>
           <a:bodyPr/>
+          <a:lstStyle/>
           <a:p>
             <a:r>
               <a:rPr lang="en-US"/>
               <a:t>Click to edit Master title style</a:t>
             </a:r>
-            <a:endParaRPr dirty="0" lang="en-US"/>
+            <a:endParaRPr lang="en-US" dirty="0"/>
           </a:p>
         </p:txBody>
       </p:sp>
@@ -3940,13 +4023,13 @@
           <a:bodyPr>
             <a:normAutofit/>
           </a:bodyPr>
+          <a:lstStyle/>
           <a:p>
             <a:pPr lvl="0"/>
             <a:r>
               <a:rPr lang="en-US"/>
               <a:t>Click to edit Master text styles</a:t>
             </a:r>
-            <a:endParaRPr lang="en-US"/>
           </a:p>
           <a:p>
             <a:pPr lvl="1"/>
@@ -3954,7 +4037,6 @@
               <a:rPr lang="en-US"/>
               <a:t>Second level</a:t>
             </a:r>
-            <a:endParaRPr lang="en-US"/>
           </a:p>
           <a:p>
             <a:pPr lvl="2"/>
@@ -3962,7 +4044,6 @@
               <a:rPr lang="en-US"/>
               <a:t>Third level</a:t>
             </a:r>
-            <a:endParaRPr lang="en-US"/>
           </a:p>
           <a:p>
             <a:pPr lvl="3"/>
@@ -3970,7 +4051,6 @@
               <a:rPr lang="en-US"/>
               <a:t>Fourth level</a:t>
             </a:r>
-            <a:endParaRPr lang="en-US"/>
           </a:p>
           <a:p>
             <a:pPr lvl="4"/>
@@ -3978,7 +4058,7 @@
               <a:rPr lang="en-US"/>
               <a:t>Fifth level</a:t>
             </a:r>
-            <a:endParaRPr dirty="0" lang="en-US"/>
+            <a:endParaRPr lang="en-US" dirty="0"/>
           </a:p>
         </p:txBody>
       </p:sp>
@@ -4002,13 +4082,13 @@
           <a:bodyPr>
             <a:normAutofit/>
           </a:bodyPr>
+          <a:lstStyle/>
           <a:p>
             <a:pPr lvl="0"/>
             <a:r>
               <a:rPr lang="en-US"/>
               <a:t>Click to edit Master text styles</a:t>
             </a:r>
-            <a:endParaRPr lang="en-US"/>
           </a:p>
           <a:p>
             <a:pPr lvl="1"/>
@@ -4016,7 +4096,6 @@
               <a:rPr lang="en-US"/>
               <a:t>Second level</a:t>
             </a:r>
-            <a:endParaRPr lang="en-US"/>
           </a:p>
           <a:p>
             <a:pPr lvl="2"/>
@@ -4024,7 +4103,6 @@
               <a:rPr lang="en-US"/>
               <a:t>Third level</a:t>
             </a:r>
-            <a:endParaRPr lang="en-US"/>
           </a:p>
           <a:p>
             <a:pPr lvl="3"/>
@@ -4032,7 +4110,6 @@
               <a:rPr lang="en-US"/>
               <a:t>Fourth level</a:t>
             </a:r>
-            <a:endParaRPr lang="en-US"/>
           </a:p>
           <a:p>
             <a:pPr lvl="4"/>
@@ -4040,7 +4117,7 @@
               <a:rPr lang="en-US"/>
               <a:t>Fifth level</a:t>
             </a:r>
-            <a:endParaRPr dirty="0" lang="en-US"/>
+            <a:endParaRPr lang="en-US" dirty="0"/>
           </a:p>
         </p:txBody>
       </p:sp>
@@ -4057,9 +4134,11 @@
         <p:spPr/>
         <p:txBody>
           <a:bodyPr/>
+          <a:lstStyle/>
           <a:p>
             <a:fld id="{1C6E12D2-DA3A-480B-BCDF-BFB6C7EBE402}" type="datetimeFigureOut">
               <a:rPr lang="en-US" smtClean="0"/>
+              <a:t>3/27/2023</a:t>
             </a:fld>
             <a:endParaRPr lang="en-US"/>
           </a:p>
@@ -4078,6 +4157,7 @@
         <p:spPr/>
         <p:txBody>
           <a:bodyPr/>
+          <a:lstStyle/>
           <a:p>
             <a:endParaRPr lang="en-US"/>
           </a:p>
@@ -4096,9 +4176,11 @@
         <p:spPr/>
         <p:txBody>
           <a:bodyPr/>
+          <a:lstStyle/>
           <a:p>
             <a:fld id="{F1BBC3DF-4D3E-4D62-AC24-223E50BCC8DF}" type="slidenum">
               <a:rPr lang="en-US" smtClean="0"/>
+              <a:t>‹#›</a:t>
             </a:fld>
             <a:endParaRPr lang="en-US"/>
           </a:p>
@@ -4113,11 +4195,11 @@
 </file>
 
 <file path=ppt/slideLayouts/slideLayout5.xml><?xml version="1.0" encoding="utf-8"?>
-<p:sldLayout xmlns:a="http://schemas.openxmlformats.org/drawingml/2006/main" xmlns:r="http://schemas.openxmlformats.org/officeDocument/2006/relationships" xmlns:p="http://schemas.openxmlformats.org/presentationml/2006/main" preserve="1" type="twoTxTwoObj">
+<p:sldLayout xmlns:a="http://schemas.openxmlformats.org/drawingml/2006/main" xmlns:r="http://schemas.openxmlformats.org/officeDocument/2006/relationships" xmlns:p="http://schemas.openxmlformats.org/presentationml/2006/main" type="twoTxTwoObj" preserve="1">
   <p:cSld name="Comparison">
     <p:spTree>
       <p:nvGrpSpPr>
-        <p:cNvPr id="75" name=""/>
+        <p:cNvPr id="1" name=""/>
         <p:cNvGrpSpPr/>
         <p:nvPr/>
       </p:nvGrpSpPr>
@@ -4142,12 +4224,13 @@
         <p:spPr/>
         <p:txBody>
           <a:bodyPr/>
+          <a:lstStyle/>
           <a:p>
             <a:r>
               <a:rPr lang="en-US"/>
               <a:t>Click to edit Master title style</a:t>
             </a:r>
-            <a:endParaRPr dirty="0" lang="en-US"/>
+            <a:endParaRPr lang="en-US" dirty="0"/>
           </a:p>
         </p:txBody>
       </p:sp>
@@ -4172,7 +4255,7 @@
             <a:noAutofit/>
           </a:bodyPr>
           <a:lstStyle>
-            <a:lvl1pPr indent="0" marL="0">
+            <a:lvl1pPr marL="0" indent="0">
               <a:spcBef>
                 <a:spcPts val="670"/>
               </a:spcBef>
@@ -4180,43 +4263,43 @@
                 <a:spcPts val="600"/>
               </a:spcAft>
               <a:buNone/>
-              <a:defRPr b="0" sz="2800">
+              <a:defRPr sz="2800" b="0">
                 <a:solidFill>
                   <a:schemeClr val="accent1"/>
                 </a:solidFill>
               </a:defRPr>
             </a:lvl1pPr>
-            <a:lvl2pPr indent="0" marL="457200">
-              <a:buNone/>
-              <a:defRPr b="1" sz="2000"/>
+            <a:lvl2pPr marL="457200" indent="0">
+              <a:buNone/>
+              <a:defRPr sz="2000" b="1"/>
             </a:lvl2pPr>
-            <a:lvl3pPr indent="0" marL="914400">
-              <a:buNone/>
-              <a:defRPr b="1" sz="1800"/>
+            <a:lvl3pPr marL="914400" indent="0">
+              <a:buNone/>
+              <a:defRPr sz="1800" b="1"/>
             </a:lvl3pPr>
-            <a:lvl4pPr indent="0" marL="1371600">
-              <a:buNone/>
-              <a:defRPr b="1" sz="1600"/>
+            <a:lvl4pPr marL="1371600" indent="0">
+              <a:buNone/>
+              <a:defRPr sz="1600" b="1"/>
             </a:lvl4pPr>
-            <a:lvl5pPr indent="0" marL="1828800">
-              <a:buNone/>
-              <a:defRPr b="1" sz="1600"/>
+            <a:lvl5pPr marL="1828800" indent="0">
+              <a:buNone/>
+              <a:defRPr sz="1600" b="1"/>
             </a:lvl5pPr>
-            <a:lvl6pPr indent="0" marL="2286000">
-              <a:buNone/>
-              <a:defRPr b="1" sz="1600"/>
+            <a:lvl6pPr marL="2286000" indent="0">
+              <a:buNone/>
+              <a:defRPr sz="1600" b="1"/>
             </a:lvl6pPr>
-            <a:lvl7pPr indent="0" marL="2743200">
-              <a:buNone/>
-              <a:defRPr b="1" sz="1600"/>
+            <a:lvl7pPr marL="2743200" indent="0">
+              <a:buNone/>
+              <a:defRPr sz="1600" b="1"/>
             </a:lvl7pPr>
-            <a:lvl8pPr indent="0" marL="3200400">
-              <a:buNone/>
-              <a:defRPr b="1" sz="1600"/>
+            <a:lvl8pPr marL="3200400" indent="0">
+              <a:buNone/>
+              <a:defRPr sz="1600" b="1"/>
             </a:lvl8pPr>
-            <a:lvl9pPr indent="0" marL="3657600">
-              <a:buNone/>
-              <a:defRPr b="1" sz="1600"/>
+            <a:lvl9pPr marL="3657600" indent="0">
+              <a:buNone/>
+              <a:defRPr sz="1600" b="1"/>
             </a:lvl9pPr>
           </a:lstStyle>
           <a:p>
@@ -4225,7 +4308,6 @@
               <a:rPr lang="en-US"/>
               <a:t>Click to edit Master text styles</a:t>
             </a:r>
-            <a:endParaRPr lang="en-US"/>
           </a:p>
         </p:txBody>
       </p:sp>
@@ -4249,13 +4331,13 @@
           <a:bodyPr anchor="t">
             <a:normAutofit/>
           </a:bodyPr>
+          <a:lstStyle/>
           <a:p>
             <a:pPr lvl="0"/>
             <a:r>
               <a:rPr lang="en-US"/>
               <a:t>Click to edit Master text styles</a:t>
             </a:r>
-            <a:endParaRPr lang="en-US"/>
           </a:p>
           <a:p>
             <a:pPr lvl="1"/>
@@ -4263,7 +4345,6 @@
               <a:rPr lang="en-US"/>
               <a:t>Second level</a:t>
             </a:r>
-            <a:endParaRPr lang="en-US"/>
           </a:p>
           <a:p>
             <a:pPr lvl="2"/>
@@ -4271,7 +4352,6 @@
               <a:rPr lang="en-US"/>
               <a:t>Third level</a:t>
             </a:r>
-            <a:endParaRPr lang="en-US"/>
           </a:p>
           <a:p>
             <a:pPr lvl="3"/>
@@ -4279,7 +4359,6 @@
               <a:rPr lang="en-US"/>
               <a:t>Fourth level</a:t>
             </a:r>
-            <a:endParaRPr lang="en-US"/>
           </a:p>
           <a:p>
             <a:pPr lvl="4"/>
@@ -4287,7 +4366,7 @@
               <a:rPr lang="en-US"/>
               <a:t>Fifth level</a:t>
             </a:r>
-            <a:endParaRPr dirty="0" lang="en-US"/>
+            <a:endParaRPr lang="en-US" dirty="0"/>
           </a:p>
         </p:txBody>
       </p:sp>
@@ -4312,7 +4391,7 @@
             <a:noAutofit/>
           </a:bodyPr>
           <a:lstStyle>
-            <a:lvl1pPr indent="0" marL="0">
+            <a:lvl1pPr marL="0" indent="0">
               <a:spcBef>
                 <a:spcPts val="670"/>
               </a:spcBef>
@@ -4320,43 +4399,43 @@
                 <a:spcPts val="600"/>
               </a:spcAft>
               <a:buNone/>
-              <a:defRPr b="0" sz="2800">
+              <a:defRPr sz="2800" b="0">
                 <a:solidFill>
                   <a:schemeClr val="accent1"/>
                 </a:solidFill>
               </a:defRPr>
             </a:lvl1pPr>
-            <a:lvl2pPr indent="0" marL="457200">
-              <a:buNone/>
-              <a:defRPr b="1" sz="2000"/>
+            <a:lvl2pPr marL="457200" indent="0">
+              <a:buNone/>
+              <a:defRPr sz="2000" b="1"/>
             </a:lvl2pPr>
-            <a:lvl3pPr indent="0" marL="914400">
-              <a:buNone/>
-              <a:defRPr b="1" sz="1800"/>
+            <a:lvl3pPr marL="914400" indent="0">
+              <a:buNone/>
+              <a:defRPr sz="1800" b="1"/>
             </a:lvl3pPr>
-            <a:lvl4pPr indent="0" marL="1371600">
-              <a:buNone/>
-              <a:defRPr b="1" sz="1600"/>
+            <a:lvl4pPr marL="1371600" indent="0">
+              <a:buNone/>
+              <a:defRPr sz="1600" b="1"/>
             </a:lvl4pPr>
-            <a:lvl5pPr indent="0" marL="1828800">
-              <a:buNone/>
-              <a:defRPr b="1" sz="1600"/>
+            <a:lvl5pPr marL="1828800" indent="0">
+              <a:buNone/>
+              <a:defRPr sz="1600" b="1"/>
             </a:lvl5pPr>
-            <a:lvl6pPr indent="0" marL="2286000">
-              <a:buNone/>
-              <a:defRPr b="1" sz="1600"/>
+            <a:lvl6pPr marL="2286000" indent="0">
+              <a:buNone/>
+              <a:defRPr sz="1600" b="1"/>
             </a:lvl6pPr>
-            <a:lvl7pPr indent="0" marL="2743200">
-              <a:buNone/>
-              <a:defRPr b="1" sz="1600"/>
+            <a:lvl7pPr marL="2743200" indent="0">
+              <a:buNone/>
+              <a:defRPr sz="1600" b="1"/>
             </a:lvl7pPr>
-            <a:lvl8pPr indent="0" marL="3200400">
-              <a:buNone/>
-              <a:defRPr b="1" sz="1600"/>
+            <a:lvl8pPr marL="3200400" indent="0">
+              <a:buNone/>
+              <a:defRPr sz="1600" b="1"/>
             </a:lvl8pPr>
-            <a:lvl9pPr indent="0" marL="3657600">
-              <a:buNone/>
-              <a:defRPr b="1" sz="1600"/>
+            <a:lvl9pPr marL="3657600" indent="0">
+              <a:buNone/>
+              <a:defRPr sz="1600" b="1"/>
             </a:lvl9pPr>
           </a:lstStyle>
           <a:p>
@@ -4365,7 +4444,6 @@
               <a:rPr lang="en-US"/>
               <a:t>Click to edit Master text styles</a:t>
             </a:r>
-            <a:endParaRPr lang="en-US"/>
           </a:p>
         </p:txBody>
       </p:sp>
@@ -4389,13 +4467,13 @@
           <a:bodyPr anchor="t">
             <a:normAutofit/>
           </a:bodyPr>
+          <a:lstStyle/>
           <a:p>
             <a:pPr lvl="0"/>
             <a:r>
               <a:rPr lang="en-US"/>
               <a:t>Click to edit Master text styles</a:t>
             </a:r>
-            <a:endParaRPr lang="en-US"/>
           </a:p>
           <a:p>
             <a:pPr lvl="1"/>
@@ -4403,7 +4481,6 @@
               <a:rPr lang="en-US"/>
               <a:t>Second level</a:t>
             </a:r>
-            <a:endParaRPr lang="en-US"/>
           </a:p>
           <a:p>
             <a:pPr lvl="2"/>
@@ -4411,7 +4488,6 @@
               <a:rPr lang="en-US"/>
               <a:t>Third level</a:t>
             </a:r>
-            <a:endParaRPr lang="en-US"/>
           </a:p>
           <a:p>
             <a:pPr lvl="3"/>
@@ -4419,7 +4495,6 @@
               <a:rPr lang="en-US"/>
               <a:t>Fourth level</a:t>
             </a:r>
-            <a:endParaRPr lang="en-US"/>
           </a:p>
           <a:p>
             <a:pPr lvl="4"/>
@@ -4427,7 +4502,7 @@
               <a:rPr lang="en-US"/>
               <a:t>Fifth level</a:t>
             </a:r>
-            <a:endParaRPr dirty="0" lang="en-US"/>
+            <a:endParaRPr lang="en-US" dirty="0"/>
           </a:p>
         </p:txBody>
       </p:sp>
@@ -4444,9 +4519,11 @@
         <p:spPr/>
         <p:txBody>
           <a:bodyPr/>
+          <a:lstStyle/>
           <a:p>
             <a:fld id="{1C6E12D2-DA3A-480B-BCDF-BFB6C7EBE402}" type="datetimeFigureOut">
               <a:rPr lang="en-US" smtClean="0"/>
+              <a:t>3/27/2023</a:t>
             </a:fld>
             <a:endParaRPr lang="en-US"/>
           </a:p>
@@ -4465,6 +4542,7 @@
         <p:spPr/>
         <p:txBody>
           <a:bodyPr/>
+          <a:lstStyle/>
           <a:p>
             <a:endParaRPr lang="en-US"/>
           </a:p>
@@ -4483,9 +4561,11 @@
         <p:spPr/>
         <p:txBody>
           <a:bodyPr/>
+          <a:lstStyle/>
           <a:p>
             <a:fld id="{F1BBC3DF-4D3E-4D62-AC24-223E50BCC8DF}" type="slidenum">
               <a:rPr lang="en-US" smtClean="0"/>
+              <a:t>‹#›</a:t>
             </a:fld>
             <a:endParaRPr lang="en-US"/>
           </a:p>
@@ -4504,7 +4584,9 @@
             <a:off x="1396169" y="2421466"/>
             <a:ext cx="9407298" cy="0"/>
           </a:xfrm>
-          <a:prstGeom prst="line"/>
+          <a:prstGeom prst="line">
+            <a:avLst/>
+          </a:prstGeom>
           <a:ln w="15875"/>
         </p:spPr>
         <p:style>
@@ -4531,11 +4613,11 @@
 </file>
 
 <file path=ppt/slideLayouts/slideLayout6.xml><?xml version="1.0" encoding="utf-8"?>
-<p:sldLayout xmlns:a="http://schemas.openxmlformats.org/drawingml/2006/main" xmlns:r="http://schemas.openxmlformats.org/officeDocument/2006/relationships" xmlns:p="http://schemas.openxmlformats.org/presentationml/2006/main" preserve="1" type="titleOnly">
+<p:sldLayout xmlns:a="http://schemas.openxmlformats.org/drawingml/2006/main" xmlns:r="http://schemas.openxmlformats.org/officeDocument/2006/relationships" xmlns:p="http://schemas.openxmlformats.org/presentationml/2006/main" type="titleOnly" preserve="1">
   <p:cSld name="Title Only">
     <p:spTree>
       <p:nvGrpSpPr>
-        <p:cNvPr id="53" name=""/>
+        <p:cNvPr id="1" name=""/>
         <p:cNvGrpSpPr/>
         <p:nvPr/>
       </p:nvGrpSpPr>
@@ -4560,12 +4642,13 @@
         <p:spPr/>
         <p:txBody>
           <a:bodyPr/>
+          <a:lstStyle/>
           <a:p>
             <a:r>
               <a:rPr lang="en-US"/>
               <a:t>Click to edit Master title style</a:t>
             </a:r>
-            <a:endParaRPr dirty="0" lang="en-US"/>
+            <a:endParaRPr lang="en-US" dirty="0"/>
           </a:p>
         </p:txBody>
       </p:sp>
@@ -4582,9 +4665,11 @@
         <p:spPr/>
         <p:txBody>
           <a:bodyPr/>
+          <a:lstStyle/>
           <a:p>
             <a:fld id="{1C6E12D2-DA3A-480B-BCDF-BFB6C7EBE402}" type="datetimeFigureOut">
               <a:rPr lang="en-US" smtClean="0"/>
+              <a:t>3/27/2023</a:t>
             </a:fld>
             <a:endParaRPr lang="en-US"/>
           </a:p>
@@ -4603,6 +4688,7 @@
         <p:spPr/>
         <p:txBody>
           <a:bodyPr/>
+          <a:lstStyle/>
           <a:p>
             <a:endParaRPr lang="en-US"/>
           </a:p>
@@ -4621,9 +4707,11 @@
         <p:spPr/>
         <p:txBody>
           <a:bodyPr/>
+          <a:lstStyle/>
           <a:p>
             <a:fld id="{F1BBC3DF-4D3E-4D62-AC24-223E50BCC8DF}" type="slidenum">
               <a:rPr lang="en-US" smtClean="0"/>
+              <a:t>‹#›</a:t>
             </a:fld>
             <a:endParaRPr lang="en-US"/>
           </a:p>
@@ -4642,7 +4730,9 @@
             <a:off x="1396169" y="2421466"/>
             <a:ext cx="9407298" cy="0"/>
           </a:xfrm>
-          <a:prstGeom prst="line"/>
+          <a:prstGeom prst="line">
+            <a:avLst/>
+          </a:prstGeom>
           <a:ln w="15875"/>
         </p:spPr>
         <p:style>
@@ -4669,11 +4759,11 @@
 </file>
 
 <file path=ppt/slideLayouts/slideLayout7.xml><?xml version="1.0" encoding="utf-8"?>
-<p:sldLayout xmlns:a="http://schemas.openxmlformats.org/drawingml/2006/main" xmlns:r="http://schemas.openxmlformats.org/officeDocument/2006/relationships" xmlns:p="http://schemas.openxmlformats.org/presentationml/2006/main" preserve="1" type="blank">
+<p:sldLayout xmlns:a="http://schemas.openxmlformats.org/drawingml/2006/main" xmlns:r="http://schemas.openxmlformats.org/officeDocument/2006/relationships" xmlns:p="http://schemas.openxmlformats.org/presentationml/2006/main" type="blank" preserve="1">
   <p:cSld name="Blank">
     <p:spTree>
       <p:nvGrpSpPr>
-        <p:cNvPr id="45" name=""/>
+        <p:cNvPr id="1" name=""/>
         <p:cNvGrpSpPr/>
         <p:nvPr/>
       </p:nvGrpSpPr>
@@ -4698,9 +4788,11 @@
         <p:spPr/>
         <p:txBody>
           <a:bodyPr/>
+          <a:lstStyle/>
           <a:p>
             <a:fld id="{1C6E12D2-DA3A-480B-BCDF-BFB6C7EBE402}" type="datetimeFigureOut">
               <a:rPr lang="en-US" smtClean="0"/>
+              <a:t>3/27/2023</a:t>
             </a:fld>
             <a:endParaRPr lang="en-US"/>
           </a:p>
@@ -4719,6 +4811,7 @@
         <p:spPr/>
         <p:txBody>
           <a:bodyPr/>
+          <a:lstStyle/>
           <a:p>
             <a:endParaRPr lang="en-US"/>
           </a:p>
@@ -4737,9 +4830,11 @@
         <p:spPr/>
         <p:txBody>
           <a:bodyPr/>
+          <a:lstStyle/>
           <a:p>
             <a:fld id="{F1BBC3DF-4D3E-4D62-AC24-223E50BCC8DF}" type="slidenum">
               <a:rPr lang="en-US" smtClean="0"/>
+              <a:t>‹#›</a:t>
             </a:fld>
             <a:endParaRPr lang="en-US"/>
           </a:p>
@@ -4754,11 +4849,11 @@
 </file>
 
 <file path=ppt/slideLayouts/slideLayout8.xml><?xml version="1.0" encoding="utf-8"?>
-<p:sldLayout xmlns:a="http://schemas.openxmlformats.org/drawingml/2006/main" xmlns:r="http://schemas.openxmlformats.org/officeDocument/2006/relationships" xmlns:p="http://schemas.openxmlformats.org/presentationml/2006/main" preserve="1" type="objTx">
+<p:sldLayout xmlns:a="http://schemas.openxmlformats.org/drawingml/2006/main" xmlns:r="http://schemas.openxmlformats.org/officeDocument/2006/relationships" xmlns:p="http://schemas.openxmlformats.org/presentationml/2006/main" type="objTx" preserve="1">
   <p:cSld name="Content with Caption">
     <p:spTree>
       <p:nvGrpSpPr>
-        <p:cNvPr id="81" name=""/>
+        <p:cNvPr id="1" name=""/>
         <p:cNvGrpSpPr/>
         <p:nvPr/>
       </p:nvGrpSpPr>
@@ -4792,7 +4887,7 @@
           </a:bodyPr>
           <a:lstStyle>
             <a:lvl1pPr algn="ctr">
-              <a:defRPr b="0" sz="2400"/>
+              <a:defRPr sz="2400" b="0"/>
             </a:lvl1pPr>
           </a:lstStyle>
           <a:p>
@@ -4800,7 +4895,7 @@
               <a:rPr lang="en-US"/>
               <a:t>Click to edit Master title style</a:t>
             </a:r>
-            <a:endParaRPr dirty="0" lang="en-US"/>
+            <a:endParaRPr lang="en-US" dirty="0"/>
           </a:p>
         </p:txBody>
       </p:sp>
@@ -4824,13 +4919,13 @@
           <a:bodyPr anchor="ctr">
             <a:normAutofit/>
           </a:bodyPr>
+          <a:lstStyle/>
           <a:p>
             <a:pPr lvl="0"/>
             <a:r>
               <a:rPr lang="en-US"/>
               <a:t>Click to edit Master text styles</a:t>
             </a:r>
-            <a:endParaRPr lang="en-US"/>
           </a:p>
           <a:p>
             <a:pPr lvl="1"/>
@@ -4838,7 +4933,6 @@
               <a:rPr lang="en-US"/>
               <a:t>Second level</a:t>
             </a:r>
-            <a:endParaRPr lang="en-US"/>
           </a:p>
           <a:p>
             <a:pPr lvl="2"/>
@@ -4846,7 +4940,6 @@
               <a:rPr lang="en-US"/>
               <a:t>Third level</a:t>
             </a:r>
-            <a:endParaRPr lang="en-US"/>
           </a:p>
           <a:p>
             <a:pPr lvl="3"/>
@@ -4854,7 +4947,6 @@
               <a:rPr lang="en-US"/>
               <a:t>Fourth level</a:t>
             </a:r>
-            <a:endParaRPr lang="en-US"/>
           </a:p>
           <a:p>
             <a:pPr lvl="4"/>
@@ -4862,7 +4954,7 @@
               <a:rPr lang="en-US"/>
               <a:t>Fifth level</a:t>
             </a:r>
-            <a:endParaRPr dirty="0" lang="en-US"/>
+            <a:endParaRPr lang="en-US" dirty="0"/>
           </a:p>
         </p:txBody>
       </p:sp>
@@ -4887,39 +4979,39 @@
             <a:normAutofit/>
           </a:bodyPr>
           <a:lstStyle>
-            <a:lvl1pPr algn="ctr" indent="0" marL="0">
+            <a:lvl1pPr marL="0" indent="0" algn="ctr">
               <a:buNone/>
               <a:defRPr sz="1600"/>
             </a:lvl1pPr>
-            <a:lvl2pPr indent="0" marL="457200">
+            <a:lvl2pPr marL="457200" indent="0">
               <a:buNone/>
               <a:defRPr sz="1200"/>
             </a:lvl2pPr>
-            <a:lvl3pPr indent="0" marL="914400">
+            <a:lvl3pPr marL="914400" indent="0">
               <a:buNone/>
               <a:defRPr sz="1000"/>
             </a:lvl3pPr>
-            <a:lvl4pPr indent="0" marL="1371600">
+            <a:lvl4pPr marL="1371600" indent="0">
               <a:buNone/>
               <a:defRPr sz="900"/>
             </a:lvl4pPr>
-            <a:lvl5pPr indent="0" marL="1828800">
+            <a:lvl5pPr marL="1828800" indent="0">
               <a:buNone/>
               <a:defRPr sz="900"/>
             </a:lvl5pPr>
-            <a:lvl6pPr indent="0" marL="2286000">
+            <a:lvl6pPr marL="2286000" indent="0">
               <a:buNone/>
               <a:defRPr sz="900"/>
             </a:lvl6pPr>
-            <a:lvl7pPr indent="0" marL="2743200">
+            <a:lvl7pPr marL="2743200" indent="0">
               <a:buNone/>
               <a:defRPr sz="900"/>
             </a:lvl7pPr>
-            <a:lvl8pPr indent="0" marL="3200400">
+            <a:lvl8pPr marL="3200400" indent="0">
               <a:buNone/>
               <a:defRPr sz="900"/>
             </a:lvl8pPr>
-            <a:lvl9pPr indent="0" marL="3657600">
+            <a:lvl9pPr marL="3657600" indent="0">
               <a:buNone/>
               <a:defRPr sz="900"/>
             </a:lvl9pPr>
@@ -4930,7 +5022,6 @@
               <a:rPr lang="en-US"/>
               <a:t>Click to edit Master text styles</a:t>
             </a:r>
-            <a:endParaRPr lang="en-US"/>
           </a:p>
         </p:txBody>
       </p:sp>
@@ -4947,9 +5038,11 @@
         <p:spPr/>
         <p:txBody>
           <a:bodyPr/>
+          <a:lstStyle/>
           <a:p>
             <a:fld id="{1C6E12D2-DA3A-480B-BCDF-BFB6C7EBE402}" type="datetimeFigureOut">
               <a:rPr lang="en-US" smtClean="0"/>
+              <a:t>3/27/2023</a:t>
             </a:fld>
             <a:endParaRPr lang="en-US"/>
           </a:p>
@@ -4968,6 +5061,7 @@
         <p:spPr/>
         <p:txBody>
           <a:bodyPr/>
+          <a:lstStyle/>
           <a:p>
             <a:endParaRPr lang="en-US"/>
           </a:p>
@@ -4986,9 +5080,11 @@
         <p:spPr/>
         <p:txBody>
           <a:bodyPr/>
+          <a:lstStyle/>
           <a:p>
             <a:fld id="{F1BBC3DF-4D3E-4D62-AC24-223E50BCC8DF}" type="slidenum">
               <a:rPr lang="en-US" smtClean="0"/>
+              <a:t>‹#›</a:t>
             </a:fld>
             <a:endParaRPr lang="en-US"/>
           </a:p>
@@ -5007,7 +5103,9 @@
             <a:off x="1396169" y="2912533"/>
             <a:ext cx="3514498" cy="0"/>
           </a:xfrm>
-          <a:prstGeom prst="line"/>
+          <a:prstGeom prst="line">
+            <a:avLst/>
+          </a:prstGeom>
           <a:ln w="15875"/>
         </p:spPr>
         <p:style>
@@ -5034,11 +5132,11 @@
 </file>
 
 <file path=ppt/slideLayouts/slideLayout9.xml><?xml version="1.0" encoding="utf-8"?>
-<p:sldLayout xmlns:a="http://schemas.openxmlformats.org/drawingml/2006/main" xmlns:r="http://schemas.openxmlformats.org/officeDocument/2006/relationships" xmlns:p="http://schemas.openxmlformats.org/presentationml/2006/main" preserve="1" type="picTx">
+<p:sldLayout xmlns:a="http://schemas.openxmlformats.org/drawingml/2006/main" xmlns:r="http://schemas.openxmlformats.org/officeDocument/2006/relationships" xmlns:p="http://schemas.openxmlformats.org/presentationml/2006/main" type="picTx" preserve="1">
   <p:cSld name="Picture with Caption">
     <p:spTree>
       <p:nvGrpSpPr>
-        <p:cNvPr id="72" name=""/>
+        <p:cNvPr id="1" name=""/>
         <p:cNvGrpSpPr/>
         <p:nvPr/>
       </p:nvGrpSpPr>
@@ -5072,7 +5170,7 @@
           </a:bodyPr>
           <a:lstStyle>
             <a:lvl1pPr algn="ctr">
-              <a:defRPr b="0" sz="2800"/>
+              <a:defRPr sz="2800" b="0"/>
             </a:lvl1pPr>
           </a:lstStyle>
           <a:p>
@@ -5080,7 +5178,7 @@
               <a:rPr lang="en-US"/>
               <a:t>Click to edit Master title style</a:t>
             </a:r>
-            <a:endParaRPr dirty="0" lang="en-US"/>
+            <a:endParaRPr lang="en-US" dirty="0"/>
           </a:p>
         </p:txBody>
       </p:sp>
@@ -5088,7 +5186,7 @@
         <p:nvSpPr>
           <p:cNvPr id="1048638" name="Picture Placeholder 2"/>
           <p:cNvSpPr>
-            <a:spLocks noChangeAspect="1" noGrp="1"/>
+            <a:spLocks noGrp="1" noChangeAspect="1"/>
           </p:cNvSpPr>
           <p:nvPr>
             <p:ph type="pic" idx="1"/>
@@ -5114,7 +5212,7 @@
             <a:miter lim="800000"/>
           </a:ln>
           <a:effectLst>
-            <a:innerShdw blurRad="57150" dir="14460000" dist="38100">
+            <a:innerShdw blurRad="57150" dist="38100" dir="14460000">
               <a:srgbClr val="000000">
                 <a:alpha val="70000"/>
               </a:srgbClr>
@@ -5126,39 +5224,39 @@
             <a:normAutofit/>
           </a:bodyPr>
           <a:lstStyle>
-            <a:lvl1pPr algn="ctr" indent="0" marL="0">
+            <a:lvl1pPr marL="0" indent="0" algn="ctr">
               <a:buNone/>
               <a:defRPr sz="1600"/>
             </a:lvl1pPr>
-            <a:lvl2pPr indent="0" marL="457200">
+            <a:lvl2pPr marL="457200" indent="0">
               <a:buNone/>
               <a:defRPr sz="1600"/>
             </a:lvl2pPr>
-            <a:lvl3pPr indent="0" marL="914400">
+            <a:lvl3pPr marL="914400" indent="0">
               <a:buNone/>
               <a:defRPr sz="1600"/>
             </a:lvl3pPr>
-            <a:lvl4pPr indent="0" marL="1371600">
+            <a:lvl4pPr marL="1371600" indent="0">
               <a:buNone/>
               <a:defRPr sz="1600"/>
             </a:lvl4pPr>
-            <a:lvl5pPr indent="0" marL="1828800">
+            <a:lvl5pPr marL="1828800" indent="0">
               <a:buNone/>
               <a:defRPr sz="1600"/>
             </a:lvl5pPr>
-            <a:lvl6pPr indent="0" marL="2286000">
+            <a:lvl6pPr marL="2286000" indent="0">
               <a:buNone/>
               <a:defRPr sz="1600"/>
             </a:lvl6pPr>
-            <a:lvl7pPr indent="0" marL="2743200">
+            <a:lvl7pPr marL="2743200" indent="0">
               <a:buNone/>
               <a:defRPr sz="1600"/>
             </a:lvl7pPr>
-            <a:lvl8pPr indent="0" marL="3200400">
+            <a:lvl8pPr marL="3200400" indent="0">
               <a:buNone/>
               <a:defRPr sz="1600"/>
             </a:lvl8pPr>
-            <a:lvl9pPr indent="0" marL="3657600">
+            <a:lvl9pPr marL="3657600" indent="0">
               <a:buNone/>
               <a:defRPr sz="1600"/>
             </a:lvl9pPr>
@@ -5168,7 +5266,7 @@
               <a:rPr lang="en-US"/>
               <a:t>Click icon to add picture</a:t>
             </a:r>
-            <a:endParaRPr dirty="0" lang="en-US"/>
+            <a:endParaRPr lang="en-US" dirty="0"/>
           </a:p>
         </p:txBody>
       </p:sp>
@@ -5193,39 +5291,39 @@
             <a:normAutofit/>
           </a:bodyPr>
           <a:lstStyle>
-            <a:lvl1pPr algn="ctr" indent="0" marL="0">
+            <a:lvl1pPr marL="0" indent="0" algn="ctr">
               <a:buNone/>
               <a:defRPr sz="1800"/>
             </a:lvl1pPr>
-            <a:lvl2pPr indent="0" marL="457200">
+            <a:lvl2pPr marL="457200" indent="0">
               <a:buNone/>
               <a:defRPr sz="1200"/>
             </a:lvl2pPr>
-            <a:lvl3pPr indent="0" marL="914400">
+            <a:lvl3pPr marL="914400" indent="0">
               <a:buNone/>
               <a:defRPr sz="1000"/>
             </a:lvl3pPr>
-            <a:lvl4pPr indent="0" marL="1371600">
+            <a:lvl4pPr marL="1371600" indent="0">
               <a:buNone/>
               <a:defRPr sz="900"/>
             </a:lvl4pPr>
-            <a:lvl5pPr indent="0" marL="1828800">
+            <a:lvl5pPr marL="1828800" indent="0">
               <a:buNone/>
               <a:defRPr sz="900"/>
             </a:lvl5pPr>
-            <a:lvl6pPr indent="0" marL="2286000">
+            <a:lvl6pPr marL="2286000" indent="0">
               <a:buNone/>
               <a:defRPr sz="900"/>
             </a:lvl6pPr>
-            <a:lvl7pPr indent="0" marL="2743200">
+            <a:lvl7pPr marL="2743200" indent="0">
               <a:buNone/>
               <a:defRPr sz="900"/>
             </a:lvl7pPr>
-            <a:lvl8pPr indent="0" marL="3200400">
+            <a:lvl8pPr marL="3200400" indent="0">
               <a:buNone/>
               <a:defRPr sz="900"/>
             </a:lvl8pPr>
-            <a:lvl9pPr indent="0" marL="3657600">
+            <a:lvl9pPr marL="3657600" indent="0">
               <a:buNone/>
               <a:defRPr sz="900"/>
             </a:lvl9pPr>
@@ -5236,7 +5334,6 @@
               <a:rPr lang="en-US"/>
               <a:t>Click to edit Master text styles</a:t>
             </a:r>
-            <a:endParaRPr lang="en-US"/>
           </a:p>
         </p:txBody>
       </p:sp>
@@ -5253,9 +5350,11 @@
         <p:spPr/>
         <p:txBody>
           <a:bodyPr/>
+          <a:lstStyle/>
           <a:p>
             <a:fld id="{1C6E12D2-DA3A-480B-BCDF-BFB6C7EBE402}" type="datetimeFigureOut">
               <a:rPr lang="en-US" smtClean="0"/>
+              <a:t>3/27/2023</a:t>
             </a:fld>
             <a:endParaRPr lang="en-US"/>
           </a:p>
@@ -5274,6 +5373,7 @@
         <p:spPr/>
         <p:txBody>
           <a:bodyPr/>
+          <a:lstStyle/>
           <a:p>
             <a:endParaRPr lang="en-US"/>
           </a:p>
@@ -5292,9 +5392,11 @@
         <p:spPr/>
         <p:txBody>
           <a:bodyPr/>
+          <a:lstStyle/>
           <a:p>
             <a:fld id="{F1BBC3DF-4D3E-4D62-AC24-223E50BCC8DF}" type="slidenum">
               <a:rPr lang="en-US" smtClean="0"/>
+              <a:t>‹#›</a:t>
             </a:fld>
             <a:endParaRPr lang="en-US"/>
           </a:p>
@@ -5318,7 +5420,7 @@
     </p:bg>
     <p:spTree>
       <p:nvGrpSpPr>
-        <p:cNvPr id="24" name=""/>
+        <p:cNvPr id="1" name=""/>
         <p:cNvGrpSpPr/>
         <p:nvPr/>
       </p:nvGrpSpPr>
@@ -5353,7 +5455,7 @@
             <p:nvPr/>
           </p:nvPicPr>
           <p:blipFill>
-            <a:blip xmlns:r="http://schemas.openxmlformats.org/officeDocument/2006/relationships" r:embed="rId18"/>
+            <a:blip r:embed="rId19"/>
             <a:stretch>
               <a:fillRect/>
             </a:stretch>
@@ -5363,7 +5465,9 @@
               <a:off x="0" y="0"/>
               <a:ext cx="12188825" cy="6856214"/>
             </a:xfrm>
-            <a:prstGeom prst="rect"/>
+            <a:prstGeom prst="rect">
+              <a:avLst/>
+            </a:prstGeom>
           </p:spPr>
         </p:pic>
         <p:sp>
@@ -5377,7 +5481,9 @@
               <a:off x="608012" y="609600"/>
               <a:ext cx="10972800" cy="5638800"/>
             </a:xfrm>
-            <a:prstGeom prst="rect"/>
+            <a:prstGeom prst="rect">
+              <a:avLst/>
+            </a:prstGeom>
             <a:noFill/>
             <a:ln w="15875" cap="flat">
               <a:miter lim="800000"/>
@@ -5407,7 +5513,7 @@
             <p:nvPr/>
           </p:nvPicPr>
           <p:blipFill rotWithShape="1">
-            <a:blip xmlns:r="http://schemas.openxmlformats.org/officeDocument/2006/relationships" r:embed="rId19"/>
+            <a:blip r:embed="rId20"/>
             <a:srcRect/>
             <a:stretch>
               <a:fillRect/>
@@ -5418,7 +5524,9 @@
               <a:off x="-15736" y="3153832"/>
               <a:ext cx="777240" cy="606425"/>
             </a:xfrm>
-            <a:prstGeom prst="rect"/>
+            <a:prstGeom prst="rect">
+              <a:avLst/>
+            </a:prstGeom>
           </p:spPr>
         </p:pic>
         <p:pic>
@@ -5430,7 +5538,7 @@
             <p:nvPr/>
           </p:nvPicPr>
           <p:blipFill rotWithShape="1">
-            <a:blip xmlns:r="http://schemas.openxmlformats.org/officeDocument/2006/relationships" r:embed="rId19"/>
+            <a:blip r:embed="rId20"/>
             <a:srcRect/>
             <a:stretch>
               <a:fillRect/>
@@ -5441,7 +5549,9 @@
               <a:off x="11436986" y="3153832"/>
               <a:ext cx="777240" cy="606425"/>
             </a:xfrm>
-            <a:prstGeom prst="rect"/>
+            <a:prstGeom prst="rect">
+              <a:avLst/>
+            </a:prstGeom>
           </p:spPr>
         </p:pic>
       </p:grpSp>
@@ -5460,19 +5570,22 @@
             <a:off x="1295402" y="982132"/>
             <a:ext cx="9601196" cy="1303867"/>
           </a:xfrm>
-          <a:prstGeom prst="rect"/>
+          <a:prstGeom prst="rect">
+            <a:avLst/>
+          </a:prstGeom>
           <a:effectLst/>
         </p:spPr>
         <p:txBody>
-          <a:bodyPr anchor="ctr" bIns="45720" lIns="91440" rIns="91440" rtlCol="0" tIns="45720" vert="horz">
+          <a:bodyPr vert="horz" lIns="91440" tIns="45720" rIns="91440" bIns="45720" rtlCol="0" anchor="ctr">
             <a:normAutofit/>
           </a:bodyPr>
+          <a:lstStyle/>
           <a:p>
             <a:r>
               <a:rPr lang="en-US"/>
               <a:t>Click to edit Master title style</a:t>
             </a:r>
-            <a:endParaRPr dirty="0" lang="en-US"/>
+            <a:endParaRPr lang="en-US" dirty="0"/>
           </a:p>
         </p:txBody>
       </p:sp>
@@ -5491,19 +5604,21 @@
             <a:off x="1295401" y="2556932"/>
             <a:ext cx="9601196" cy="3318936"/>
           </a:xfrm>
-          <a:prstGeom prst="rect"/>
+          <a:prstGeom prst="rect">
+            <a:avLst/>
+          </a:prstGeom>
         </p:spPr>
         <p:txBody>
-          <a:bodyPr anchor="t" bIns="45720" lIns="91440" rIns="91440" rtlCol="0" tIns="45720" vert="horz">
+          <a:bodyPr vert="horz" lIns="91440" tIns="45720" rIns="91440" bIns="45720" rtlCol="0" anchor="t">
             <a:normAutofit/>
           </a:bodyPr>
+          <a:lstStyle/>
           <a:p>
             <a:pPr lvl="0"/>
             <a:r>
               <a:rPr lang="en-US"/>
               <a:t>Click to edit Master text styles</a:t>
             </a:r>
-            <a:endParaRPr lang="en-US"/>
           </a:p>
           <a:p>
             <a:pPr lvl="1"/>
@@ -5511,7 +5626,6 @@
               <a:rPr lang="en-US"/>
               <a:t>Second level</a:t>
             </a:r>
-            <a:endParaRPr lang="en-US"/>
           </a:p>
           <a:p>
             <a:pPr lvl="2"/>
@@ -5519,7 +5633,6 @@
               <a:rPr lang="en-US"/>
               <a:t>Third level</a:t>
             </a:r>
-            <a:endParaRPr lang="en-US"/>
           </a:p>
           <a:p>
             <a:pPr lvl="3"/>
@@ -5527,7 +5640,6 @@
               <a:rPr lang="en-US"/>
               <a:t>Fourth level</a:t>
             </a:r>
-            <a:endParaRPr lang="en-US"/>
           </a:p>
           <a:p>
             <a:pPr lvl="4"/>
@@ -5535,7 +5647,7 @@
               <a:rPr lang="en-US"/>
               <a:t>Fifth level</a:t>
             </a:r>
-            <a:endParaRPr dirty="0" lang="en-US"/>
+            <a:endParaRPr lang="en-US" dirty="0"/>
           </a:p>
         </p:txBody>
       </p:sp>
@@ -5554,13 +5666,15 @@
             <a:off x="8677501" y="5969000"/>
             <a:ext cx="1600200" cy="279400"/>
           </a:xfrm>
-          <a:prstGeom prst="rect"/>
+          <a:prstGeom prst="rect">
+            <a:avLst/>
+          </a:prstGeom>
         </p:spPr>
         <p:txBody>
-          <a:bodyPr anchor="ctr" bIns="45720" lIns="91440" rIns="91440" rtlCol="0" tIns="45720" vert="horz"/>
+          <a:bodyPr vert="horz" lIns="91440" tIns="45720" rIns="91440" bIns="45720" rtlCol="0" anchor="ctr"/>
           <a:lstStyle>
             <a:lvl1pPr algn="r">
-              <a:defRPr b="0" sz="1000" i="0">
+              <a:defRPr sz="1000" b="0" i="0">
                 <a:solidFill>
                   <a:schemeClr val="tx1"/>
                 </a:solidFill>
@@ -5572,6 +5686,7 @@
           <a:p>
             <a:fld id="{1C6E12D2-DA3A-480B-BCDF-BFB6C7EBE402}" type="datetimeFigureOut">
               <a:rPr lang="en-US" smtClean="0"/>
+              <a:t>3/27/2023</a:t>
             </a:fld>
             <a:endParaRPr lang="en-US"/>
           </a:p>
@@ -5592,13 +5707,15 @@
             <a:off x="1295401" y="5969000"/>
             <a:ext cx="7305900" cy="279400"/>
           </a:xfrm>
-          <a:prstGeom prst="rect"/>
+          <a:prstGeom prst="rect">
+            <a:avLst/>
+          </a:prstGeom>
         </p:spPr>
         <p:txBody>
-          <a:bodyPr anchor="ctr" bIns="45720" lIns="91440" rIns="91440" rtlCol="0" tIns="45720" vert="horz"/>
+          <a:bodyPr vert="horz" lIns="91440" tIns="45720" rIns="91440" bIns="45720" rtlCol="0" anchor="ctr"/>
           <a:lstStyle>
             <a:lvl1pPr algn="l">
-              <a:defRPr b="0" sz="1000" i="0">
+              <a:defRPr sz="1000" b="0" i="0">
                 <a:solidFill>
                   <a:schemeClr val="tx1"/>
                 </a:solidFill>
@@ -5627,13 +5744,15 @@
             <a:off x="10353901" y="5969000"/>
             <a:ext cx="542697" cy="279400"/>
           </a:xfrm>
-          <a:prstGeom prst="rect"/>
+          <a:prstGeom prst="rect">
+            <a:avLst/>
+          </a:prstGeom>
         </p:spPr>
         <p:txBody>
-          <a:bodyPr anchor="ctr" bIns="45720" lIns="91440" rIns="91440" rtlCol="0" tIns="45720" vert="horz"/>
+          <a:bodyPr vert="horz" lIns="91440" tIns="45720" rIns="91440" bIns="45720" rtlCol="0" anchor="ctr"/>
           <a:lstStyle>
             <a:lvl1pPr algn="r">
-              <a:defRPr b="0" sz="1000" i="0">
+              <a:defRPr sz="1000" b="0" i="0">
                 <a:solidFill>
                   <a:schemeClr val="tx1"/>
                 </a:solidFill>
@@ -5645,6 +5764,7 @@
           <a:p>
             <a:fld id="{F1BBC3DF-4D3E-4D62-AC24-223E50BCC8DF}" type="slidenum">
               <a:rPr lang="en-US" smtClean="0"/>
+              <a:t>‹#›</a:t>
             </a:fld>
             <a:endParaRPr lang="en-US"/>
           </a:p>
@@ -5652,7 +5772,7 @@
       </p:sp>
     </p:spTree>
   </p:cSld>
-  <p:clrMap accent1="accent1" accent2="accent2" accent3="accent3" accent4="accent4" accent5="accent5" accent6="accent6" bg1="lt1" bg2="lt2" tx1="dk1" tx2="dk2" hlink="hlink" folHlink="folHlink"/>
+  <p:clrMap bg1="lt1" tx1="dk1" bg2="lt2" tx2="dk2" accent1="accent1" accent2="accent2" accent3="accent3" accent4="accent4" accent5="accent5" accent6="accent6" hlink="hlink" folHlink="folHlink"/>
   <p:sldLayoutIdLst>
     <p:sldLayoutId id="2147483649" r:id="rId1"/>
     <p:sldLayoutId id="2147483650" r:id="rId2"/>
@@ -5674,12 +5794,12 @@
   </p:sldLayoutIdLst>
   <p:txStyles>
     <p:titleStyle>
-      <a:lvl1pPr algn="ctr" defTabSz="457200" eaLnBrk="1" hangingPunct="1" latinLnBrk="0" rtl="0">
+      <a:lvl1pPr algn="ctr" defTabSz="457200" rtl="0" eaLnBrk="1" latinLnBrk="0" hangingPunct="1">
         <a:spcBef>
           <a:spcPct val="0"/>
         </a:spcBef>
         <a:buNone/>
-        <a:defRPr cap="none" sz="4400" kern="1200">
+        <a:defRPr sz="4400" kern="1200" cap="none">
           <a:ln w="3175" cmpd="sng">
             <a:noFill/>
           </a:ln>
@@ -5753,7 +5873,7 @@
       </a:lvl9pPr>
     </p:titleStyle>
     <p:bodyStyle>
-      <a:lvl1pPr algn="l" defTabSz="457200" eaLnBrk="1" hangingPunct="1" indent="-285750" latinLnBrk="0" marL="285750" rtl="0">
+      <a:lvl1pPr marL="285750" indent="-285750" algn="l" defTabSz="457200" rtl="0" eaLnBrk="1" latinLnBrk="0" hangingPunct="1">
         <a:spcBef>
           <a:spcPct val="20000"/>
         </a:spcBef>
@@ -5766,7 +5886,7 @@
         <a:buSzPct val="115000"/>
         <a:buFont typeface="Arial" panose="020B0604020202020204"/>
         <a:buChar char="•"/>
-        <a:defRPr cap="none" sz="2400" kern="1200">
+        <a:defRPr sz="2400" kern="1200" cap="none">
           <a:solidFill>
             <a:schemeClr val="tx1">
               <a:lumMod val="85000"/>
@@ -5779,7 +5899,7 @@
           <a:cs typeface="+mn-cs"/>
         </a:defRPr>
       </a:lvl1pPr>
-      <a:lvl2pPr algn="l" defTabSz="457200" eaLnBrk="1" hangingPunct="1" indent="-285750" latinLnBrk="0" marL="742950" rtl="0">
+      <a:lvl2pPr marL="742950" indent="-285750" algn="l" defTabSz="457200" rtl="0" eaLnBrk="1" latinLnBrk="0" hangingPunct="1">
         <a:spcBef>
           <a:spcPct val="20000"/>
         </a:spcBef>
@@ -5792,7 +5912,7 @@
         <a:buSzPct val="115000"/>
         <a:buFont typeface="Arial" panose="020B0604020202020204"/>
         <a:buChar char="•"/>
-        <a:defRPr cap="none" sz="2000" kern="1200">
+        <a:defRPr sz="2000" kern="1200" cap="none">
           <a:solidFill>
             <a:schemeClr val="tx1">
               <a:lumMod val="85000"/>
@@ -5805,7 +5925,7 @@
           <a:cs typeface="+mn-cs"/>
         </a:defRPr>
       </a:lvl2pPr>
-      <a:lvl3pPr algn="l" defTabSz="457200" eaLnBrk="1" hangingPunct="1" indent="-285750" latinLnBrk="0" marL="1200150" rtl="0">
+      <a:lvl3pPr marL="1200150" indent="-285750" algn="l" defTabSz="457200" rtl="0" eaLnBrk="1" latinLnBrk="0" hangingPunct="1">
         <a:spcBef>
           <a:spcPct val="20000"/>
         </a:spcBef>
@@ -5818,7 +5938,7 @@
         <a:buSzPct val="115000"/>
         <a:buFont typeface="Arial" panose="020B0604020202020204"/>
         <a:buChar char="•"/>
-        <a:defRPr cap="none" sz="1800" kern="1200">
+        <a:defRPr sz="1800" kern="1200" cap="none">
           <a:solidFill>
             <a:schemeClr val="tx1">
               <a:lumMod val="85000"/>
@@ -5831,7 +5951,7 @@
           <a:cs typeface="+mn-cs"/>
         </a:defRPr>
       </a:lvl3pPr>
-      <a:lvl4pPr algn="l" defTabSz="457200" eaLnBrk="1" hangingPunct="1" indent="-171450" latinLnBrk="0" marL="1543050" rtl="0">
+      <a:lvl4pPr marL="1543050" indent="-171450" algn="l" defTabSz="457200" rtl="0" eaLnBrk="1" latinLnBrk="0" hangingPunct="1">
         <a:spcBef>
           <a:spcPct val="20000"/>
         </a:spcBef>
@@ -5844,7 +5964,7 @@
         <a:buSzPct val="115000"/>
         <a:buFont typeface="Arial" panose="020B0604020202020204"/>
         <a:buChar char="•"/>
-        <a:defRPr cap="none" sz="1600" kern="1200">
+        <a:defRPr sz="1600" kern="1200" cap="none">
           <a:solidFill>
             <a:schemeClr val="tx1">
               <a:lumMod val="85000"/>
@@ -5857,7 +5977,7 @@
           <a:cs typeface="+mn-cs"/>
         </a:defRPr>
       </a:lvl4pPr>
-      <a:lvl5pPr algn="l" defTabSz="457200" eaLnBrk="1" hangingPunct="1" indent="-171450" latinLnBrk="0" marL="2000250" rtl="0">
+      <a:lvl5pPr marL="2000250" indent="-171450" algn="l" defTabSz="457200" rtl="0" eaLnBrk="1" latinLnBrk="0" hangingPunct="1">
         <a:spcBef>
           <a:spcPct val="20000"/>
         </a:spcBef>
@@ -5870,7 +5990,7 @@
         <a:buSzPct val="115000"/>
         <a:buFont typeface="Arial" panose="020B0604020202020204"/>
         <a:buChar char="•"/>
-        <a:defRPr cap="none" sz="1400" kern="1200">
+        <a:defRPr sz="1400" kern="1200" cap="none">
           <a:solidFill>
             <a:schemeClr val="tx1">
               <a:lumMod val="85000"/>
@@ -5883,7 +6003,7 @@
           <a:cs typeface="+mn-cs"/>
         </a:defRPr>
       </a:lvl5pPr>
-      <a:lvl6pPr algn="l" defTabSz="457200" eaLnBrk="1" hangingPunct="1" indent="-228600" latinLnBrk="0" marL="2514600" rtl="0">
+      <a:lvl6pPr marL="2514600" indent="-228600" algn="l" defTabSz="457200" rtl="0" eaLnBrk="1" latinLnBrk="0" hangingPunct="1">
         <a:spcBef>
           <a:spcPct val="20000"/>
         </a:spcBef>
@@ -5896,7 +6016,7 @@
         <a:buSzPct val="115000"/>
         <a:buFont typeface="Arial" panose="020B0604020202020204"/>
         <a:buChar char="•"/>
-        <a:defRPr cap="none" sz="1400" kern="1200">
+        <a:defRPr sz="1400" kern="1200" cap="none">
           <a:solidFill>
             <a:schemeClr val="tx1">
               <a:lumMod val="85000"/>
@@ -5909,7 +6029,7 @@
           <a:cs typeface="+mn-cs"/>
         </a:defRPr>
       </a:lvl6pPr>
-      <a:lvl7pPr algn="l" defTabSz="457200" eaLnBrk="1" hangingPunct="1" indent="-228600" latinLnBrk="0" marL="2971800" rtl="0">
+      <a:lvl7pPr marL="2971800" indent="-228600" algn="l" defTabSz="457200" rtl="0" eaLnBrk="1" latinLnBrk="0" hangingPunct="1">
         <a:spcBef>
           <a:spcPct val="20000"/>
         </a:spcBef>
@@ -5922,7 +6042,7 @@
         <a:buSzPct val="115000"/>
         <a:buFont typeface="Arial" panose="020B0604020202020204"/>
         <a:buChar char="•"/>
-        <a:defRPr cap="none" sz="1400" kern="1200">
+        <a:defRPr sz="1400" kern="1200" cap="none">
           <a:solidFill>
             <a:schemeClr val="tx1">
               <a:lumMod val="85000"/>
@@ -5935,7 +6055,7 @@
           <a:cs typeface="+mn-cs"/>
         </a:defRPr>
       </a:lvl7pPr>
-      <a:lvl8pPr algn="l" defTabSz="457200" eaLnBrk="1" hangingPunct="1" indent="-228600" latinLnBrk="0" marL="3429000" rtl="0">
+      <a:lvl8pPr marL="3429000" indent="-228600" algn="l" defTabSz="457200" rtl="0" eaLnBrk="1" latinLnBrk="0" hangingPunct="1">
         <a:spcBef>
           <a:spcPct val="20000"/>
         </a:spcBef>
@@ -5948,7 +6068,7 @@
         <a:buSzPct val="115000"/>
         <a:buFont typeface="Arial" panose="020B0604020202020204"/>
         <a:buChar char="•"/>
-        <a:defRPr cap="none" sz="1400" kern="1200">
+        <a:defRPr sz="1400" kern="1200" cap="none">
           <a:solidFill>
             <a:schemeClr val="tx1">
               <a:lumMod val="85000"/>
@@ -5961,7 +6081,7 @@
           <a:cs typeface="+mn-cs"/>
         </a:defRPr>
       </a:lvl8pPr>
-      <a:lvl9pPr algn="l" defTabSz="457200" eaLnBrk="1" hangingPunct="1" indent="-228600" latinLnBrk="0" marL="3886200" rtl="0">
+      <a:lvl9pPr marL="3886200" indent="-228600" algn="l" defTabSz="457200" rtl="0" eaLnBrk="1" latinLnBrk="0" hangingPunct="1">
         <a:spcBef>
           <a:spcPct val="20000"/>
         </a:spcBef>
@@ -5974,7 +6094,7 @@
         <a:buSzPct val="115000"/>
         <a:buFont typeface="Arial" panose="020B0604020202020204"/>
         <a:buChar char="•"/>
-        <a:defRPr cap="none" sz="1400" kern="1200">
+        <a:defRPr sz="1400" kern="1200" cap="none">
           <a:solidFill>
             <a:schemeClr val="tx1">
               <a:lumMod val="85000"/>
@@ -5992,7 +6112,7 @@
       <a:defPPr>
         <a:defRPr lang="en-US"/>
       </a:defPPr>
-      <a:lvl1pPr algn="l" defTabSz="457200" eaLnBrk="1" hangingPunct="1" latinLnBrk="0" marL="0" rtl="0">
+      <a:lvl1pPr marL="0" algn="l" defTabSz="457200" rtl="0" eaLnBrk="1" latinLnBrk="0" hangingPunct="1">
         <a:defRPr sz="1800" kern="1200">
           <a:solidFill>
             <a:schemeClr val="tx1"/>
@@ -6002,7 +6122,7 @@
           <a:cs typeface="+mn-cs"/>
         </a:defRPr>
       </a:lvl1pPr>
-      <a:lvl2pPr algn="l" defTabSz="457200" eaLnBrk="1" hangingPunct="1" latinLnBrk="0" marL="457200" rtl="0">
+      <a:lvl2pPr marL="457200" algn="l" defTabSz="457200" rtl="0" eaLnBrk="1" latinLnBrk="0" hangingPunct="1">
         <a:defRPr sz="1800" kern="1200">
           <a:solidFill>
             <a:schemeClr val="tx1"/>
@@ -6012,7 +6132,7 @@
           <a:cs typeface="+mn-cs"/>
         </a:defRPr>
       </a:lvl2pPr>
-      <a:lvl3pPr algn="l" defTabSz="457200" eaLnBrk="1" hangingPunct="1" latinLnBrk="0" marL="914400" rtl="0">
+      <a:lvl3pPr marL="914400" algn="l" defTabSz="457200" rtl="0" eaLnBrk="1" latinLnBrk="0" hangingPunct="1">
         <a:defRPr sz="1800" kern="1200">
           <a:solidFill>
             <a:schemeClr val="tx1"/>
@@ -6022,7 +6142,7 @@
           <a:cs typeface="+mn-cs"/>
         </a:defRPr>
       </a:lvl3pPr>
-      <a:lvl4pPr algn="l" defTabSz="457200" eaLnBrk="1" hangingPunct="1" latinLnBrk="0" marL="1371600" rtl="0">
+      <a:lvl4pPr marL="1371600" algn="l" defTabSz="457200" rtl="0" eaLnBrk="1" latinLnBrk="0" hangingPunct="1">
         <a:defRPr sz="1800" kern="1200">
           <a:solidFill>
             <a:schemeClr val="tx1"/>
@@ -6032,7 +6152,7 @@
           <a:cs typeface="+mn-cs"/>
         </a:defRPr>
       </a:lvl4pPr>
-      <a:lvl5pPr algn="l" defTabSz="457200" eaLnBrk="1" hangingPunct="1" latinLnBrk="0" marL="1828800" rtl="0">
+      <a:lvl5pPr marL="1828800" algn="l" defTabSz="457200" rtl="0" eaLnBrk="1" latinLnBrk="0" hangingPunct="1">
         <a:defRPr sz="1800" kern="1200">
           <a:solidFill>
             <a:schemeClr val="tx1"/>
@@ -6042,7 +6162,7 @@
           <a:cs typeface="+mn-cs"/>
         </a:defRPr>
       </a:lvl5pPr>
-      <a:lvl6pPr algn="l" defTabSz="457200" eaLnBrk="1" hangingPunct="1" latinLnBrk="0" marL="2286000" rtl="0">
+      <a:lvl6pPr marL="2286000" algn="l" defTabSz="457200" rtl="0" eaLnBrk="1" latinLnBrk="0" hangingPunct="1">
         <a:defRPr sz="1800" kern="1200">
           <a:solidFill>
             <a:schemeClr val="tx1"/>
@@ -6052,7 +6172,7 @@
           <a:cs typeface="+mn-cs"/>
         </a:defRPr>
       </a:lvl6pPr>
-      <a:lvl7pPr algn="l" defTabSz="457200" eaLnBrk="1" hangingPunct="1" latinLnBrk="0" marL="2743200" rtl="0">
+      <a:lvl7pPr marL="2743200" algn="l" defTabSz="457200" rtl="0" eaLnBrk="1" latinLnBrk="0" hangingPunct="1">
         <a:defRPr sz="1800" kern="1200">
           <a:solidFill>
             <a:schemeClr val="tx1"/>
@@ -6062,7 +6182,7 @@
           <a:cs typeface="+mn-cs"/>
         </a:defRPr>
       </a:lvl7pPr>
-      <a:lvl8pPr algn="l" defTabSz="457200" eaLnBrk="1" hangingPunct="1" latinLnBrk="0" marL="3200400" rtl="0">
+      <a:lvl8pPr marL="3200400" algn="l" defTabSz="457200" rtl="0" eaLnBrk="1" latinLnBrk="0" hangingPunct="1">
         <a:defRPr sz="1800" kern="1200">
           <a:solidFill>
             <a:schemeClr val="tx1"/>
@@ -6072,7 +6192,7 @@
           <a:cs typeface="+mn-cs"/>
         </a:defRPr>
       </a:lvl8pPr>
-      <a:lvl9pPr algn="l" defTabSz="457200" eaLnBrk="1" hangingPunct="1" latinLnBrk="0" marL="3657600" rtl="0">
+      <a:lvl9pPr marL="3657600" algn="l" defTabSz="457200" rtl="0" eaLnBrk="1" latinLnBrk="0" hangingPunct="1">
         <a:defRPr sz="1800" kern="1200">
           <a:solidFill>
             <a:schemeClr val="tx1"/>
@@ -6092,7 +6212,7 @@
   <p:cSld>
     <p:spTree>
       <p:nvGrpSpPr>
-        <p:cNvPr id="51" name=""/>
+        <p:cNvPr id="1" name=""/>
         <p:cNvGrpSpPr/>
         <p:nvPr/>
       </p:nvGrpSpPr>
@@ -6122,12 +6242,12 @@
         </p:spPr>
         <p:txBody>
           <a:bodyPr/>
-          <a:p>
-            <a:r>
-              <a:rPr dirty="0" lang="en-US"/>
+          <a:lstStyle/>
+          <a:p>
+            <a:r>
+              <a:rPr lang="en-US" dirty="0"/>
               <a:t>TRANSPORT MANAGEMENT SYSTEM</a:t>
             </a:r>
-            <a:endParaRPr dirty="0" lang="en-US"/>
           </a:p>
         </p:txBody>
       </p:sp>
@@ -6149,8 +6269,9 @@
         </p:spPr>
         <p:txBody>
           <a:bodyPr/>
-          <a:p>
-            <a:endParaRPr dirty="0" lang="en-US"/>
+          <a:lstStyle/>
+          <a:p>
+            <a:endParaRPr lang="en-US" dirty="0"/>
           </a:p>
         </p:txBody>
       </p:sp>
@@ -6167,7 +6288,7 @@
   <p:cSld>
     <p:spTree>
       <p:nvGrpSpPr>
-        <p:cNvPr id="61" name=""/>
+        <p:cNvPr id="1" name=""/>
         <p:cNvGrpSpPr/>
         <p:nvPr/>
       </p:nvGrpSpPr>
@@ -6192,12 +6313,12 @@
         <p:spPr/>
         <p:txBody>
           <a:bodyPr/>
-          <a:p>
-            <a:r>
-              <a:rPr dirty="0" lang="en-US"/>
+          <a:lstStyle/>
+          <a:p>
+            <a:r>
+              <a:rPr lang="en-US" dirty="0"/>
               <a:t>Data Flow Diagram</a:t>
             </a:r>
-            <a:endParaRPr dirty="0" lang="en-US"/>
           </a:p>
         </p:txBody>
       </p:sp>
@@ -6214,24 +6335,24 @@
         <p:spPr/>
         <p:txBody>
           <a:bodyPr/>
-          <a:p>
-            <a:r>
-              <a:rPr dirty="0" lang="en-US"/>
+          <a:lstStyle/>
+          <a:p>
+            <a:r>
+              <a:rPr lang="en-US" dirty="0"/>
               <a:t>Level 0</a:t>
             </a:r>
-            <a:endParaRPr dirty="0" lang="en-US"/>
-          </a:p>
-          <a:p>
-            <a:pPr indent="0" marL="0">
+          </a:p>
+          <a:p>
+            <a:pPr marL="0" indent="0">
               <a:buNone/>
             </a:pPr>
-            <a:endParaRPr dirty="0" lang="en-US"/>
-          </a:p>
-          <a:p>
-            <a:pPr indent="0" marL="0">
+            <a:endParaRPr lang="en-US" dirty="0"/>
+          </a:p>
+          <a:p>
+            <a:pPr marL="0" indent="0">
               <a:buNone/>
             </a:pPr>
-            <a:endParaRPr dirty="0" lang="en-US"/>
+            <a:endParaRPr lang="en-US" dirty="0"/>
           </a:p>
         </p:txBody>
       </p:sp>
@@ -6244,7 +6365,7 @@
           <p:nvPr/>
         </p:nvPicPr>
         <p:blipFill>
-          <a:blip xmlns:r="http://schemas.openxmlformats.org/officeDocument/2006/relationships" r:embed="rId1"/>
+          <a:blip r:embed="rId2"/>
           <a:stretch>
             <a:fillRect/>
           </a:stretch>
@@ -6254,7 +6375,9 @@
             <a:off x="2521019" y="3541643"/>
             <a:ext cx="5816029" cy="1003853"/>
           </a:xfrm>
-          <a:prstGeom prst="rect"/>
+          <a:prstGeom prst="rect">
+            <a:avLst/>
+          </a:prstGeom>
         </p:spPr>
       </p:pic>
     </p:spTree>
@@ -6270,7 +6393,7 @@
   <p:cSld>
     <p:spTree>
       <p:nvGrpSpPr>
-        <p:cNvPr id="62" name=""/>
+        <p:cNvPr id="1" name=""/>
         <p:cNvGrpSpPr/>
         <p:nvPr/>
       </p:nvGrpSpPr>
@@ -6295,13 +6418,13 @@
         <p:spPr/>
         <p:txBody>
           <a:bodyPr/>
+          <a:lstStyle/>
           <a:p>
             <a:pPr algn="l"/>
             <a:r>
-              <a:rPr dirty="0" lang="en-US"/>
+              <a:rPr lang="en-US" dirty="0"/>
               <a:t>Level 1:</a:t>
             </a:r>
-            <a:endParaRPr dirty="0" lang="en-US"/>
           </a:p>
         </p:txBody>
       </p:sp>
@@ -6309,14 +6432,14 @@
         <p:nvPicPr>
           <p:cNvPr id="2097162" name="Content Placeholder 5"/>
           <p:cNvPicPr>
-            <a:picLocks noChangeAspect="1" noGrp="1"/>
+            <a:picLocks noGrp="1" noChangeAspect="1"/>
           </p:cNvPicPr>
           <p:nvPr>
             <p:ph idx="1"/>
           </p:nvPr>
         </p:nvPicPr>
         <p:blipFill>
-          <a:blip xmlns:r="http://schemas.openxmlformats.org/officeDocument/2006/relationships" r:embed="rId1"/>
+          <a:blip r:embed="rId2"/>
           <a:stretch>
             <a:fillRect/>
           </a:stretch>
@@ -6341,7 +6464,7 @@
   <p:cSld>
     <p:spTree>
       <p:nvGrpSpPr>
-        <p:cNvPr id="63" name=""/>
+        <p:cNvPr id="1" name=""/>
         <p:cNvGrpSpPr/>
         <p:nvPr/>
       </p:nvGrpSpPr>
@@ -6366,23 +6489,32 @@
         <p:spPr/>
         <p:txBody>
           <a:bodyPr/>
-          <a:p>
-            <a:r>
-              <a:rPr b="1" dirty="0" sz="1800" lang="en-US">
+          <a:lstStyle/>
+          <a:p>
+            <a:r>
+              <a:rPr lang="en-US" sz="1800" b="1" dirty="0">
                 <a:effectLst/>
                 <a:latin typeface="Times New Roman" panose="02020603050405020304" pitchFamily="18" charset="0"/>
                 <a:ea typeface="Times New Roman" panose="02020603050405020304" pitchFamily="18" charset="0"/>
               </a:rPr>
               <a:t>TABLE NAME: ADMIN</a:t>
             </a:r>
+            <a:r>
+              <a:rPr lang="en-US" sz="1800" dirty="0">
+                <a:effectLst/>
+                <a:latin typeface="Times New Roman" panose="02020603050405020304" pitchFamily="18" charset="0"/>
+                <a:ea typeface="Times New Roman" panose="02020603050405020304" pitchFamily="18" charset="0"/>
+              </a:rPr>
+              <a:t/>
+            </a:r>
             <a:br>
-              <a:rPr dirty="0" sz="1800" lang="en-US">
+              <a:rPr lang="en-US" sz="1800" dirty="0">
                 <a:effectLst/>
                 <a:latin typeface="Times New Roman" panose="02020603050405020304" pitchFamily="18" charset="0"/>
                 <a:ea typeface="Times New Roman" panose="02020603050405020304" pitchFamily="18" charset="0"/>
               </a:rPr>
             </a:br>
-            <a:endParaRPr dirty="0" lang="en-US"/>
+            <a:endParaRPr lang="en-US" dirty="0"/>
           </a:p>
         </p:txBody>
       </p:sp>
@@ -6416,6 +6548,7 @@
                 <a:tc>
                   <a:txBody>
                     <a:bodyPr/>
+                    <a:lstStyle/>
                     <a:p>
                       <a:pPr marL="0" marR="0">
                         <a:lnSpc>
@@ -6429,12 +6562,12 @@
                         </a:spcAft>
                       </a:pPr>
                       <a:r>
-                        <a:rPr sz="1200" lang="en-US">
+                        <a:rPr lang="en-US" sz="1200" dirty="0">
                           <a:effectLst/>
                         </a:rPr>
                         <a:t>FIELD </a:t>
                       </a:r>
-                      <a:endParaRPr sz="1100" lang="en-US">
+                      <a:endParaRPr lang="en-US" sz="1100" dirty="0">
                         <a:effectLst/>
                         <a:latin typeface="Times New Roman" panose="02020603050405020304" pitchFamily="18" charset="0"/>
                         <a:ea typeface="Times New Roman" panose="02020603050405020304" pitchFamily="18" charset="0"/>
@@ -6446,6 +6579,7 @@
                 <a:tc>
                   <a:txBody>
                     <a:bodyPr/>
+                    <a:lstStyle/>
                     <a:p>
                       <a:pPr marL="0" marR="0">
                         <a:lnSpc>
@@ -6459,12 +6593,12 @@
                         </a:spcAft>
                       </a:pPr>
                       <a:r>
-                        <a:rPr sz="1200" lang="en-US">
+                        <a:rPr lang="en-US" sz="1200">
                           <a:effectLst/>
                         </a:rPr>
                         <a:t>DATA TYPE</a:t>
                       </a:r>
-                      <a:endParaRPr sz="1100" lang="en-US">
+                      <a:endParaRPr lang="en-US" sz="1100">
                         <a:effectLst/>
                         <a:latin typeface="Times New Roman" panose="02020603050405020304" pitchFamily="18" charset="0"/>
                         <a:ea typeface="Times New Roman" panose="02020603050405020304" pitchFamily="18" charset="0"/>
@@ -6476,6 +6610,7 @@
                 <a:tc>
                   <a:txBody>
                     <a:bodyPr/>
+                    <a:lstStyle/>
                     <a:p>
                       <a:pPr marL="0" marR="0">
                         <a:lnSpc>
@@ -6489,12 +6624,12 @@
                         </a:spcAft>
                       </a:pPr>
                       <a:r>
-                        <a:rPr sz="1200" lang="en-US">
+                        <a:rPr lang="en-US" sz="1200">
                           <a:effectLst/>
                         </a:rPr>
                         <a:t>SIZE</a:t>
                       </a:r>
-                      <a:endParaRPr sz="1100" lang="en-US">
+                      <a:endParaRPr lang="en-US" sz="1100">
                         <a:effectLst/>
                         <a:latin typeface="Times New Roman" panose="02020603050405020304" pitchFamily="18" charset="0"/>
                         <a:ea typeface="Times New Roman" panose="02020603050405020304" pitchFamily="18" charset="0"/>
@@ -6506,6 +6641,7 @@
                 <a:tc>
                   <a:txBody>
                     <a:bodyPr/>
+                    <a:lstStyle/>
                     <a:p>
                       <a:pPr marL="0" marR="0">
                         <a:lnSpc>
@@ -6519,12 +6655,12 @@
                         </a:spcAft>
                       </a:pPr>
                       <a:r>
-                        <a:rPr sz="1200" lang="en-US">
+                        <a:rPr lang="en-US" sz="1200">
                           <a:effectLst/>
                         </a:rPr>
                         <a:t>CONSTRAINT</a:t>
                       </a:r>
-                      <a:endParaRPr sz="1100" lang="en-US">
+                      <a:endParaRPr lang="en-US" sz="1100">
                         <a:effectLst/>
                         <a:latin typeface="Times New Roman" panose="02020603050405020304" pitchFamily="18" charset="0"/>
                         <a:ea typeface="Times New Roman" panose="02020603050405020304" pitchFamily="18" charset="0"/>
@@ -6538,6 +6674,7 @@
                 <a:tc>
                   <a:txBody>
                     <a:bodyPr/>
+                    <a:lstStyle/>
                     <a:p>
                       <a:pPr marL="0" marR="0">
                         <a:lnSpc>
@@ -6551,12 +6688,12 @@
                         </a:spcAft>
                       </a:pPr>
                       <a:r>
-                        <a:rPr sz="1200" lang="en-US">
+                        <a:rPr lang="en-US" sz="1200" dirty="0">
                           <a:effectLst/>
                         </a:rPr>
                         <a:t>admin id</a:t>
                       </a:r>
-                      <a:endParaRPr sz="1100" lang="en-US">
+                      <a:endParaRPr lang="en-US" sz="1100" dirty="0">
                         <a:effectLst/>
                         <a:latin typeface="Times New Roman" panose="02020603050405020304" pitchFamily="18" charset="0"/>
                         <a:ea typeface="Times New Roman" panose="02020603050405020304" pitchFamily="18" charset="0"/>
@@ -6568,6 +6705,7 @@
                 <a:tc>
                   <a:txBody>
                     <a:bodyPr/>
+                    <a:lstStyle/>
                     <a:p>
                       <a:pPr marL="0" marR="0">
                         <a:lnSpc>
@@ -6581,12 +6719,12 @@
                         </a:spcAft>
                       </a:pPr>
                       <a:r>
-                        <a:rPr sz="1200" lang="en-US">
+                        <a:rPr lang="en-US" sz="1200" dirty="0" err="1">
                           <a:effectLst/>
                         </a:rPr>
                         <a:t>Int</a:t>
                       </a:r>
-                      <a:endParaRPr sz="1100" lang="en-US">
+                      <a:endParaRPr lang="en-US" sz="1100" dirty="0">
                         <a:effectLst/>
                         <a:latin typeface="Times New Roman" panose="02020603050405020304" pitchFamily="18" charset="0"/>
                         <a:ea typeface="Times New Roman" panose="02020603050405020304" pitchFamily="18" charset="0"/>
@@ -6598,6 +6736,7 @@
                 <a:tc>
                   <a:txBody>
                     <a:bodyPr/>
+                    <a:lstStyle/>
                     <a:p>
                       <a:pPr marL="0" marR="0">
                         <a:lnSpc>
@@ -6611,12 +6750,12 @@
                         </a:spcAft>
                       </a:pPr>
                       <a:r>
-                        <a:rPr sz="1200" lang="en-US">
+                        <a:rPr lang="en-US" sz="1200">
                           <a:effectLst/>
                         </a:rPr>
                         <a:t>10</a:t>
                       </a:r>
-                      <a:endParaRPr sz="1100" lang="en-US">
+                      <a:endParaRPr lang="en-US" sz="1100">
                         <a:effectLst/>
                         <a:latin typeface="Times New Roman" panose="02020603050405020304" pitchFamily="18" charset="0"/>
                         <a:ea typeface="Times New Roman" panose="02020603050405020304" pitchFamily="18" charset="0"/>
@@ -6628,6 +6767,7 @@
                 <a:tc>
                   <a:txBody>
                     <a:bodyPr/>
+                    <a:lstStyle/>
                     <a:p>
                       <a:pPr marL="0" marR="0">
                         <a:lnSpc>
@@ -6641,12 +6781,12 @@
                         </a:spcAft>
                       </a:pPr>
                       <a:r>
-                        <a:rPr sz="1200" lang="en-US">
+                        <a:rPr lang="en-US" sz="1200">
                           <a:effectLst/>
                         </a:rPr>
                         <a:t>Primary key</a:t>
                       </a:r>
-                      <a:endParaRPr sz="1100" lang="en-US">
+                      <a:endParaRPr lang="en-US" sz="1100">
                         <a:effectLst/>
                         <a:latin typeface="Times New Roman" panose="02020603050405020304" pitchFamily="18" charset="0"/>
                         <a:ea typeface="Times New Roman" panose="02020603050405020304" pitchFamily="18" charset="0"/>
@@ -6660,6 +6800,7 @@
                 <a:tc>
                   <a:txBody>
                     <a:bodyPr/>
+                    <a:lstStyle/>
                     <a:p>
                       <a:pPr marL="0" marR="0">
                         <a:lnSpc>
@@ -6673,12 +6814,12 @@
                         </a:spcAft>
                       </a:pPr>
                       <a:r>
-                        <a:rPr sz="1200" lang="en-US">
+                        <a:rPr lang="en-US" sz="1200">
                           <a:effectLst/>
                         </a:rPr>
                         <a:t>Username</a:t>
                       </a:r>
-                      <a:endParaRPr sz="1100" lang="en-US">
+                      <a:endParaRPr lang="en-US" sz="1100">
                         <a:effectLst/>
                         <a:latin typeface="Times New Roman" panose="02020603050405020304" pitchFamily="18" charset="0"/>
                         <a:ea typeface="Times New Roman" panose="02020603050405020304" pitchFamily="18" charset="0"/>
@@ -6690,6 +6831,7 @@
                 <a:tc>
                   <a:txBody>
                     <a:bodyPr/>
+                    <a:lstStyle/>
                     <a:p>
                       <a:pPr marL="0" marR="0">
                         <a:lnSpc>
@@ -6703,12 +6845,12 @@
                         </a:spcAft>
                       </a:pPr>
                       <a:r>
-                        <a:rPr sz="1200" lang="en-US">
+                        <a:rPr lang="en-US" sz="1200" dirty="0">
                           <a:effectLst/>
                         </a:rPr>
                         <a:t>varchar</a:t>
                       </a:r>
-                      <a:endParaRPr sz="1100" lang="en-US">
+                      <a:endParaRPr lang="en-US" sz="1100" dirty="0">
                         <a:effectLst/>
                         <a:latin typeface="Times New Roman" panose="02020603050405020304" pitchFamily="18" charset="0"/>
                         <a:ea typeface="Times New Roman" panose="02020603050405020304" pitchFamily="18" charset="0"/>
@@ -6720,6 +6862,7 @@
                 <a:tc>
                   <a:txBody>
                     <a:bodyPr/>
+                    <a:lstStyle/>
                     <a:p>
                       <a:pPr marL="0" marR="0">
                         <a:lnSpc>
@@ -6733,12 +6876,12 @@
                         </a:spcAft>
                       </a:pPr>
                       <a:r>
-                        <a:rPr sz="1200" lang="en-US">
+                        <a:rPr lang="en-US" sz="1200" dirty="0">
                           <a:effectLst/>
                         </a:rPr>
                         <a:t>20</a:t>
                       </a:r>
-                      <a:endParaRPr sz="1100" lang="en-US">
+                      <a:endParaRPr lang="en-US" sz="1100" dirty="0">
                         <a:effectLst/>
                         <a:latin typeface="Times New Roman" panose="02020603050405020304" pitchFamily="18" charset="0"/>
                         <a:ea typeface="Times New Roman" panose="02020603050405020304" pitchFamily="18" charset="0"/>
@@ -6750,6 +6893,7 @@
                 <a:tc>
                   <a:txBody>
                     <a:bodyPr/>
+                    <a:lstStyle/>
                     <a:p>
                       <a:pPr marL="0" marR="0">
                         <a:lnSpc>
@@ -6763,12 +6907,12 @@
                         </a:spcAft>
                       </a:pPr>
                       <a:r>
-                        <a:rPr sz="1200" lang="en-US">
+                        <a:rPr lang="en-US" sz="1200">
                           <a:effectLst/>
                         </a:rPr>
                         <a:t>Not null</a:t>
                       </a:r>
-                      <a:endParaRPr sz="1100" lang="en-US">
+                      <a:endParaRPr lang="en-US" sz="1100">
                         <a:effectLst/>
                         <a:latin typeface="Times New Roman" panose="02020603050405020304" pitchFamily="18" charset="0"/>
                         <a:ea typeface="Times New Roman" panose="02020603050405020304" pitchFamily="18" charset="0"/>
@@ -6782,6 +6926,7 @@
                 <a:tc>
                   <a:txBody>
                     <a:bodyPr/>
+                    <a:lstStyle/>
                     <a:p>
                       <a:pPr marL="0" marR="0">
                         <a:lnSpc>
@@ -6795,12 +6940,12 @@
                         </a:spcAft>
                       </a:pPr>
                       <a:r>
-                        <a:rPr sz="1200" lang="en-US">
+                        <a:rPr lang="en-US" sz="1200">
                           <a:effectLst/>
                         </a:rPr>
                         <a:t>Password</a:t>
                       </a:r>
-                      <a:endParaRPr sz="1100" lang="en-US">
+                      <a:endParaRPr lang="en-US" sz="1100">
                         <a:effectLst/>
                         <a:latin typeface="Times New Roman" panose="02020603050405020304" pitchFamily="18" charset="0"/>
                         <a:ea typeface="Times New Roman" panose="02020603050405020304" pitchFamily="18" charset="0"/>
@@ -6812,6 +6957,7 @@
                 <a:tc>
                   <a:txBody>
                     <a:bodyPr/>
+                    <a:lstStyle/>
                     <a:p>
                       <a:pPr marL="0" marR="0">
                         <a:lnSpc>
@@ -6825,12 +6971,12 @@
                         </a:spcAft>
                       </a:pPr>
                       <a:r>
-                        <a:rPr sz="1200" lang="en-US">
+                        <a:rPr lang="en-US" sz="1200">
                           <a:effectLst/>
                         </a:rPr>
                         <a:t>varchar</a:t>
                       </a:r>
-                      <a:endParaRPr sz="1100" lang="en-US">
+                      <a:endParaRPr lang="en-US" sz="1100">
                         <a:effectLst/>
                         <a:latin typeface="Times New Roman" panose="02020603050405020304" pitchFamily="18" charset="0"/>
                         <a:ea typeface="Times New Roman" panose="02020603050405020304" pitchFamily="18" charset="0"/>
@@ -6842,6 +6988,7 @@
                 <a:tc>
                   <a:txBody>
                     <a:bodyPr/>
+                    <a:lstStyle/>
                     <a:p>
                       <a:pPr marL="0" marR="0">
                         <a:lnSpc>
@@ -6855,12 +7002,12 @@
                         </a:spcAft>
                       </a:pPr>
                       <a:r>
-                        <a:rPr sz="1200" lang="en-US">
+                        <a:rPr lang="en-US" sz="1200" dirty="0">
                           <a:effectLst/>
                         </a:rPr>
                         <a:t>20</a:t>
                       </a:r>
-                      <a:endParaRPr sz="1100" lang="en-US">
+                      <a:endParaRPr lang="en-US" sz="1100" dirty="0">
                         <a:effectLst/>
                         <a:latin typeface="Times New Roman" panose="02020603050405020304" pitchFamily="18" charset="0"/>
                         <a:ea typeface="Times New Roman" panose="02020603050405020304" pitchFamily="18" charset="0"/>
@@ -6872,6 +7019,7 @@
                 <a:tc>
                   <a:txBody>
                     <a:bodyPr/>
+                    <a:lstStyle/>
                     <a:p>
                       <a:pPr marL="0" marR="0">
                         <a:lnSpc>
@@ -6885,12 +7033,12 @@
                         </a:spcAft>
                       </a:pPr>
                       <a:r>
-                        <a:rPr dirty="0" sz="1200" lang="en-US">
+                        <a:rPr lang="en-US" sz="1200" dirty="0">
                           <a:effectLst/>
                         </a:rPr>
                         <a:t>Not null</a:t>
                       </a:r>
-                      <a:endParaRPr dirty="0" sz="1100" lang="en-US">
+                      <a:endParaRPr lang="en-US" sz="1100" dirty="0">
                         <a:effectLst/>
                         <a:latin typeface="Times New Roman" panose="02020603050405020304" pitchFamily="18" charset="0"/>
                         <a:ea typeface="Times New Roman" panose="02020603050405020304" pitchFamily="18" charset="0"/>
@@ -6917,7 +7065,7 @@
   <p:cSld>
     <p:spTree>
       <p:nvGrpSpPr>
-        <p:cNvPr id="64" name=""/>
+        <p:cNvPr id="1" name=""/>
         <p:cNvGrpSpPr/>
         <p:nvPr/>
       </p:nvGrpSpPr>
@@ -6949,79 +7097,32 @@
           <a:bodyPr>
             <a:normAutofit fontScale="90000"/>
           </a:bodyPr>
-          <a:p>
-            <a:r>
-              <a:rPr b="1" dirty="0" sz="1800" lang="en-US">
+          <a:lstStyle/>
+          <a:p>
+            <a:r>
+              <a:rPr lang="en-US" sz="1800" b="1" dirty="0">
                 <a:effectLst/>
                 <a:latin typeface="Times New Roman" panose="02020603050405020304" pitchFamily="18" charset="0"/>
                 <a:ea typeface="Times New Roman" panose="02020603050405020304" pitchFamily="18" charset="0"/>
               </a:rPr>
-              <a:t>TABLE NAME: </a:t>
-            </a:r>
-            <a:r>
-              <a:rPr b="1" dirty="0" sz="1800" lang="en-US">
+              <a:t>TABLE NAME: vehicle</a:t>
+            </a:r>
+            <a:r>
+              <a:rPr lang="en-US" sz="1800" dirty="0">
                 <a:effectLst/>
                 <a:latin typeface="Times New Roman" panose="02020603050405020304" pitchFamily="18" charset="0"/>
                 <a:ea typeface="Times New Roman" panose="02020603050405020304" pitchFamily="18" charset="0"/>
               </a:rPr>
-              <a:t>v</a:t>
-            </a:r>
-            <a:r>
-              <a:rPr b="1" dirty="0" sz="1800" lang="en-US">
-                <a:effectLst/>
-                <a:latin typeface="Times New Roman" panose="02020603050405020304" pitchFamily="18" charset="0"/>
-                <a:ea typeface="Times New Roman" panose="02020603050405020304" pitchFamily="18" charset="0"/>
-              </a:rPr>
-              <a:t>e</a:t>
-            </a:r>
-            <a:r>
-              <a:rPr b="1" dirty="0" sz="1800" lang="en-US">
-                <a:effectLst/>
-                <a:latin typeface="Times New Roman" panose="02020603050405020304" pitchFamily="18" charset="0"/>
-                <a:ea typeface="Times New Roman" panose="02020603050405020304" pitchFamily="18" charset="0"/>
-              </a:rPr>
-              <a:t>h</a:t>
-            </a:r>
-            <a:r>
-              <a:rPr b="1" dirty="0" sz="1800" lang="en-US">
-                <a:effectLst/>
-                <a:latin typeface="Times New Roman" panose="02020603050405020304" pitchFamily="18" charset="0"/>
-                <a:ea typeface="Times New Roman" panose="02020603050405020304" pitchFamily="18" charset="0"/>
-              </a:rPr>
-              <a:t>i</a:t>
-            </a:r>
-            <a:r>
-              <a:rPr b="1" dirty="0" sz="1800" lang="en-US">
-                <a:effectLst/>
-                <a:latin typeface="Times New Roman" panose="02020603050405020304" pitchFamily="18" charset="0"/>
-                <a:ea typeface="Times New Roman" panose="02020603050405020304" pitchFamily="18" charset="0"/>
-              </a:rPr>
-              <a:t>c</a:t>
-            </a:r>
-            <a:r>
-              <a:rPr b="1" dirty="0" sz="1800" lang="en-US">
-                <a:effectLst/>
-                <a:latin typeface="Times New Roman" panose="02020603050405020304" pitchFamily="18" charset="0"/>
-                <a:ea typeface="Times New Roman" panose="02020603050405020304" pitchFamily="18" charset="0"/>
-              </a:rPr>
-              <a:t>l</a:t>
-            </a:r>
-            <a:r>
-              <a:rPr b="1" dirty="0" sz="1800" lang="en-US">
-                <a:effectLst/>
-                <a:latin typeface="Times New Roman" panose="02020603050405020304" pitchFamily="18" charset="0"/>
-                <a:ea typeface="Times New Roman" panose="02020603050405020304" pitchFamily="18" charset="0"/>
-              </a:rPr>
-              <a:t>e</a:t>
+              <a:t/>
             </a:r>
             <a:br>
-              <a:rPr dirty="0" sz="1800" lang="en-US">
+              <a:rPr lang="en-US" sz="1800" dirty="0">
                 <a:effectLst/>
                 <a:latin typeface="Times New Roman" panose="02020603050405020304" pitchFamily="18" charset="0"/>
                 <a:ea typeface="Times New Roman" panose="02020603050405020304" pitchFamily="18" charset="0"/>
               </a:rPr>
             </a:br>
-            <a:endParaRPr dirty="0" lang="en-US"/>
+            <a:endParaRPr lang="en-US" dirty="0"/>
           </a:p>
         </p:txBody>
       </p:sp>
@@ -7033,11 +7134,16 @@
           </p:cNvGraphicFramePr>
           <p:nvPr>
             <p:ph idx="1"/>
+            <p:extLst>
+              <p:ext uri="{D42A27DB-BD31-4B8C-83A1-F6EECF244321}">
+                <p14:modId xmlns:p14="http://schemas.microsoft.com/office/powerpoint/2010/main" val="1659824919"/>
+              </p:ext>
+            </p:extLst>
           </p:nvPr>
         </p:nvGraphicFramePr>
         <p:xfrm>
-          <a:off x="2572016" y="2600887"/>
-          <a:ext cx="6699456" cy="3339560"/>
+          <a:off x="2572016" y="2626645"/>
+          <a:ext cx="6699456" cy="1908320"/>
         </p:xfrm>
         <a:graphic>
           <a:graphicData uri="http://schemas.openxmlformats.org/drawingml/2006/table">
@@ -7055,6 +7161,7 @@
                 <a:tc>
                   <a:txBody>
                     <a:bodyPr/>
+                    <a:lstStyle/>
                     <a:p>
                       <a:pPr marL="0" marR="0">
                         <a:lnSpc>
@@ -7068,12 +7175,12 @@
                         </a:spcAft>
                       </a:pPr>
                       <a:r>
-                        <a:rPr sz="1200" lang="en-US">
+                        <a:rPr lang="en-US" sz="1200" dirty="0">
                           <a:effectLst/>
                         </a:rPr>
                         <a:t>FIELD </a:t>
                       </a:r>
-                      <a:endParaRPr sz="1100" lang="en-US">
+                      <a:endParaRPr lang="en-US" sz="1100" dirty="0">
                         <a:effectLst/>
                         <a:latin typeface="Times New Roman" panose="02020603050405020304" pitchFamily="18" charset="0"/>
                         <a:ea typeface="Times New Roman" panose="02020603050405020304" pitchFamily="18" charset="0"/>
@@ -7085,6 +7192,7 @@
                 <a:tc>
                   <a:txBody>
                     <a:bodyPr/>
+                    <a:lstStyle/>
                     <a:p>
                       <a:pPr marL="0" marR="0">
                         <a:lnSpc>
@@ -7098,12 +7206,12 @@
                         </a:spcAft>
                       </a:pPr>
                       <a:r>
-                        <a:rPr sz="1200" lang="en-US">
+                        <a:rPr lang="en-US" sz="1200">
                           <a:effectLst/>
                         </a:rPr>
                         <a:t>DATA TYPE</a:t>
                       </a:r>
-                      <a:endParaRPr sz="1100" lang="en-US">
+                      <a:endParaRPr lang="en-US" sz="1100">
                         <a:effectLst/>
                         <a:latin typeface="Times New Roman" panose="02020603050405020304" pitchFamily="18" charset="0"/>
                         <a:ea typeface="Times New Roman" panose="02020603050405020304" pitchFamily="18" charset="0"/>
@@ -7115,6 +7223,7 @@
                 <a:tc>
                   <a:txBody>
                     <a:bodyPr/>
+                    <a:lstStyle/>
                     <a:p>
                       <a:pPr marL="0" marR="0">
                         <a:lnSpc>
@@ -7128,12 +7237,12 @@
                         </a:spcAft>
                       </a:pPr>
                       <a:r>
-                        <a:rPr sz="1200" lang="en-US">
+                        <a:rPr lang="en-US" sz="1200">
                           <a:effectLst/>
                         </a:rPr>
                         <a:t>SIZE</a:t>
                       </a:r>
-                      <a:endParaRPr sz="1100" lang="en-US">
+                      <a:endParaRPr lang="en-US" sz="1100">
                         <a:effectLst/>
                         <a:latin typeface="Times New Roman" panose="02020603050405020304" pitchFamily="18" charset="0"/>
                         <a:ea typeface="Times New Roman" panose="02020603050405020304" pitchFamily="18" charset="0"/>
@@ -7145,6 +7254,7 @@
                 <a:tc>
                   <a:txBody>
                     <a:bodyPr/>
+                    <a:lstStyle/>
                     <a:p>
                       <a:pPr marL="0" marR="0">
                         <a:lnSpc>
@@ -7158,12 +7268,12 @@
                         </a:spcAft>
                       </a:pPr>
                       <a:r>
-                        <a:rPr sz="1200" lang="en-US">
+                        <a:rPr lang="en-US" sz="1200">
                           <a:effectLst/>
                         </a:rPr>
                         <a:t>CONSTRAINT</a:t>
                       </a:r>
-                      <a:endParaRPr sz="1100" lang="en-US">
+                      <a:endParaRPr lang="en-US" sz="1100">
                         <a:effectLst/>
                         <a:latin typeface="Times New Roman" panose="02020603050405020304" pitchFamily="18" charset="0"/>
                         <a:ea typeface="Times New Roman" panose="02020603050405020304" pitchFamily="18" charset="0"/>
@@ -7177,6 +7287,7 @@
                 <a:tc>
                   <a:txBody>
                     <a:bodyPr/>
+                    <a:lstStyle/>
                     <a:p>
                       <a:pPr marL="0" marR="0">
                         <a:lnSpc>
@@ -7190,78 +7301,14 @@
                         </a:spcAft>
                       </a:pPr>
                       <a:r>
-                        <a:rPr sz="1200" lang="en-US">
+                        <a:rPr lang="en-US" sz="1200" dirty="0">
                           <a:effectLst/>
                           <a:latin typeface="Times New Roman" panose="02020603050405020304" pitchFamily="18" charset="0"/>
                           <a:ea typeface="Times New Roman" panose="02020603050405020304" pitchFamily="18" charset="0"/>
                         </a:rPr>
-                        <a:t>V</a:t>
+                        <a:t>Vehicle  id</a:t>
                       </a:r>
-                      <a:r>
-                        <a:rPr sz="1200" lang="en-US">
-                          <a:effectLst/>
-                          <a:latin typeface="Times New Roman" panose="02020603050405020304" pitchFamily="18" charset="0"/>
-                          <a:ea typeface="Times New Roman" panose="02020603050405020304" pitchFamily="18" charset="0"/>
-                        </a:rPr>
-                        <a:t>e</a:t>
-                      </a:r>
-                      <a:r>
-                        <a:rPr sz="1200" lang="en-US">
-                          <a:effectLst/>
-                          <a:latin typeface="Times New Roman" panose="02020603050405020304" pitchFamily="18" charset="0"/>
-                          <a:ea typeface="Times New Roman" panose="02020603050405020304" pitchFamily="18" charset="0"/>
-                        </a:rPr>
-                        <a:t>h</a:t>
-                      </a:r>
-                      <a:r>
-                        <a:rPr sz="1200" lang="en-US">
-                          <a:effectLst/>
-                          <a:latin typeface="Times New Roman" panose="02020603050405020304" pitchFamily="18" charset="0"/>
-                          <a:ea typeface="Times New Roman" panose="02020603050405020304" pitchFamily="18" charset="0"/>
-                        </a:rPr>
-                        <a:t>i</a:t>
-                      </a:r>
-                      <a:r>
-                        <a:rPr sz="1200" lang="en-US">
-                          <a:effectLst/>
-                          <a:latin typeface="Times New Roman" panose="02020603050405020304" pitchFamily="18" charset="0"/>
-                          <a:ea typeface="Times New Roman" panose="02020603050405020304" pitchFamily="18" charset="0"/>
-                        </a:rPr>
-                        <a:t>cle</a:t>
-                      </a:r>
-                      <a:r>
-                        <a:rPr sz="1200" lang="en-US">
-                          <a:effectLst/>
-                          <a:latin typeface="Times New Roman" panose="02020603050405020304" pitchFamily="18" charset="0"/>
-                          <a:ea typeface="Times New Roman" panose="02020603050405020304" pitchFamily="18" charset="0"/>
-                        </a:rPr>
-                        <a:t> </a:t>
-                      </a:r>
-                      <a:r>
-                        <a:rPr sz="1200" lang="en-US">
-                          <a:effectLst/>
-                          <a:latin typeface="Times New Roman" panose="02020603050405020304" pitchFamily="18" charset="0"/>
-                          <a:ea typeface="Times New Roman" panose="02020603050405020304" pitchFamily="18" charset="0"/>
-                        </a:rPr>
-                        <a:t> </a:t>
-                      </a:r>
-                      <a:r>
-                        <a:rPr sz="1200" lang="en-US">
-                          <a:effectLst/>
-                          <a:latin typeface="Times New Roman" panose="02020603050405020304" pitchFamily="18" charset="0"/>
-                          <a:ea typeface="Times New Roman" panose="02020603050405020304" pitchFamily="18" charset="0"/>
-                        </a:rPr>
-                        <a:t>i</a:t>
-                      </a:r>
-                      <a:r>
-                        <a:rPr sz="1200" lang="en-US">
-                          <a:effectLst/>
-                          <a:latin typeface="Times New Roman" panose="02020603050405020304" pitchFamily="18" charset="0"/>
-                          <a:ea typeface="Times New Roman" panose="02020603050405020304" pitchFamily="18" charset="0"/>
-                        </a:rPr>
-                        <a:t>d</a:t>
-                      </a:r>
-                      <a:endParaRPr sz="1100" lang="en-US">
+                      <a:endParaRPr lang="en-US" sz="1100" dirty="0">
                         <a:effectLst/>
                         <a:latin typeface="Times New Roman" panose="02020603050405020304" pitchFamily="18" charset="0"/>
                         <a:ea typeface="Times New Roman" panose="02020603050405020304" pitchFamily="18" charset="0"/>
@@ -7273,6 +7320,7 @@
                 <a:tc>
                   <a:txBody>
                     <a:bodyPr/>
+                    <a:lstStyle/>
                     <a:p>
                       <a:pPr marL="0" marR="0">
                         <a:lnSpc>
@@ -7286,12 +7334,12 @@
                         </a:spcAft>
                       </a:pPr>
                       <a:r>
-                        <a:rPr sz="1200" lang="en-US">
+                        <a:rPr lang="en-US" sz="1200" dirty="0" err="1">
                           <a:effectLst/>
                         </a:rPr>
                         <a:t>Int</a:t>
                       </a:r>
-                      <a:endParaRPr sz="1100" lang="en-US">
+                      <a:endParaRPr lang="en-US" sz="1100" dirty="0">
                         <a:effectLst/>
                         <a:latin typeface="Times New Roman" panose="02020603050405020304" pitchFamily="18" charset="0"/>
                         <a:ea typeface="Times New Roman" panose="02020603050405020304" pitchFamily="18" charset="0"/>
@@ -7303,6 +7351,7 @@
                 <a:tc>
                   <a:txBody>
                     <a:bodyPr/>
+                    <a:lstStyle/>
                     <a:p>
                       <a:pPr marL="0" marR="0">
                         <a:lnSpc>
@@ -7316,12 +7365,12 @@
                         </a:spcAft>
                       </a:pPr>
                       <a:r>
-                        <a:rPr sz="1200" lang="en-US">
+                        <a:rPr lang="en-US" sz="1200">
                           <a:effectLst/>
                         </a:rPr>
                         <a:t>10</a:t>
                       </a:r>
-                      <a:endParaRPr sz="1100" lang="en-US">
+                      <a:endParaRPr lang="en-US" sz="1100">
                         <a:effectLst/>
                         <a:latin typeface="Times New Roman" panose="02020603050405020304" pitchFamily="18" charset="0"/>
                         <a:ea typeface="Times New Roman" panose="02020603050405020304" pitchFamily="18" charset="0"/>
@@ -7333,6 +7382,7 @@
                 <a:tc>
                   <a:txBody>
                     <a:bodyPr/>
+                    <a:lstStyle/>
                     <a:p>
                       <a:pPr marL="0" marR="0">
                         <a:lnSpc>
@@ -7346,12 +7396,12 @@
                         </a:spcAft>
                       </a:pPr>
                       <a:r>
-                        <a:rPr sz="1200" lang="en-US">
+                        <a:rPr lang="en-US" sz="1200">
                           <a:effectLst/>
                         </a:rPr>
                         <a:t>Primary key</a:t>
                       </a:r>
-                      <a:endParaRPr sz="1100" lang="en-US">
+                      <a:endParaRPr lang="en-US" sz="1100">
                         <a:effectLst/>
                         <a:latin typeface="Times New Roman" panose="02020603050405020304" pitchFamily="18" charset="0"/>
                         <a:ea typeface="Times New Roman" panose="02020603050405020304" pitchFamily="18" charset="0"/>
@@ -7365,6 +7415,7 @@
                 <a:tc>
                   <a:txBody>
                     <a:bodyPr/>
+                    <a:lstStyle/>
                     <a:p>
                       <a:pPr marL="0" marR="0">
                         <a:lnSpc>
@@ -7378,60 +7429,12 @@
                         </a:spcAft>
                       </a:pPr>
                       <a:r>
-                        <a:rPr sz="1200" lang="en-US">
+                        <a:rPr lang="en-US" sz="1200">
                           <a:effectLst/>
                         </a:rPr>
-                        <a:t>V</a:t>
+                        <a:t>Vehicle name</a:t>
                       </a:r>
-                      <a:r>
-                        <a:rPr sz="1200" lang="en-US">
-                          <a:effectLst/>
-                        </a:rPr>
-                        <a:t>e</a:t>
-                      </a:r>
-                      <a:r>
-                        <a:rPr sz="1200" lang="en-US">
-                          <a:effectLst/>
-                        </a:rPr>
-                        <a:t>h</a:t>
-                      </a:r>
-                      <a:r>
-                        <a:rPr sz="1200" lang="en-US">
-                          <a:effectLst/>
-                        </a:rPr>
-                        <a:t>i</a:t>
-                      </a:r>
-                      <a:r>
-                        <a:rPr sz="1200" lang="en-US">
-                          <a:effectLst/>
-                        </a:rPr>
-                        <a:t>c</a:t>
-                      </a:r>
-                      <a:r>
-                        <a:rPr sz="1200" lang="en-US">
-                          <a:effectLst/>
-                        </a:rPr>
-                        <a:t>l</a:t>
-                      </a:r>
-                      <a:r>
-                        <a:rPr sz="1200" lang="en-US">
-                          <a:effectLst/>
-                        </a:rPr>
-                        <a:t>e</a:t>
-                      </a:r>
-                      <a:r>
-                        <a:rPr sz="1200" lang="en-US">
-                          <a:effectLst/>
-                        </a:rPr>
-                        <a:t> </a:t>
-                      </a:r>
-                      <a:r>
-                        <a:rPr sz="1200" lang="en-US">
-                          <a:effectLst/>
-                        </a:rPr>
-                        <a:t>name</a:t>
-                      </a:r>
-                      <a:endParaRPr sz="1100" lang="en-US">
+                      <a:endParaRPr lang="en-US" sz="1100">
                         <a:effectLst/>
                         <a:latin typeface="Times New Roman" panose="02020603050405020304" pitchFamily="18" charset="0"/>
                         <a:ea typeface="Times New Roman" panose="02020603050405020304" pitchFamily="18" charset="0"/>
@@ -7443,6 +7446,7 @@
                 <a:tc>
                   <a:txBody>
                     <a:bodyPr/>
+                    <a:lstStyle/>
                     <a:p>
                       <a:pPr marL="0" marR="0">
                         <a:lnSpc>
@@ -7456,12 +7460,12 @@
                         </a:spcAft>
                       </a:pPr>
                       <a:r>
-                        <a:rPr sz="1200" lang="en-US">
+                        <a:rPr lang="en-US" sz="1200" dirty="0">
                           <a:effectLst/>
                         </a:rPr>
                         <a:t>Varchar </a:t>
                       </a:r>
-                      <a:endParaRPr sz="1100" lang="en-US">
+                      <a:endParaRPr lang="en-US" sz="1100" dirty="0">
                         <a:effectLst/>
                         <a:latin typeface="Times New Roman" panose="02020603050405020304" pitchFamily="18" charset="0"/>
                         <a:ea typeface="Times New Roman" panose="02020603050405020304" pitchFamily="18" charset="0"/>
@@ -7473,6 +7477,7 @@
                 <a:tc>
                   <a:txBody>
                     <a:bodyPr/>
+                    <a:lstStyle/>
                     <a:p>
                       <a:pPr marL="0" marR="0">
                         <a:lnSpc>
@@ -7486,12 +7491,12 @@
                         </a:spcAft>
                       </a:pPr>
                       <a:r>
-                        <a:rPr sz="1200" lang="en-US">
+                        <a:rPr lang="en-US" sz="1200" dirty="0">
                           <a:effectLst/>
                         </a:rPr>
                         <a:t>20</a:t>
                       </a:r>
-                      <a:endParaRPr sz="1100" lang="en-US">
+                      <a:endParaRPr lang="en-US" sz="1100" dirty="0">
                         <a:effectLst/>
                         <a:latin typeface="Times New Roman" panose="02020603050405020304" pitchFamily="18" charset="0"/>
                         <a:ea typeface="Times New Roman" panose="02020603050405020304" pitchFamily="18" charset="0"/>
@@ -7503,6 +7508,7 @@
                 <a:tc>
                   <a:txBody>
                     <a:bodyPr/>
+                    <a:lstStyle/>
                     <a:p>
                       <a:pPr marL="0" marR="0">
                         <a:lnSpc>
@@ -7516,12 +7522,12 @@
                         </a:spcAft>
                       </a:pPr>
                       <a:r>
-                        <a:rPr sz="1200" lang="en-US">
+                        <a:rPr lang="en-US" sz="1200">
                           <a:effectLst/>
                         </a:rPr>
                         <a:t>Not null</a:t>
                       </a:r>
-                      <a:endParaRPr sz="1100" lang="en-US">
+                      <a:endParaRPr lang="en-US" sz="1100">
                         <a:effectLst/>
                         <a:latin typeface="Times New Roman" panose="02020603050405020304" pitchFamily="18" charset="0"/>
                         <a:ea typeface="Times New Roman" panose="02020603050405020304" pitchFamily="18" charset="0"/>
@@ -7535,6 +7541,7 @@
                 <a:tc>
                   <a:txBody>
                     <a:bodyPr/>
+                    <a:lstStyle/>
                     <a:p>
                       <a:pPr marL="0" marR="0">
                         <a:lnSpc>
@@ -7548,94 +7555,14 @@
                         </a:spcAft>
                       </a:pPr>
                       <a:r>
-                        <a:rPr sz="1200" lang="en-US">
+                        <a:rPr lang="en-US" sz="1200">
                           <a:effectLst/>
                           <a:latin typeface="Times New Roman" panose="02020603050405020304" pitchFamily="18" charset="0"/>
                           <a:ea typeface="Times New Roman" panose="02020603050405020304" pitchFamily="18" charset="0"/>
                         </a:rPr>
-                        <a:t>V</a:t>
+                        <a:t>Vehicle type </a:t>
                       </a:r>
-                      <a:r>
-                        <a:rPr sz="1200" lang="en-US">
-                          <a:effectLst/>
-                          <a:latin typeface="Times New Roman" panose="02020603050405020304" pitchFamily="18" charset="0"/>
-                          <a:ea typeface="Times New Roman" panose="02020603050405020304" pitchFamily="18" charset="0"/>
-                        </a:rPr>
-                        <a:t>e</a:t>
-                      </a:r>
-                      <a:r>
-                        <a:rPr sz="1200" lang="en-US">
-                          <a:effectLst/>
-                          <a:latin typeface="Times New Roman" panose="02020603050405020304" pitchFamily="18" charset="0"/>
-                          <a:ea typeface="Times New Roman" panose="02020603050405020304" pitchFamily="18" charset="0"/>
-                        </a:rPr>
-                        <a:t>h</a:t>
-                      </a:r>
-                      <a:r>
-                        <a:rPr sz="1200" lang="en-US">
-                          <a:effectLst/>
-                          <a:latin typeface="Times New Roman" panose="02020603050405020304" pitchFamily="18" charset="0"/>
-                          <a:ea typeface="Times New Roman" panose="02020603050405020304" pitchFamily="18" charset="0"/>
-                        </a:rPr>
-                        <a:t>i</a:t>
-                      </a:r>
-                      <a:r>
-                        <a:rPr sz="1200" lang="en-US">
-                          <a:effectLst/>
-                          <a:latin typeface="Times New Roman" panose="02020603050405020304" pitchFamily="18" charset="0"/>
-                          <a:ea typeface="Times New Roman" panose="02020603050405020304" pitchFamily="18" charset="0"/>
-                        </a:rPr>
-                        <a:t>cle</a:t>
-                      </a:r>
-                      <a:r>
-                        <a:rPr sz="1200" lang="en-US">
-                          <a:effectLst/>
-                          <a:latin typeface="Times New Roman" panose="02020603050405020304" pitchFamily="18" charset="0"/>
-                          <a:ea typeface="Times New Roman" panose="02020603050405020304" pitchFamily="18" charset="0"/>
-                        </a:rPr>
-                        <a:t> </a:t>
-                      </a:r>
-                      <a:r>
-                        <a:rPr sz="1200" lang="en-US">
-                          <a:effectLst/>
-                          <a:latin typeface="Times New Roman" panose="02020603050405020304" pitchFamily="18" charset="0"/>
-                          <a:ea typeface="Times New Roman" panose="02020603050405020304" pitchFamily="18" charset="0"/>
-                        </a:rPr>
-                        <a:t>t</a:t>
-                      </a:r>
-                      <a:r>
-                        <a:rPr sz="1200" lang="en-US">
-                          <a:effectLst/>
-                          <a:latin typeface="Times New Roman" panose="02020603050405020304" pitchFamily="18" charset="0"/>
-                          <a:ea typeface="Times New Roman" panose="02020603050405020304" pitchFamily="18" charset="0"/>
-                        </a:rPr>
-                        <a:t>y</a:t>
-                      </a:r>
-                      <a:r>
-                        <a:rPr sz="1200" lang="en-US">
-                          <a:effectLst/>
-                          <a:latin typeface="Times New Roman" panose="02020603050405020304" pitchFamily="18" charset="0"/>
-                          <a:ea typeface="Times New Roman" panose="02020603050405020304" pitchFamily="18" charset="0"/>
-                        </a:rPr>
-                        <a:t>p</a:t>
-                      </a:r>
-                      <a:r>
-                        <a:rPr sz="1200" lang="en-US">
-                          <a:effectLst/>
-                          <a:latin typeface="Times New Roman" panose="02020603050405020304" pitchFamily="18" charset="0"/>
-                          <a:ea typeface="Times New Roman" panose="02020603050405020304" pitchFamily="18" charset="0"/>
-                        </a:rPr>
-                        <a:t>e</a:t>
-                      </a:r>
-                      <a:r>
-                        <a:rPr sz="1200" lang="en-US">
-                          <a:effectLst/>
-                          <a:latin typeface="Times New Roman" panose="02020603050405020304" pitchFamily="18" charset="0"/>
-                          <a:ea typeface="Times New Roman" panose="02020603050405020304" pitchFamily="18" charset="0"/>
-                        </a:rPr>
-                        <a:t> </a:t>
-                      </a:r>
-                      <a:endParaRPr sz="1100" lang="en-US">
+                      <a:endParaRPr lang="en-US" sz="1100">
                         <a:effectLst/>
                         <a:latin typeface="Times New Roman" panose="02020603050405020304" pitchFamily="18" charset="0"/>
                         <a:ea typeface="Times New Roman" panose="02020603050405020304" pitchFamily="18" charset="0"/>
@@ -7647,6 +7574,7 @@
                 <a:tc>
                   <a:txBody>
                     <a:bodyPr/>
+                    <a:lstStyle/>
                     <a:p>
                       <a:pPr marL="0" marR="0">
                         <a:lnSpc>
@@ -7660,12 +7588,12 @@
                         </a:spcAft>
                       </a:pPr>
                       <a:r>
-                        <a:rPr sz="1200" lang="en-US">
+                        <a:rPr lang="en-US" sz="1200">
                           <a:effectLst/>
                         </a:rPr>
                         <a:t>varchar</a:t>
                       </a:r>
-                      <a:endParaRPr sz="1100" lang="en-US">
+                      <a:endParaRPr lang="en-US" sz="1100">
                         <a:effectLst/>
                         <a:latin typeface="Times New Roman" panose="02020603050405020304" pitchFamily="18" charset="0"/>
                         <a:ea typeface="Times New Roman" panose="02020603050405020304" pitchFamily="18" charset="0"/>
@@ -7677,6 +7605,7 @@
                 <a:tc>
                   <a:txBody>
                     <a:bodyPr/>
+                    <a:lstStyle/>
                     <a:p>
                       <a:pPr marL="0" marR="0">
                         <a:lnSpc>
@@ -7690,12 +7619,12 @@
                         </a:spcAft>
                       </a:pPr>
                       <a:r>
-                        <a:rPr sz="1200" lang="en-US">
+                        <a:rPr lang="en-US" sz="1200" dirty="0">
                           <a:effectLst/>
                         </a:rPr>
                         <a:t>10</a:t>
                       </a:r>
-                      <a:endParaRPr sz="1100" lang="en-US">
+                      <a:endParaRPr lang="en-US" sz="1100" dirty="0">
                         <a:effectLst/>
                         <a:latin typeface="Times New Roman" panose="02020603050405020304" pitchFamily="18" charset="0"/>
                         <a:ea typeface="Times New Roman" panose="02020603050405020304" pitchFamily="18" charset="0"/>
@@ -7707,6 +7636,7 @@
                 <a:tc>
                   <a:txBody>
                     <a:bodyPr/>
+                    <a:lstStyle/>
                     <a:p>
                       <a:pPr marL="0" marR="0">
                         <a:lnSpc>
@@ -7720,12 +7650,12 @@
                         </a:spcAft>
                       </a:pPr>
                       <a:r>
-                        <a:rPr dirty="0" sz="1200" lang="en-US">
+                        <a:rPr lang="en-US" sz="1200" dirty="0">
                           <a:effectLst/>
                         </a:rPr>
                         <a:t>Not null</a:t>
                       </a:r>
-                      <a:endParaRPr dirty="0" sz="1100" lang="en-US">
+                      <a:endParaRPr lang="en-US" sz="1100" dirty="0">
                         <a:effectLst/>
                         <a:latin typeface="Times New Roman" panose="02020603050405020304" pitchFamily="18" charset="0"/>
                         <a:ea typeface="Times New Roman" panose="02020603050405020304" pitchFamily="18" charset="0"/>
@@ -7752,7 +7682,7 @@
   <p:cSld>
     <p:spTree>
       <p:nvGrpSpPr>
-        <p:cNvPr id="65" name=""/>
+        <p:cNvPr id="1" name=""/>
         <p:cNvGrpSpPr/>
         <p:nvPr/>
       </p:nvGrpSpPr>
@@ -7777,23 +7707,32 @@
         <p:spPr/>
         <p:txBody>
           <a:bodyPr/>
-          <a:p>
-            <a:r>
-              <a:rPr b="1" dirty="0" sz="1800" lang="en-US">
+          <a:lstStyle/>
+          <a:p>
+            <a:r>
+              <a:rPr lang="en-US" sz="1800" b="1" dirty="0">
                 <a:effectLst/>
                 <a:latin typeface="Times New Roman" panose="02020603050405020304" pitchFamily="18" charset="0"/>
                 <a:ea typeface="Times New Roman" panose="02020603050405020304" pitchFamily="18" charset="0"/>
               </a:rPr>
               <a:t>TABLE NAME: DRIVER</a:t>
             </a:r>
+            <a:r>
+              <a:rPr lang="en-US" sz="1800" dirty="0">
+                <a:effectLst/>
+                <a:latin typeface="Times New Roman" panose="02020603050405020304" pitchFamily="18" charset="0"/>
+                <a:ea typeface="Times New Roman" panose="02020603050405020304" pitchFamily="18" charset="0"/>
+              </a:rPr>
+              <a:t/>
+            </a:r>
             <a:br>
-              <a:rPr dirty="0" sz="1800" lang="en-US">
+              <a:rPr lang="en-US" sz="1800" dirty="0">
                 <a:effectLst/>
                 <a:latin typeface="Times New Roman" panose="02020603050405020304" pitchFamily="18" charset="0"/>
                 <a:ea typeface="Times New Roman" panose="02020603050405020304" pitchFamily="18" charset="0"/>
               </a:rPr>
             </a:br>
-            <a:endParaRPr dirty="0" lang="en-US"/>
+            <a:endParaRPr lang="en-US" dirty="0"/>
           </a:p>
         </p:txBody>
       </p:sp>
@@ -7809,7 +7748,7 @@
         </p:nvGraphicFramePr>
         <p:xfrm>
           <a:off x="2315497" y="2580968"/>
-          <a:ext cx="6714204" cy="2771577"/>
+          <a:ext cx="6714204" cy="2463624"/>
         </p:xfrm>
         <a:graphic>
           <a:graphicData uri="http://schemas.openxmlformats.org/drawingml/2006/table">
@@ -7827,6 +7766,7 @@
                 <a:tc>
                   <a:txBody>
                     <a:bodyPr/>
+                    <a:lstStyle/>
                     <a:p>
                       <a:pPr marL="0" marR="0">
                         <a:lnSpc>
@@ -7840,12 +7780,12 @@
                         </a:spcAft>
                       </a:pPr>
                       <a:r>
-                        <a:rPr sz="1200" lang="en-US">
+                        <a:rPr lang="en-US" sz="1200" dirty="0">
                           <a:effectLst/>
                         </a:rPr>
                         <a:t>FIELD </a:t>
                       </a:r>
-                      <a:endParaRPr sz="1100" lang="en-US">
+                      <a:endParaRPr lang="en-US" sz="1100" dirty="0">
                         <a:effectLst/>
                         <a:latin typeface="Times New Roman" panose="02020603050405020304" pitchFamily="18" charset="0"/>
                         <a:ea typeface="Times New Roman" panose="02020603050405020304" pitchFamily="18" charset="0"/>
@@ -7857,6 +7797,7 @@
                 <a:tc>
                   <a:txBody>
                     <a:bodyPr/>
+                    <a:lstStyle/>
                     <a:p>
                       <a:pPr marL="0" marR="0">
                         <a:lnSpc>
@@ -7870,12 +7811,12 @@
                         </a:spcAft>
                       </a:pPr>
                       <a:r>
-                        <a:rPr sz="1200" lang="en-US">
+                        <a:rPr lang="en-US" sz="1200">
                           <a:effectLst/>
                         </a:rPr>
                         <a:t>DATA TYPE</a:t>
                       </a:r>
-                      <a:endParaRPr sz="1100" lang="en-US">
+                      <a:endParaRPr lang="en-US" sz="1100">
                         <a:effectLst/>
                         <a:latin typeface="Times New Roman" panose="02020603050405020304" pitchFamily="18" charset="0"/>
                         <a:ea typeface="Times New Roman" panose="02020603050405020304" pitchFamily="18" charset="0"/>
@@ -7887,6 +7828,7 @@
                 <a:tc>
                   <a:txBody>
                     <a:bodyPr/>
+                    <a:lstStyle/>
                     <a:p>
                       <a:pPr marL="0" marR="0">
                         <a:lnSpc>
@@ -7900,12 +7842,12 @@
                         </a:spcAft>
                       </a:pPr>
                       <a:r>
-                        <a:rPr sz="1200" lang="en-US">
+                        <a:rPr lang="en-US" sz="1200">
                           <a:effectLst/>
                         </a:rPr>
                         <a:t>SIZE</a:t>
                       </a:r>
-                      <a:endParaRPr sz="1100" lang="en-US">
+                      <a:endParaRPr lang="en-US" sz="1100">
                         <a:effectLst/>
                         <a:latin typeface="Times New Roman" panose="02020603050405020304" pitchFamily="18" charset="0"/>
                         <a:ea typeface="Times New Roman" panose="02020603050405020304" pitchFamily="18" charset="0"/>
@@ -7917,6 +7859,7 @@
                 <a:tc>
                   <a:txBody>
                     <a:bodyPr/>
+                    <a:lstStyle/>
                     <a:p>
                       <a:pPr marL="0" marR="0">
                         <a:lnSpc>
@@ -7930,12 +7873,12 @@
                         </a:spcAft>
                       </a:pPr>
                       <a:r>
-                        <a:rPr sz="1200" lang="en-US">
+                        <a:rPr lang="en-US" sz="1200">
                           <a:effectLst/>
                         </a:rPr>
                         <a:t>CONSTRAINT</a:t>
                       </a:r>
-                      <a:endParaRPr sz="1100" lang="en-US">
+                      <a:endParaRPr lang="en-US" sz="1100">
                         <a:effectLst/>
                         <a:latin typeface="Times New Roman" panose="02020603050405020304" pitchFamily="18" charset="0"/>
                         <a:ea typeface="Times New Roman" panose="02020603050405020304" pitchFamily="18" charset="0"/>
@@ -7949,6 +7892,7 @@
                 <a:tc>
                   <a:txBody>
                     <a:bodyPr/>
+                    <a:lstStyle/>
                     <a:p>
                       <a:pPr marL="0" marR="0">
                         <a:lnSpc>
@@ -7962,12 +7906,12 @@
                         </a:spcAft>
                       </a:pPr>
                       <a:r>
-                        <a:rPr sz="1200" lang="en-US">
+                        <a:rPr lang="en-US" sz="1200" dirty="0">
                           <a:effectLst/>
                         </a:rPr>
                         <a:t>Driver id</a:t>
                       </a:r>
-                      <a:endParaRPr sz="1100" lang="en-US">
+                      <a:endParaRPr lang="en-US" sz="1100" dirty="0">
                         <a:effectLst/>
                         <a:latin typeface="Times New Roman" panose="02020603050405020304" pitchFamily="18" charset="0"/>
                         <a:ea typeface="Times New Roman" panose="02020603050405020304" pitchFamily="18" charset="0"/>
@@ -7979,6 +7923,7 @@
                 <a:tc>
                   <a:txBody>
                     <a:bodyPr/>
+                    <a:lstStyle/>
                     <a:p>
                       <a:pPr marL="0" marR="0">
                         <a:lnSpc>
@@ -7992,12 +7937,12 @@
                         </a:spcAft>
                       </a:pPr>
                       <a:r>
-                        <a:rPr sz="1200" lang="en-US">
+                        <a:rPr lang="en-US" sz="1200">
                           <a:effectLst/>
                         </a:rPr>
                         <a:t>Int</a:t>
                       </a:r>
-                      <a:endParaRPr sz="1100" lang="en-US">
+                      <a:endParaRPr lang="en-US" sz="1100">
                         <a:effectLst/>
                         <a:latin typeface="Times New Roman" panose="02020603050405020304" pitchFamily="18" charset="0"/>
                         <a:ea typeface="Times New Roman" panose="02020603050405020304" pitchFamily="18" charset="0"/>
@@ -8009,6 +7954,7 @@
                 <a:tc>
                   <a:txBody>
                     <a:bodyPr/>
+                    <a:lstStyle/>
                     <a:p>
                       <a:pPr marL="0" marR="0">
                         <a:lnSpc>
@@ -8022,12 +7968,12 @@
                         </a:spcAft>
                       </a:pPr>
                       <a:r>
-                        <a:rPr sz="1200" lang="en-US">
+                        <a:rPr lang="en-US" sz="1200">
                           <a:effectLst/>
                         </a:rPr>
                         <a:t>10</a:t>
                       </a:r>
-                      <a:endParaRPr sz="1100" lang="en-US">
+                      <a:endParaRPr lang="en-US" sz="1100">
                         <a:effectLst/>
                         <a:latin typeface="Times New Roman" panose="02020603050405020304" pitchFamily="18" charset="0"/>
                         <a:ea typeface="Times New Roman" panose="02020603050405020304" pitchFamily="18" charset="0"/>
@@ -8039,6 +7985,7 @@
                 <a:tc>
                   <a:txBody>
                     <a:bodyPr/>
+                    <a:lstStyle/>
                     <a:p>
                       <a:pPr marL="0" marR="0">
                         <a:lnSpc>
@@ -8052,12 +7999,12 @@
                         </a:spcAft>
                       </a:pPr>
                       <a:r>
-                        <a:rPr sz="1200" lang="en-US">
+                        <a:rPr lang="en-US" sz="1200">
                           <a:effectLst/>
                         </a:rPr>
                         <a:t>Primary key</a:t>
                       </a:r>
-                      <a:endParaRPr sz="1100" lang="en-US">
+                      <a:endParaRPr lang="en-US" sz="1100">
                         <a:effectLst/>
                         <a:latin typeface="Times New Roman" panose="02020603050405020304" pitchFamily="18" charset="0"/>
                         <a:ea typeface="Times New Roman" panose="02020603050405020304" pitchFamily="18" charset="0"/>
@@ -8071,6 +8018,7 @@
                 <a:tc>
                   <a:txBody>
                     <a:bodyPr/>
+                    <a:lstStyle/>
                     <a:p>
                       <a:pPr marL="0" marR="0">
                         <a:lnSpc>
@@ -8084,12 +8032,12 @@
                         </a:spcAft>
                       </a:pPr>
                       <a:r>
-                        <a:rPr sz="1200" lang="en-US">
+                        <a:rPr lang="en-US" sz="1200" dirty="0">
                           <a:effectLst/>
                         </a:rPr>
                         <a:t>Driver name</a:t>
                       </a:r>
-                      <a:endParaRPr sz="1100" lang="en-US">
+                      <a:endParaRPr lang="en-US" sz="1100" dirty="0">
                         <a:effectLst/>
                         <a:latin typeface="Times New Roman" panose="02020603050405020304" pitchFamily="18" charset="0"/>
                         <a:ea typeface="Times New Roman" panose="02020603050405020304" pitchFamily="18" charset="0"/>
@@ -8101,6 +8049,7 @@
                 <a:tc>
                   <a:txBody>
                     <a:bodyPr/>
+                    <a:lstStyle/>
                     <a:p>
                       <a:pPr marL="0" marR="0">
                         <a:lnSpc>
@@ -8114,12 +8063,12 @@
                         </a:spcAft>
                       </a:pPr>
                       <a:r>
-                        <a:rPr sz="1200" lang="en-US">
+                        <a:rPr lang="en-US" sz="1200" dirty="0">
                           <a:effectLst/>
                         </a:rPr>
                         <a:t>Varchar </a:t>
                       </a:r>
-                      <a:endParaRPr sz="1100" lang="en-US">
+                      <a:endParaRPr lang="en-US" sz="1100" dirty="0">
                         <a:effectLst/>
                         <a:latin typeface="Times New Roman" panose="02020603050405020304" pitchFamily="18" charset="0"/>
                         <a:ea typeface="Times New Roman" panose="02020603050405020304" pitchFamily="18" charset="0"/>
@@ -8131,6 +8080,7 @@
                 <a:tc>
                   <a:txBody>
                     <a:bodyPr/>
+                    <a:lstStyle/>
                     <a:p>
                       <a:pPr marL="0" marR="0">
                         <a:lnSpc>
@@ -8144,12 +8094,12 @@
                         </a:spcAft>
                       </a:pPr>
                       <a:r>
-                        <a:rPr sz="1200" lang="en-US">
+                        <a:rPr lang="en-US" sz="1200">
                           <a:effectLst/>
                         </a:rPr>
                         <a:t>20</a:t>
                       </a:r>
-                      <a:endParaRPr sz="1100" lang="en-US">
+                      <a:endParaRPr lang="en-US" sz="1100">
                         <a:effectLst/>
                         <a:latin typeface="Times New Roman" panose="02020603050405020304" pitchFamily="18" charset="0"/>
                         <a:ea typeface="Times New Roman" panose="02020603050405020304" pitchFamily="18" charset="0"/>
@@ -8161,6 +8111,7 @@
                 <a:tc>
                   <a:txBody>
                     <a:bodyPr/>
+                    <a:lstStyle/>
                     <a:p>
                       <a:pPr marL="0" marR="0">
                         <a:lnSpc>
@@ -8174,12 +8125,12 @@
                         </a:spcAft>
                       </a:pPr>
                       <a:r>
-                        <a:rPr sz="1200" lang="en-US">
+                        <a:rPr lang="en-US" sz="1200">
                           <a:effectLst/>
                         </a:rPr>
                         <a:t>Not null</a:t>
                       </a:r>
-                      <a:endParaRPr sz="1100" lang="en-US">
+                      <a:endParaRPr lang="en-US" sz="1100">
                         <a:effectLst/>
                         <a:latin typeface="Times New Roman" panose="02020603050405020304" pitchFamily="18" charset="0"/>
                         <a:ea typeface="Times New Roman" panose="02020603050405020304" pitchFamily="18" charset="0"/>
@@ -8193,6 +8144,7 @@
                 <a:tc>
                   <a:txBody>
                     <a:bodyPr/>
+                    <a:lstStyle/>
                     <a:p>
                       <a:pPr marL="0" marR="0">
                         <a:lnSpc>
@@ -8206,12 +8158,12 @@
                         </a:spcAft>
                       </a:pPr>
                       <a:r>
-                        <a:rPr sz="1200" lang="en-US">
+                        <a:rPr lang="en-US" sz="1200" dirty="0">
                           <a:effectLst/>
                         </a:rPr>
                         <a:t>Mobile number</a:t>
                       </a:r>
-                      <a:endParaRPr sz="1100" lang="en-US">
+                      <a:endParaRPr lang="en-US" sz="1100" dirty="0">
                         <a:effectLst/>
                         <a:latin typeface="Times New Roman" panose="02020603050405020304" pitchFamily="18" charset="0"/>
                         <a:ea typeface="Times New Roman" panose="02020603050405020304" pitchFamily="18" charset="0"/>
@@ -8223,6 +8175,7 @@
                 <a:tc>
                   <a:txBody>
                     <a:bodyPr/>
+                    <a:lstStyle/>
                     <a:p>
                       <a:pPr marL="0" marR="0">
                         <a:lnSpc>
@@ -8236,12 +8189,12 @@
                         </a:spcAft>
                       </a:pPr>
                       <a:r>
-                        <a:rPr sz="1200" lang="en-US">
+                        <a:rPr lang="en-US" sz="1200" dirty="0" err="1">
                           <a:effectLst/>
                         </a:rPr>
                         <a:t>Int</a:t>
                       </a:r>
-                      <a:endParaRPr sz="1100" lang="en-US">
+                      <a:endParaRPr lang="en-US" sz="1100" dirty="0">
                         <a:effectLst/>
                         <a:latin typeface="Times New Roman" panose="02020603050405020304" pitchFamily="18" charset="0"/>
                         <a:ea typeface="Times New Roman" panose="02020603050405020304" pitchFamily="18" charset="0"/>
@@ -8253,6 +8206,7 @@
                 <a:tc>
                   <a:txBody>
                     <a:bodyPr/>
+                    <a:lstStyle/>
                     <a:p>
                       <a:pPr marL="0" marR="0">
                         <a:lnSpc>
@@ -8266,12 +8220,12 @@
                         </a:spcAft>
                       </a:pPr>
                       <a:r>
-                        <a:rPr sz="1200" lang="en-US">
+                        <a:rPr lang="en-US" sz="1200">
                           <a:effectLst/>
                         </a:rPr>
                         <a:t>10</a:t>
                       </a:r>
-                      <a:endParaRPr sz="1100" lang="en-US">
+                      <a:endParaRPr lang="en-US" sz="1100">
                         <a:effectLst/>
                         <a:latin typeface="Times New Roman" panose="02020603050405020304" pitchFamily="18" charset="0"/>
                         <a:ea typeface="Times New Roman" panose="02020603050405020304" pitchFamily="18" charset="0"/>
@@ -8283,6 +8237,7 @@
                 <a:tc>
                   <a:txBody>
                     <a:bodyPr/>
+                    <a:lstStyle/>
                     <a:p>
                       <a:pPr marL="0" marR="0">
                         <a:lnSpc>
@@ -8296,12 +8251,12 @@
                         </a:spcAft>
                       </a:pPr>
                       <a:r>
-                        <a:rPr sz="1200" lang="en-US">
+                        <a:rPr lang="en-US" sz="1200">
                           <a:effectLst/>
                         </a:rPr>
                         <a:t>Not null</a:t>
                       </a:r>
-                      <a:endParaRPr sz="1100" lang="en-US">
+                      <a:endParaRPr lang="en-US" sz="1100">
                         <a:effectLst/>
                         <a:latin typeface="Times New Roman" panose="02020603050405020304" pitchFamily="18" charset="0"/>
                         <a:ea typeface="Times New Roman" panose="02020603050405020304" pitchFamily="18" charset="0"/>
@@ -8315,6 +8270,7 @@
                 <a:tc>
                   <a:txBody>
                     <a:bodyPr/>
+                    <a:lstStyle/>
                     <a:p>
                       <a:pPr marL="0" marR="0">
                         <a:lnSpc>
@@ -8328,12 +8284,12 @@
                         </a:spcAft>
                       </a:pPr>
                       <a:r>
-                        <a:rPr sz="1200" lang="en-US">
+                        <a:rPr lang="en-US" sz="1200">
                           <a:effectLst/>
                         </a:rPr>
                         <a:t>Address</a:t>
                       </a:r>
-                      <a:endParaRPr sz="1100" lang="en-US">
+                      <a:endParaRPr lang="en-US" sz="1100">
                         <a:effectLst/>
                         <a:latin typeface="Times New Roman" panose="02020603050405020304" pitchFamily="18" charset="0"/>
                         <a:ea typeface="Times New Roman" panose="02020603050405020304" pitchFamily="18" charset="0"/>
@@ -8345,6 +8301,7 @@
                 <a:tc>
                   <a:txBody>
                     <a:bodyPr/>
+                    <a:lstStyle/>
                     <a:p>
                       <a:pPr marL="0" marR="0">
                         <a:lnSpc>
@@ -8358,12 +8315,12 @@
                         </a:spcAft>
                       </a:pPr>
                       <a:r>
-                        <a:rPr sz="1200" lang="en-US">
+                        <a:rPr lang="en-US" sz="1200" dirty="0">
                           <a:effectLst/>
                         </a:rPr>
                         <a:t>varchar</a:t>
                       </a:r>
-                      <a:endParaRPr sz="1100" lang="en-US">
+                      <a:endParaRPr lang="en-US" sz="1100" dirty="0">
                         <a:effectLst/>
                         <a:latin typeface="Times New Roman" panose="02020603050405020304" pitchFamily="18" charset="0"/>
                         <a:ea typeface="Times New Roman" panose="02020603050405020304" pitchFamily="18" charset="0"/>
@@ -8375,6 +8332,7 @@
                 <a:tc>
                   <a:txBody>
                     <a:bodyPr/>
+                    <a:lstStyle/>
                     <a:p>
                       <a:pPr marL="0" marR="0">
                         <a:lnSpc>
@@ -8388,12 +8346,12 @@
                         </a:spcAft>
                       </a:pPr>
                       <a:r>
-                        <a:rPr sz="1200" lang="en-US">
+                        <a:rPr lang="en-US" sz="1200" dirty="0">
                           <a:effectLst/>
                         </a:rPr>
                         <a:t>30</a:t>
                       </a:r>
-                      <a:endParaRPr sz="1100" lang="en-US">
+                      <a:endParaRPr lang="en-US" sz="1100" dirty="0">
                         <a:effectLst/>
                         <a:latin typeface="Times New Roman" panose="02020603050405020304" pitchFamily="18" charset="0"/>
                         <a:ea typeface="Times New Roman" panose="02020603050405020304" pitchFamily="18" charset="0"/>
@@ -8405,6 +8363,7 @@
                 <a:tc>
                   <a:txBody>
                     <a:bodyPr/>
+                    <a:lstStyle/>
                     <a:p>
                       <a:pPr marL="0" marR="0">
                         <a:lnSpc>
@@ -8418,12 +8377,12 @@
                         </a:spcAft>
                       </a:pPr>
                       <a:r>
-                        <a:rPr sz="1200" lang="en-US">
+                        <a:rPr lang="en-US" sz="1200">
                           <a:effectLst/>
                         </a:rPr>
                         <a:t>Not null</a:t>
                       </a:r>
-                      <a:endParaRPr sz="1100" lang="en-US">
+                      <a:endParaRPr lang="en-US" sz="1100">
                         <a:effectLst/>
                         <a:latin typeface="Times New Roman" panose="02020603050405020304" pitchFamily="18" charset="0"/>
                         <a:ea typeface="Times New Roman" panose="02020603050405020304" pitchFamily="18" charset="0"/>
@@ -8437,6 +8396,7 @@
                 <a:tc>
                   <a:txBody>
                     <a:bodyPr/>
+                    <a:lstStyle/>
                     <a:p>
                       <a:pPr marL="0" marR="0">
                         <a:lnSpc>
@@ -8450,12 +8410,12 @@
                         </a:spcAft>
                       </a:pPr>
                       <a:r>
-                        <a:rPr sz="1200" lang="en-US">
+                        <a:rPr lang="en-US" sz="1200">
                           <a:effectLst/>
                         </a:rPr>
                         <a:t>License number</a:t>
                       </a:r>
-                      <a:endParaRPr sz="1100" lang="en-US">
+                      <a:endParaRPr lang="en-US" sz="1100">
                         <a:effectLst/>
                         <a:latin typeface="Times New Roman" panose="02020603050405020304" pitchFamily="18" charset="0"/>
                         <a:ea typeface="Times New Roman" panose="02020603050405020304" pitchFamily="18" charset="0"/>
@@ -8467,6 +8427,7 @@
                 <a:tc>
                   <a:txBody>
                     <a:bodyPr/>
+                    <a:lstStyle/>
                     <a:p>
                       <a:pPr marL="0" marR="0">
                         <a:lnSpc>
@@ -8480,12 +8441,12 @@
                         </a:spcAft>
                       </a:pPr>
                       <a:r>
-                        <a:rPr sz="1200" lang="en-US">
+                        <a:rPr lang="en-US" sz="1200">
                           <a:effectLst/>
                         </a:rPr>
                         <a:t>varchar</a:t>
                       </a:r>
-                      <a:endParaRPr sz="1100" lang="en-US">
+                      <a:endParaRPr lang="en-US" sz="1100">
                         <a:effectLst/>
                         <a:latin typeface="Times New Roman" panose="02020603050405020304" pitchFamily="18" charset="0"/>
                         <a:ea typeface="Times New Roman" panose="02020603050405020304" pitchFamily="18" charset="0"/>
@@ -8497,6 +8458,7 @@
                 <a:tc>
                   <a:txBody>
                     <a:bodyPr/>
+                    <a:lstStyle/>
                     <a:p>
                       <a:pPr marL="0" marR="0">
                         <a:lnSpc>
@@ -8510,12 +8472,12 @@
                         </a:spcAft>
                       </a:pPr>
                       <a:r>
-                        <a:rPr sz="1200" lang="en-US">
+                        <a:rPr lang="en-US" sz="1200" dirty="0">
                           <a:effectLst/>
                         </a:rPr>
                         <a:t>10</a:t>
                       </a:r>
-                      <a:endParaRPr sz="1100" lang="en-US">
+                      <a:endParaRPr lang="en-US" sz="1100" dirty="0">
                         <a:effectLst/>
                         <a:latin typeface="Times New Roman" panose="02020603050405020304" pitchFamily="18" charset="0"/>
                         <a:ea typeface="Times New Roman" panose="02020603050405020304" pitchFamily="18" charset="0"/>
@@ -8527,6 +8489,7 @@
                 <a:tc>
                   <a:txBody>
                     <a:bodyPr/>
+                    <a:lstStyle/>
                     <a:p>
                       <a:pPr marL="0" marR="0">
                         <a:lnSpc>
@@ -8540,12 +8503,12 @@
                         </a:spcAft>
                       </a:pPr>
                       <a:r>
-                        <a:rPr sz="1200" lang="en-US">
+                        <a:rPr lang="en-US" sz="1200" dirty="0">
                           <a:effectLst/>
                         </a:rPr>
                         <a:t>Not null</a:t>
                       </a:r>
-                      <a:endParaRPr sz="1100" lang="en-US">
+                      <a:endParaRPr lang="en-US" sz="1100" dirty="0">
                         <a:effectLst/>
                         <a:latin typeface="Times New Roman" panose="02020603050405020304" pitchFamily="18" charset="0"/>
                         <a:ea typeface="Times New Roman" panose="02020603050405020304" pitchFamily="18" charset="0"/>
@@ -8559,6 +8522,7 @@
                 <a:tc>
                   <a:txBody>
                     <a:bodyPr/>
+                    <a:lstStyle/>
                     <a:p>
                       <a:pPr marL="0" marR="0">
                         <a:lnSpc>
@@ -8572,30 +8536,14 @@
                         </a:spcAft>
                       </a:pPr>
                       <a:r>
-                        <a:rPr sz="1200" lang="en-US">
+                        <a:rPr lang="en-US" sz="1200">
                           <a:effectLst/>
                           <a:latin typeface="Times New Roman" panose="02020603050405020304" pitchFamily="18" charset="0"/>
                           <a:ea typeface="Times New Roman" panose="02020603050405020304" pitchFamily="18" charset="0"/>
                         </a:rPr>
-                        <a:t>A</a:t>
+                        <a:t>Age</a:t>
                       </a:r>
-                      <a:r>
-                        <a:rPr sz="1200" lang="en-US">
-                          <a:effectLst/>
-                          <a:latin typeface="Times New Roman" panose="02020603050405020304" pitchFamily="18" charset="0"/>
-                          <a:ea typeface="Times New Roman" panose="02020603050405020304" pitchFamily="18" charset="0"/>
-                        </a:rPr>
-                        <a:t>g</a:t>
-                      </a:r>
-                      <a:r>
-                        <a:rPr sz="1200" lang="en-US">
-                          <a:effectLst/>
-                          <a:latin typeface="Times New Roman" panose="02020603050405020304" pitchFamily="18" charset="0"/>
-                          <a:ea typeface="Times New Roman" panose="02020603050405020304" pitchFamily="18" charset="0"/>
-                        </a:rPr>
-                        <a:t>e</a:t>
-                      </a:r>
-                      <a:endParaRPr sz="1100" lang="en-US">
+                      <a:endParaRPr lang="en-US" sz="1100">
                         <a:effectLst/>
                         <a:latin typeface="Times New Roman" panose="02020603050405020304" pitchFamily="18" charset="0"/>
                         <a:ea typeface="Times New Roman" panose="02020603050405020304" pitchFamily="18" charset="0"/>
@@ -8607,6 +8555,7 @@
                 <a:tc>
                   <a:txBody>
                     <a:bodyPr/>
+                    <a:lstStyle/>
                     <a:p>
                       <a:pPr marL="0" marR="0">
                         <a:lnSpc>
@@ -8620,12 +8569,12 @@
                         </a:spcAft>
                       </a:pPr>
                       <a:r>
-                        <a:rPr sz="1200" lang="en-US">
+                        <a:rPr lang="en-US" sz="1200">
                           <a:effectLst/>
                         </a:rPr>
                         <a:t>Int</a:t>
                       </a:r>
-                      <a:endParaRPr sz="1100" lang="en-US">
+                      <a:endParaRPr lang="en-US" sz="1100">
                         <a:effectLst/>
                         <a:latin typeface="Times New Roman" panose="02020603050405020304" pitchFamily="18" charset="0"/>
                         <a:ea typeface="Times New Roman" panose="02020603050405020304" pitchFamily="18" charset="0"/>
@@ -8637,6 +8586,7 @@
                 <a:tc>
                   <a:txBody>
                     <a:bodyPr/>
+                    <a:lstStyle/>
                     <a:p>
                       <a:pPr marL="0" marR="0">
                         <a:lnSpc>
@@ -8650,14 +8600,14 @@
                         </a:spcAft>
                       </a:pPr>
                       <a:r>
-                        <a:rPr sz="1200" lang="en-US">
+                        <a:rPr lang="en-US" sz="1200">
                           <a:effectLst/>
                           <a:latin typeface="Times New Roman" panose="02020603050405020304" pitchFamily="18" charset="0"/>
                           <a:ea typeface="Times New Roman" panose="02020603050405020304" pitchFamily="18" charset="0"/>
                         </a:rPr>
                         <a:t>3</a:t>
                       </a:r>
-                      <a:endParaRPr sz="1100" lang="en-US">
+                      <a:endParaRPr lang="en-US" sz="1100">
                         <a:effectLst/>
                         <a:latin typeface="Times New Roman" panose="02020603050405020304" pitchFamily="18" charset="0"/>
                         <a:ea typeface="Times New Roman" panose="02020603050405020304" pitchFamily="18" charset="0"/>
@@ -8669,6 +8619,7 @@
                 <a:tc>
                   <a:txBody>
                     <a:bodyPr/>
+                    <a:lstStyle/>
                     <a:p>
                       <a:pPr marL="0" marR="0">
                         <a:lnSpc>
@@ -8682,12 +8633,12 @@
                         </a:spcAft>
                       </a:pPr>
                       <a:r>
-                        <a:rPr sz="1200" lang="en-US">
+                        <a:rPr lang="en-US" sz="1200" dirty="0">
                           <a:effectLst/>
                         </a:rPr>
                         <a:t>Not null</a:t>
                       </a:r>
-                      <a:endParaRPr sz="1100" lang="en-US">
+                      <a:endParaRPr lang="en-US" sz="1100" dirty="0">
                         <a:effectLst/>
                         <a:latin typeface="Times New Roman" panose="02020603050405020304" pitchFamily="18" charset="0"/>
                         <a:ea typeface="Times New Roman" panose="02020603050405020304" pitchFamily="18" charset="0"/>
@@ -8701,6 +8652,7 @@
                 <a:tc>
                   <a:txBody>
                     <a:bodyPr/>
+                    <a:lstStyle/>
                     <a:p>
                       <a:pPr marL="0" marR="0">
                         <a:lnSpc>
@@ -8714,12 +8666,12 @@
                         </a:spcAft>
                       </a:pPr>
                       <a:r>
-                        <a:rPr sz="1200" lang="en-US">
+                        <a:rPr lang="en-US" sz="1200">
                           <a:effectLst/>
                         </a:rPr>
                         <a:t>Id proof</a:t>
                       </a:r>
-                      <a:endParaRPr sz="1100" lang="en-US">
+                      <a:endParaRPr lang="en-US" sz="1100">
                         <a:effectLst/>
                         <a:latin typeface="Times New Roman" panose="02020603050405020304" pitchFamily="18" charset="0"/>
                         <a:ea typeface="Times New Roman" panose="02020603050405020304" pitchFamily="18" charset="0"/>
@@ -8731,6 +8683,7 @@
                 <a:tc>
                   <a:txBody>
                     <a:bodyPr/>
+                    <a:lstStyle/>
                     <a:p>
                       <a:pPr marL="0" marR="0">
                         <a:lnSpc>
@@ -8744,12 +8697,12 @@
                         </a:spcAft>
                       </a:pPr>
                       <a:r>
-                        <a:rPr sz="1200" lang="en-US">
+                        <a:rPr lang="en-US" sz="1200">
                           <a:effectLst/>
                         </a:rPr>
                         <a:t>varchar</a:t>
                       </a:r>
-                      <a:endParaRPr sz="1100" lang="en-US">
+                      <a:endParaRPr lang="en-US" sz="1100">
                         <a:effectLst/>
                         <a:latin typeface="Times New Roman" panose="02020603050405020304" pitchFamily="18" charset="0"/>
                         <a:ea typeface="Times New Roman" panose="02020603050405020304" pitchFamily="18" charset="0"/>
@@ -8761,6 +8714,7 @@
                 <a:tc>
                   <a:txBody>
                     <a:bodyPr/>
+                    <a:lstStyle/>
                     <a:p>
                       <a:pPr marL="0" marR="0">
                         <a:lnSpc>
@@ -8774,12 +8728,12 @@
                         </a:spcAft>
                       </a:pPr>
                       <a:r>
-                        <a:rPr sz="1200" lang="en-US">
+                        <a:rPr lang="en-US" sz="1200">
                           <a:effectLst/>
                         </a:rPr>
                         <a:t>10</a:t>
                       </a:r>
-                      <a:endParaRPr sz="1100" lang="en-US">
+                      <a:endParaRPr lang="en-US" sz="1100">
                         <a:effectLst/>
                         <a:latin typeface="Times New Roman" panose="02020603050405020304" pitchFamily="18" charset="0"/>
                         <a:ea typeface="Times New Roman" panose="02020603050405020304" pitchFamily="18" charset="0"/>
@@ -8791,6 +8745,7 @@
                 <a:tc>
                   <a:txBody>
                     <a:bodyPr/>
+                    <a:lstStyle/>
                     <a:p>
                       <a:pPr marL="0" marR="0">
                         <a:lnSpc>
@@ -8804,12 +8759,12 @@
                         </a:spcAft>
                       </a:pPr>
                       <a:r>
-                        <a:rPr sz="1200" lang="en-US">
+                        <a:rPr lang="en-US" sz="1200" dirty="0">
                           <a:effectLst/>
                         </a:rPr>
                         <a:t>Not null</a:t>
                       </a:r>
-                      <a:endParaRPr sz="1100" lang="en-US">
+                      <a:endParaRPr lang="en-US" sz="1100" dirty="0">
                         <a:effectLst/>
                         <a:latin typeface="Times New Roman" panose="02020603050405020304" pitchFamily="18" charset="0"/>
                         <a:ea typeface="Times New Roman" panose="02020603050405020304" pitchFamily="18" charset="0"/>
@@ -8836,7 +8791,7 @@
   <p:cSld>
     <p:spTree>
       <p:nvGrpSpPr>
-        <p:cNvPr id="66" name=""/>
+        <p:cNvPr id="1" name=""/>
         <p:cNvGrpSpPr/>
         <p:nvPr/>
       </p:nvGrpSpPr>
@@ -8861,23 +8816,32 @@
         <p:spPr/>
         <p:txBody>
           <a:bodyPr/>
-          <a:p>
-            <a:r>
-              <a:rPr b="1" dirty="0" sz="1800" lang="en-US">
+          <a:lstStyle/>
+          <a:p>
+            <a:r>
+              <a:rPr lang="en-US" sz="1800" b="1" dirty="0">
                 <a:effectLst/>
                 <a:latin typeface="Times New Roman" panose="02020603050405020304" pitchFamily="18" charset="0"/>
                 <a:ea typeface="Times New Roman" panose="02020603050405020304" pitchFamily="18" charset="0"/>
               </a:rPr>
               <a:t>TABLE NAME: GOODS</a:t>
             </a:r>
+            <a:r>
+              <a:rPr lang="en-US" sz="1800" dirty="0">
+                <a:effectLst/>
+                <a:latin typeface="Times New Roman" panose="02020603050405020304" pitchFamily="18" charset="0"/>
+                <a:ea typeface="Times New Roman" panose="02020603050405020304" pitchFamily="18" charset="0"/>
+              </a:rPr>
+              <a:t/>
+            </a:r>
             <a:br>
-              <a:rPr dirty="0" sz="1800" lang="en-US">
+              <a:rPr lang="en-US" sz="1800" dirty="0">
                 <a:effectLst/>
                 <a:latin typeface="Times New Roman" panose="02020603050405020304" pitchFamily="18" charset="0"/>
                 <a:ea typeface="Times New Roman" panose="02020603050405020304" pitchFamily="18" charset="0"/>
               </a:rPr>
             </a:br>
-            <a:endParaRPr dirty="0" lang="en-US"/>
+            <a:endParaRPr lang="en-US" dirty="0"/>
           </a:p>
         </p:txBody>
       </p:sp>
@@ -8893,7 +8857,7 @@
         </p:nvGraphicFramePr>
         <p:xfrm>
           <a:off x="1755058" y="2993923"/>
-          <a:ext cx="7274642" cy="2790480"/>
+          <a:ext cx="7274642" cy="1953336"/>
         </p:xfrm>
         <a:graphic>
           <a:graphicData uri="http://schemas.openxmlformats.org/drawingml/2006/table">
@@ -8911,6 +8875,7 @@
                 <a:tc>
                   <a:txBody>
                     <a:bodyPr/>
+                    <a:lstStyle/>
                     <a:p>
                       <a:pPr marL="0" marR="0">
                         <a:lnSpc>
@@ -8924,12 +8889,12 @@
                         </a:spcAft>
                       </a:pPr>
                       <a:r>
-                        <a:rPr sz="1200" lang="en-US">
+                        <a:rPr lang="en-US" sz="1200" dirty="0">
                           <a:effectLst/>
                         </a:rPr>
                         <a:t>FIELD </a:t>
                       </a:r>
-                      <a:endParaRPr sz="1100" lang="en-US">
+                      <a:endParaRPr lang="en-US" sz="1100" dirty="0">
                         <a:effectLst/>
                         <a:latin typeface="Times New Roman" panose="02020603050405020304" pitchFamily="18" charset="0"/>
                         <a:ea typeface="Times New Roman" panose="02020603050405020304" pitchFamily="18" charset="0"/>
@@ -8941,6 +8906,7 @@
                 <a:tc>
                   <a:txBody>
                     <a:bodyPr/>
+                    <a:lstStyle/>
                     <a:p>
                       <a:pPr marL="0" marR="0">
                         <a:lnSpc>
@@ -8954,12 +8920,12 @@
                         </a:spcAft>
                       </a:pPr>
                       <a:r>
-                        <a:rPr sz="1200" lang="en-US">
+                        <a:rPr lang="en-US" sz="1200">
                           <a:effectLst/>
                         </a:rPr>
                         <a:t>DATA TYPE</a:t>
                       </a:r>
-                      <a:endParaRPr sz="1100" lang="en-US">
+                      <a:endParaRPr lang="en-US" sz="1100">
                         <a:effectLst/>
                         <a:latin typeface="Times New Roman" panose="02020603050405020304" pitchFamily="18" charset="0"/>
                         <a:ea typeface="Times New Roman" panose="02020603050405020304" pitchFamily="18" charset="0"/>
@@ -8971,6 +8937,7 @@
                 <a:tc>
                   <a:txBody>
                     <a:bodyPr/>
+                    <a:lstStyle/>
                     <a:p>
                       <a:pPr marL="0" marR="0">
                         <a:lnSpc>
@@ -8984,12 +8951,12 @@
                         </a:spcAft>
                       </a:pPr>
                       <a:r>
-                        <a:rPr sz="1200" lang="en-US">
+                        <a:rPr lang="en-US" sz="1200">
                           <a:effectLst/>
                         </a:rPr>
                         <a:t>SIZE</a:t>
                       </a:r>
-                      <a:endParaRPr sz="1100" lang="en-US">
+                      <a:endParaRPr lang="en-US" sz="1100">
                         <a:effectLst/>
                         <a:latin typeface="Times New Roman" panose="02020603050405020304" pitchFamily="18" charset="0"/>
                         <a:ea typeface="Times New Roman" panose="02020603050405020304" pitchFamily="18" charset="0"/>
@@ -9001,6 +8968,7 @@
                 <a:tc>
                   <a:txBody>
                     <a:bodyPr/>
+                    <a:lstStyle/>
                     <a:p>
                       <a:pPr marL="0" marR="0">
                         <a:lnSpc>
@@ -9014,12 +8982,12 @@
                         </a:spcAft>
                       </a:pPr>
                       <a:r>
-                        <a:rPr sz="1200" lang="en-US">
+                        <a:rPr lang="en-US" sz="1200">
                           <a:effectLst/>
                         </a:rPr>
                         <a:t>CONSTRAINT</a:t>
                       </a:r>
-                      <a:endParaRPr sz="1100" lang="en-US">
+                      <a:endParaRPr lang="en-US" sz="1100">
                         <a:effectLst/>
                         <a:latin typeface="Times New Roman" panose="02020603050405020304" pitchFamily="18" charset="0"/>
                         <a:ea typeface="Times New Roman" panose="02020603050405020304" pitchFamily="18" charset="0"/>
@@ -9033,6 +9001,7 @@
                 <a:tc>
                   <a:txBody>
                     <a:bodyPr/>
+                    <a:lstStyle/>
                     <a:p>
                       <a:pPr marL="0" marR="0">
                         <a:lnSpc>
@@ -9046,12 +9015,12 @@
                         </a:spcAft>
                       </a:pPr>
                       <a:r>
-                        <a:rPr sz="1200" lang="en-US">
+                        <a:rPr lang="en-US" sz="1200" dirty="0">
                           <a:effectLst/>
                         </a:rPr>
                         <a:t>Goods id</a:t>
                       </a:r>
-                      <a:endParaRPr sz="1100" lang="en-US">
+                      <a:endParaRPr lang="en-US" sz="1100" dirty="0">
                         <a:effectLst/>
                         <a:latin typeface="Times New Roman" panose="02020603050405020304" pitchFamily="18" charset="0"/>
                         <a:ea typeface="Times New Roman" panose="02020603050405020304" pitchFamily="18" charset="0"/>
@@ -9063,6 +9032,7 @@
                 <a:tc>
                   <a:txBody>
                     <a:bodyPr/>
+                    <a:lstStyle/>
                     <a:p>
                       <a:pPr marL="0" marR="0">
                         <a:lnSpc>
@@ -9076,12 +9046,12 @@
                         </a:spcAft>
                       </a:pPr>
                       <a:r>
-                        <a:rPr sz="1200" lang="en-US">
+                        <a:rPr lang="en-US" sz="1200" dirty="0" err="1">
                           <a:effectLst/>
                         </a:rPr>
                         <a:t>Int</a:t>
                       </a:r>
-                      <a:endParaRPr sz="1100" lang="en-US">
+                      <a:endParaRPr lang="en-US" sz="1100" dirty="0">
                         <a:effectLst/>
                         <a:latin typeface="Times New Roman" panose="02020603050405020304" pitchFamily="18" charset="0"/>
                         <a:ea typeface="Times New Roman" panose="02020603050405020304" pitchFamily="18" charset="0"/>
@@ -9093,6 +9063,7 @@
                 <a:tc>
                   <a:txBody>
                     <a:bodyPr/>
+                    <a:lstStyle/>
                     <a:p>
                       <a:pPr marL="0" marR="0">
                         <a:lnSpc>
@@ -9106,12 +9077,12 @@
                         </a:spcAft>
                       </a:pPr>
                       <a:r>
-                        <a:rPr sz="1200" lang="en-US">
+                        <a:rPr lang="en-US" sz="1200">
                           <a:effectLst/>
                         </a:rPr>
                         <a:t>10</a:t>
                       </a:r>
-                      <a:endParaRPr sz="1100" lang="en-US">
+                      <a:endParaRPr lang="en-US" sz="1100">
                         <a:effectLst/>
                         <a:latin typeface="Times New Roman" panose="02020603050405020304" pitchFamily="18" charset="0"/>
                         <a:ea typeface="Times New Roman" panose="02020603050405020304" pitchFamily="18" charset="0"/>
@@ -9123,6 +9094,7 @@
                 <a:tc>
                   <a:txBody>
                     <a:bodyPr/>
+                    <a:lstStyle/>
                     <a:p>
                       <a:pPr marL="0" marR="0">
                         <a:lnSpc>
@@ -9136,12 +9108,12 @@
                         </a:spcAft>
                       </a:pPr>
                       <a:r>
-                        <a:rPr sz="1200" lang="en-US">
+                        <a:rPr lang="en-US" sz="1200">
                           <a:effectLst/>
                         </a:rPr>
                         <a:t>Primary key</a:t>
                       </a:r>
-                      <a:endParaRPr sz="1100" lang="en-US">
+                      <a:endParaRPr lang="en-US" sz="1100">
                         <a:effectLst/>
                         <a:latin typeface="Times New Roman" panose="02020603050405020304" pitchFamily="18" charset="0"/>
                         <a:ea typeface="Times New Roman" panose="02020603050405020304" pitchFamily="18" charset="0"/>
@@ -9155,6 +9127,7 @@
                 <a:tc>
                   <a:txBody>
                     <a:bodyPr/>
+                    <a:lstStyle/>
                     <a:p>
                       <a:pPr marL="0" marR="0">
                         <a:lnSpc>
@@ -9168,70 +9141,14 @@
                         </a:spcAft>
                       </a:pPr>
                       <a:r>
-                        <a:rPr sz="1200" lang="en-US">
+                        <a:rPr lang="en-US" sz="1200">
                           <a:effectLst/>
                           <a:latin typeface="Times New Roman" panose="02020603050405020304" pitchFamily="18" charset="0"/>
                           <a:ea typeface="Times New Roman" panose="02020603050405020304" pitchFamily="18" charset="0"/>
                         </a:rPr>
-                        <a:t>V</a:t>
+                        <a:t>Vehicle id</a:t>
                       </a:r>
-                      <a:r>
-                        <a:rPr sz="1200" lang="en-US">
-                          <a:effectLst/>
-                          <a:latin typeface="Times New Roman" panose="02020603050405020304" pitchFamily="18" charset="0"/>
-                          <a:ea typeface="Times New Roman" panose="02020603050405020304" pitchFamily="18" charset="0"/>
-                        </a:rPr>
-                        <a:t>e</a:t>
-                      </a:r>
-                      <a:r>
-                        <a:rPr sz="1200" lang="en-US">
-                          <a:effectLst/>
-                          <a:latin typeface="Times New Roman" panose="02020603050405020304" pitchFamily="18" charset="0"/>
-                          <a:ea typeface="Times New Roman" panose="02020603050405020304" pitchFamily="18" charset="0"/>
-                        </a:rPr>
-                        <a:t>h</a:t>
-                      </a:r>
-                      <a:r>
-                        <a:rPr sz="1200" lang="en-US">
-                          <a:effectLst/>
-                          <a:latin typeface="Times New Roman" panose="02020603050405020304" pitchFamily="18" charset="0"/>
-                          <a:ea typeface="Times New Roman" panose="02020603050405020304" pitchFamily="18" charset="0"/>
-                        </a:rPr>
-                        <a:t>i</a:t>
-                      </a:r>
-                      <a:r>
-                        <a:rPr sz="1200" lang="en-US">
-                          <a:effectLst/>
-                          <a:latin typeface="Times New Roman" panose="02020603050405020304" pitchFamily="18" charset="0"/>
-                          <a:ea typeface="Times New Roman" panose="02020603050405020304" pitchFamily="18" charset="0"/>
-                        </a:rPr>
-                        <a:t>cle</a:t>
-                      </a:r>
-                      <a:r>
-                        <a:rPr sz="1200" lang="en-US">
-                          <a:effectLst/>
-                          <a:latin typeface="Times New Roman" panose="02020603050405020304" pitchFamily="18" charset="0"/>
-                          <a:ea typeface="Times New Roman" panose="02020603050405020304" pitchFamily="18" charset="0"/>
-                        </a:rPr>
-                        <a:t> </a:t>
-                      </a:r>
-                      <a:r>
-                        <a:rPr sz="1200" lang="en-US">
-                          <a:effectLst/>
-                          <a:latin typeface="Times New Roman" panose="02020603050405020304" pitchFamily="18" charset="0"/>
-                          <a:ea typeface="Times New Roman" panose="02020603050405020304" pitchFamily="18" charset="0"/>
-                        </a:rPr>
-                        <a:t>i</a:t>
-                      </a:r>
-                      <a:r>
-                        <a:rPr sz="1200" lang="en-US">
-                          <a:effectLst/>
-                          <a:latin typeface="Times New Roman" panose="02020603050405020304" pitchFamily="18" charset="0"/>
-                          <a:ea typeface="Times New Roman" panose="02020603050405020304" pitchFamily="18" charset="0"/>
-                        </a:rPr>
-                        <a:t>d</a:t>
-                      </a:r>
-                      <a:endParaRPr sz="1100" lang="en-US">
+                      <a:endParaRPr lang="en-US" sz="1100">
                         <a:effectLst/>
                         <a:latin typeface="Times New Roman" panose="02020603050405020304" pitchFamily="18" charset="0"/>
                         <a:ea typeface="Times New Roman" panose="02020603050405020304" pitchFamily="18" charset="0"/>
@@ -9243,6 +9160,7 @@
                 <a:tc>
                   <a:txBody>
                     <a:bodyPr/>
+                    <a:lstStyle/>
                     <a:p>
                       <a:pPr marL="0" marR="0">
                         <a:lnSpc>
@@ -9256,12 +9174,12 @@
                         </a:spcAft>
                       </a:pPr>
                       <a:r>
-                        <a:rPr sz="1200" lang="en-US">
+                        <a:rPr lang="en-US" sz="1200" dirty="0" err="1">
                           <a:effectLst/>
                         </a:rPr>
                         <a:t>Int</a:t>
                       </a:r>
-                      <a:endParaRPr sz="1100" lang="en-US">
+                      <a:endParaRPr lang="en-US" sz="1100" dirty="0">
                         <a:effectLst/>
                         <a:latin typeface="Times New Roman" panose="02020603050405020304" pitchFamily="18" charset="0"/>
                         <a:ea typeface="Times New Roman" panose="02020603050405020304" pitchFamily="18" charset="0"/>
@@ -9273,6 +9191,7 @@
                 <a:tc>
                   <a:txBody>
                     <a:bodyPr/>
+                    <a:lstStyle/>
                     <a:p>
                       <a:pPr marL="0" marR="0">
                         <a:lnSpc>
@@ -9286,12 +9205,12 @@
                         </a:spcAft>
                       </a:pPr>
                       <a:r>
-                        <a:rPr sz="1200" lang="en-US">
+                        <a:rPr lang="en-US" sz="1200" dirty="0">
                           <a:effectLst/>
                         </a:rPr>
                         <a:t>10</a:t>
                       </a:r>
-                      <a:endParaRPr sz="1100" lang="en-US">
+                      <a:endParaRPr lang="en-US" sz="1100" dirty="0">
                         <a:effectLst/>
                         <a:latin typeface="Times New Roman" panose="02020603050405020304" pitchFamily="18" charset="0"/>
                         <a:ea typeface="Times New Roman" panose="02020603050405020304" pitchFamily="18" charset="0"/>
@@ -9303,6 +9222,7 @@
                 <a:tc>
                   <a:txBody>
                     <a:bodyPr/>
+                    <a:lstStyle/>
                     <a:p>
                       <a:pPr marL="0" marR="0">
                         <a:lnSpc>
@@ -9316,12 +9236,12 @@
                         </a:spcAft>
                       </a:pPr>
                       <a:r>
-                        <a:rPr sz="1200" lang="en-US">
+                        <a:rPr lang="en-US" sz="1200">
                           <a:effectLst/>
                         </a:rPr>
                         <a:t>Foreign key</a:t>
                       </a:r>
-                      <a:endParaRPr sz="1100" lang="en-US">
+                      <a:endParaRPr lang="en-US" sz="1100">
                         <a:effectLst/>
                         <a:latin typeface="Times New Roman" panose="02020603050405020304" pitchFamily="18" charset="0"/>
                         <a:ea typeface="Times New Roman" panose="02020603050405020304" pitchFamily="18" charset="0"/>
@@ -9335,6 +9255,7 @@
                 <a:tc>
                   <a:txBody>
                     <a:bodyPr/>
+                    <a:lstStyle/>
                     <a:p>
                       <a:pPr marL="0" marR="0">
                         <a:lnSpc>
@@ -9348,12 +9269,12 @@
                         </a:spcAft>
                       </a:pPr>
                       <a:r>
-                        <a:rPr sz="1200" lang="en-US">
+                        <a:rPr lang="en-US" sz="1200">
                           <a:effectLst/>
                         </a:rPr>
                         <a:t>Driver id</a:t>
                       </a:r>
-                      <a:endParaRPr sz="1100" lang="en-US">
+                      <a:endParaRPr lang="en-US" sz="1100">
                         <a:effectLst/>
                         <a:latin typeface="Times New Roman" panose="02020603050405020304" pitchFamily="18" charset="0"/>
                         <a:ea typeface="Times New Roman" panose="02020603050405020304" pitchFamily="18" charset="0"/>
@@ -9365,6 +9286,7 @@
                 <a:tc>
                   <a:txBody>
                     <a:bodyPr/>
+                    <a:lstStyle/>
                     <a:p>
                       <a:pPr marL="0" marR="0">
                         <a:lnSpc>
@@ -9378,12 +9300,12 @@
                         </a:spcAft>
                       </a:pPr>
                       <a:r>
-                        <a:rPr sz="1200" lang="en-US">
+                        <a:rPr lang="en-US" sz="1200">
                           <a:effectLst/>
                         </a:rPr>
                         <a:t>Int</a:t>
                       </a:r>
-                      <a:endParaRPr sz="1100" lang="en-US">
+                      <a:endParaRPr lang="en-US" sz="1100">
                         <a:effectLst/>
                         <a:latin typeface="Times New Roman" panose="02020603050405020304" pitchFamily="18" charset="0"/>
                         <a:ea typeface="Times New Roman" panose="02020603050405020304" pitchFamily="18" charset="0"/>
@@ -9395,6 +9317,7 @@
                 <a:tc>
                   <a:txBody>
                     <a:bodyPr/>
+                    <a:lstStyle/>
                     <a:p>
                       <a:pPr marL="0" marR="0">
                         <a:lnSpc>
@@ -9408,12 +9331,12 @@
                         </a:spcAft>
                       </a:pPr>
                       <a:r>
-                        <a:rPr sz="1200" lang="en-US">
+                        <a:rPr lang="en-US" sz="1200" dirty="0">
                           <a:effectLst/>
                         </a:rPr>
                         <a:t>10</a:t>
                       </a:r>
-                      <a:endParaRPr sz="1100" lang="en-US">
+                      <a:endParaRPr lang="en-US" sz="1100" dirty="0">
                         <a:effectLst/>
                         <a:latin typeface="Times New Roman" panose="02020603050405020304" pitchFamily="18" charset="0"/>
                         <a:ea typeface="Times New Roman" panose="02020603050405020304" pitchFamily="18" charset="0"/>
@@ -9425,6 +9348,7 @@
                 <a:tc>
                   <a:txBody>
                     <a:bodyPr/>
+                    <a:lstStyle/>
                     <a:p>
                       <a:pPr marL="0" marR="0">
                         <a:lnSpc>
@@ -9438,12 +9362,12 @@
                         </a:spcAft>
                       </a:pPr>
                       <a:r>
-                        <a:rPr sz="1200" lang="en-US">
+                        <a:rPr lang="en-US" sz="1200">
                           <a:effectLst/>
                         </a:rPr>
                         <a:t>Foreign key</a:t>
                       </a:r>
-                      <a:endParaRPr sz="1100" lang="en-US">
+                      <a:endParaRPr lang="en-US" sz="1100">
                         <a:effectLst/>
                         <a:latin typeface="Times New Roman" panose="02020603050405020304" pitchFamily="18" charset="0"/>
                         <a:ea typeface="Times New Roman" panose="02020603050405020304" pitchFamily="18" charset="0"/>
@@ -9457,6 +9381,7 @@
                 <a:tc>
                   <a:txBody>
                     <a:bodyPr/>
+                    <a:lstStyle/>
                     <a:p>
                       <a:pPr marL="0" marR="0">
                         <a:lnSpc>
@@ -9470,12 +9395,12 @@
                         </a:spcAft>
                       </a:pPr>
                       <a:r>
-                        <a:rPr sz="1200" lang="en-US">
+                        <a:rPr lang="en-US" sz="1200">
                           <a:effectLst/>
                         </a:rPr>
                         <a:t>From</a:t>
                       </a:r>
-                      <a:endParaRPr sz="1100" lang="en-US">
+                      <a:endParaRPr lang="en-US" sz="1100">
                         <a:effectLst/>
                         <a:latin typeface="Times New Roman" panose="02020603050405020304" pitchFamily="18" charset="0"/>
                         <a:ea typeface="Times New Roman" panose="02020603050405020304" pitchFamily="18" charset="0"/>
@@ -9487,6 +9412,7 @@
                 <a:tc>
                   <a:txBody>
                     <a:bodyPr/>
+                    <a:lstStyle/>
                     <a:p>
                       <a:pPr marL="0" marR="0">
                         <a:lnSpc>
@@ -9500,12 +9426,12 @@
                         </a:spcAft>
                       </a:pPr>
                       <a:r>
-                        <a:rPr sz="1200" lang="en-US">
+                        <a:rPr lang="en-US" sz="1200">
                           <a:effectLst/>
                         </a:rPr>
                         <a:t>varchar</a:t>
                       </a:r>
-                      <a:endParaRPr sz="1100" lang="en-US">
+                      <a:endParaRPr lang="en-US" sz="1100">
                         <a:effectLst/>
                         <a:latin typeface="Times New Roman" panose="02020603050405020304" pitchFamily="18" charset="0"/>
                         <a:ea typeface="Times New Roman" panose="02020603050405020304" pitchFamily="18" charset="0"/>
@@ -9517,6 +9443,7 @@
                 <a:tc>
                   <a:txBody>
                     <a:bodyPr/>
+                    <a:lstStyle/>
                     <a:p>
                       <a:pPr marL="0" marR="0">
                         <a:lnSpc>
@@ -9530,12 +9457,12 @@
                         </a:spcAft>
                       </a:pPr>
                       <a:r>
-                        <a:rPr sz="1200" lang="en-US">
+                        <a:rPr lang="en-US" sz="1200" dirty="0">
                           <a:effectLst/>
                         </a:rPr>
                         <a:t>20</a:t>
                       </a:r>
-                      <a:endParaRPr sz="1100" lang="en-US">
+                      <a:endParaRPr lang="en-US" sz="1100" dirty="0">
                         <a:effectLst/>
                         <a:latin typeface="Times New Roman" panose="02020603050405020304" pitchFamily="18" charset="0"/>
                         <a:ea typeface="Times New Roman" panose="02020603050405020304" pitchFamily="18" charset="0"/>
@@ -9547,6 +9474,7 @@
                 <a:tc>
                   <a:txBody>
                     <a:bodyPr/>
+                    <a:lstStyle/>
                     <a:p>
                       <a:pPr marL="0" marR="0">
                         <a:lnSpc>
@@ -9560,12 +9488,12 @@
                         </a:spcAft>
                       </a:pPr>
                       <a:r>
-                        <a:rPr sz="1200" lang="en-US">
+                        <a:rPr lang="en-US" sz="1200">
                           <a:effectLst/>
                         </a:rPr>
                         <a:t>Not null</a:t>
                       </a:r>
-                      <a:endParaRPr sz="1100" lang="en-US">
+                      <a:endParaRPr lang="en-US" sz="1100">
                         <a:effectLst/>
                         <a:latin typeface="Times New Roman" panose="02020603050405020304" pitchFamily="18" charset="0"/>
                         <a:ea typeface="Times New Roman" panose="02020603050405020304" pitchFamily="18" charset="0"/>
@@ -9579,6 +9507,7 @@
                 <a:tc>
                   <a:txBody>
                     <a:bodyPr/>
+                    <a:lstStyle/>
                     <a:p>
                       <a:pPr marL="0" marR="0">
                         <a:lnSpc>
@@ -9592,12 +9521,12 @@
                         </a:spcAft>
                       </a:pPr>
                       <a:r>
-                        <a:rPr sz="1200" lang="en-US">
+                        <a:rPr lang="en-US" sz="1200">
                           <a:effectLst/>
                         </a:rPr>
                         <a:t>To</a:t>
                       </a:r>
-                      <a:endParaRPr sz="1100" lang="en-US">
+                      <a:endParaRPr lang="en-US" sz="1100">
                         <a:effectLst/>
                         <a:latin typeface="Times New Roman" panose="02020603050405020304" pitchFamily="18" charset="0"/>
                         <a:ea typeface="Times New Roman" panose="02020603050405020304" pitchFamily="18" charset="0"/>
@@ -9609,6 +9538,7 @@
                 <a:tc>
                   <a:txBody>
                     <a:bodyPr/>
+                    <a:lstStyle/>
                     <a:p>
                       <a:pPr marL="0" marR="0">
                         <a:lnSpc>
@@ -9622,12 +9552,12 @@
                         </a:spcAft>
                       </a:pPr>
                       <a:r>
-                        <a:rPr sz="1200" lang="en-US">
+                        <a:rPr lang="en-US" sz="1200">
                           <a:effectLst/>
                         </a:rPr>
                         <a:t>varchar</a:t>
                       </a:r>
-                      <a:endParaRPr sz="1100" lang="en-US">
+                      <a:endParaRPr lang="en-US" sz="1100">
                         <a:effectLst/>
                         <a:latin typeface="Times New Roman" panose="02020603050405020304" pitchFamily="18" charset="0"/>
                         <a:ea typeface="Times New Roman" panose="02020603050405020304" pitchFamily="18" charset="0"/>
@@ -9639,6 +9569,7 @@
                 <a:tc>
                   <a:txBody>
                     <a:bodyPr/>
+                    <a:lstStyle/>
                     <a:p>
                       <a:pPr marL="0" marR="0">
                         <a:lnSpc>
@@ -9652,12 +9583,12 @@
                         </a:spcAft>
                       </a:pPr>
                       <a:r>
-                        <a:rPr sz="1200" lang="en-US">
+                        <a:rPr lang="en-US" sz="1200">
                           <a:effectLst/>
                         </a:rPr>
                         <a:t>20</a:t>
                       </a:r>
-                      <a:endParaRPr sz="1100" lang="en-US">
+                      <a:endParaRPr lang="en-US" sz="1100">
                         <a:effectLst/>
                         <a:latin typeface="Times New Roman" panose="02020603050405020304" pitchFamily="18" charset="0"/>
                         <a:ea typeface="Times New Roman" panose="02020603050405020304" pitchFamily="18" charset="0"/>
@@ -9669,6 +9600,7 @@
                 <a:tc>
                   <a:txBody>
                     <a:bodyPr/>
+                    <a:lstStyle/>
                     <a:p>
                       <a:pPr marL="0" marR="0">
                         <a:lnSpc>
@@ -9682,12 +9614,12 @@
                         </a:spcAft>
                       </a:pPr>
                       <a:r>
-                        <a:rPr sz="1200" lang="en-US">
+                        <a:rPr lang="en-US" sz="1200" dirty="0">
                           <a:effectLst/>
                         </a:rPr>
                         <a:t>Not null</a:t>
                       </a:r>
-                      <a:endParaRPr sz="1100" lang="en-US">
+                      <a:endParaRPr lang="en-US" sz="1100" dirty="0">
                         <a:effectLst/>
                         <a:latin typeface="Times New Roman" panose="02020603050405020304" pitchFamily="18" charset="0"/>
                         <a:ea typeface="Times New Roman" panose="02020603050405020304" pitchFamily="18" charset="0"/>
@@ -9701,6 +9633,7 @@
                 <a:tc>
                   <a:txBody>
                     <a:bodyPr/>
+                    <a:lstStyle/>
                     <a:p>
                       <a:pPr marL="0" marR="0">
                         <a:lnSpc>
@@ -9714,12 +9647,12 @@
                         </a:spcAft>
                       </a:pPr>
                       <a:r>
-                        <a:rPr sz="1200" lang="en-US">
+                        <a:rPr lang="en-US" sz="1200">
                           <a:effectLst/>
                         </a:rPr>
                         <a:t>Goods name</a:t>
                       </a:r>
-                      <a:endParaRPr sz="1100" lang="en-US">
+                      <a:endParaRPr lang="en-US" sz="1100">
                         <a:effectLst/>
                         <a:latin typeface="Times New Roman" panose="02020603050405020304" pitchFamily="18" charset="0"/>
                         <a:ea typeface="Times New Roman" panose="02020603050405020304" pitchFamily="18" charset="0"/>
@@ -9731,6 +9664,7 @@
                 <a:tc>
                   <a:txBody>
                     <a:bodyPr/>
+                    <a:lstStyle/>
                     <a:p>
                       <a:pPr marL="0" marR="0">
                         <a:lnSpc>
@@ -9744,12 +9678,12 @@
                         </a:spcAft>
                       </a:pPr>
                       <a:r>
-                        <a:rPr sz="1200" lang="en-US">
+                        <a:rPr lang="en-US" sz="1200">
                           <a:effectLst/>
                         </a:rPr>
                         <a:t>varchar</a:t>
                       </a:r>
-                      <a:endParaRPr sz="1100" lang="en-US">
+                      <a:endParaRPr lang="en-US" sz="1100">
                         <a:effectLst/>
                         <a:latin typeface="Times New Roman" panose="02020603050405020304" pitchFamily="18" charset="0"/>
                         <a:ea typeface="Times New Roman" panose="02020603050405020304" pitchFamily="18" charset="0"/>
@@ -9761,6 +9695,7 @@
                 <a:tc>
                   <a:txBody>
                     <a:bodyPr/>
+                    <a:lstStyle/>
                     <a:p>
                       <a:pPr marL="0" marR="0">
                         <a:lnSpc>
@@ -9774,12 +9709,12 @@
                         </a:spcAft>
                       </a:pPr>
                       <a:r>
-                        <a:rPr sz="1200" lang="en-US">
+                        <a:rPr lang="en-US" sz="1200">
                           <a:effectLst/>
                         </a:rPr>
                         <a:t>20</a:t>
                       </a:r>
-                      <a:endParaRPr sz="1100" lang="en-US">
+                      <a:endParaRPr lang="en-US" sz="1100">
                         <a:effectLst/>
                         <a:latin typeface="Times New Roman" panose="02020603050405020304" pitchFamily="18" charset="0"/>
                         <a:ea typeface="Times New Roman" panose="02020603050405020304" pitchFamily="18" charset="0"/>
@@ -9791,6 +9726,7 @@
                 <a:tc>
                   <a:txBody>
                     <a:bodyPr/>
+                    <a:lstStyle/>
                     <a:p>
                       <a:pPr marL="0" marR="0">
                         <a:lnSpc>
@@ -9804,12 +9740,12 @@
                         </a:spcAft>
                       </a:pPr>
                       <a:r>
-                        <a:rPr sz="1200" lang="en-US">
+                        <a:rPr lang="en-US" sz="1200" dirty="0">
                           <a:effectLst/>
                         </a:rPr>
                         <a:t>Not null</a:t>
                       </a:r>
-                      <a:endParaRPr sz="1100" lang="en-US">
+                      <a:endParaRPr lang="en-US" sz="1100" dirty="0">
                         <a:effectLst/>
                         <a:latin typeface="Times New Roman" panose="02020603050405020304" pitchFamily="18" charset="0"/>
                         <a:ea typeface="Times New Roman" panose="02020603050405020304" pitchFamily="18" charset="0"/>
@@ -9836,7 +9772,7 @@
   <p:cSld>
     <p:spTree>
       <p:nvGrpSpPr>
-        <p:cNvPr id="67" name=""/>
+        <p:cNvPr id="1" name=""/>
         <p:cNvGrpSpPr/>
         <p:nvPr/>
       </p:nvGrpSpPr>
@@ -9861,23 +9797,32 @@
         <p:spPr/>
         <p:txBody>
           <a:bodyPr/>
-          <a:p>
-            <a:r>
-              <a:rPr b="1" dirty="0" sz="1800" lang="en-US">
+          <a:lstStyle/>
+          <a:p>
+            <a:r>
+              <a:rPr lang="en-US" sz="1800" b="1" dirty="0">
                 <a:effectLst/>
                 <a:latin typeface="Times New Roman" panose="02020603050405020304" pitchFamily="18" charset="0"/>
                 <a:ea typeface="Times New Roman" panose="02020603050405020304" pitchFamily="18" charset="0"/>
               </a:rPr>
               <a:t>TABLE NAME: BILLING</a:t>
             </a:r>
+            <a:r>
+              <a:rPr lang="en-US" sz="1800" dirty="0">
+                <a:effectLst/>
+                <a:latin typeface="Times New Roman" panose="02020603050405020304" pitchFamily="18" charset="0"/>
+                <a:ea typeface="Times New Roman" panose="02020603050405020304" pitchFamily="18" charset="0"/>
+              </a:rPr>
+              <a:t/>
+            </a:r>
             <a:br>
-              <a:rPr dirty="0" sz="1800" lang="en-US">
+              <a:rPr lang="en-US" sz="1800" dirty="0">
                 <a:effectLst/>
                 <a:latin typeface="Times New Roman" panose="02020603050405020304" pitchFamily="18" charset="0"/>
                 <a:ea typeface="Times New Roman" panose="02020603050405020304" pitchFamily="18" charset="0"/>
               </a:rPr>
             </a:br>
-            <a:endParaRPr dirty="0" lang="en-US"/>
+            <a:endParaRPr lang="en-US" dirty="0"/>
           </a:p>
         </p:txBody>
       </p:sp>
@@ -9911,6 +9856,7 @@
                 <a:tc>
                   <a:txBody>
                     <a:bodyPr/>
+                    <a:lstStyle/>
                     <a:p>
                       <a:pPr marL="0" marR="0">
                         <a:lnSpc>
@@ -9924,12 +9870,12 @@
                         </a:spcAft>
                       </a:pPr>
                       <a:r>
-                        <a:rPr sz="1200" lang="en-US">
+                        <a:rPr lang="en-US" sz="1200" dirty="0">
                           <a:effectLst/>
                         </a:rPr>
                         <a:t>FIELD </a:t>
                       </a:r>
-                      <a:endParaRPr sz="1100" lang="en-US">
+                      <a:endParaRPr lang="en-US" sz="1100" dirty="0">
                         <a:effectLst/>
                         <a:latin typeface="Times New Roman" panose="02020603050405020304" pitchFamily="18" charset="0"/>
                         <a:ea typeface="Times New Roman" panose="02020603050405020304" pitchFamily="18" charset="0"/>
@@ -9941,6 +9887,7 @@
                 <a:tc>
                   <a:txBody>
                     <a:bodyPr/>
+                    <a:lstStyle/>
                     <a:p>
                       <a:pPr marL="0" marR="0">
                         <a:lnSpc>
@@ -9954,12 +9901,12 @@
                         </a:spcAft>
                       </a:pPr>
                       <a:r>
-                        <a:rPr sz="1200" lang="en-US">
+                        <a:rPr lang="en-US" sz="1200">
                           <a:effectLst/>
                         </a:rPr>
                         <a:t>DATA TYPE</a:t>
                       </a:r>
-                      <a:endParaRPr sz="1100" lang="en-US">
+                      <a:endParaRPr lang="en-US" sz="1100">
                         <a:effectLst/>
                         <a:latin typeface="Times New Roman" panose="02020603050405020304" pitchFamily="18" charset="0"/>
                         <a:ea typeface="Times New Roman" panose="02020603050405020304" pitchFamily="18" charset="0"/>
@@ -9971,6 +9918,7 @@
                 <a:tc>
                   <a:txBody>
                     <a:bodyPr/>
+                    <a:lstStyle/>
                     <a:p>
                       <a:pPr marL="0" marR="0">
                         <a:lnSpc>
@@ -9984,12 +9932,12 @@
                         </a:spcAft>
                       </a:pPr>
                       <a:r>
-                        <a:rPr sz="1200" lang="en-US">
+                        <a:rPr lang="en-US" sz="1200">
                           <a:effectLst/>
                         </a:rPr>
                         <a:t>SIZE</a:t>
                       </a:r>
-                      <a:endParaRPr sz="1100" lang="en-US">
+                      <a:endParaRPr lang="en-US" sz="1100">
                         <a:effectLst/>
                         <a:latin typeface="Times New Roman" panose="02020603050405020304" pitchFamily="18" charset="0"/>
                         <a:ea typeface="Times New Roman" panose="02020603050405020304" pitchFamily="18" charset="0"/>
@@ -10001,6 +9949,7 @@
                 <a:tc>
                   <a:txBody>
                     <a:bodyPr/>
+                    <a:lstStyle/>
                     <a:p>
                       <a:pPr marL="0" marR="0">
                         <a:lnSpc>
@@ -10014,12 +9963,12 @@
                         </a:spcAft>
                       </a:pPr>
                       <a:r>
-                        <a:rPr sz="1200" lang="en-US">
+                        <a:rPr lang="en-US" sz="1200">
                           <a:effectLst/>
                         </a:rPr>
                         <a:t>CONSTRAINT</a:t>
                       </a:r>
-                      <a:endParaRPr sz="1100" lang="en-US">
+                      <a:endParaRPr lang="en-US" sz="1100">
                         <a:effectLst/>
                         <a:latin typeface="Times New Roman" panose="02020603050405020304" pitchFamily="18" charset="0"/>
                         <a:ea typeface="Times New Roman" panose="02020603050405020304" pitchFamily="18" charset="0"/>
@@ -10033,6 +9982,7 @@
                 <a:tc>
                   <a:txBody>
                     <a:bodyPr/>
+                    <a:lstStyle/>
                     <a:p>
                       <a:pPr marL="0" marR="0">
                         <a:lnSpc>
@@ -10046,12 +9996,12 @@
                         </a:spcAft>
                       </a:pPr>
                       <a:r>
-                        <a:rPr sz="1200" lang="en-US">
+                        <a:rPr lang="en-US" sz="1200" dirty="0">
                           <a:effectLst/>
                         </a:rPr>
                         <a:t>billing id</a:t>
                       </a:r>
-                      <a:endParaRPr sz="1100" lang="en-US">
+                      <a:endParaRPr lang="en-US" sz="1100" dirty="0">
                         <a:effectLst/>
                         <a:latin typeface="Times New Roman" panose="02020603050405020304" pitchFamily="18" charset="0"/>
                         <a:ea typeface="Times New Roman" panose="02020603050405020304" pitchFamily="18" charset="0"/>
@@ -10063,6 +10013,7 @@
                 <a:tc>
                   <a:txBody>
                     <a:bodyPr/>
+                    <a:lstStyle/>
                     <a:p>
                       <a:pPr marL="0" marR="0">
                         <a:lnSpc>
@@ -10076,12 +10027,12 @@
                         </a:spcAft>
                       </a:pPr>
                       <a:r>
-                        <a:rPr sz="1200" lang="en-US">
+                        <a:rPr lang="en-US" sz="1200">
                           <a:effectLst/>
                         </a:rPr>
                         <a:t>Int</a:t>
                       </a:r>
-                      <a:endParaRPr sz="1100" lang="en-US">
+                      <a:endParaRPr lang="en-US" sz="1100">
                         <a:effectLst/>
                         <a:latin typeface="Times New Roman" panose="02020603050405020304" pitchFamily="18" charset="0"/>
                         <a:ea typeface="Times New Roman" panose="02020603050405020304" pitchFamily="18" charset="0"/>
@@ -10093,6 +10044,7 @@
                 <a:tc>
                   <a:txBody>
                     <a:bodyPr/>
+                    <a:lstStyle/>
                     <a:p>
                       <a:pPr marL="0" marR="0">
                         <a:lnSpc>
@@ -10106,12 +10058,12 @@
                         </a:spcAft>
                       </a:pPr>
                       <a:r>
-                        <a:rPr sz="1200" lang="en-US">
+                        <a:rPr lang="en-US" sz="1200">
                           <a:effectLst/>
                         </a:rPr>
                         <a:t>10</a:t>
                       </a:r>
-                      <a:endParaRPr sz="1100" lang="en-US">
+                      <a:endParaRPr lang="en-US" sz="1100">
                         <a:effectLst/>
                         <a:latin typeface="Times New Roman" panose="02020603050405020304" pitchFamily="18" charset="0"/>
                         <a:ea typeface="Times New Roman" panose="02020603050405020304" pitchFamily="18" charset="0"/>
@@ -10123,6 +10075,7 @@
                 <a:tc>
                   <a:txBody>
                     <a:bodyPr/>
+                    <a:lstStyle/>
                     <a:p>
                       <a:pPr marL="0" marR="0">
                         <a:lnSpc>
@@ -10136,12 +10089,12 @@
                         </a:spcAft>
                       </a:pPr>
                       <a:r>
-                        <a:rPr sz="1200" lang="en-US">
+                        <a:rPr lang="en-US" sz="1200">
                           <a:effectLst/>
                         </a:rPr>
                         <a:t>Primary key</a:t>
                       </a:r>
-                      <a:endParaRPr sz="1100" lang="en-US">
+                      <a:endParaRPr lang="en-US" sz="1100">
                         <a:effectLst/>
                         <a:latin typeface="Times New Roman" panose="02020603050405020304" pitchFamily="18" charset="0"/>
                         <a:ea typeface="Times New Roman" panose="02020603050405020304" pitchFamily="18" charset="0"/>
@@ -10155,6 +10108,7 @@
                 <a:tc>
                   <a:txBody>
                     <a:bodyPr/>
+                    <a:lstStyle/>
                     <a:p>
                       <a:pPr marL="0" marR="0">
                         <a:lnSpc>
@@ -10168,12 +10122,12 @@
                         </a:spcAft>
                       </a:pPr>
                       <a:r>
-                        <a:rPr sz="1200" lang="en-US">
+                        <a:rPr lang="en-US" sz="1200" dirty="0">
                           <a:effectLst/>
                         </a:rPr>
                         <a:t>Driver id</a:t>
                       </a:r>
-                      <a:endParaRPr sz="1100" lang="en-US">
+                      <a:endParaRPr lang="en-US" sz="1100" dirty="0">
                         <a:effectLst/>
                         <a:latin typeface="Times New Roman" panose="02020603050405020304" pitchFamily="18" charset="0"/>
                         <a:ea typeface="Times New Roman" panose="02020603050405020304" pitchFamily="18" charset="0"/>
@@ -10185,6 +10139,7 @@
                 <a:tc>
                   <a:txBody>
                     <a:bodyPr/>
+                    <a:lstStyle/>
                     <a:p>
                       <a:pPr marL="0" marR="0">
                         <a:lnSpc>
@@ -10198,12 +10153,12 @@
                         </a:spcAft>
                       </a:pPr>
                       <a:r>
-                        <a:rPr sz="1200" lang="en-US">
+                        <a:rPr lang="en-US" sz="1200">
                           <a:effectLst/>
                         </a:rPr>
                         <a:t>Int</a:t>
                       </a:r>
-                      <a:endParaRPr sz="1100" lang="en-US">
+                      <a:endParaRPr lang="en-US" sz="1100">
                         <a:effectLst/>
                         <a:latin typeface="Times New Roman" panose="02020603050405020304" pitchFamily="18" charset="0"/>
                         <a:ea typeface="Times New Roman" panose="02020603050405020304" pitchFamily="18" charset="0"/>
@@ -10215,6 +10170,7 @@
                 <a:tc>
                   <a:txBody>
                     <a:bodyPr/>
+                    <a:lstStyle/>
                     <a:p>
                       <a:pPr marL="0" marR="0">
                         <a:lnSpc>
@@ -10228,12 +10184,12 @@
                         </a:spcAft>
                       </a:pPr>
                       <a:r>
-                        <a:rPr sz="1200" lang="en-US">
+                        <a:rPr lang="en-US" sz="1200">
                           <a:effectLst/>
                         </a:rPr>
                         <a:t>10</a:t>
                       </a:r>
-                      <a:endParaRPr sz="1100" lang="en-US">
+                      <a:endParaRPr lang="en-US" sz="1100">
                         <a:effectLst/>
                         <a:latin typeface="Times New Roman" panose="02020603050405020304" pitchFamily="18" charset="0"/>
                         <a:ea typeface="Times New Roman" panose="02020603050405020304" pitchFamily="18" charset="0"/>
@@ -10245,6 +10201,7 @@
                 <a:tc>
                   <a:txBody>
                     <a:bodyPr/>
+                    <a:lstStyle/>
                     <a:p>
                       <a:pPr marL="0" marR="0">
                         <a:lnSpc>
@@ -10258,12 +10215,12 @@
                         </a:spcAft>
                       </a:pPr>
                       <a:r>
-                        <a:rPr sz="1200" lang="en-US">
+                        <a:rPr lang="en-US" sz="1200">
                           <a:effectLst/>
                         </a:rPr>
                         <a:t>Foreign key</a:t>
                       </a:r>
-                      <a:endParaRPr sz="1100" lang="en-US">
+                      <a:endParaRPr lang="en-US" sz="1100">
                         <a:effectLst/>
                         <a:latin typeface="Times New Roman" panose="02020603050405020304" pitchFamily="18" charset="0"/>
                         <a:ea typeface="Times New Roman" panose="02020603050405020304" pitchFamily="18" charset="0"/>
@@ -10277,6 +10234,7 @@
                 <a:tc>
                   <a:txBody>
                     <a:bodyPr/>
+                    <a:lstStyle/>
                     <a:p>
                       <a:pPr marL="0" marR="0">
                         <a:lnSpc>
@@ -10290,70 +10248,14 @@
                         </a:spcAft>
                       </a:pPr>
                       <a:r>
-                        <a:rPr sz="1200" lang="en-US">
+                        <a:rPr lang="en-US" sz="1200">
                           <a:effectLst/>
                           <a:latin typeface="Times New Roman" panose="02020603050405020304" pitchFamily="18" charset="0"/>
                           <a:ea typeface="Times New Roman" panose="02020603050405020304" pitchFamily="18" charset="0"/>
                         </a:rPr>
-                        <a:t>V</a:t>
+                        <a:t>Vehicle id</a:t>
                       </a:r>
-                      <a:r>
-                        <a:rPr sz="1200" lang="en-US">
-                          <a:effectLst/>
-                          <a:latin typeface="Times New Roman" panose="02020603050405020304" pitchFamily="18" charset="0"/>
-                          <a:ea typeface="Times New Roman" panose="02020603050405020304" pitchFamily="18" charset="0"/>
-                        </a:rPr>
-                        <a:t>e</a:t>
-                      </a:r>
-                      <a:r>
-                        <a:rPr sz="1200" lang="en-US">
-                          <a:effectLst/>
-                          <a:latin typeface="Times New Roman" panose="02020603050405020304" pitchFamily="18" charset="0"/>
-                          <a:ea typeface="Times New Roman" panose="02020603050405020304" pitchFamily="18" charset="0"/>
-                        </a:rPr>
-                        <a:t>h</a:t>
-                      </a:r>
-                      <a:r>
-                        <a:rPr sz="1200" lang="en-US">
-                          <a:effectLst/>
-                          <a:latin typeface="Times New Roman" panose="02020603050405020304" pitchFamily="18" charset="0"/>
-                          <a:ea typeface="Times New Roman" panose="02020603050405020304" pitchFamily="18" charset="0"/>
-                        </a:rPr>
-                        <a:t>i</a:t>
-                      </a:r>
-                      <a:r>
-                        <a:rPr sz="1200" lang="en-US">
-                          <a:effectLst/>
-                          <a:latin typeface="Times New Roman" panose="02020603050405020304" pitchFamily="18" charset="0"/>
-                          <a:ea typeface="Times New Roman" panose="02020603050405020304" pitchFamily="18" charset="0"/>
-                        </a:rPr>
-                        <a:t>cle</a:t>
-                      </a:r>
-                      <a:r>
-                        <a:rPr sz="1200" lang="en-US">
-                          <a:effectLst/>
-                          <a:latin typeface="Times New Roman" panose="02020603050405020304" pitchFamily="18" charset="0"/>
-                          <a:ea typeface="Times New Roman" panose="02020603050405020304" pitchFamily="18" charset="0"/>
-                        </a:rPr>
-                        <a:t> </a:t>
-                      </a:r>
-                      <a:r>
-                        <a:rPr sz="1200" lang="en-US">
-                          <a:effectLst/>
-                          <a:latin typeface="Times New Roman" panose="02020603050405020304" pitchFamily="18" charset="0"/>
-                          <a:ea typeface="Times New Roman" panose="02020603050405020304" pitchFamily="18" charset="0"/>
-                        </a:rPr>
-                        <a:t>i</a:t>
-                      </a:r>
-                      <a:r>
-                        <a:rPr sz="1200" lang="en-US">
-                          <a:effectLst/>
-                          <a:latin typeface="Times New Roman" panose="02020603050405020304" pitchFamily="18" charset="0"/>
-                          <a:ea typeface="Times New Roman" panose="02020603050405020304" pitchFamily="18" charset="0"/>
-                        </a:rPr>
-                        <a:t>d</a:t>
-                      </a:r>
-                      <a:endParaRPr sz="1100" lang="en-US">
+                      <a:endParaRPr lang="en-US" sz="1100">
                         <a:effectLst/>
                         <a:latin typeface="Times New Roman" panose="02020603050405020304" pitchFamily="18" charset="0"/>
                         <a:ea typeface="Times New Roman" panose="02020603050405020304" pitchFamily="18" charset="0"/>
@@ -10365,6 +10267,7 @@
                 <a:tc>
                   <a:txBody>
                     <a:bodyPr/>
+                    <a:lstStyle/>
                     <a:p>
                       <a:pPr marL="0" marR="0">
                         <a:lnSpc>
@@ -10378,12 +10281,12 @@
                         </a:spcAft>
                       </a:pPr>
                       <a:r>
-                        <a:rPr sz="1200" lang="en-US">
+                        <a:rPr lang="en-US" sz="1200" dirty="0" err="1">
                           <a:effectLst/>
                         </a:rPr>
                         <a:t>Int</a:t>
                       </a:r>
-                      <a:endParaRPr sz="1100" lang="en-US">
+                      <a:endParaRPr lang="en-US" sz="1100" dirty="0">
                         <a:effectLst/>
                         <a:latin typeface="Times New Roman" panose="02020603050405020304" pitchFamily="18" charset="0"/>
                         <a:ea typeface="Times New Roman" panose="02020603050405020304" pitchFamily="18" charset="0"/>
@@ -10395,6 +10298,7 @@
                 <a:tc>
                   <a:txBody>
                     <a:bodyPr/>
+                    <a:lstStyle/>
                     <a:p>
                       <a:pPr marL="0" marR="0">
                         <a:lnSpc>
@@ -10408,12 +10312,12 @@
                         </a:spcAft>
                       </a:pPr>
                       <a:r>
-                        <a:rPr sz="1200" lang="en-US">
+                        <a:rPr lang="en-US" sz="1200" dirty="0">
                           <a:effectLst/>
                         </a:rPr>
                         <a:t>10</a:t>
                       </a:r>
-                      <a:endParaRPr sz="1100" lang="en-US">
+                      <a:endParaRPr lang="en-US" sz="1100" dirty="0">
                         <a:effectLst/>
                         <a:latin typeface="Times New Roman" panose="02020603050405020304" pitchFamily="18" charset="0"/>
                         <a:ea typeface="Times New Roman" panose="02020603050405020304" pitchFamily="18" charset="0"/>
@@ -10425,6 +10329,7 @@
                 <a:tc>
                   <a:txBody>
                     <a:bodyPr/>
+                    <a:lstStyle/>
                     <a:p>
                       <a:pPr marL="0" marR="0">
                         <a:lnSpc>
@@ -10438,12 +10343,12 @@
                         </a:spcAft>
                       </a:pPr>
                       <a:r>
-                        <a:rPr sz="1200" lang="en-US">
+                        <a:rPr lang="en-US" sz="1200">
                           <a:effectLst/>
                         </a:rPr>
                         <a:t>Foreign key</a:t>
                       </a:r>
-                      <a:endParaRPr sz="1100" lang="en-US">
+                      <a:endParaRPr lang="en-US" sz="1100">
                         <a:effectLst/>
                         <a:latin typeface="Times New Roman" panose="02020603050405020304" pitchFamily="18" charset="0"/>
                         <a:ea typeface="Times New Roman" panose="02020603050405020304" pitchFamily="18" charset="0"/>
@@ -10457,6 +10362,7 @@
                 <a:tc>
                   <a:txBody>
                     <a:bodyPr/>
+                    <a:lstStyle/>
                     <a:p>
                       <a:pPr marL="0" marR="0">
                         <a:lnSpc>
@@ -10470,12 +10376,12 @@
                         </a:spcAft>
                       </a:pPr>
                       <a:r>
-                        <a:rPr sz="1200" lang="en-US">
+                        <a:rPr lang="en-US" sz="1200">
                           <a:effectLst/>
                         </a:rPr>
                         <a:t>Goods id</a:t>
                       </a:r>
-                      <a:endParaRPr sz="1100" lang="en-US">
+                      <a:endParaRPr lang="en-US" sz="1100">
                         <a:effectLst/>
                         <a:latin typeface="Times New Roman" panose="02020603050405020304" pitchFamily="18" charset="0"/>
                         <a:ea typeface="Times New Roman" panose="02020603050405020304" pitchFamily="18" charset="0"/>
@@ -10487,6 +10393,7 @@
                 <a:tc>
                   <a:txBody>
                     <a:bodyPr/>
+                    <a:lstStyle/>
                     <a:p>
                       <a:pPr marL="0" marR="0">
                         <a:lnSpc>
@@ -10500,12 +10407,12 @@
                         </a:spcAft>
                       </a:pPr>
                       <a:r>
-                        <a:rPr sz="1200" lang="en-US">
+                        <a:rPr lang="en-US" sz="1200">
                           <a:effectLst/>
                         </a:rPr>
                         <a:t>Int</a:t>
                       </a:r>
-                      <a:endParaRPr sz="1100" lang="en-US">
+                      <a:endParaRPr lang="en-US" sz="1100">
                         <a:effectLst/>
                         <a:latin typeface="Times New Roman" panose="02020603050405020304" pitchFamily="18" charset="0"/>
                         <a:ea typeface="Times New Roman" panose="02020603050405020304" pitchFamily="18" charset="0"/>
@@ -10517,6 +10424,7 @@
                 <a:tc>
                   <a:txBody>
                     <a:bodyPr/>
+                    <a:lstStyle/>
                     <a:p>
                       <a:pPr marL="0" marR="0">
                         <a:lnSpc>
@@ -10530,12 +10438,12 @@
                         </a:spcAft>
                       </a:pPr>
                       <a:r>
-                        <a:rPr sz="1200" lang="en-US">
+                        <a:rPr lang="en-US" sz="1200" dirty="0">
                           <a:effectLst/>
                         </a:rPr>
                         <a:t>10</a:t>
                       </a:r>
-                      <a:endParaRPr sz="1100" lang="en-US">
+                      <a:endParaRPr lang="en-US" sz="1100" dirty="0">
                         <a:effectLst/>
                         <a:latin typeface="Times New Roman" panose="02020603050405020304" pitchFamily="18" charset="0"/>
                         <a:ea typeface="Times New Roman" panose="02020603050405020304" pitchFamily="18" charset="0"/>
@@ -10547,6 +10455,7 @@
                 <a:tc>
                   <a:txBody>
                     <a:bodyPr/>
+                    <a:lstStyle/>
                     <a:p>
                       <a:pPr marL="0" marR="0">
                         <a:lnSpc>
@@ -10560,12 +10469,12 @@
                         </a:spcAft>
                       </a:pPr>
                       <a:r>
-                        <a:rPr sz="1200" lang="en-US">
+                        <a:rPr lang="en-US" sz="1200" dirty="0">
                           <a:effectLst/>
                         </a:rPr>
                         <a:t>Foreign key</a:t>
                       </a:r>
-                      <a:endParaRPr sz="1100" lang="en-US">
+                      <a:endParaRPr lang="en-US" sz="1100" dirty="0">
                         <a:effectLst/>
                         <a:latin typeface="Times New Roman" panose="02020603050405020304" pitchFamily="18" charset="0"/>
                         <a:ea typeface="Times New Roman" panose="02020603050405020304" pitchFamily="18" charset="0"/>
@@ -10579,6 +10488,7 @@
                 <a:tc>
                   <a:txBody>
                     <a:bodyPr/>
+                    <a:lstStyle/>
                     <a:p>
                       <a:pPr marL="0" marR="0">
                         <a:lnSpc>
@@ -10592,12 +10502,12 @@
                         </a:spcAft>
                       </a:pPr>
                       <a:r>
-                        <a:rPr sz="1200" lang="en-US">
+                        <a:rPr lang="en-US" sz="1200">
                           <a:effectLst/>
                         </a:rPr>
                         <a:t>Total amount</a:t>
                       </a:r>
-                      <a:endParaRPr sz="1100" lang="en-US">
+                      <a:endParaRPr lang="en-US" sz="1100">
                         <a:effectLst/>
                         <a:latin typeface="Times New Roman" panose="02020603050405020304" pitchFamily="18" charset="0"/>
                         <a:ea typeface="Times New Roman" panose="02020603050405020304" pitchFamily="18" charset="0"/>
@@ -10609,6 +10519,7 @@
                 <a:tc>
                   <a:txBody>
                     <a:bodyPr/>
+                    <a:lstStyle/>
                     <a:p>
                       <a:pPr marL="0" marR="0">
                         <a:lnSpc>
@@ -10622,12 +10533,12 @@
                         </a:spcAft>
                       </a:pPr>
                       <a:r>
-                        <a:rPr sz="1200" lang="en-US">
+                        <a:rPr lang="en-US" sz="1200">
                           <a:effectLst/>
                         </a:rPr>
                         <a:t>Int</a:t>
                       </a:r>
-                      <a:endParaRPr sz="1100" lang="en-US">
+                      <a:endParaRPr lang="en-US" sz="1100">
                         <a:effectLst/>
                         <a:latin typeface="Times New Roman" panose="02020603050405020304" pitchFamily="18" charset="0"/>
                         <a:ea typeface="Times New Roman" panose="02020603050405020304" pitchFamily="18" charset="0"/>
@@ -10639,6 +10550,7 @@
                 <a:tc>
                   <a:txBody>
                     <a:bodyPr/>
+                    <a:lstStyle/>
                     <a:p>
                       <a:pPr marL="0" marR="0">
                         <a:lnSpc>
@@ -10652,12 +10564,12 @@
                         </a:spcAft>
                       </a:pPr>
                       <a:r>
-                        <a:rPr sz="1200" lang="en-US">
+                        <a:rPr lang="en-US" sz="1200">
                           <a:effectLst/>
                         </a:rPr>
                         <a:t>5</a:t>
                       </a:r>
-                      <a:endParaRPr sz="1100" lang="en-US">
+                      <a:endParaRPr lang="en-US" sz="1100">
                         <a:effectLst/>
                         <a:latin typeface="Times New Roman" panose="02020603050405020304" pitchFamily="18" charset="0"/>
                         <a:ea typeface="Times New Roman" panose="02020603050405020304" pitchFamily="18" charset="0"/>
@@ -10669,6 +10581,7 @@
                 <a:tc>
                   <a:txBody>
                     <a:bodyPr/>
+                    <a:lstStyle/>
                     <a:p>
                       <a:pPr marL="0" marR="0">
                         <a:lnSpc>
@@ -10682,12 +10595,12 @@
                         </a:spcAft>
                       </a:pPr>
                       <a:r>
-                        <a:rPr sz="1200" lang="en-US">
+                        <a:rPr lang="en-US" sz="1200" dirty="0">
                           <a:effectLst/>
                         </a:rPr>
                         <a:t>Not null</a:t>
                       </a:r>
-                      <a:endParaRPr sz="1100" lang="en-US">
+                      <a:endParaRPr lang="en-US" sz="1100" dirty="0">
                         <a:effectLst/>
                         <a:latin typeface="Times New Roman" panose="02020603050405020304" pitchFamily="18" charset="0"/>
                         <a:ea typeface="Times New Roman" panose="02020603050405020304" pitchFamily="18" charset="0"/>
@@ -10701,6 +10614,7 @@
                 <a:tc>
                   <a:txBody>
                     <a:bodyPr/>
+                    <a:lstStyle/>
                     <a:p>
                       <a:pPr marL="0" marR="0">
                         <a:lnSpc>
@@ -10714,12 +10628,12 @@
                         </a:spcAft>
                       </a:pPr>
                       <a:r>
-                        <a:rPr sz="1200" lang="en-US">
+                        <a:rPr lang="en-US" sz="1200">
                           <a:effectLst/>
                         </a:rPr>
                         <a:t>Date</a:t>
                       </a:r>
-                      <a:endParaRPr sz="1100" lang="en-US">
+                      <a:endParaRPr lang="en-US" sz="1100">
                         <a:effectLst/>
                         <a:latin typeface="Times New Roman" panose="02020603050405020304" pitchFamily="18" charset="0"/>
                         <a:ea typeface="Times New Roman" panose="02020603050405020304" pitchFamily="18" charset="0"/>
@@ -10731,6 +10645,7 @@
                 <a:tc>
                   <a:txBody>
                     <a:bodyPr/>
+                    <a:lstStyle/>
                     <a:p>
                       <a:pPr marL="0" marR="0">
                         <a:lnSpc>
@@ -10744,12 +10659,12 @@
                         </a:spcAft>
                       </a:pPr>
                       <a:r>
-                        <a:rPr sz="1200" lang="en-US">
+                        <a:rPr lang="en-US" sz="1200">
                           <a:effectLst/>
                         </a:rPr>
                         <a:t>Date</a:t>
                       </a:r>
-                      <a:endParaRPr sz="1100" lang="en-US">
+                      <a:endParaRPr lang="en-US" sz="1100">
                         <a:effectLst/>
                         <a:latin typeface="Times New Roman" panose="02020603050405020304" pitchFamily="18" charset="0"/>
                         <a:ea typeface="Times New Roman" panose="02020603050405020304" pitchFamily="18" charset="0"/>
@@ -10761,6 +10676,7 @@
                 <a:tc>
                   <a:txBody>
                     <a:bodyPr/>
+                    <a:lstStyle/>
                     <a:p>
                       <a:pPr marL="0" marR="0">
                         <a:lnSpc>
@@ -10774,12 +10690,12 @@
                         </a:spcAft>
                       </a:pPr>
                       <a:r>
-                        <a:rPr sz="1200" lang="en-US">
+                        <a:rPr lang="en-US" sz="1200">
                           <a:effectLst/>
                         </a:rPr>
                         <a:t>10</a:t>
                       </a:r>
-                      <a:endParaRPr sz="1100" lang="en-US">
+                      <a:endParaRPr lang="en-US" sz="1100">
                         <a:effectLst/>
                         <a:latin typeface="Times New Roman" panose="02020603050405020304" pitchFamily="18" charset="0"/>
                         <a:ea typeface="Times New Roman" panose="02020603050405020304" pitchFamily="18" charset="0"/>
@@ -10791,6 +10707,7 @@
                 <a:tc>
                   <a:txBody>
                     <a:bodyPr/>
+                    <a:lstStyle/>
                     <a:p>
                       <a:pPr marL="0" marR="0">
                         <a:lnSpc>
@@ -10804,12 +10721,12 @@
                         </a:spcAft>
                       </a:pPr>
                       <a:r>
-                        <a:rPr dirty="0" sz="1200" lang="en-US">
+                        <a:rPr lang="en-US" sz="1200" dirty="0">
                           <a:effectLst/>
                         </a:rPr>
                         <a:t>Not null</a:t>
                       </a:r>
-                      <a:endParaRPr dirty="0" sz="1100" lang="en-US">
+                      <a:endParaRPr lang="en-US" sz="1100" dirty="0">
                         <a:effectLst/>
                         <a:latin typeface="Times New Roman" panose="02020603050405020304" pitchFamily="18" charset="0"/>
                         <a:ea typeface="Times New Roman" panose="02020603050405020304" pitchFamily="18" charset="0"/>
@@ -10836,7 +10753,7 @@
   <p:cSld>
     <p:spTree>
       <p:nvGrpSpPr>
-        <p:cNvPr id="68" name=""/>
+        <p:cNvPr id="1" name=""/>
         <p:cNvGrpSpPr/>
         <p:nvPr/>
       </p:nvGrpSpPr>
@@ -10850,24 +10767,26 @@
       </p:grpSpPr>
       <p:pic>
         <p:nvPicPr>
-          <p:cNvPr id="2097163" name=""/>
+          <p:cNvPr id="2097163" name="Picture 2097162"/>
           <p:cNvPicPr>
             <a:picLocks/>
           </p:cNvPicPr>
           <p:nvPr/>
         </p:nvPicPr>
         <p:blipFill>
-          <a:blip xmlns:r="http://schemas.openxmlformats.org/officeDocument/2006/relationships" r:embed="rId1"/>
+          <a:blip r:embed="rId2"/>
           <a:stretch>
             <a:fillRect/>
           </a:stretch>
         </p:blipFill>
         <p:spPr>
-          <a:xfrm rot="0">
+          <a:xfrm>
             <a:off x="2081974" y="787076"/>
             <a:ext cx="9398098" cy="5283849"/>
           </a:xfrm>
-          <a:prstGeom prst="rect"/>
+          <a:prstGeom prst="rect">
+            <a:avLst/>
+          </a:prstGeom>
         </p:spPr>
       </p:pic>
     </p:spTree>
@@ -10883,7 +10802,7 @@
   <p:cSld>
     <p:spTree>
       <p:nvGrpSpPr>
-        <p:cNvPr id="69" name=""/>
+        <p:cNvPr id="1" name=""/>
         <p:cNvGrpSpPr/>
         <p:nvPr/>
       </p:nvGrpSpPr>
@@ -10897,24 +10816,26 @@
       </p:grpSpPr>
       <p:pic>
         <p:nvPicPr>
-          <p:cNvPr id="2097164" name=""/>
+          <p:cNvPr id="2097164" name="Picture 2097163"/>
           <p:cNvPicPr>
             <a:picLocks/>
           </p:cNvPicPr>
           <p:nvPr/>
         </p:nvPicPr>
         <p:blipFill>
-          <a:blip xmlns:r="http://schemas.openxmlformats.org/officeDocument/2006/relationships" r:embed="rId1"/>
+          <a:blip r:embed="rId2"/>
           <a:stretch>
             <a:fillRect/>
           </a:stretch>
         </p:blipFill>
         <p:spPr>
-          <a:xfrm rot="0">
+          <a:xfrm>
             <a:off x="2135844" y="992283"/>
             <a:ext cx="7920313" cy="4453001"/>
           </a:xfrm>
-          <a:prstGeom prst="rect"/>
+          <a:prstGeom prst="rect">
+            <a:avLst/>
+          </a:prstGeom>
         </p:spPr>
       </p:pic>
     </p:spTree>
@@ -10930,7 +10851,7 @@
   <p:cSld>
     <p:spTree>
       <p:nvGrpSpPr>
-        <p:cNvPr id="48" name=""/>
+        <p:cNvPr id="1" name=""/>
         <p:cNvGrpSpPr/>
         <p:nvPr/>
       </p:nvGrpSpPr>
@@ -10944,24 +10865,26 @@
       </p:grpSpPr>
       <p:pic>
         <p:nvPicPr>
-          <p:cNvPr id="2097157" name=""/>
+          <p:cNvPr id="2097157" name="Picture 2097156"/>
           <p:cNvPicPr>
             <a:picLocks/>
           </p:cNvPicPr>
           <p:nvPr/>
         </p:nvPicPr>
         <p:blipFill>
-          <a:blip xmlns:r="http://schemas.openxmlformats.org/officeDocument/2006/relationships" r:embed="rId1"/>
+          <a:blip r:embed="rId2"/>
           <a:stretch>
             <a:fillRect/>
           </a:stretch>
         </p:blipFill>
         <p:spPr>
-          <a:xfrm rot="0">
+          <a:xfrm>
             <a:off x="1496687" y="946207"/>
             <a:ext cx="8832021" cy="4965587"/>
           </a:xfrm>
-          <a:prstGeom prst="rect"/>
+          <a:prstGeom prst="rect">
+            <a:avLst/>
+          </a:prstGeom>
         </p:spPr>
       </p:pic>
     </p:spTree>
@@ -10977,7 +10900,7 @@
   <p:cSld>
     <p:spTree>
       <p:nvGrpSpPr>
-        <p:cNvPr id="52" name=""/>
+        <p:cNvPr id="1" name=""/>
         <p:cNvGrpSpPr/>
         <p:nvPr/>
       </p:nvGrpSpPr>
@@ -11002,12 +10925,12 @@
         <p:spPr/>
         <p:txBody>
           <a:bodyPr/>
-          <a:p>
-            <a:r>
-              <a:rPr dirty="0" lang="en-US"/>
+          <a:lstStyle/>
+          <a:p>
+            <a:r>
+              <a:rPr lang="en-US" dirty="0"/>
               <a:t>ABSTRACT</a:t>
             </a:r>
-            <a:endParaRPr dirty="0" lang="en-US"/>
           </a:p>
         </p:txBody>
       </p:sp>
@@ -11031,8 +10954,9 @@
           <a:bodyPr>
             <a:normAutofit/>
           </a:bodyPr>
-          <a:p>
-            <a:pPr indent="457200" marL="0" marR="0">
+          <a:lstStyle/>
+          <a:p>
+            <a:pPr marL="0" marR="0" indent="457200">
               <a:lnSpc>
                 <a:spcPct val="150000"/>
               </a:lnSpc>
@@ -11044,7 +10968,7 @@
               </a:spcAft>
             </a:pPr>
             <a:r>
-              <a:rPr dirty="0" sz="1800" lang="en-US">
+              <a:rPr lang="en-US" sz="1800" dirty="0">
                 <a:effectLst/>
                 <a:latin typeface="Calibri" panose="020F0502020204030204" pitchFamily="34" charset="0"/>
                 <a:ea typeface="Calibri" panose="020F0502020204030204" pitchFamily="34" charset="0"/>
@@ -11052,15 +10976,9 @@
               </a:rPr>
               <a:t>Transportation management system is a software application to maintain day to day transactions in transport office. Using this system user can manage transport work. He can select vehicle to transport the goods. He can also track the vehicle delivery of goods. Customer can also book good transport order online. User can also check his goods delivery status online.</a:t>
             </a:r>
-            <a:endParaRPr dirty="0" sz="1800" lang="en-US">
-              <a:effectLst/>
-              <a:latin typeface="Calibri" panose="020F0502020204030204" pitchFamily="34" charset="0"/>
-              <a:ea typeface="Calibri" panose="020F0502020204030204" pitchFamily="34" charset="0"/>
-              <a:cs typeface="Times New Roman" panose="02020603050405020304" pitchFamily="18" charset="0"/>
-            </a:endParaRPr>
-          </a:p>
-          <a:p>
-            <a:pPr indent="457200" marL="0" marR="0">
+          </a:p>
+          <a:p>
+            <a:pPr marL="0" marR="0" indent="457200">
               <a:lnSpc>
                 <a:spcPct val="150000"/>
               </a:lnSpc>
@@ -11071,7 +10989,7 @@
                 <a:spcPts val="800"/>
               </a:spcAft>
             </a:pPr>
-            <a:endParaRPr dirty="0" sz="1800" lang="en-US">
+            <a:endParaRPr lang="en-US" sz="1800" dirty="0">
               <a:effectLst/>
               <a:latin typeface="Calibri" panose="020F0502020204030204" pitchFamily="34" charset="0"/>
               <a:ea typeface="Calibri" panose="020F0502020204030204" pitchFamily="34" charset="0"/>
@@ -11093,7 +11011,7 @@
   <p:cSld>
     <p:spTree>
       <p:nvGrpSpPr>
-        <p:cNvPr id="47" name=""/>
+        <p:cNvPr id="1" name=""/>
         <p:cNvGrpSpPr/>
         <p:nvPr/>
       </p:nvGrpSpPr>
@@ -11107,24 +11025,26 @@
       </p:grpSpPr>
       <p:pic>
         <p:nvPicPr>
-          <p:cNvPr id="2097156" name=""/>
+          <p:cNvPr id="2097156" name="Picture 2097155"/>
           <p:cNvPicPr>
             <a:picLocks/>
           </p:cNvPicPr>
           <p:nvPr/>
         </p:nvPicPr>
         <p:blipFill>
-          <a:blip xmlns:r="http://schemas.openxmlformats.org/officeDocument/2006/relationships" r:embed="rId1"/>
+          <a:blip r:embed="rId2"/>
           <a:stretch>
             <a:fillRect/>
           </a:stretch>
         </p:blipFill>
         <p:spPr>
-          <a:xfrm rot="0">
+          <a:xfrm>
             <a:off x="1640331" y="824036"/>
             <a:ext cx="9266614" cy="5209926"/>
           </a:xfrm>
-          <a:prstGeom prst="rect"/>
+          <a:prstGeom prst="rect">
+            <a:avLst/>
+          </a:prstGeom>
         </p:spPr>
       </p:pic>
     </p:spTree>
@@ -11140,7 +11060,7 @@
   <p:cSld>
     <p:spTree>
       <p:nvGrpSpPr>
-        <p:cNvPr id="46" name=""/>
+        <p:cNvPr id="1" name=""/>
         <p:cNvGrpSpPr/>
         <p:nvPr/>
       </p:nvGrpSpPr>
@@ -11154,24 +11074,26 @@
       </p:grpSpPr>
       <p:pic>
         <p:nvPicPr>
-          <p:cNvPr id="2097155" name=""/>
+          <p:cNvPr id="2097155" name="Picture 2097154"/>
           <p:cNvPicPr>
             <a:picLocks/>
           </p:cNvPicPr>
           <p:nvPr/>
         </p:nvPicPr>
         <p:blipFill>
-          <a:blip xmlns:r="http://schemas.openxmlformats.org/officeDocument/2006/relationships" r:embed="rId1"/>
+          <a:blip r:embed="rId2"/>
           <a:stretch>
             <a:fillRect/>
           </a:stretch>
         </p:blipFill>
         <p:spPr>
-          <a:xfrm rot="0">
+          <a:xfrm>
             <a:off x="1542739" y="986523"/>
             <a:ext cx="8688605" cy="4884955"/>
           </a:xfrm>
-          <a:prstGeom prst="rect"/>
+          <a:prstGeom prst="rect">
+            <a:avLst/>
+          </a:prstGeom>
         </p:spPr>
       </p:pic>
     </p:spTree>
@@ -11187,7 +11109,7 @@
   <p:cSld>
     <p:spTree>
       <p:nvGrpSpPr>
-        <p:cNvPr id="44" name=""/>
+        <p:cNvPr id="1" name=""/>
         <p:cNvGrpSpPr/>
         <p:nvPr/>
       </p:nvGrpSpPr>
@@ -11217,12 +11139,12 @@
         </p:spPr>
         <p:txBody>
           <a:bodyPr/>
-          <a:p>
-            <a:r>
-              <a:rPr dirty="0" lang="en-US"/>
+          <a:lstStyle/>
+          <a:p>
+            <a:r>
+              <a:rPr lang="en-US" dirty="0"/>
               <a:t>Thank You</a:t>
             </a:r>
-            <a:endParaRPr dirty="0" lang="en-US"/>
           </a:p>
         </p:txBody>
       </p:sp>
@@ -11239,7 +11161,7 @@
   <p:cSld>
     <p:spTree>
       <p:nvGrpSpPr>
-        <p:cNvPr id="54" name=""/>
+        <p:cNvPr id="1" name=""/>
         <p:cNvGrpSpPr/>
         <p:nvPr/>
       </p:nvGrpSpPr>
@@ -11253,7 +11175,7 @@
       </p:grpSpPr>
       <p:sp>
         <p:nvSpPr>
-          <p:cNvPr id="1048605" name=""/>
+          <p:cNvPr id="1048605" name="Title 1048604"/>
           <p:cNvSpPr>
             <a:spLocks noGrp="1"/>
           </p:cNvSpPr>
@@ -11271,46 +11193,11 @@
         </p:spPr>
         <p:txBody>
           <a:bodyPr/>
+          <a:lstStyle/>
           <a:p>
             <a:r>
               <a:rPr lang="en-US"/>
-              <a:t>O</a:t>
-            </a:r>
-            <a:r>
-              <a:rPr lang="en-US"/>
-              <a:t>B</a:t>
-            </a:r>
-            <a:r>
-              <a:rPr lang="en-US"/>
-              <a:t>J</a:t>
-            </a:r>
-            <a:r>
-              <a:rPr lang="en-US"/>
-              <a:t>E</a:t>
-            </a:r>
-            <a:r>
-              <a:rPr lang="en-US"/>
-              <a:t>C</a:t>
-            </a:r>
-            <a:r>
-              <a:rPr lang="en-US"/>
-              <a:t>T</a:t>
-            </a:r>
-            <a:r>
-              <a:rPr lang="en-US"/>
-              <a:t>I</a:t>
-            </a:r>
-            <a:r>
-              <a:rPr lang="en-US"/>
-              <a:t>V</a:t>
-            </a:r>
-            <a:r>
-              <a:rPr lang="en-US"/>
-              <a:t>E</a:t>
-            </a:r>
-            <a:r>
-              <a:rPr lang="en-US"/>
-              <a:t> </a:t>
+              <a:t>OBJECTIVE </a:t>
             </a:r>
             <a:endParaRPr lang="en-IN"/>
           </a:p>
@@ -11318,7 +11205,7 @@
       </p:sp>
       <p:sp>
         <p:nvSpPr>
-          <p:cNvPr id="1048606" name=""/>
+          <p:cNvPr id="1048606" name="TextBox 1048605"/>
           <p:cNvSpPr txBox="1"/>
           <p:nvPr/>
         </p:nvSpPr>
@@ -11327,15 +11214,18 @@
             <a:off x="1575114" y="3024500"/>
             <a:ext cx="9041771" cy="2225040"/>
           </a:xfrm>
-          <a:prstGeom prst="rect"/>
+          <a:prstGeom prst="rect">
+            <a:avLst/>
+          </a:prstGeom>
         </p:spPr>
         <p:txBody>
-          <a:bodyPr rtlCol="0" wrap="square">
+          <a:bodyPr wrap="square" rtlCol="0">
             <a:spAutoFit/>
           </a:bodyPr>
-          <a:p>
-            <a:r>
-              <a:rPr dirty="0" sz="1800" lang="en-US">
+          <a:lstStyle/>
+          <a:p>
+            <a:r>
+              <a:rPr lang="en-US" sz="1800" dirty="0">
                 <a:effectLst/>
                 <a:latin typeface="Calibri" panose="020F0502020204030204" pitchFamily="34" charset="0"/>
                 <a:ea typeface="Calibri" panose="020F0502020204030204" pitchFamily="34" charset="0"/>
@@ -11343,7 +11233,7 @@
               </a:rPr>
               <a:t>The main objective of this application is to automate the complete operations of the goods transporter office. In current system all work is getting done manually. User have to manage many things so it is very difficult to manage this business doing work manually. Using this system user can automate many transport operations like billing, tracking payments, creating report etc. Using this system keeping records of transportation is easy. User can find any old records in few clicks. User can also generate old delivery reports and other report easily. They need maintain hundreds of thousands of records. Also searching should be very faster so they can find required details instantly.</a:t>
             </a:r>
-            <a:endParaRPr sz="2800" lang="en-IN">
+            <a:endParaRPr lang="en-IN" sz="2800">
               <a:solidFill>
                 <a:srgbClr val="000000"/>
               </a:solidFill>
@@ -11364,7 +11254,7 @@
   <p:cSld>
     <p:spTree>
       <p:nvGrpSpPr>
-        <p:cNvPr id="55" name=""/>
+        <p:cNvPr id="1" name=""/>
         <p:cNvGrpSpPr/>
         <p:nvPr/>
       </p:nvGrpSpPr>
@@ -11389,16 +11279,17 @@
         <p:spPr/>
         <p:txBody>
           <a:bodyPr/>
-          <a:p>
-            <a:r>
-              <a:rPr b="1" dirty="0" sz="1800" lang="en-US">
+          <a:lstStyle/>
+          <a:p>
+            <a:r>
+              <a:rPr lang="en-US" sz="1800" b="1" dirty="0">
                 <a:effectLst/>
                 <a:latin typeface="Times New Roman" panose="02020603050405020304" pitchFamily="18" charset="0"/>
                 <a:ea typeface="Calibri" panose="020F0502020204030204" pitchFamily="34" charset="0"/>
               </a:rPr>
               <a:t> HARDWARE SPECFICATION</a:t>
             </a:r>
-            <a:endParaRPr dirty="0" lang="en-US"/>
+            <a:endParaRPr lang="en-US" dirty="0"/>
           </a:p>
         </p:txBody>
       </p:sp>
@@ -11415,8 +11306,9 @@
         <p:spPr/>
         <p:txBody>
           <a:bodyPr/>
-          <a:p>
-            <a:pPr indent="-342900" lvl="0" marL="342900" marR="0">
+          <a:lstStyle/>
+          <a:p>
+            <a:pPr marL="342900" marR="0" lvl="0" indent="-342900">
               <a:lnSpc>
                 <a:spcPct val="150000"/>
               </a:lnSpc>
@@ -11430,11 +11322,11 @@
               <a:buFont typeface="Wingdings" panose="05000000000000000000" pitchFamily="2" charset="2"/>
               <a:buChar char=""/>
               <a:tabLst>
-                <a:tab algn="l" pos="266700"/>
+                <a:tab pos="266700" algn="l"/>
               </a:tabLst>
             </a:pPr>
             <a:r>
-              <a:rPr dirty="0" sz="1800" lang="en-US">
+              <a:rPr lang="en-US" sz="1800" dirty="0">
                 <a:effectLst/>
                 <a:latin typeface="Times New Roman" panose="02020603050405020304" pitchFamily="18" charset="0"/>
                 <a:ea typeface="Calibri" panose="020F0502020204030204" pitchFamily="34" charset="0"/>
@@ -11442,7 +11334,7 @@
               </a:rPr>
               <a:t>Processor				:  P 4 700 GHz.</a:t>
             </a:r>
-            <a:endParaRPr dirty="0" sz="1800" lang="en-US">
+            <a:endParaRPr lang="en-US" sz="1800" dirty="0">
               <a:effectLst/>
               <a:latin typeface="Calibri" panose="020F0502020204030204" pitchFamily="34" charset="0"/>
               <a:ea typeface="Calibri" panose="020F0502020204030204" pitchFamily="34" charset="0"/>
@@ -11450,7 +11342,7 @@
             </a:endParaRPr>
           </a:p>
           <a:p>
-            <a:pPr indent="-342900" lvl="0" marL="342900" marR="0">
+            <a:pPr marL="342900" marR="0" lvl="0" indent="-342900">
               <a:lnSpc>
                 <a:spcPct val="150000"/>
               </a:lnSpc>
@@ -11464,11 +11356,11 @@
               <a:buFont typeface="Wingdings" panose="05000000000000000000" pitchFamily="2" charset="2"/>
               <a:buChar char=""/>
               <a:tabLst>
-                <a:tab algn="l" pos="266700"/>
+                <a:tab pos="266700" algn="l"/>
               </a:tabLst>
             </a:pPr>
             <a:r>
-              <a:rPr dirty="0" sz="1800" lang="en-US">
+              <a:rPr lang="en-US" sz="1800" dirty="0">
                 <a:effectLst/>
                 <a:latin typeface="Times New Roman" panose="02020603050405020304" pitchFamily="18" charset="0"/>
                 <a:ea typeface="Calibri" panose="020F0502020204030204" pitchFamily="34" charset="0"/>
@@ -11476,7 +11368,7 @@
               </a:rPr>
               <a:t>RAM					:  4 GB RAM</a:t>
             </a:r>
-            <a:endParaRPr dirty="0" sz="1800" lang="en-US">
+            <a:endParaRPr lang="en-US" sz="1800" dirty="0">
               <a:effectLst/>
               <a:latin typeface="Calibri" panose="020F0502020204030204" pitchFamily="34" charset="0"/>
               <a:ea typeface="Calibri" panose="020F0502020204030204" pitchFamily="34" charset="0"/>
@@ -11484,7 +11376,7 @@
             </a:endParaRPr>
           </a:p>
           <a:p>
-            <a:pPr indent="-342900" lvl="0" marL="342900" marR="0">
+            <a:pPr marL="342900" marR="0" lvl="0" indent="-342900">
               <a:lnSpc>
                 <a:spcPct val="150000"/>
               </a:lnSpc>
@@ -11498,11 +11390,11 @@
               <a:buFont typeface="Wingdings" panose="05000000000000000000" pitchFamily="2" charset="2"/>
               <a:buChar char=""/>
               <a:tabLst>
-                <a:tab algn="l" pos="266700"/>
+                <a:tab pos="266700" algn="l"/>
               </a:tabLst>
             </a:pPr>
             <a:r>
-              <a:rPr dirty="0" sz="1800" lang="en-US">
+              <a:rPr lang="en-US" sz="1800" dirty="0">
                 <a:effectLst/>
                 <a:latin typeface="Times New Roman" panose="02020603050405020304" pitchFamily="18" charset="0"/>
                 <a:ea typeface="Calibri" panose="020F0502020204030204" pitchFamily="34" charset="0"/>
@@ -11510,7 +11402,7 @@
               </a:rPr>
               <a:t>Hard Disk Drive			:  180 GB </a:t>
             </a:r>
-            <a:endParaRPr dirty="0" sz="1800" lang="en-US">
+            <a:endParaRPr lang="en-US" sz="1800" dirty="0">
               <a:effectLst/>
               <a:latin typeface="Calibri" panose="020F0502020204030204" pitchFamily="34" charset="0"/>
               <a:ea typeface="Calibri" panose="020F0502020204030204" pitchFamily="34" charset="0"/>
@@ -11518,7 +11410,7 @@
             </a:endParaRPr>
           </a:p>
           <a:p>
-            <a:endParaRPr dirty="0" lang="en-US"/>
+            <a:endParaRPr lang="en-US" dirty="0"/>
           </a:p>
         </p:txBody>
       </p:sp>
@@ -11535,7 +11427,7 @@
   <p:cSld>
     <p:spTree>
       <p:nvGrpSpPr>
-        <p:cNvPr id="56" name=""/>
+        <p:cNvPr id="1" name=""/>
         <p:cNvGrpSpPr/>
         <p:nvPr/>
       </p:nvGrpSpPr>
@@ -11560,9 +11452,10 @@
         <p:spPr/>
         <p:txBody>
           <a:bodyPr/>
-          <a:p>
-            <a:r>
-              <a:rPr b="1" dirty="0" sz="1800" lang="en-US">
+          <a:lstStyle/>
+          <a:p>
+            <a:r>
+              <a:rPr lang="en-US" sz="1800" b="1" dirty="0">
                 <a:solidFill>
                   <a:srgbClr val="000000"/>
                 </a:solidFill>
@@ -11572,14 +11465,22 @@
               </a:rPr>
               <a:t> SOFTWARE SPECIFICATION</a:t>
             </a:r>
+            <a:r>
+              <a:rPr lang="en-US" sz="1800" dirty="0">
+                <a:effectLst/>
+                <a:latin typeface="Times New Roman" panose="02020603050405020304" pitchFamily="18" charset="0"/>
+                <a:ea typeface="Times New Roman" panose="02020603050405020304" pitchFamily="18" charset="0"/>
+              </a:rPr>
+              <a:t/>
+            </a:r>
             <a:br>
-              <a:rPr dirty="0" sz="1800" lang="en-US">
+              <a:rPr lang="en-US" sz="1800" dirty="0">
                 <a:effectLst/>
                 <a:latin typeface="Times New Roman" panose="02020603050405020304" pitchFamily="18" charset="0"/>
                 <a:ea typeface="Times New Roman" panose="02020603050405020304" pitchFamily="18" charset="0"/>
               </a:rPr>
             </a:br>
-            <a:endParaRPr dirty="0" lang="en-US"/>
+            <a:endParaRPr lang="en-US" dirty="0"/>
           </a:p>
         </p:txBody>
       </p:sp>
@@ -11596,8 +11497,9 @@
         <p:spPr/>
         <p:txBody>
           <a:bodyPr/>
-          <a:p>
-            <a:pPr indent="-342900" lvl="0" marL="342900" marR="0">
+          <a:lstStyle/>
+          <a:p>
+            <a:pPr marL="342900" marR="0" lvl="0" indent="-342900">
               <a:lnSpc>
                 <a:spcPct val="150000"/>
               </a:lnSpc>
@@ -11611,7 +11513,7 @@
               <a:buChar char=""/>
             </a:pPr>
             <a:r>
-              <a:rPr dirty="0" sz="1800" lang="en-US">
+              <a:rPr lang="en-US" sz="1800" dirty="0">
                 <a:effectLst/>
                 <a:latin typeface="Times New Roman" panose="02020603050405020304" pitchFamily="18" charset="0"/>
                 <a:ea typeface="Calibri" panose="020F0502020204030204" pitchFamily="34" charset="0"/>
@@ -11619,7 +11521,7 @@
               </a:rPr>
               <a:t>Operating System 			:  Windows 7/8/10</a:t>
             </a:r>
-            <a:endParaRPr dirty="0" sz="1800" lang="en-US">
+            <a:endParaRPr lang="en-US" sz="1800" dirty="0">
               <a:effectLst/>
               <a:latin typeface="Calibri" panose="020F0502020204030204" pitchFamily="34" charset="0"/>
               <a:ea typeface="Calibri" panose="020F0502020204030204" pitchFamily="34" charset="0"/>
@@ -11627,7 +11529,7 @@
             </a:endParaRPr>
           </a:p>
           <a:p>
-            <a:pPr indent="-342900" lvl="0" marL="342900" marR="0">
+            <a:pPr marL="342900" marR="0" lvl="0" indent="-342900">
               <a:lnSpc>
                 <a:spcPct val="150000"/>
               </a:lnSpc>
@@ -11641,7 +11543,7 @@
               <a:buChar char=""/>
             </a:pPr>
             <a:r>
-              <a:rPr dirty="0" sz="1800" lang="en-US">
+              <a:rPr lang="en-US" sz="1800" dirty="0">
                 <a:effectLst/>
                 <a:latin typeface="Times New Roman" panose="02020603050405020304" pitchFamily="18" charset="0"/>
                 <a:ea typeface="Calibri" panose="020F0502020204030204" pitchFamily="34" charset="0"/>
@@ -11649,7 +11551,7 @@
               </a:rPr>
               <a:t>Front End					:  JAVA		</a:t>
             </a:r>
-            <a:endParaRPr dirty="0" sz="1800" lang="en-US">
+            <a:endParaRPr lang="en-US" sz="1800" dirty="0">
               <a:effectLst/>
               <a:latin typeface="Calibri" panose="020F0502020204030204" pitchFamily="34" charset="0"/>
               <a:ea typeface="Calibri" panose="020F0502020204030204" pitchFamily="34" charset="0"/>
@@ -11657,7 +11559,7 @@
             </a:endParaRPr>
           </a:p>
           <a:p>
-            <a:pPr indent="-342900" lvl="0" marL="342900" marR="0">
+            <a:pPr marL="342900" marR="0" lvl="0" indent="-342900">
               <a:lnSpc>
                 <a:spcPct val="150000"/>
               </a:lnSpc>
@@ -11671,7 +11573,7 @@
               <a:buChar char=""/>
             </a:pPr>
             <a:r>
-              <a:rPr dirty="0" sz="1800" lang="en-US">
+              <a:rPr lang="en-US" sz="1800" dirty="0">
                 <a:effectLst/>
                 <a:latin typeface="Times New Roman" panose="02020603050405020304" pitchFamily="18" charset="0"/>
                 <a:ea typeface="Calibri" panose="020F0502020204030204" pitchFamily="34" charset="0"/>
@@ -11679,7 +11581,7 @@
               </a:rPr>
               <a:t>Back End					:  SQL</a:t>
             </a:r>
-            <a:endParaRPr dirty="0" sz="1800" lang="en-US">
+            <a:endParaRPr lang="en-US" sz="1800" dirty="0">
               <a:effectLst/>
               <a:latin typeface="Calibri" panose="020F0502020204030204" pitchFamily="34" charset="0"/>
               <a:ea typeface="Calibri" panose="020F0502020204030204" pitchFamily="34" charset="0"/>
@@ -11695,15 +11597,23 @@
                 <a:spcPts val="1000"/>
               </a:spcAft>
             </a:pPr>
+            <a:r>
+              <a:rPr lang="en-US" sz="1800" b="1" dirty="0">
+                <a:effectLst/>
+                <a:latin typeface="Times New Roman" panose="02020603050405020304" pitchFamily="18" charset="0"/>
+                <a:ea typeface="Calibri" panose="020F0502020204030204" pitchFamily="34" charset="0"/>
+              </a:rPr>
+              <a:t/>
+            </a:r>
             <a:br>
-              <a:rPr b="1" dirty="0" sz="1800" lang="en-US">
+              <a:rPr lang="en-US" sz="1800" b="1" dirty="0">
                 <a:effectLst/>
                 <a:latin typeface="Times New Roman" panose="02020603050405020304" pitchFamily="18" charset="0"/>
                 <a:ea typeface="Calibri" panose="020F0502020204030204" pitchFamily="34" charset="0"/>
               </a:rPr>
             </a:br>
             <a:r>
-              <a:rPr b="1" dirty="0" sz="1800" lang="en-US">
+              <a:rPr lang="en-US" sz="1800" b="1" dirty="0">
                 <a:effectLst/>
                 <a:latin typeface="Times New Roman" panose="02020603050405020304" pitchFamily="18" charset="0"/>
                 <a:ea typeface="Calibri" panose="020F0502020204030204" pitchFamily="34" charset="0"/>
@@ -11711,7 +11621,7 @@
               </a:rPr>
               <a:t> </a:t>
             </a:r>
-            <a:endParaRPr dirty="0" sz="1800" lang="en-US">
+            <a:endParaRPr lang="en-US" sz="1800" dirty="0">
               <a:effectLst/>
               <a:latin typeface="Calibri" panose="020F0502020204030204" pitchFamily="34" charset="0"/>
               <a:ea typeface="Times New Roman" panose="02020603050405020304" pitchFamily="18" charset="0"/>
@@ -11719,7 +11629,7 @@
             </a:endParaRPr>
           </a:p>
           <a:p>
-            <a:endParaRPr dirty="0" lang="en-US"/>
+            <a:endParaRPr lang="en-US" dirty="0"/>
           </a:p>
         </p:txBody>
       </p:sp>
@@ -11736,7 +11646,7 @@
   <p:cSld>
     <p:spTree>
       <p:nvGrpSpPr>
-        <p:cNvPr id="57" name=""/>
+        <p:cNvPr id="1" name=""/>
         <p:cNvGrpSpPr/>
         <p:nvPr/>
       </p:nvGrpSpPr>
@@ -11761,12 +11671,12 @@
         <p:spPr/>
         <p:txBody>
           <a:bodyPr/>
-          <a:p>
-            <a:r>
-              <a:rPr dirty="0" lang="en-US"/>
+          <a:lstStyle/>
+          <a:p>
+            <a:r>
+              <a:rPr lang="en-US" dirty="0"/>
               <a:t>EXISTING SYSTEM</a:t>
             </a:r>
-            <a:endParaRPr dirty="0" lang="en-US"/>
           </a:p>
         </p:txBody>
       </p:sp>
@@ -11785,32 +11695,32 @@
           <a:bodyPr>
             <a:normAutofit/>
           </a:bodyPr>
-          <a:p>
-            <a:pPr indent="0" marL="0">
+          <a:lstStyle/>
+          <a:p>
+            <a:pPr marL="0" indent="0">
               <a:buNone/>
             </a:pPr>
             <a:r>
-              <a:rPr dirty="0" sz="1800" kern="100" lang="en-US">
+              <a:rPr lang="en-US" sz="1800" kern="100" dirty="0">
                 <a:effectLst/>
                 <a:latin typeface="Times New Roman" panose="02020603050405020304" pitchFamily="18" charset="0"/>
                 <a:ea typeface="Calibri" panose="020F0502020204030204" pitchFamily="34" charset="0"/>
               </a:rPr>
               <a:t>In existing system all work is done manually. In this system it is very difficult to find old records. Since all work is done manually, it takes time to give report to management regarding their query. Sometime it is very difficult to manage all transport delivery. So an automated system is needed to computerize all these activity.</a:t>
             </a:r>
-            <a:endParaRPr dirty="0" lang="en-US"/>
-          </a:p>
-          <a:p>
-            <a:pPr indent="0" marL="0">
+            <a:endParaRPr lang="en-US" dirty="0"/>
+          </a:p>
+          <a:p>
+            <a:pPr marL="0" indent="0">
               <a:buNone/>
             </a:pPr>
             <a:r>
-              <a:rPr dirty="0" lang="en-US"/>
+              <a:rPr lang="en-US" dirty="0"/>
               <a:t>Disadvantages</a:t>
             </a:r>
-            <a:endParaRPr dirty="0" lang="en-US"/>
-          </a:p>
-          <a:p>
-            <a:pPr indent="-342900" lvl="0" marL="342900" marR="0">
+          </a:p>
+          <a:p>
+            <a:pPr marL="342900" marR="0" lvl="0" indent="-342900">
               <a:lnSpc>
                 <a:spcPct val="150000"/>
               </a:lnSpc>
@@ -11824,11 +11734,11 @@
               <a:buChar char=""/>
             </a:pPr>
             <a:r>
-              <a:rPr dirty="0" lang="en-US"/>
+              <a:rPr lang="en-US" dirty="0"/>
               <a:t>	</a:t>
             </a:r>
             <a:r>
-              <a:rPr dirty="0" sz="1800" kern="100" lang="en-US">
+              <a:rPr lang="en-US" sz="1800" kern="100" dirty="0">
                 <a:effectLst/>
                 <a:latin typeface="Times New Roman" panose="02020603050405020304" pitchFamily="18" charset="0"/>
                 <a:ea typeface="Calibri" panose="020F0502020204030204" pitchFamily="34" charset="0"/>
@@ -11836,7 +11746,7 @@
               </a:rPr>
               <a:t>To book an order user have to come transportation office. </a:t>
             </a:r>
-            <a:endParaRPr dirty="0" sz="1800" lang="en-US">
+            <a:endParaRPr lang="en-US" sz="1800" dirty="0">
               <a:effectLst/>
               <a:latin typeface="Calibri" panose="020F0502020204030204" pitchFamily="34" charset="0"/>
               <a:ea typeface="Calibri" panose="020F0502020204030204" pitchFamily="34" charset="0"/>
@@ -11844,7 +11754,7 @@
             </a:endParaRPr>
           </a:p>
           <a:p>
-            <a:pPr indent="-342900" lvl="0" marL="342900" marR="0">
+            <a:pPr marL="342900" marR="0" lvl="0" indent="-342900">
               <a:lnSpc>
                 <a:spcPct val="150000"/>
               </a:lnSpc>
@@ -11858,7 +11768,7 @@
               <a:buChar char=""/>
             </a:pPr>
             <a:r>
-              <a:rPr dirty="0" sz="1800" kern="100" lang="en-US">
+              <a:rPr lang="en-US" sz="1800" kern="100" dirty="0">
                 <a:effectLst/>
                 <a:latin typeface="Times New Roman" panose="02020603050405020304" pitchFamily="18" charset="0"/>
                 <a:ea typeface="Calibri" panose="020F0502020204030204" pitchFamily="34" charset="0"/>
@@ -11866,7 +11776,7 @@
               </a:rPr>
               <a:t>All work is done on paper so it is error prone system.</a:t>
             </a:r>
-            <a:endParaRPr dirty="0" sz="1800" lang="en-US">
+            <a:endParaRPr lang="en-US" sz="1800" dirty="0">
               <a:effectLst/>
               <a:latin typeface="Calibri" panose="020F0502020204030204" pitchFamily="34" charset="0"/>
               <a:ea typeface="Calibri" panose="020F0502020204030204" pitchFamily="34" charset="0"/>
@@ -11874,7 +11784,7 @@
             </a:endParaRPr>
           </a:p>
           <a:p>
-            <a:pPr indent="-342900" lvl="0" marL="342900" marR="0">
+            <a:pPr marL="342900" marR="0" lvl="0" indent="-342900">
               <a:lnSpc>
                 <a:spcPct val="150000"/>
               </a:lnSpc>
@@ -11888,7 +11798,7 @@
               <a:buChar char=""/>
             </a:pPr>
             <a:r>
-              <a:rPr dirty="0" sz="1800" kern="100" lang="en-US">
+              <a:rPr lang="en-US" sz="1800" kern="100" dirty="0">
                 <a:effectLst/>
                 <a:latin typeface="Times New Roman" panose="02020603050405020304" pitchFamily="18" charset="0"/>
                 <a:ea typeface="Calibri" panose="020F0502020204030204" pitchFamily="34" charset="0"/>
@@ -11896,7 +11806,7 @@
               </a:rPr>
               <a:t>User can also not able to check his goods delivery status</a:t>
             </a:r>
-            <a:endParaRPr dirty="0" sz="1800" lang="en-US">
+            <a:endParaRPr lang="en-US" sz="1800" dirty="0">
               <a:effectLst/>
               <a:latin typeface="Calibri" panose="020F0502020204030204" pitchFamily="34" charset="0"/>
               <a:ea typeface="Calibri" panose="020F0502020204030204" pitchFamily="34" charset="0"/>
@@ -11904,10 +11814,10 @@
             </a:endParaRPr>
           </a:p>
           <a:p>
-            <a:pPr indent="0" marL="0">
+            <a:pPr marL="0" indent="0">
               <a:buNone/>
             </a:pPr>
-            <a:endParaRPr dirty="0" lang="en-US"/>
+            <a:endParaRPr lang="en-US" dirty="0"/>
           </a:p>
         </p:txBody>
       </p:sp>
@@ -11924,7 +11834,7 @@
   <p:cSld>
     <p:spTree>
       <p:nvGrpSpPr>
-        <p:cNvPr id="58" name=""/>
+        <p:cNvPr id="1" name=""/>
         <p:cNvGrpSpPr/>
         <p:nvPr/>
       </p:nvGrpSpPr>
@@ -11949,12 +11859,12 @@
         <p:spPr/>
         <p:txBody>
           <a:bodyPr/>
-          <a:p>
-            <a:r>
-              <a:rPr dirty="0" lang="en-US"/>
+          <a:lstStyle/>
+          <a:p>
+            <a:r>
+              <a:rPr lang="en-US" dirty="0"/>
               <a:t>PROPOSED SYSTEM</a:t>
             </a:r>
-            <a:endParaRPr dirty="0" lang="en-US"/>
           </a:p>
         </p:txBody>
       </p:sp>
@@ -11971,42 +11881,35 @@
         <p:spPr/>
         <p:txBody>
           <a:bodyPr>
-            <a:normAutofit fontScale="94444" lnSpcReduction="20000"/>
+            <a:normAutofit fontScale="86944"/>
           </a:bodyPr>
-          <a:p>
-            <a:pPr indent="0" marL="0">
+          <a:lstStyle/>
+          <a:p>
+            <a:pPr marL="0" indent="0">
               <a:buNone/>
             </a:pPr>
             <a:r>
-              <a:rPr dirty="0" sz="1800" kern="100" lang="en-US">
+              <a:rPr lang="en-US" sz="1800" kern="100" dirty="0">
                 <a:effectLst/>
                 <a:latin typeface="Times New Roman" panose="02020603050405020304" pitchFamily="18" charset="0"/>
                 <a:ea typeface="Calibri" panose="020F0502020204030204" pitchFamily="34" charset="0"/>
               </a:rPr>
               <a:t>	Proposed system will automate all the work done manually in existing transport system. It will store all the records of goods delivery. Using this system user can online check rates of transportation and routes to the destination. User can also manage billing operation of transportation. This system provides the basic components of a shared information system to support the collaboration, rates, routes, roles, transaction sets, documents, and information exchanged to facilitate the booking, execution, and settlement of any type of transportation movement.</a:t>
             </a:r>
-            <a:endParaRPr dirty="0" sz="1800" kern="100" lang="en-US">
-              <a:effectLst/>
-              <a:latin typeface="Times New Roman" panose="02020603050405020304" pitchFamily="18" charset="0"/>
-              <a:ea typeface="Calibri" panose="020F0502020204030204" pitchFamily="34" charset="0"/>
-            </a:endParaRPr>
-          </a:p>
-          <a:p>
-            <a:pPr indent="0" marL="0">
+          </a:p>
+          <a:p>
+            <a:pPr marL="0" indent="0">
               <a:buNone/>
             </a:pPr>
             <a:r>
-              <a:rPr b="1" dirty="0" sz="1800" kern="100" lang="en-US">
+              <a:rPr lang="en-US" sz="1800" b="1" kern="100" dirty="0">
                 <a:latin typeface="Times New Roman" panose="02020603050405020304" pitchFamily="18" charset="0"/>
               </a:rPr>
               <a:t>Advantages</a:t>
             </a:r>
-            <a:endParaRPr b="1" dirty="0" sz="1800" kern="100" lang="en-US">
-              <a:latin typeface="Times New Roman" panose="02020603050405020304" pitchFamily="18" charset="0"/>
-            </a:endParaRPr>
-          </a:p>
-          <a:p>
-            <a:pPr indent="-342900" lvl="0" marL="342900" marR="0">
+          </a:p>
+          <a:p>
+            <a:pPr marL="342900" marR="0" lvl="0" indent="-342900">
               <a:lnSpc>
                 <a:spcPct val="150000"/>
               </a:lnSpc>
@@ -12020,7 +11923,7 @@
               <a:buChar char=""/>
             </a:pPr>
             <a:r>
-              <a:rPr dirty="0" sz="1800" kern="100" lang="en-US">
+              <a:rPr lang="en-US" sz="1800" kern="100" dirty="0">
                 <a:effectLst/>
                 <a:latin typeface="Times New Roman" panose="02020603050405020304" pitchFamily="18" charset="0"/>
                 <a:ea typeface="Calibri" panose="020F0502020204030204" pitchFamily="34" charset="0"/>
@@ -12028,7 +11931,7 @@
               </a:rPr>
               <a:t>Admin can also check which truck is available for transportation and how long it takes to reach the delivery point </a:t>
             </a:r>
-            <a:endParaRPr dirty="0" sz="1800" lang="en-US">
+            <a:endParaRPr lang="en-US" sz="1800" dirty="0">
               <a:effectLst/>
               <a:latin typeface="Calibri" panose="020F0502020204030204" pitchFamily="34" charset="0"/>
               <a:ea typeface="Calibri" panose="020F0502020204030204" pitchFamily="34" charset="0"/>
@@ -12036,7 +11939,7 @@
             </a:endParaRPr>
           </a:p>
           <a:p>
-            <a:pPr indent="-342900" lvl="0" marL="342900" marR="0">
+            <a:pPr marL="342900" marR="0" lvl="0" indent="-342900">
               <a:lnSpc>
                 <a:spcPct val="150000"/>
               </a:lnSpc>
@@ -12050,7 +11953,7 @@
               <a:buChar char=""/>
             </a:pPr>
             <a:r>
-              <a:rPr dirty="0" sz="1800" kern="100" lang="en-US">
+              <a:rPr lang="en-US" sz="1800" kern="100" dirty="0">
                 <a:effectLst/>
                 <a:latin typeface="Times New Roman" panose="02020603050405020304" pitchFamily="18" charset="0"/>
                 <a:ea typeface="Calibri" panose="020F0502020204030204" pitchFamily="34" charset="0"/>
@@ -12058,7 +11961,7 @@
               </a:rPr>
               <a:t>Here user can check everything online and can book his order to transport his goods. </a:t>
             </a:r>
-            <a:endParaRPr dirty="0" sz="1800" lang="en-US">
+            <a:endParaRPr lang="en-US" sz="1800" dirty="0">
               <a:effectLst/>
               <a:latin typeface="Calibri" panose="020F0502020204030204" pitchFamily="34" charset="0"/>
               <a:ea typeface="Calibri" panose="020F0502020204030204" pitchFamily="34" charset="0"/>
@@ -12066,7 +11969,7 @@
             </a:endParaRPr>
           </a:p>
           <a:p>
-            <a:pPr indent="-342900" lvl="0" marL="342900" marR="0">
+            <a:pPr marL="342900" marR="0" lvl="0" indent="-342900">
               <a:lnSpc>
                 <a:spcPct val="150000"/>
               </a:lnSpc>
@@ -12080,7 +11983,7 @@
               <a:buChar char=""/>
             </a:pPr>
             <a:r>
-              <a:rPr dirty="0" sz="1800" kern="100" lang="en-US">
+              <a:rPr lang="en-US" sz="1800" kern="100" dirty="0">
                 <a:effectLst/>
                 <a:latin typeface="Times New Roman" panose="02020603050405020304" pitchFamily="18" charset="0"/>
                 <a:ea typeface="Calibri" panose="020F0502020204030204" pitchFamily="34" charset="0"/>
@@ -12088,7 +11991,7 @@
               </a:rPr>
               <a:t>Attractive user interface</a:t>
             </a:r>
-            <a:endParaRPr dirty="0" sz="1800" lang="en-US">
+            <a:endParaRPr lang="en-US" sz="1800" dirty="0">
               <a:effectLst/>
               <a:latin typeface="Calibri" panose="020F0502020204030204" pitchFamily="34" charset="0"/>
               <a:ea typeface="Calibri" panose="020F0502020204030204" pitchFamily="34" charset="0"/>
@@ -12096,10 +11999,10 @@
             </a:endParaRPr>
           </a:p>
           <a:p>
-            <a:pPr indent="0" marL="0">
+            <a:pPr marL="0" indent="0">
               <a:buNone/>
             </a:pPr>
-            <a:endParaRPr b="1" dirty="0" lang="en-US"/>
+            <a:endParaRPr lang="en-US" b="1" dirty="0"/>
           </a:p>
         </p:txBody>
       </p:sp>
@@ -12116,7 +12019,7 @@
   <p:cSld>
     <p:spTree>
       <p:nvGrpSpPr>
-        <p:cNvPr id="59" name=""/>
+        <p:cNvPr id="1" name=""/>
         <p:cNvGrpSpPr/>
         <p:nvPr/>
       </p:nvGrpSpPr>
@@ -12141,12 +12044,12 @@
         <p:spPr/>
         <p:txBody>
           <a:bodyPr/>
-          <a:p>
-            <a:r>
-              <a:rPr dirty="0" lang="en-US"/>
+          <a:lstStyle/>
+          <a:p>
+            <a:r>
+              <a:rPr lang="en-US" dirty="0"/>
               <a:t>Modules</a:t>
             </a:r>
-            <a:endParaRPr dirty="0" lang="en-US"/>
           </a:p>
         </p:txBody>
       </p:sp>
@@ -12163,10 +12066,11 @@
         <p:spPr/>
         <p:txBody>
           <a:bodyPr>
-            <a:normAutofit fontScale="88889" lnSpcReduction="20000"/>
+            <a:normAutofit fontScale="88889" lnSpcReduction="10000"/>
           </a:bodyPr>
-          <a:p>
-            <a:pPr indent="0" lvl="0" marL="0" marR="0">
+          <a:lstStyle/>
+          <a:p>
+            <a:pPr marL="0" marR="0" lvl="0" indent="0">
               <a:lnSpc>
                 <a:spcPct val="150000"/>
               </a:lnSpc>
@@ -12179,69 +12083,15 @@
               <a:buNone/>
             </a:pPr>
             <a:r>
-              <a:rPr b="1" dirty="0" sz="1800" kern="100" lang="en-US">
+              <a:rPr lang="en-US" sz="1800" b="1" kern="100" dirty="0">
                 <a:effectLst/>
                 <a:latin typeface="Times New Roman" panose="02020603050405020304" pitchFamily="18" charset="0"/>
                 <a:ea typeface="Calibri" panose="020F0502020204030204" pitchFamily="34" charset="0"/>
                 <a:cs typeface="Times New Roman" panose="02020603050405020304" pitchFamily="18" charset="0"/>
               </a:rPr>
-              <a:t>V</a:t>
-            </a:r>
-            <a:r>
-              <a:rPr b="1" dirty="0" sz="1800" kern="100" lang="en-US">
-                <a:effectLst/>
-                <a:latin typeface="Times New Roman" panose="02020603050405020304" pitchFamily="18" charset="0"/>
-                <a:ea typeface="Calibri" panose="020F0502020204030204" pitchFamily="34" charset="0"/>
-                <a:cs typeface="Times New Roman" panose="02020603050405020304" pitchFamily="18" charset="0"/>
-              </a:rPr>
-              <a:t>e</a:t>
-            </a:r>
-            <a:r>
-              <a:rPr b="1" dirty="0" sz="1800" kern="100" lang="en-US">
-                <a:effectLst/>
-                <a:latin typeface="Times New Roman" panose="02020603050405020304" pitchFamily="18" charset="0"/>
-                <a:ea typeface="Calibri" panose="020F0502020204030204" pitchFamily="34" charset="0"/>
-                <a:cs typeface="Times New Roman" panose="02020603050405020304" pitchFamily="18" charset="0"/>
-              </a:rPr>
-              <a:t>h</a:t>
-            </a:r>
-            <a:r>
-              <a:rPr b="1" dirty="0" sz="1800" kern="100" lang="en-US">
-                <a:effectLst/>
-                <a:latin typeface="Times New Roman" panose="02020603050405020304" pitchFamily="18" charset="0"/>
-                <a:ea typeface="Calibri" panose="020F0502020204030204" pitchFamily="34" charset="0"/>
-                <a:cs typeface="Times New Roman" panose="02020603050405020304" pitchFamily="18" charset="0"/>
-              </a:rPr>
-              <a:t>i</a:t>
-            </a:r>
-            <a:r>
-              <a:rPr b="1" dirty="0" sz="1800" kern="100" lang="en-US">
-                <a:effectLst/>
-                <a:latin typeface="Times New Roman" panose="02020603050405020304" pitchFamily="18" charset="0"/>
-                <a:ea typeface="Calibri" panose="020F0502020204030204" pitchFamily="34" charset="0"/>
-                <a:cs typeface="Times New Roman" panose="02020603050405020304" pitchFamily="18" charset="0"/>
-              </a:rPr>
-              <a:t>cle</a:t>
-            </a:r>
-            <a:r>
-              <a:rPr b="1" dirty="0" sz="1800" kern="100" lang="en-US">
-                <a:effectLst/>
-                <a:latin typeface="Times New Roman" panose="02020603050405020304" pitchFamily="18" charset="0"/>
-                <a:ea typeface="Calibri" panose="020F0502020204030204" pitchFamily="34" charset="0"/>
-                <a:cs typeface="Times New Roman" panose="02020603050405020304" pitchFamily="18" charset="0"/>
-              </a:rPr>
-              <a:t> </a:t>
-            </a:r>
-            <a:r>
-              <a:rPr b="1" dirty="0" sz="1800" kern="100" lang="en-US">
-                <a:effectLst/>
-                <a:latin typeface="Times New Roman" panose="02020603050405020304" pitchFamily="18" charset="0"/>
-                <a:ea typeface="Calibri" panose="020F0502020204030204" pitchFamily="34" charset="0"/>
-                <a:cs typeface="Times New Roman" panose="02020603050405020304" pitchFamily="18" charset="0"/>
-              </a:rPr>
-              <a:t> Registration</a:t>
-            </a:r>
-            <a:endParaRPr dirty="0" sz="1800" lang="en-US">
+              <a:t>Vehicle  Registration</a:t>
+            </a:r>
+            <a:endParaRPr lang="en-US" sz="1800" dirty="0">
               <a:effectLst/>
               <a:latin typeface="Calibri" panose="020F0502020204030204" pitchFamily="34" charset="0"/>
               <a:ea typeface="Calibri" panose="020F0502020204030204" pitchFamily="34" charset="0"/>
@@ -12249,7 +12099,7 @@
             </a:endParaRPr>
           </a:p>
           <a:p>
-            <a:pPr indent="457200" marL="457200" marR="0">
+            <a:pPr marL="457200" marR="0" indent="457200">
               <a:lnSpc>
                 <a:spcPct val="150000"/>
               </a:lnSpc>
@@ -12261,249 +12111,15 @@
               </a:spcAft>
             </a:pPr>
             <a:r>
-              <a:rPr dirty="0" sz="1800" kern="100" lang="en-US">
+              <a:rPr lang="en-US" sz="1800" kern="100" dirty="0">
                 <a:effectLst/>
                 <a:latin typeface="Times New Roman" panose="02020603050405020304" pitchFamily="18" charset="0"/>
                 <a:ea typeface="Calibri" panose="020F0502020204030204" pitchFamily="34" charset="0"/>
                 <a:cs typeface="Times New Roman" panose="02020603050405020304" pitchFamily="18" charset="0"/>
               </a:rPr>
-              <a:t>Admin enter into the login page and add the </a:t>
-            </a:r>
-            <a:r>
-              <a:rPr dirty="0" sz="1800" kern="100" lang="en-US">
-                <a:effectLst/>
-                <a:latin typeface="Times New Roman" panose="02020603050405020304" pitchFamily="18" charset="0"/>
-                <a:ea typeface="Calibri" panose="020F0502020204030204" pitchFamily="34" charset="0"/>
-                <a:cs typeface="Times New Roman" panose="02020603050405020304" pitchFamily="18" charset="0"/>
-              </a:rPr>
-              <a:t>v</a:t>
-            </a:r>
-            <a:r>
-              <a:rPr dirty="0" sz="1800" kern="100" lang="en-US">
-                <a:effectLst/>
-                <a:latin typeface="Times New Roman" panose="02020603050405020304" pitchFamily="18" charset="0"/>
-                <a:ea typeface="Calibri" panose="020F0502020204030204" pitchFamily="34" charset="0"/>
-                <a:cs typeface="Times New Roman" panose="02020603050405020304" pitchFamily="18" charset="0"/>
-              </a:rPr>
-              <a:t>e</a:t>
-            </a:r>
-            <a:r>
-              <a:rPr dirty="0" sz="1800" kern="100" lang="en-US">
-                <a:effectLst/>
-                <a:latin typeface="Times New Roman" panose="02020603050405020304" pitchFamily="18" charset="0"/>
-                <a:ea typeface="Calibri" panose="020F0502020204030204" pitchFamily="34" charset="0"/>
-                <a:cs typeface="Times New Roman" panose="02020603050405020304" pitchFamily="18" charset="0"/>
-              </a:rPr>
-              <a:t>h</a:t>
-            </a:r>
-            <a:r>
-              <a:rPr dirty="0" sz="1800" kern="100" lang="en-US">
-                <a:effectLst/>
-                <a:latin typeface="Times New Roman" panose="02020603050405020304" pitchFamily="18" charset="0"/>
-                <a:ea typeface="Calibri" panose="020F0502020204030204" pitchFamily="34" charset="0"/>
-                <a:cs typeface="Times New Roman" panose="02020603050405020304" pitchFamily="18" charset="0"/>
-              </a:rPr>
-              <a:t>i</a:t>
-            </a:r>
-            <a:r>
-              <a:rPr dirty="0" sz="1800" kern="100" lang="en-US">
-                <a:effectLst/>
-                <a:latin typeface="Times New Roman" panose="02020603050405020304" pitchFamily="18" charset="0"/>
-                <a:ea typeface="Calibri" panose="020F0502020204030204" pitchFamily="34" charset="0"/>
-                <a:cs typeface="Times New Roman" panose="02020603050405020304" pitchFamily="18" charset="0"/>
-              </a:rPr>
-              <a:t>c</a:t>
-            </a:r>
-            <a:r>
-              <a:rPr dirty="0" sz="1800" kern="100" lang="en-US">
-                <a:effectLst/>
-                <a:latin typeface="Times New Roman" panose="02020603050405020304" pitchFamily="18" charset="0"/>
-                <a:ea typeface="Calibri" panose="020F0502020204030204" pitchFamily="34" charset="0"/>
-                <a:cs typeface="Times New Roman" panose="02020603050405020304" pitchFamily="18" charset="0"/>
-              </a:rPr>
-              <a:t>l</a:t>
-            </a:r>
-            <a:r>
-              <a:rPr dirty="0" sz="1800" kern="100" lang="en-US">
-                <a:effectLst/>
-                <a:latin typeface="Times New Roman" panose="02020603050405020304" pitchFamily="18" charset="0"/>
-                <a:ea typeface="Calibri" panose="020F0502020204030204" pitchFamily="34" charset="0"/>
-                <a:cs typeface="Times New Roman" panose="02020603050405020304" pitchFamily="18" charset="0"/>
-              </a:rPr>
-              <a:t>e</a:t>
-            </a:r>
-            <a:r>
-              <a:rPr dirty="0" sz="1800" kern="100" lang="en-US">
-                <a:effectLst/>
-                <a:latin typeface="Times New Roman" panose="02020603050405020304" pitchFamily="18" charset="0"/>
-                <a:ea typeface="Calibri" panose="020F0502020204030204" pitchFamily="34" charset="0"/>
-                <a:cs typeface="Times New Roman" panose="02020603050405020304" pitchFamily="18" charset="0"/>
-              </a:rPr>
-              <a:t> </a:t>
-            </a:r>
-            <a:r>
-              <a:rPr dirty="0" sz="1800" kern="100" lang="en-US">
-                <a:effectLst/>
-                <a:latin typeface="Times New Roman" panose="02020603050405020304" pitchFamily="18" charset="0"/>
-                <a:ea typeface="Calibri" panose="020F0502020204030204" pitchFamily="34" charset="0"/>
-                <a:cs typeface="Times New Roman" panose="02020603050405020304" pitchFamily="18" charset="0"/>
-              </a:rPr>
-              <a:t>details, as </a:t>
-            </a:r>
-            <a:r>
-              <a:rPr dirty="0" sz="1800" kern="100" lang="en-US">
-                <a:effectLst/>
-                <a:latin typeface="Times New Roman" panose="02020603050405020304" pitchFamily="18" charset="0"/>
-                <a:ea typeface="Calibri" panose="020F0502020204030204" pitchFamily="34" charset="0"/>
-                <a:cs typeface="Times New Roman" panose="02020603050405020304" pitchFamily="18" charset="0"/>
-              </a:rPr>
-              <a:t>v</a:t>
-            </a:r>
-            <a:r>
-              <a:rPr dirty="0" sz="1800" kern="100" lang="en-US">
-                <a:effectLst/>
-                <a:latin typeface="Times New Roman" panose="02020603050405020304" pitchFamily="18" charset="0"/>
-                <a:ea typeface="Calibri" panose="020F0502020204030204" pitchFamily="34" charset="0"/>
-                <a:cs typeface="Times New Roman" panose="02020603050405020304" pitchFamily="18" charset="0"/>
-              </a:rPr>
-              <a:t>e</a:t>
-            </a:r>
-            <a:r>
-              <a:rPr dirty="0" sz="1800" kern="100" lang="en-US">
-                <a:effectLst/>
-                <a:latin typeface="Times New Roman" panose="02020603050405020304" pitchFamily="18" charset="0"/>
-                <a:ea typeface="Calibri" panose="020F0502020204030204" pitchFamily="34" charset="0"/>
-                <a:cs typeface="Times New Roman" panose="02020603050405020304" pitchFamily="18" charset="0"/>
-              </a:rPr>
-              <a:t>h</a:t>
-            </a:r>
-            <a:r>
-              <a:rPr dirty="0" sz="1800" kern="100" lang="en-US">
-                <a:effectLst/>
-                <a:latin typeface="Times New Roman" panose="02020603050405020304" pitchFamily="18" charset="0"/>
-                <a:ea typeface="Calibri" panose="020F0502020204030204" pitchFamily="34" charset="0"/>
-                <a:cs typeface="Times New Roman" panose="02020603050405020304" pitchFamily="18" charset="0"/>
-              </a:rPr>
-              <a:t>i</a:t>
-            </a:r>
-            <a:r>
-              <a:rPr dirty="0" sz="1800" kern="100" lang="en-US">
-                <a:effectLst/>
-                <a:latin typeface="Times New Roman" panose="02020603050405020304" pitchFamily="18" charset="0"/>
-                <a:ea typeface="Calibri" panose="020F0502020204030204" pitchFamily="34" charset="0"/>
-                <a:cs typeface="Times New Roman" panose="02020603050405020304" pitchFamily="18" charset="0"/>
-              </a:rPr>
-              <a:t>c</a:t>
-            </a:r>
-            <a:r>
-              <a:rPr dirty="0" sz="1800" kern="100" lang="en-US">
-                <a:effectLst/>
-                <a:latin typeface="Times New Roman" panose="02020603050405020304" pitchFamily="18" charset="0"/>
-                <a:ea typeface="Calibri" panose="020F0502020204030204" pitchFamily="34" charset="0"/>
-                <a:cs typeface="Times New Roman" panose="02020603050405020304" pitchFamily="18" charset="0"/>
-              </a:rPr>
-              <a:t>l</a:t>
-            </a:r>
-            <a:r>
-              <a:rPr dirty="0" sz="1800" kern="100" lang="en-US">
-                <a:effectLst/>
-                <a:latin typeface="Times New Roman" panose="02020603050405020304" pitchFamily="18" charset="0"/>
-                <a:ea typeface="Calibri" panose="020F0502020204030204" pitchFamily="34" charset="0"/>
-                <a:cs typeface="Times New Roman" panose="02020603050405020304" pitchFamily="18" charset="0"/>
-              </a:rPr>
-              <a:t>e</a:t>
-            </a:r>
-            <a:r>
-              <a:rPr dirty="0" sz="1800" kern="100" lang="en-US">
-                <a:effectLst/>
-                <a:latin typeface="Times New Roman" panose="02020603050405020304" pitchFamily="18" charset="0"/>
-                <a:ea typeface="Calibri" panose="020F0502020204030204" pitchFamily="34" charset="0"/>
-                <a:cs typeface="Times New Roman" panose="02020603050405020304" pitchFamily="18" charset="0"/>
-              </a:rPr>
-              <a:t> no and name like that. Once the admin registered the </a:t>
-            </a:r>
-            <a:r>
-              <a:rPr dirty="0" sz="1800" kern="100" lang="en-US">
-                <a:effectLst/>
-                <a:latin typeface="Times New Roman" panose="02020603050405020304" pitchFamily="18" charset="0"/>
-                <a:ea typeface="Calibri" panose="020F0502020204030204" pitchFamily="34" charset="0"/>
-                <a:cs typeface="Times New Roman" panose="02020603050405020304" pitchFamily="18" charset="0"/>
-              </a:rPr>
-              <a:t>v</a:t>
-            </a:r>
-            <a:r>
-              <a:rPr dirty="0" sz="1800" kern="100" lang="en-US">
-                <a:effectLst/>
-                <a:latin typeface="Times New Roman" panose="02020603050405020304" pitchFamily="18" charset="0"/>
-                <a:ea typeface="Calibri" panose="020F0502020204030204" pitchFamily="34" charset="0"/>
-                <a:cs typeface="Times New Roman" panose="02020603050405020304" pitchFamily="18" charset="0"/>
-              </a:rPr>
-              <a:t>e</a:t>
-            </a:r>
-            <a:r>
-              <a:rPr dirty="0" sz="1800" kern="100" lang="en-US">
-                <a:effectLst/>
-                <a:latin typeface="Times New Roman" panose="02020603050405020304" pitchFamily="18" charset="0"/>
-                <a:ea typeface="Calibri" panose="020F0502020204030204" pitchFamily="34" charset="0"/>
-                <a:cs typeface="Times New Roman" panose="02020603050405020304" pitchFamily="18" charset="0"/>
-              </a:rPr>
-              <a:t>h</a:t>
-            </a:r>
-            <a:r>
-              <a:rPr dirty="0" sz="1800" kern="100" lang="en-US">
-                <a:effectLst/>
-                <a:latin typeface="Times New Roman" panose="02020603050405020304" pitchFamily="18" charset="0"/>
-                <a:ea typeface="Calibri" panose="020F0502020204030204" pitchFamily="34" charset="0"/>
-                <a:cs typeface="Times New Roman" panose="02020603050405020304" pitchFamily="18" charset="0"/>
-              </a:rPr>
-              <a:t>i</a:t>
-            </a:r>
-            <a:r>
-              <a:rPr dirty="0" sz="1800" kern="100" lang="en-US">
-                <a:effectLst/>
-                <a:latin typeface="Times New Roman" panose="02020603050405020304" pitchFamily="18" charset="0"/>
-                <a:ea typeface="Calibri" panose="020F0502020204030204" pitchFamily="34" charset="0"/>
-                <a:cs typeface="Times New Roman" panose="02020603050405020304" pitchFamily="18" charset="0"/>
-              </a:rPr>
-              <a:t>c</a:t>
-            </a:r>
-            <a:r>
-              <a:rPr dirty="0" sz="1800" kern="100" lang="en-US">
-                <a:effectLst/>
-                <a:latin typeface="Times New Roman" panose="02020603050405020304" pitchFamily="18" charset="0"/>
-                <a:ea typeface="Calibri" panose="020F0502020204030204" pitchFamily="34" charset="0"/>
-                <a:cs typeface="Times New Roman" panose="02020603050405020304" pitchFamily="18" charset="0"/>
-              </a:rPr>
-              <a:t>l</a:t>
-            </a:r>
-            <a:r>
-              <a:rPr dirty="0" sz="1800" kern="100" lang="en-US">
-                <a:effectLst/>
-                <a:latin typeface="Times New Roman" panose="02020603050405020304" pitchFamily="18" charset="0"/>
-                <a:ea typeface="Calibri" panose="020F0502020204030204" pitchFamily="34" charset="0"/>
-                <a:cs typeface="Times New Roman" panose="02020603050405020304" pitchFamily="18" charset="0"/>
-              </a:rPr>
-              <a:t>e</a:t>
-            </a:r>
-            <a:r>
-              <a:rPr dirty="0" sz="1800" kern="100" lang="en-US">
-                <a:effectLst/>
-                <a:latin typeface="Times New Roman" panose="02020603050405020304" pitchFamily="18" charset="0"/>
-                <a:ea typeface="Calibri" panose="020F0502020204030204" pitchFamily="34" charset="0"/>
-                <a:cs typeface="Times New Roman" panose="02020603050405020304" pitchFamily="18" charset="0"/>
-              </a:rPr>
-              <a:t> </a:t>
-            </a:r>
-            <a:r>
-              <a:rPr dirty="0" sz="1800" kern="100" lang="en-US">
-                <a:effectLst/>
-                <a:latin typeface="Times New Roman" panose="02020603050405020304" pitchFamily="18" charset="0"/>
-                <a:ea typeface="Calibri" panose="020F0502020204030204" pitchFamily="34" charset="0"/>
-                <a:cs typeface="Times New Roman" panose="02020603050405020304" pitchFamily="18" charset="0"/>
-              </a:rPr>
-              <a:t>details user screen will show the success message as registered.</a:t>
-            </a:r>
-            <a:endParaRPr dirty="0" sz="1800" lang="en-US">
+              <a:t>Admin enter into the login page and add the vehicle details, as vehicle no and name like that. Once the admin registered the vehicle details user screen will show the success message as registered.</a:t>
+            </a:r>
+            <a:endParaRPr lang="en-US" sz="1800" dirty="0">
               <a:effectLst/>
               <a:latin typeface="Calibri" panose="020F0502020204030204" pitchFamily="34" charset="0"/>
               <a:ea typeface="Calibri" panose="020F0502020204030204" pitchFamily="34" charset="0"/>
@@ -12511,7 +12127,7 @@
             </a:endParaRPr>
           </a:p>
           <a:p>
-            <a:pPr indent="0" lvl="0" marL="0" marR="0">
+            <a:pPr marL="0" marR="0" lvl="0" indent="0">
               <a:lnSpc>
                 <a:spcPct val="150000"/>
               </a:lnSpc>
@@ -12524,7 +12140,7 @@
               <a:buNone/>
             </a:pPr>
             <a:r>
-              <a:rPr b="1" dirty="0" sz="1800" kern="100" lang="en-US">
+              <a:rPr lang="en-US" sz="1800" b="1" kern="100" dirty="0">
                 <a:effectLst/>
                 <a:latin typeface="Times New Roman" panose="02020603050405020304" pitchFamily="18" charset="0"/>
                 <a:ea typeface="Calibri" panose="020F0502020204030204" pitchFamily="34" charset="0"/>
@@ -12532,7 +12148,7 @@
               </a:rPr>
               <a:t>Drivers Registration</a:t>
             </a:r>
-            <a:endParaRPr dirty="0" sz="1800" lang="en-US">
+            <a:endParaRPr lang="en-US" sz="1800" dirty="0">
               <a:effectLst/>
               <a:latin typeface="Calibri" panose="020F0502020204030204" pitchFamily="34" charset="0"/>
               <a:ea typeface="Calibri" panose="020F0502020204030204" pitchFamily="34" charset="0"/>
@@ -12540,7 +12156,7 @@
             </a:endParaRPr>
           </a:p>
           <a:p>
-            <a:pPr indent="457200" marL="457200" marR="0">
+            <a:pPr marL="457200" marR="0" indent="457200">
               <a:lnSpc>
                 <a:spcPct val="150000"/>
               </a:lnSpc>
@@ -12552,7 +12168,7 @@
               </a:spcAft>
             </a:pPr>
             <a:r>
-              <a:rPr dirty="0" sz="1800" kern="100" lang="en-US">
+              <a:rPr lang="en-US" sz="1800" kern="100" dirty="0">
                 <a:effectLst/>
                 <a:latin typeface="Times New Roman" panose="02020603050405020304" pitchFamily="18" charset="0"/>
                 <a:ea typeface="Calibri" panose="020F0502020204030204" pitchFamily="34" charset="0"/>
@@ -12560,7 +12176,7 @@
               </a:rPr>
               <a:t>Admin only can register the drivers details, once the driver has been successfully registering the details will be shown in the next screen.</a:t>
             </a:r>
-            <a:endParaRPr dirty="0" sz="1800" lang="en-US">
+            <a:endParaRPr lang="en-US" sz="1800" dirty="0">
               <a:effectLst/>
               <a:latin typeface="Calibri" panose="020F0502020204030204" pitchFamily="34" charset="0"/>
               <a:ea typeface="Calibri" panose="020F0502020204030204" pitchFamily="34" charset="0"/>
@@ -12568,7 +12184,7 @@
             </a:endParaRPr>
           </a:p>
           <a:p>
-            <a:pPr indent="0" lvl="0" marL="0" marR="0">
+            <a:pPr marL="0" marR="0" lvl="0" indent="0">
               <a:lnSpc>
                 <a:spcPct val="150000"/>
               </a:lnSpc>
@@ -12581,7 +12197,7 @@
               <a:buNone/>
             </a:pPr>
             <a:r>
-              <a:rPr b="1" dirty="0" sz="1800" kern="100" lang="en-US">
+              <a:rPr lang="en-US" sz="1800" b="1" kern="100" dirty="0">
                 <a:effectLst/>
                 <a:latin typeface="Times New Roman" panose="02020603050405020304" pitchFamily="18" charset="0"/>
                 <a:ea typeface="Calibri" panose="020F0502020204030204" pitchFamily="34" charset="0"/>
@@ -12589,7 +12205,7 @@
               </a:rPr>
               <a:t>Goods/Travels Registration</a:t>
             </a:r>
-            <a:endParaRPr dirty="0" sz="1800" lang="en-US">
+            <a:endParaRPr lang="en-US" sz="1800" dirty="0">
               <a:effectLst/>
               <a:latin typeface="Calibri" panose="020F0502020204030204" pitchFamily="34" charset="0"/>
               <a:ea typeface="Calibri" panose="020F0502020204030204" pitchFamily="34" charset="0"/>
@@ -12597,7 +12213,7 @@
             </a:endParaRPr>
           </a:p>
           <a:p>
-            <a:pPr indent="457200" marL="457200" marR="0">
+            <a:pPr marL="457200" marR="0" indent="457200">
               <a:lnSpc>
                 <a:spcPct val="150000"/>
               </a:lnSpc>
@@ -12609,87 +12225,15 @@
               </a:spcAft>
             </a:pPr>
             <a:r>
-              <a:rPr dirty="0" sz="1800" kern="100" lang="en-US">
+              <a:rPr lang="en-US" sz="1800" kern="100" dirty="0">
                 <a:effectLst/>
                 <a:latin typeface="Times New Roman" panose="02020603050405020304" pitchFamily="18" charset="0"/>
                 <a:ea typeface="Calibri" panose="020F0502020204030204" pitchFamily="34" charset="0"/>
                 <a:cs typeface="Times New Roman" panose="02020603050405020304" pitchFamily="18" charset="0"/>
               </a:rPr>
-              <a:t>If the user needs to send any goods are make any trip, admin has allocate the drivers and </a:t>
-            </a:r>
-            <a:r>
-              <a:rPr dirty="0" sz="1800" kern="100" lang="en-US">
-                <a:effectLst/>
-                <a:latin typeface="Times New Roman" panose="02020603050405020304" pitchFamily="18" charset="0"/>
-                <a:ea typeface="Calibri" panose="020F0502020204030204" pitchFamily="34" charset="0"/>
-                <a:cs typeface="Times New Roman" panose="02020603050405020304" pitchFamily="18" charset="0"/>
-              </a:rPr>
-              <a:t>v</a:t>
-            </a:r>
-            <a:r>
-              <a:rPr dirty="0" sz="1800" kern="100" lang="en-US">
-                <a:effectLst/>
-                <a:latin typeface="Times New Roman" panose="02020603050405020304" pitchFamily="18" charset="0"/>
-                <a:ea typeface="Calibri" panose="020F0502020204030204" pitchFamily="34" charset="0"/>
-                <a:cs typeface="Times New Roman" panose="02020603050405020304" pitchFamily="18" charset="0"/>
-              </a:rPr>
-              <a:t>e</a:t>
-            </a:r>
-            <a:r>
-              <a:rPr dirty="0" sz="1800" kern="100" lang="en-US">
-                <a:effectLst/>
-                <a:latin typeface="Times New Roman" panose="02020603050405020304" pitchFamily="18" charset="0"/>
-                <a:ea typeface="Calibri" panose="020F0502020204030204" pitchFamily="34" charset="0"/>
-                <a:cs typeface="Times New Roman" panose="02020603050405020304" pitchFamily="18" charset="0"/>
-              </a:rPr>
-              <a:t>h</a:t>
-            </a:r>
-            <a:r>
-              <a:rPr dirty="0" sz="1800" kern="100" lang="en-US">
-                <a:effectLst/>
-                <a:latin typeface="Times New Roman" panose="02020603050405020304" pitchFamily="18" charset="0"/>
-                <a:ea typeface="Calibri" panose="020F0502020204030204" pitchFamily="34" charset="0"/>
-                <a:cs typeface="Times New Roman" panose="02020603050405020304" pitchFamily="18" charset="0"/>
-              </a:rPr>
-              <a:t>i</a:t>
-            </a:r>
-            <a:r>
-              <a:rPr dirty="0" sz="1800" kern="100" lang="en-US">
-                <a:effectLst/>
-                <a:latin typeface="Times New Roman" panose="02020603050405020304" pitchFamily="18" charset="0"/>
-                <a:ea typeface="Calibri" panose="020F0502020204030204" pitchFamily="34" charset="0"/>
-                <a:cs typeface="Times New Roman" panose="02020603050405020304" pitchFamily="18" charset="0"/>
-              </a:rPr>
-              <a:t>c</a:t>
-            </a:r>
-            <a:r>
-              <a:rPr dirty="0" sz="1800" kern="100" lang="en-US">
-                <a:effectLst/>
-                <a:latin typeface="Times New Roman" panose="02020603050405020304" pitchFamily="18" charset="0"/>
-                <a:ea typeface="Calibri" panose="020F0502020204030204" pitchFamily="34" charset="0"/>
-                <a:cs typeface="Times New Roman" panose="02020603050405020304" pitchFamily="18" charset="0"/>
-              </a:rPr>
-              <a:t>l</a:t>
-            </a:r>
-            <a:r>
-              <a:rPr dirty="0" sz="1800" kern="100" lang="en-US">
-                <a:effectLst/>
-                <a:latin typeface="Times New Roman" panose="02020603050405020304" pitchFamily="18" charset="0"/>
-                <a:ea typeface="Calibri" panose="020F0502020204030204" pitchFamily="34" charset="0"/>
-                <a:cs typeface="Times New Roman" panose="02020603050405020304" pitchFamily="18" charset="0"/>
-              </a:rPr>
-              <a:t>e</a:t>
-            </a:r>
-            <a:r>
-              <a:rPr dirty="0" sz="1800" kern="100" lang="en-US">
-                <a:effectLst/>
-                <a:latin typeface="Times New Roman" panose="02020603050405020304" pitchFamily="18" charset="0"/>
-                <a:ea typeface="Calibri" panose="020F0502020204030204" pitchFamily="34" charset="0"/>
-                <a:cs typeface="Times New Roman" panose="02020603050405020304" pitchFamily="18" charset="0"/>
-              </a:rPr>
-              <a:t> in this module. In this module is main work as an allocate the works to the drivers.</a:t>
-            </a:r>
-            <a:endParaRPr dirty="0" sz="1800" lang="en-US">
+              <a:t>If the user needs to send any goods are make any trip, admin has allocate the drivers and vehicle in this module. In this module is main work as an allocate the works to the drivers.</a:t>
+            </a:r>
+            <a:endParaRPr lang="en-US" sz="1800" dirty="0">
               <a:effectLst/>
               <a:latin typeface="Calibri" panose="020F0502020204030204" pitchFamily="34" charset="0"/>
               <a:ea typeface="Calibri" panose="020F0502020204030204" pitchFamily="34" charset="0"/>
@@ -12711,7 +12255,7 @@
   <p:cSld>
     <p:spTree>
       <p:nvGrpSpPr>
-        <p:cNvPr id="60" name=""/>
+        <p:cNvPr id="1" name=""/>
         <p:cNvGrpSpPr/>
         <p:nvPr/>
       </p:nvGrpSpPr>
@@ -12736,6 +12280,7 @@
         <p:spPr/>
         <p:txBody>
           <a:bodyPr/>
+          <a:lstStyle/>
           <a:p>
             <a:endParaRPr lang="en-US"/>
           </a:p>
@@ -12756,8 +12301,9 @@
           <a:bodyPr>
             <a:normAutofit/>
           </a:bodyPr>
-          <a:p>
-            <a:pPr indent="0" lvl="0" marL="0" marR="0">
+          <a:lstStyle/>
+          <a:p>
+            <a:pPr marL="0" marR="0" lvl="0" indent="0">
               <a:lnSpc>
                 <a:spcPct val="150000"/>
               </a:lnSpc>
@@ -12770,7 +12316,7 @@
               <a:buNone/>
             </a:pPr>
             <a:r>
-              <a:rPr b="1" dirty="0" sz="1800" kern="100" lang="en-US">
+              <a:rPr lang="en-US" sz="1800" b="1" kern="100" dirty="0">
                 <a:effectLst/>
                 <a:latin typeface="Times New Roman" panose="02020603050405020304" pitchFamily="18" charset="0"/>
                 <a:ea typeface="Calibri" panose="020F0502020204030204" pitchFamily="34" charset="0"/>
@@ -12778,7 +12324,7 @@
               </a:rPr>
               <a:t>Delivery status</a:t>
             </a:r>
-            <a:endParaRPr dirty="0" sz="1800" lang="en-US">
+            <a:endParaRPr lang="en-US" sz="1800" dirty="0">
               <a:effectLst/>
               <a:latin typeface="Calibri" panose="020F0502020204030204" pitchFamily="34" charset="0"/>
               <a:ea typeface="Calibri" panose="020F0502020204030204" pitchFamily="34" charset="0"/>
@@ -12786,7 +12332,7 @@
             </a:endParaRPr>
           </a:p>
           <a:p>
-            <a:pPr indent="457200" marL="457200" marR="0">
+            <a:pPr marL="457200" marR="0" indent="457200">
               <a:lnSpc>
                 <a:spcPct val="150000"/>
               </a:lnSpc>
@@ -12798,7 +12344,7 @@
               </a:spcAft>
             </a:pPr>
             <a:r>
-              <a:rPr dirty="0" sz="1800" kern="100" lang="en-US">
+              <a:rPr lang="en-US" sz="1800" kern="100" dirty="0">
                 <a:effectLst/>
                 <a:latin typeface="Times New Roman" panose="02020603050405020304" pitchFamily="18" charset="0"/>
                 <a:ea typeface="Calibri" panose="020F0502020204030204" pitchFamily="34" charset="0"/>
@@ -12806,7 +12352,7 @@
               </a:rPr>
               <a:t>The delivery details also updated by the admin, once the trip or goods has been reached the status has been changed by the admin.</a:t>
             </a:r>
-            <a:endParaRPr dirty="0" sz="1800" lang="en-US">
+            <a:endParaRPr lang="en-US" sz="1800" dirty="0">
               <a:effectLst/>
               <a:latin typeface="Calibri" panose="020F0502020204030204" pitchFamily="34" charset="0"/>
               <a:ea typeface="Calibri" panose="020F0502020204030204" pitchFamily="34" charset="0"/>
@@ -12814,7 +12360,7 @@
             </a:endParaRPr>
           </a:p>
           <a:p>
-            <a:pPr indent="0" lvl="0" marL="0" marR="0">
+            <a:pPr marL="0" marR="0" lvl="0" indent="0">
               <a:lnSpc>
                 <a:spcPct val="150000"/>
               </a:lnSpc>
@@ -12827,7 +12373,7 @@
               <a:buNone/>
             </a:pPr>
             <a:r>
-              <a:rPr b="1" dirty="0" sz="1800" kern="100" lang="en-US">
+              <a:rPr lang="en-US" sz="1800" b="1" kern="100" dirty="0">
                 <a:effectLst/>
                 <a:latin typeface="Times New Roman" panose="02020603050405020304" pitchFamily="18" charset="0"/>
                 <a:ea typeface="Calibri" panose="020F0502020204030204" pitchFamily="34" charset="0"/>
@@ -12835,7 +12381,7 @@
               </a:rPr>
               <a:t>Billing details</a:t>
             </a:r>
-            <a:endParaRPr dirty="0" sz="1800" lang="en-US">
+            <a:endParaRPr lang="en-US" sz="1800" dirty="0">
               <a:effectLst/>
               <a:latin typeface="Calibri" panose="020F0502020204030204" pitchFamily="34" charset="0"/>
               <a:ea typeface="Calibri" panose="020F0502020204030204" pitchFamily="34" charset="0"/>
@@ -12843,7 +12389,7 @@
             </a:endParaRPr>
           </a:p>
           <a:p>
-            <a:pPr indent="457200" marL="457200" marR="0">
+            <a:pPr marL="457200" marR="0" indent="457200">
               <a:lnSpc>
                 <a:spcPct val="150000"/>
               </a:lnSpc>
@@ -12855,7 +12401,7 @@
               </a:spcAft>
             </a:pPr>
             <a:r>
-              <a:rPr dirty="0" sz="1800" kern="100" lang="en-US">
+              <a:rPr lang="en-US" sz="1800" kern="100" dirty="0">
                 <a:effectLst/>
                 <a:latin typeface="Times New Roman" panose="02020603050405020304" pitchFamily="18" charset="0"/>
                 <a:ea typeface="Calibri" panose="020F0502020204030204" pitchFamily="34" charset="0"/>
@@ -12863,7 +12409,7 @@
               </a:rPr>
               <a:t>The billing details will be taken care for the admin, we can see the billing as a date wise to the view the transport details.</a:t>
             </a:r>
-            <a:endParaRPr dirty="0" sz="1800" lang="en-US">
+            <a:endParaRPr lang="en-US" sz="1800" dirty="0">
               <a:effectLst/>
               <a:latin typeface="Calibri" panose="020F0502020204030204" pitchFamily="34" charset="0"/>
               <a:ea typeface="Calibri" panose="020F0502020204030204" pitchFamily="34" charset="0"/>
@@ -12885,10 +12431,10 @@
   <a:themeElements>
     <a:clrScheme name="Organic">
       <a:dk1>
-        <a:sysClr lastClr="000000" val="windowText"/>
+        <a:sysClr val="windowText" lastClr="000000"/>
       </a:dk1>
       <a:lt1>
-        <a:sysClr lastClr="FFFFFF" val="window"/>
+        <a:sysClr val="window" lastClr="FFFFFF"/>
       </a:lt1>
       <a:dk2>
         <a:srgbClr val="212121"/>
@@ -13029,7 +12575,7 @@
               </a:schemeClr>
             </a:duotone>
           </a:blip>
-          <a:tile algn="tl" flip="none" sx="100000" sy="100000" tx="0" ty="0"/>
+          <a:tile tx="0" ty="0" sx="100000" sy="100000" flip="none" algn="tl"/>
         </a:blipFill>
       </a:fillStyleLst>
       <a:lnStyleLst>
@@ -13058,7 +12604,7 @@
         </a:effectStyle>
         <a:effectStyle>
           <a:effectLst>
-            <a:innerShdw blurRad="25400" dir="13500000" dist="12700">
+            <a:innerShdw blurRad="25400" dist="12700" dir="13500000">
               <a:srgbClr val="000000">
                 <a:alpha val="45000"/>
               </a:srgbClr>
@@ -13067,7 +12613,7 @@
         </a:effectStyle>
         <a:effectStyle>
           <a:effectLst>
-            <a:outerShdw blurRad="38100" dir="5400000" dist="25400" rotWithShape="0">
+            <a:outerShdw blurRad="38100" dist="25400" dir="5400000" rotWithShape="0">
               <a:srgbClr val="000000">
                 <a:alpha val="60000"/>
               </a:srgbClr>
@@ -13105,6 +12651,8 @@
       </a:bgFillStyleLst>
     </a:fmtScheme>
   </a:themeElements>
+  <a:objectDefaults/>
+  <a:extraClrSchemeLst/>
 </a:theme>
 </file>
 
@@ -13113,10 +12661,10 @@
   <a:themeElements>
     <a:clrScheme name="Office">
       <a:dk1>
-        <a:sysClr lastClr="000000" val="windowText"/>
+        <a:sysClr val="windowText" lastClr="000000"/>
       </a:dk1>
       <a:lt1>
-        <a:sysClr lastClr="FFFFFF" val="window"/>
+        <a:sysClr val="window" lastClr="FFFFFF"/>
       </a:lt1>
       <a:dk2>
         <a:srgbClr val="44546A"/>
@@ -13311,7 +12859,7 @@
         </a:effectStyle>
         <a:effectStyle>
           <a:effectLst>
-            <a:outerShdw algn="ctr" blurRad="57150" dir="5400000" dist="19050" rotWithShape="0">
+            <a:outerShdw blurRad="57150" dist="19050" dir="5400000" algn="ctr" rotWithShape="0">
               <a:srgbClr val="000000">
                 <a:alpha val="63000"/>
               </a:srgbClr>
@@ -13359,5 +12907,7 @@
       </a:bgFillStyleLst>
     </a:fmtScheme>
   </a:themeElements>
+  <a:objectDefaults/>
+  <a:extraClrSchemeLst/>
 </a:theme>
 </file>